--- a/Apresentacao/Apresentacao.pptx
+++ b/Apresentacao/Apresentacao.pptx
@@ -2,19 +2,17 @@
 <file path=ppt/presentation.xml><?xml version="1.0" encoding="utf-8"?>
 <p:presentation xmlns:a="http://schemas.openxmlformats.org/drawingml/2006/main" xmlns:r="http://schemas.openxmlformats.org/officeDocument/2006/relationships" xmlns:p="http://schemas.openxmlformats.org/presentationml/2006/main" showSpecialPlsOnTitleSld="0" saveSubsetFonts="1">
   <p:sldMasterIdLst>
-    <p:sldMasterId id="2147483696" r:id="rId1"/>
+    <p:sldMasterId id="2147483708" r:id="rId1"/>
   </p:sldMasterIdLst>
   <p:notesMasterIdLst>
-    <p:notesMasterId r:id="rId7"/>
+    <p:notesMasterId r:id="rId5"/>
   </p:notesMasterIdLst>
   <p:sldIdLst>
     <p:sldId id="257" r:id="rId2"/>
     <p:sldId id="258" r:id="rId3"/>
-    <p:sldId id="259" r:id="rId4"/>
-    <p:sldId id="260" r:id="rId5"/>
-    <p:sldId id="261" r:id="rId6"/>
+    <p:sldId id="262" r:id="rId4"/>
   </p:sldIdLst>
-  <p:sldSz cx="12192000" cy="6858000"/>
+  <p:sldSz cx="9144000" cy="6858000" type="screen4x3"/>
   <p:notesSz cx="6858000" cy="9144000"/>
   <p:defaultTextStyle>
     <a:defPPr>
@@ -111,6 +109,11 @@
       </a:defRPr>
     </a:lvl9pPr>
   </p:defaultTextStyle>
+  <p:extLst>
+    <p:ext uri="{EFAFB233-063F-42B5-8137-9DF3F51BA10A}">
+      <p15:sldGuideLst xmlns:p15="http://schemas.microsoft.com/office/powerpoint/2012/main"/>
+    </p:ext>
+  </p:extLst>
 </p:presentation>
 </file>
 
@@ -196,7 +199,7 @@
           <a:p>
             <a:fld id="{4ECFF89F-550C-4129-B05B-5F50C6FAE430}" type="datetimeFigureOut">
               <a:rPr lang="pt-BR" smtClean="0"/>
-              <a:t>27/05/2014</a:t>
+              <a:t>28/05/2014</a:t>
             </a:fld>
             <a:endParaRPr lang="pt-BR"/>
           </a:p>
@@ -214,8 +217,8 @@
         </p:nvSpPr>
         <p:spPr>
           <a:xfrm>
-            <a:off x="685800" y="1143000"/>
-            <a:ext cx="5486400" cy="3086100"/>
+            <a:off x="1371600" y="1143000"/>
+            <a:ext cx="4114800" cy="3086100"/>
           </a:xfrm>
           <a:prstGeom prst="rect">
             <a:avLst/>
@@ -491,7 +494,12 @@
             <p:ph type="sldImg"/>
           </p:nvPr>
         </p:nvSpPr>
-        <p:spPr/>
+        <p:spPr>
+          <a:xfrm>
+            <a:off x="1371600" y="1143000"/>
+            <a:ext cx="4114800" cy="3086100"/>
+          </a:xfrm>
+        </p:spPr>
       </p:sp>
       <p:sp>
         <p:nvSpPr>
@@ -575,7 +583,12 @@
             <p:ph type="sldImg"/>
           </p:nvPr>
         </p:nvSpPr>
-        <p:spPr/>
+        <p:spPr>
+          <a:xfrm>
+            <a:off x="1371600" y="1143000"/>
+            <a:ext cx="4114800" cy="3086100"/>
+          </a:xfrm>
+        </p:spPr>
       </p:sp>
       <p:sp>
         <p:nvSpPr>
@@ -622,175 +635,7 @@
     </p:spTree>
     <p:extLst>
       <p:ext uri="{BB962C8B-B14F-4D97-AF65-F5344CB8AC3E}">
-        <p14:creationId xmlns:p14="http://schemas.microsoft.com/office/powerpoint/2010/main" val="2496421957"/>
-      </p:ext>
-    </p:extLst>
-  </p:cSld>
-  <p:clrMapOvr>
-    <a:masterClrMapping/>
-  </p:clrMapOvr>
-</p:notes>
-</file>
-
-<file path=ppt/notesSlides/notesSlide3.xml><?xml version="1.0" encoding="utf-8"?>
-<p:notes xmlns:a="http://schemas.openxmlformats.org/drawingml/2006/main" xmlns:r="http://schemas.openxmlformats.org/officeDocument/2006/relationships" xmlns:p="http://schemas.openxmlformats.org/presentationml/2006/main">
-  <p:cSld>
-    <p:spTree>
-      <p:nvGrpSpPr>
-        <p:cNvPr id="1" name=""/>
-        <p:cNvGrpSpPr/>
-        <p:nvPr/>
-      </p:nvGrpSpPr>
-      <p:grpSpPr>
-        <a:xfrm>
-          <a:off x="0" y="0"/>
-          <a:ext cx="0" cy="0"/>
-          <a:chOff x="0" y="0"/>
-          <a:chExt cx="0" cy="0"/>
-        </a:xfrm>
-      </p:grpSpPr>
-      <p:sp>
-        <p:nvSpPr>
-          <p:cNvPr id="2" name="Espaço Reservado para Imagem de Slide 1"/>
-          <p:cNvSpPr>
-            <a:spLocks noGrp="1" noRot="1" noChangeAspect="1"/>
-          </p:cNvSpPr>
-          <p:nvPr>
-            <p:ph type="sldImg"/>
-          </p:nvPr>
-        </p:nvSpPr>
-        <p:spPr/>
-      </p:sp>
-      <p:sp>
-        <p:nvSpPr>
-          <p:cNvPr id="3" name="Espaço Reservado para Anotações 2"/>
-          <p:cNvSpPr>
-            <a:spLocks noGrp="1"/>
-          </p:cNvSpPr>
-          <p:nvPr>
-            <p:ph type="body" idx="1"/>
-          </p:nvPr>
-        </p:nvSpPr>
-        <p:spPr/>
-        <p:txBody>
-          <a:bodyPr/>
-          <a:lstStyle/>
-          <a:p>
-            <a:endParaRPr lang="pt-BR"/>
-          </a:p>
-        </p:txBody>
-      </p:sp>
-      <p:sp>
-        <p:nvSpPr>
-          <p:cNvPr id="4" name="Espaço Reservado para Número de Slide 3"/>
-          <p:cNvSpPr>
-            <a:spLocks noGrp="1"/>
-          </p:cNvSpPr>
-          <p:nvPr>
-            <p:ph type="sldNum" sz="quarter" idx="10"/>
-          </p:nvPr>
-        </p:nvSpPr>
-        <p:spPr/>
-        <p:txBody>
-          <a:bodyPr/>
-          <a:lstStyle/>
-          <a:p>
-            <a:fld id="{1CA53FDC-004F-4EB0-83CE-561FF9E1969C}" type="slidenum">
-              <a:rPr lang="pt-BR" smtClean="0"/>
-              <a:t>4</a:t>
-            </a:fld>
-            <a:endParaRPr lang="pt-BR"/>
-          </a:p>
-        </p:txBody>
-      </p:sp>
-    </p:spTree>
-    <p:extLst>
-      <p:ext uri="{BB962C8B-B14F-4D97-AF65-F5344CB8AC3E}">
-        <p14:creationId xmlns:p14="http://schemas.microsoft.com/office/powerpoint/2010/main" val="1656167695"/>
-      </p:ext>
-    </p:extLst>
-  </p:cSld>
-  <p:clrMapOvr>
-    <a:masterClrMapping/>
-  </p:clrMapOvr>
-</p:notes>
-</file>
-
-<file path=ppt/notesSlides/notesSlide4.xml><?xml version="1.0" encoding="utf-8"?>
-<p:notes xmlns:a="http://schemas.openxmlformats.org/drawingml/2006/main" xmlns:r="http://schemas.openxmlformats.org/officeDocument/2006/relationships" xmlns:p="http://schemas.openxmlformats.org/presentationml/2006/main">
-  <p:cSld>
-    <p:spTree>
-      <p:nvGrpSpPr>
-        <p:cNvPr id="1" name=""/>
-        <p:cNvGrpSpPr/>
-        <p:nvPr/>
-      </p:nvGrpSpPr>
-      <p:grpSpPr>
-        <a:xfrm>
-          <a:off x="0" y="0"/>
-          <a:ext cx="0" cy="0"/>
-          <a:chOff x="0" y="0"/>
-          <a:chExt cx="0" cy="0"/>
-        </a:xfrm>
-      </p:grpSpPr>
-      <p:sp>
-        <p:nvSpPr>
-          <p:cNvPr id="2" name="Espaço Reservado para Imagem de Slide 1"/>
-          <p:cNvSpPr>
-            <a:spLocks noGrp="1" noRot="1" noChangeAspect="1"/>
-          </p:cNvSpPr>
-          <p:nvPr>
-            <p:ph type="sldImg"/>
-          </p:nvPr>
-        </p:nvSpPr>
-        <p:spPr/>
-      </p:sp>
-      <p:sp>
-        <p:nvSpPr>
-          <p:cNvPr id="3" name="Espaço Reservado para Anotações 2"/>
-          <p:cNvSpPr>
-            <a:spLocks noGrp="1"/>
-          </p:cNvSpPr>
-          <p:nvPr>
-            <p:ph type="body" idx="1"/>
-          </p:nvPr>
-        </p:nvSpPr>
-        <p:spPr/>
-        <p:txBody>
-          <a:bodyPr/>
-          <a:lstStyle/>
-          <a:p>
-            <a:endParaRPr lang="pt-BR"/>
-          </a:p>
-        </p:txBody>
-      </p:sp>
-      <p:sp>
-        <p:nvSpPr>
-          <p:cNvPr id="4" name="Espaço Reservado para Número de Slide 3"/>
-          <p:cNvSpPr>
-            <a:spLocks noGrp="1"/>
-          </p:cNvSpPr>
-          <p:nvPr>
-            <p:ph type="sldNum" sz="quarter" idx="10"/>
-          </p:nvPr>
-        </p:nvSpPr>
-        <p:spPr/>
-        <p:txBody>
-          <a:bodyPr/>
-          <a:lstStyle/>
-          <a:p>
-            <a:fld id="{1CA53FDC-004F-4EB0-83CE-561FF9E1969C}" type="slidenum">
-              <a:rPr lang="pt-BR" smtClean="0"/>
-              <a:t>5</a:t>
-            </a:fld>
-            <a:endParaRPr lang="pt-BR"/>
-          </a:p>
-        </p:txBody>
-      </p:sp>
-    </p:spTree>
-    <p:extLst>
-      <p:ext uri="{BB962C8B-B14F-4D97-AF65-F5344CB8AC3E}">
-        <p14:creationId xmlns:p14="http://schemas.microsoft.com/office/powerpoint/2010/main" val="688342670"/>
+        <p14:creationId xmlns:p14="http://schemas.microsoft.com/office/powerpoint/2010/main" val="2710605642"/>
       </p:ext>
     </p:extLst>
   </p:cSld>
@@ -819,7 +664,7 @@
       </p:grpSpPr>
       <p:sp>
         <p:nvSpPr>
-          <p:cNvPr id="2" name="Título 1"/>
+          <p:cNvPr id="2" name="Title 1"/>
           <p:cNvSpPr>
             <a:spLocks noGrp="1"/>
           </p:cNvSpPr>
@@ -829,8 +674,8 @@
         </p:nvSpPr>
         <p:spPr>
           <a:xfrm>
-            <a:off x="1524000" y="1122363"/>
-            <a:ext cx="9144000" cy="2387600"/>
+            <a:off x="685800" y="1122363"/>
+            <a:ext cx="7772400" cy="2387600"/>
           </a:xfrm>
         </p:spPr>
         <p:txBody>
@@ -845,13 +690,13 @@
               <a:rPr lang="pt-BR" smtClean="0"/>
               <a:t>Clique para editar o título mestre</a:t>
             </a:r>
-            <a:endParaRPr lang="pt-BR"/>
-          </a:p>
-        </p:txBody>
-      </p:sp>
-      <p:sp>
-        <p:nvSpPr>
-          <p:cNvPr id="3" name="Subtítulo 2"/>
+            <a:endParaRPr lang="en-US" dirty="0"/>
+          </a:p>
+        </p:txBody>
+      </p:sp>
+      <p:sp>
+        <p:nvSpPr>
+          <p:cNvPr id="3" name="Subtitle 2"/>
           <p:cNvSpPr>
             <a:spLocks noGrp="1"/>
           </p:cNvSpPr>
@@ -861,8 +706,8 @@
         </p:nvSpPr>
         <p:spPr>
           <a:xfrm>
-            <a:off x="1524000" y="3602038"/>
-            <a:ext cx="9144000" cy="1655762"/>
+            <a:off x="1143000" y="3602038"/>
+            <a:ext cx="6858000" cy="1655762"/>
           </a:xfrm>
         </p:spPr>
         <p:txBody>
@@ -910,13 +755,13 @@
               <a:rPr lang="pt-BR" smtClean="0"/>
               <a:t>Clique para editar o estilo do subtítulo mestre</a:t>
             </a:r>
-            <a:endParaRPr lang="pt-BR"/>
-          </a:p>
-        </p:txBody>
-      </p:sp>
-      <p:sp>
-        <p:nvSpPr>
-          <p:cNvPr id="4" name="Espaço Reservado para Data 3"/>
+            <a:endParaRPr lang="en-US" dirty="0"/>
+          </a:p>
+        </p:txBody>
+      </p:sp>
+      <p:sp>
+        <p:nvSpPr>
+          <p:cNvPr id="4" name="Date Placeholder 3"/>
           <p:cNvSpPr>
             <a:spLocks noGrp="1"/>
           </p:cNvSpPr>
@@ -931,7 +776,7 @@
           <a:p>
             <a:fld id="{4E4CBB3D-E4FE-4A11-A052-CD86F1E69DB8}" type="datetime1">
               <a:rPr lang="pt-BR" smtClean="0"/>
-              <a:t>27/05/2014</a:t>
+              <a:t>28/05/2014</a:t>
             </a:fld>
             <a:endParaRPr lang="pt-BR"/>
           </a:p>
@@ -939,7 +784,7 @@
       </p:sp>
       <p:sp>
         <p:nvSpPr>
-          <p:cNvPr id="5" name="Espaço Reservado para Rodapé 4"/>
+          <p:cNvPr id="5" name="Footer Placeholder 4"/>
           <p:cNvSpPr>
             <a:spLocks noGrp="1"/>
           </p:cNvSpPr>
@@ -962,7 +807,7 @@
       </p:sp>
       <p:sp>
         <p:nvSpPr>
-          <p:cNvPr id="6" name="Espaço Reservado para Número de Slide 5"/>
+          <p:cNvPr id="6" name="Slide Number Placeholder 5"/>
           <p:cNvSpPr>
             <a:spLocks noGrp="1"/>
           </p:cNvSpPr>
@@ -986,7 +831,7 @@
     </p:spTree>
     <p:extLst>
       <p:ext uri="{BB962C8B-B14F-4D97-AF65-F5344CB8AC3E}">
-        <p14:creationId xmlns:p14="http://schemas.microsoft.com/office/powerpoint/2010/main" val="2344167487"/>
+        <p14:creationId xmlns:p14="http://schemas.microsoft.com/office/powerpoint/2010/main" val="4162737786"/>
       </p:ext>
     </p:extLst>
   </p:cSld>
@@ -1015,7 +860,7 @@
       </p:grpSpPr>
       <p:sp>
         <p:nvSpPr>
-          <p:cNvPr id="2" name="Título 1"/>
+          <p:cNvPr id="2" name="Title 1"/>
           <p:cNvSpPr>
             <a:spLocks noGrp="1"/>
           </p:cNvSpPr>
@@ -1032,13 +877,13 @@
               <a:rPr lang="pt-BR" smtClean="0"/>
               <a:t>Clique para editar o título mestre</a:t>
             </a:r>
-            <a:endParaRPr lang="pt-BR"/>
-          </a:p>
-        </p:txBody>
-      </p:sp>
-      <p:sp>
-        <p:nvSpPr>
-          <p:cNvPr id="3" name="Espaço Reservado para Texto Vertical 2"/>
+            <a:endParaRPr lang="en-US" dirty="0"/>
+          </a:p>
+        </p:txBody>
+      </p:sp>
+      <p:sp>
+        <p:nvSpPr>
+          <p:cNvPr id="3" name="Vertical Text Placeholder 2"/>
           <p:cNvSpPr>
             <a:spLocks noGrp="1"/>
           </p:cNvSpPr>
@@ -1084,13 +929,13 @@
               <a:rPr lang="pt-BR" smtClean="0"/>
               <a:t>Quinto nível</a:t>
             </a:r>
-            <a:endParaRPr lang="pt-BR"/>
-          </a:p>
-        </p:txBody>
-      </p:sp>
-      <p:sp>
-        <p:nvSpPr>
-          <p:cNvPr id="4" name="Espaço Reservado para Data 3"/>
+            <a:endParaRPr lang="en-US" dirty="0"/>
+          </a:p>
+        </p:txBody>
+      </p:sp>
+      <p:sp>
+        <p:nvSpPr>
+          <p:cNvPr id="4" name="Date Placeholder 3"/>
           <p:cNvSpPr>
             <a:spLocks noGrp="1"/>
           </p:cNvSpPr>
@@ -1105,7 +950,7 @@
           <a:p>
             <a:fld id="{85B6E4B1-8EB5-4003-A55F-F71688338A99}" type="datetime1">
               <a:rPr lang="pt-BR" smtClean="0"/>
-              <a:t>27/05/2014</a:t>
+              <a:t>28/05/2014</a:t>
             </a:fld>
             <a:endParaRPr lang="pt-BR"/>
           </a:p>
@@ -1113,7 +958,7 @@
       </p:sp>
       <p:sp>
         <p:nvSpPr>
-          <p:cNvPr id="5" name="Espaço Reservado para Rodapé 4"/>
+          <p:cNvPr id="5" name="Footer Placeholder 4"/>
           <p:cNvSpPr>
             <a:spLocks noGrp="1"/>
           </p:cNvSpPr>
@@ -1136,7 +981,7 @@
       </p:sp>
       <p:sp>
         <p:nvSpPr>
-          <p:cNvPr id="6" name="Espaço Reservado para Número de Slide 5"/>
+          <p:cNvPr id="6" name="Slide Number Placeholder 5"/>
           <p:cNvSpPr>
             <a:spLocks noGrp="1"/>
           </p:cNvSpPr>
@@ -1160,7 +1005,7 @@
     </p:spTree>
     <p:extLst>
       <p:ext uri="{BB962C8B-B14F-4D97-AF65-F5344CB8AC3E}">
-        <p14:creationId xmlns:p14="http://schemas.microsoft.com/office/powerpoint/2010/main" val="3788614917"/>
+        <p14:creationId xmlns:p14="http://schemas.microsoft.com/office/powerpoint/2010/main" val="996571039"/>
       </p:ext>
     </p:extLst>
   </p:cSld>
@@ -1189,7 +1034,7 @@
       </p:grpSpPr>
       <p:sp>
         <p:nvSpPr>
-          <p:cNvPr id="2" name="Título Vertical 1"/>
+          <p:cNvPr id="2" name="Vertical Title 1"/>
           <p:cNvSpPr>
             <a:spLocks noGrp="1"/>
           </p:cNvSpPr>
@@ -1199,8 +1044,8 @@
         </p:nvSpPr>
         <p:spPr>
           <a:xfrm>
-            <a:off x="8724900" y="365125"/>
-            <a:ext cx="2628900" cy="5811838"/>
+            <a:off x="6543675" y="365125"/>
+            <a:ext cx="1971675" cy="5811838"/>
           </a:xfrm>
         </p:spPr>
         <p:txBody>
@@ -1211,13 +1056,13 @@
               <a:rPr lang="pt-BR" smtClean="0"/>
               <a:t>Clique para editar o título mestre</a:t>
             </a:r>
-            <a:endParaRPr lang="pt-BR"/>
-          </a:p>
-        </p:txBody>
-      </p:sp>
-      <p:sp>
-        <p:nvSpPr>
-          <p:cNvPr id="3" name="Espaço Reservado para Texto Vertical 2"/>
+            <a:endParaRPr lang="en-US" dirty="0"/>
+          </a:p>
+        </p:txBody>
+      </p:sp>
+      <p:sp>
+        <p:nvSpPr>
+          <p:cNvPr id="3" name="Vertical Text Placeholder 2"/>
           <p:cNvSpPr>
             <a:spLocks noGrp="1"/>
           </p:cNvSpPr>
@@ -1227,8 +1072,8 @@
         </p:nvSpPr>
         <p:spPr>
           <a:xfrm>
-            <a:off x="838200" y="365125"/>
-            <a:ext cx="7734300" cy="5811838"/>
+            <a:off x="628650" y="365125"/>
+            <a:ext cx="5800725" cy="5811838"/>
           </a:xfrm>
         </p:spPr>
         <p:txBody>
@@ -1268,13 +1113,13 @@
               <a:rPr lang="pt-BR" smtClean="0"/>
               <a:t>Quinto nível</a:t>
             </a:r>
-            <a:endParaRPr lang="pt-BR"/>
-          </a:p>
-        </p:txBody>
-      </p:sp>
-      <p:sp>
-        <p:nvSpPr>
-          <p:cNvPr id="4" name="Espaço Reservado para Data 3"/>
+            <a:endParaRPr lang="en-US" dirty="0"/>
+          </a:p>
+        </p:txBody>
+      </p:sp>
+      <p:sp>
+        <p:nvSpPr>
+          <p:cNvPr id="4" name="Date Placeholder 3"/>
           <p:cNvSpPr>
             <a:spLocks noGrp="1"/>
           </p:cNvSpPr>
@@ -1289,7 +1134,7 @@
           <a:p>
             <a:fld id="{EE51AD5F-C92F-4634-B5E4-2AC2D7CCADC3}" type="datetime1">
               <a:rPr lang="pt-BR" smtClean="0"/>
-              <a:t>27/05/2014</a:t>
+              <a:t>28/05/2014</a:t>
             </a:fld>
             <a:endParaRPr lang="pt-BR"/>
           </a:p>
@@ -1297,7 +1142,7 @@
       </p:sp>
       <p:sp>
         <p:nvSpPr>
-          <p:cNvPr id="5" name="Espaço Reservado para Rodapé 4"/>
+          <p:cNvPr id="5" name="Footer Placeholder 4"/>
           <p:cNvSpPr>
             <a:spLocks noGrp="1"/>
           </p:cNvSpPr>
@@ -1320,7 +1165,7 @@
       </p:sp>
       <p:sp>
         <p:nvSpPr>
-          <p:cNvPr id="6" name="Espaço Reservado para Número de Slide 5"/>
+          <p:cNvPr id="6" name="Slide Number Placeholder 5"/>
           <p:cNvSpPr>
             <a:spLocks noGrp="1"/>
           </p:cNvSpPr>
@@ -1344,7 +1189,7 @@
     </p:spTree>
     <p:extLst>
       <p:ext uri="{BB962C8B-B14F-4D97-AF65-F5344CB8AC3E}">
-        <p14:creationId xmlns:p14="http://schemas.microsoft.com/office/powerpoint/2010/main" val="2807699292"/>
+        <p14:creationId xmlns:p14="http://schemas.microsoft.com/office/powerpoint/2010/main" val="3972773614"/>
       </p:ext>
     </p:extLst>
   </p:cSld>
@@ -1373,7 +1218,7 @@
       </p:grpSpPr>
       <p:sp>
         <p:nvSpPr>
-          <p:cNvPr id="2" name="Título 1"/>
+          <p:cNvPr id="2" name="Title 1"/>
           <p:cNvSpPr>
             <a:spLocks noGrp="1"/>
           </p:cNvSpPr>
@@ -1390,13 +1235,13 @@
               <a:rPr lang="pt-BR" smtClean="0"/>
               <a:t>Clique para editar o título mestre</a:t>
             </a:r>
-            <a:endParaRPr lang="pt-BR"/>
-          </a:p>
-        </p:txBody>
-      </p:sp>
-      <p:sp>
-        <p:nvSpPr>
-          <p:cNvPr id="3" name="Espaço Reservado para Conteúdo 2"/>
+            <a:endParaRPr lang="en-US" dirty="0"/>
+          </a:p>
+        </p:txBody>
+      </p:sp>
+      <p:sp>
+        <p:nvSpPr>
+          <p:cNvPr id="3" name="Content Placeholder 2"/>
           <p:cNvSpPr>
             <a:spLocks noGrp="1"/>
           </p:cNvSpPr>
@@ -1442,13 +1287,13 @@
               <a:rPr lang="pt-BR" smtClean="0"/>
               <a:t>Quinto nível</a:t>
             </a:r>
-            <a:endParaRPr lang="pt-BR"/>
-          </a:p>
-        </p:txBody>
-      </p:sp>
-      <p:sp>
-        <p:nvSpPr>
-          <p:cNvPr id="4" name="Espaço Reservado para Data 3"/>
+            <a:endParaRPr lang="en-US" dirty="0"/>
+          </a:p>
+        </p:txBody>
+      </p:sp>
+      <p:sp>
+        <p:nvSpPr>
+          <p:cNvPr id="4" name="Date Placeholder 3"/>
           <p:cNvSpPr>
             <a:spLocks noGrp="1"/>
           </p:cNvSpPr>
@@ -1463,7 +1308,7 @@
           <a:p>
             <a:fld id="{AF7A6B12-C301-43C9-80E8-1904ED727E75}" type="datetime1">
               <a:rPr lang="pt-BR" smtClean="0"/>
-              <a:t>27/05/2014</a:t>
+              <a:t>28/05/2014</a:t>
             </a:fld>
             <a:endParaRPr lang="pt-BR"/>
           </a:p>
@@ -1471,7 +1316,7 @@
       </p:sp>
       <p:sp>
         <p:nvSpPr>
-          <p:cNvPr id="5" name="Espaço Reservado para Rodapé 4"/>
+          <p:cNvPr id="5" name="Footer Placeholder 4"/>
           <p:cNvSpPr>
             <a:spLocks noGrp="1"/>
           </p:cNvSpPr>
@@ -1494,7 +1339,7 @@
       </p:sp>
       <p:sp>
         <p:nvSpPr>
-          <p:cNvPr id="6" name="Espaço Reservado para Número de Slide 5"/>
+          <p:cNvPr id="6" name="Slide Number Placeholder 5"/>
           <p:cNvSpPr>
             <a:spLocks noGrp="1"/>
           </p:cNvSpPr>
@@ -1518,7 +1363,7 @@
     </p:spTree>
     <p:extLst>
       <p:ext uri="{BB962C8B-B14F-4D97-AF65-F5344CB8AC3E}">
-        <p14:creationId xmlns:p14="http://schemas.microsoft.com/office/powerpoint/2010/main" val="1725342199"/>
+        <p14:creationId xmlns:p14="http://schemas.microsoft.com/office/powerpoint/2010/main" val="2197190974"/>
       </p:ext>
     </p:extLst>
   </p:cSld>
@@ -1547,7 +1392,7 @@
       </p:grpSpPr>
       <p:sp>
         <p:nvSpPr>
-          <p:cNvPr id="2" name="Título 1"/>
+          <p:cNvPr id="2" name="Title 1"/>
           <p:cNvSpPr>
             <a:spLocks noGrp="1"/>
           </p:cNvSpPr>
@@ -1557,8 +1402,8 @@
         </p:nvSpPr>
         <p:spPr>
           <a:xfrm>
-            <a:off x="831850" y="1709738"/>
-            <a:ext cx="10515600" cy="2852737"/>
+            <a:off x="623888" y="1709739"/>
+            <a:ext cx="7886700" cy="2852737"/>
           </a:xfrm>
         </p:spPr>
         <p:txBody>
@@ -1573,13 +1418,13 @@
               <a:rPr lang="pt-BR" smtClean="0"/>
               <a:t>Clique para editar o título mestre</a:t>
             </a:r>
-            <a:endParaRPr lang="pt-BR"/>
-          </a:p>
-        </p:txBody>
-      </p:sp>
-      <p:sp>
-        <p:nvSpPr>
-          <p:cNvPr id="3" name="Espaço Reservado para Texto 2"/>
+            <a:endParaRPr lang="en-US" dirty="0"/>
+          </a:p>
+        </p:txBody>
+      </p:sp>
+      <p:sp>
+        <p:nvSpPr>
+          <p:cNvPr id="3" name="Text Placeholder 2"/>
           <p:cNvSpPr>
             <a:spLocks noGrp="1"/>
           </p:cNvSpPr>
@@ -1589,8 +1434,8 @@
         </p:nvSpPr>
         <p:spPr>
           <a:xfrm>
-            <a:off x="831850" y="4589463"/>
-            <a:ext cx="10515600" cy="1500187"/>
+            <a:off x="623888" y="4589464"/>
+            <a:ext cx="7886700" cy="1500187"/>
           </a:xfrm>
         </p:spPr>
         <p:txBody>
@@ -1600,9 +1445,7 @@
               <a:buNone/>
               <a:defRPr sz="2400">
                 <a:solidFill>
-                  <a:schemeClr val="tx1">
-                    <a:tint val="75000"/>
-                  </a:schemeClr>
+                  <a:schemeClr val="tx1"/>
                 </a:solidFill>
               </a:defRPr>
             </a:lvl1pPr>
@@ -1698,7 +1541,7 @@
       </p:sp>
       <p:sp>
         <p:nvSpPr>
-          <p:cNvPr id="4" name="Espaço Reservado para Data 3"/>
+          <p:cNvPr id="4" name="Date Placeholder 3"/>
           <p:cNvSpPr>
             <a:spLocks noGrp="1"/>
           </p:cNvSpPr>
@@ -1713,7 +1556,7 @@
           <a:p>
             <a:fld id="{EA74DE8B-95BD-4532-8D9F-959F73581BCD}" type="datetime1">
               <a:rPr lang="pt-BR" smtClean="0"/>
-              <a:t>27/05/2014</a:t>
+              <a:t>28/05/2014</a:t>
             </a:fld>
             <a:endParaRPr lang="pt-BR"/>
           </a:p>
@@ -1721,7 +1564,7 @@
       </p:sp>
       <p:sp>
         <p:nvSpPr>
-          <p:cNvPr id="5" name="Espaço Reservado para Rodapé 4"/>
+          <p:cNvPr id="5" name="Footer Placeholder 4"/>
           <p:cNvSpPr>
             <a:spLocks noGrp="1"/>
           </p:cNvSpPr>
@@ -1744,7 +1587,7 @@
       </p:sp>
       <p:sp>
         <p:nvSpPr>
-          <p:cNvPr id="6" name="Espaço Reservado para Número de Slide 5"/>
+          <p:cNvPr id="6" name="Slide Number Placeholder 5"/>
           <p:cNvSpPr>
             <a:spLocks noGrp="1"/>
           </p:cNvSpPr>
@@ -1768,7 +1611,7 @@
     </p:spTree>
     <p:extLst>
       <p:ext uri="{BB962C8B-B14F-4D97-AF65-F5344CB8AC3E}">
-        <p14:creationId xmlns:p14="http://schemas.microsoft.com/office/powerpoint/2010/main" val="1599146963"/>
+        <p14:creationId xmlns:p14="http://schemas.microsoft.com/office/powerpoint/2010/main" val="3690658574"/>
       </p:ext>
     </p:extLst>
   </p:cSld>
@@ -1797,7 +1640,7 @@
       </p:grpSpPr>
       <p:sp>
         <p:nvSpPr>
-          <p:cNvPr id="2" name="Título 1"/>
+          <p:cNvPr id="2" name="Title 1"/>
           <p:cNvSpPr>
             <a:spLocks noGrp="1"/>
           </p:cNvSpPr>
@@ -1814,13 +1657,13 @@
               <a:rPr lang="pt-BR" smtClean="0"/>
               <a:t>Clique para editar o título mestre</a:t>
             </a:r>
-            <a:endParaRPr lang="pt-BR"/>
-          </a:p>
-        </p:txBody>
-      </p:sp>
-      <p:sp>
-        <p:nvSpPr>
-          <p:cNvPr id="3" name="Espaço Reservado para Conteúdo 2"/>
+            <a:endParaRPr lang="en-US" dirty="0"/>
+          </a:p>
+        </p:txBody>
+      </p:sp>
+      <p:sp>
+        <p:nvSpPr>
+          <p:cNvPr id="3" name="Content Placeholder 2"/>
           <p:cNvSpPr>
             <a:spLocks noGrp="1"/>
           </p:cNvSpPr>
@@ -1830,8 +1673,8 @@
         </p:nvSpPr>
         <p:spPr>
           <a:xfrm>
-            <a:off x="838200" y="1825625"/>
-            <a:ext cx="5181600" cy="4351338"/>
+            <a:off x="628650" y="1825625"/>
+            <a:ext cx="3886200" cy="4351338"/>
           </a:xfrm>
         </p:spPr>
         <p:txBody>
@@ -1871,13 +1714,13 @@
               <a:rPr lang="pt-BR" smtClean="0"/>
               <a:t>Quinto nível</a:t>
             </a:r>
-            <a:endParaRPr lang="pt-BR"/>
-          </a:p>
-        </p:txBody>
-      </p:sp>
-      <p:sp>
-        <p:nvSpPr>
-          <p:cNvPr id="4" name="Espaço Reservado para Conteúdo 3"/>
+            <a:endParaRPr lang="en-US" dirty="0"/>
+          </a:p>
+        </p:txBody>
+      </p:sp>
+      <p:sp>
+        <p:nvSpPr>
+          <p:cNvPr id="4" name="Content Placeholder 3"/>
           <p:cNvSpPr>
             <a:spLocks noGrp="1"/>
           </p:cNvSpPr>
@@ -1887,8 +1730,8 @@
         </p:nvSpPr>
         <p:spPr>
           <a:xfrm>
-            <a:off x="6172200" y="1825625"/>
-            <a:ext cx="5181600" cy="4351338"/>
+            <a:off x="4629150" y="1825625"/>
+            <a:ext cx="3886200" cy="4351338"/>
           </a:xfrm>
         </p:spPr>
         <p:txBody>
@@ -1928,13 +1771,13 @@
               <a:rPr lang="pt-BR" smtClean="0"/>
               <a:t>Quinto nível</a:t>
             </a:r>
-            <a:endParaRPr lang="pt-BR"/>
-          </a:p>
-        </p:txBody>
-      </p:sp>
-      <p:sp>
-        <p:nvSpPr>
-          <p:cNvPr id="5" name="Espaço Reservado para Data 4"/>
+            <a:endParaRPr lang="en-US" dirty="0"/>
+          </a:p>
+        </p:txBody>
+      </p:sp>
+      <p:sp>
+        <p:nvSpPr>
+          <p:cNvPr id="5" name="Date Placeholder 4"/>
           <p:cNvSpPr>
             <a:spLocks noGrp="1"/>
           </p:cNvSpPr>
@@ -1949,7 +1792,7 @@
           <a:p>
             <a:fld id="{F77646EA-F905-42E6-8D41-D210E3D1B3B0}" type="datetime1">
               <a:rPr lang="pt-BR" smtClean="0"/>
-              <a:t>27/05/2014</a:t>
+              <a:t>28/05/2014</a:t>
             </a:fld>
             <a:endParaRPr lang="pt-BR"/>
           </a:p>
@@ -1957,7 +1800,7 @@
       </p:sp>
       <p:sp>
         <p:nvSpPr>
-          <p:cNvPr id="6" name="Espaço Reservado para Rodapé 5"/>
+          <p:cNvPr id="6" name="Footer Placeholder 5"/>
           <p:cNvSpPr>
             <a:spLocks noGrp="1"/>
           </p:cNvSpPr>
@@ -1980,7 +1823,7 @@
       </p:sp>
       <p:sp>
         <p:nvSpPr>
-          <p:cNvPr id="7" name="Espaço Reservado para Número de Slide 6"/>
+          <p:cNvPr id="7" name="Slide Number Placeholder 6"/>
           <p:cNvSpPr>
             <a:spLocks noGrp="1"/>
           </p:cNvSpPr>
@@ -2004,7 +1847,7 @@
     </p:spTree>
     <p:extLst>
       <p:ext uri="{BB962C8B-B14F-4D97-AF65-F5344CB8AC3E}">
-        <p14:creationId xmlns:p14="http://schemas.microsoft.com/office/powerpoint/2010/main" val="3893578648"/>
+        <p14:creationId xmlns:p14="http://schemas.microsoft.com/office/powerpoint/2010/main" val="3753570155"/>
       </p:ext>
     </p:extLst>
   </p:cSld>
@@ -2033,7 +1876,7 @@
       </p:grpSpPr>
       <p:sp>
         <p:nvSpPr>
-          <p:cNvPr id="2" name="Título 1"/>
+          <p:cNvPr id="2" name="Title 1"/>
           <p:cNvSpPr>
             <a:spLocks noGrp="1"/>
           </p:cNvSpPr>
@@ -2043,8 +1886,8 @@
         </p:nvSpPr>
         <p:spPr>
           <a:xfrm>
-            <a:off x="839788" y="365125"/>
-            <a:ext cx="10515600" cy="1325563"/>
+            <a:off x="629841" y="365126"/>
+            <a:ext cx="7886700" cy="1325563"/>
           </a:xfrm>
         </p:spPr>
         <p:txBody>
@@ -2055,13 +1898,13 @@
               <a:rPr lang="pt-BR" smtClean="0"/>
               <a:t>Clique para editar o título mestre</a:t>
             </a:r>
-            <a:endParaRPr lang="pt-BR"/>
-          </a:p>
-        </p:txBody>
-      </p:sp>
-      <p:sp>
-        <p:nvSpPr>
-          <p:cNvPr id="3" name="Espaço Reservado para Texto 2"/>
+            <a:endParaRPr lang="en-US" dirty="0"/>
+          </a:p>
+        </p:txBody>
+      </p:sp>
+      <p:sp>
+        <p:nvSpPr>
+          <p:cNvPr id="3" name="Text Placeholder 2"/>
           <p:cNvSpPr>
             <a:spLocks noGrp="1"/>
           </p:cNvSpPr>
@@ -2071,8 +1914,8 @@
         </p:nvSpPr>
         <p:spPr>
           <a:xfrm>
-            <a:off x="839788" y="1681163"/>
-            <a:ext cx="5157787" cy="823912"/>
+            <a:off x="629842" y="1681163"/>
+            <a:ext cx="3868340" cy="823912"/>
           </a:xfrm>
         </p:spPr>
         <p:txBody>
@@ -2126,7 +1969,7 @@
       </p:sp>
       <p:sp>
         <p:nvSpPr>
-          <p:cNvPr id="4" name="Espaço Reservado para Conteúdo 3"/>
+          <p:cNvPr id="4" name="Content Placeholder 3"/>
           <p:cNvSpPr>
             <a:spLocks noGrp="1"/>
           </p:cNvSpPr>
@@ -2136,8 +1979,8 @@
         </p:nvSpPr>
         <p:spPr>
           <a:xfrm>
-            <a:off x="839788" y="2505075"/>
-            <a:ext cx="5157787" cy="3684588"/>
+            <a:off x="629842" y="2505075"/>
+            <a:ext cx="3868340" cy="3684588"/>
           </a:xfrm>
         </p:spPr>
         <p:txBody>
@@ -2177,13 +2020,13 @@
               <a:rPr lang="pt-BR" smtClean="0"/>
               <a:t>Quinto nível</a:t>
             </a:r>
-            <a:endParaRPr lang="pt-BR"/>
-          </a:p>
-        </p:txBody>
-      </p:sp>
-      <p:sp>
-        <p:nvSpPr>
-          <p:cNvPr id="5" name="Espaço Reservado para Texto 4"/>
+            <a:endParaRPr lang="en-US" dirty="0"/>
+          </a:p>
+        </p:txBody>
+      </p:sp>
+      <p:sp>
+        <p:nvSpPr>
+          <p:cNvPr id="5" name="Text Placeholder 4"/>
           <p:cNvSpPr>
             <a:spLocks noGrp="1"/>
           </p:cNvSpPr>
@@ -2193,8 +2036,8 @@
         </p:nvSpPr>
         <p:spPr>
           <a:xfrm>
-            <a:off x="6172200" y="1681163"/>
-            <a:ext cx="5183188" cy="823912"/>
+            <a:off x="4629150" y="1681163"/>
+            <a:ext cx="3887391" cy="823912"/>
           </a:xfrm>
         </p:spPr>
         <p:txBody>
@@ -2248,7 +2091,7 @@
       </p:sp>
       <p:sp>
         <p:nvSpPr>
-          <p:cNvPr id="6" name="Espaço Reservado para Conteúdo 5"/>
+          <p:cNvPr id="6" name="Content Placeholder 5"/>
           <p:cNvSpPr>
             <a:spLocks noGrp="1"/>
           </p:cNvSpPr>
@@ -2258,8 +2101,8 @@
         </p:nvSpPr>
         <p:spPr>
           <a:xfrm>
-            <a:off x="6172200" y="2505075"/>
-            <a:ext cx="5183188" cy="3684588"/>
+            <a:off x="4629150" y="2505075"/>
+            <a:ext cx="3887391" cy="3684588"/>
           </a:xfrm>
         </p:spPr>
         <p:txBody>
@@ -2299,13 +2142,13 @@
               <a:rPr lang="pt-BR" smtClean="0"/>
               <a:t>Quinto nível</a:t>
             </a:r>
-            <a:endParaRPr lang="pt-BR"/>
-          </a:p>
-        </p:txBody>
-      </p:sp>
-      <p:sp>
-        <p:nvSpPr>
-          <p:cNvPr id="7" name="Espaço Reservado para Data 6"/>
+            <a:endParaRPr lang="en-US" dirty="0"/>
+          </a:p>
+        </p:txBody>
+      </p:sp>
+      <p:sp>
+        <p:nvSpPr>
+          <p:cNvPr id="7" name="Date Placeholder 6"/>
           <p:cNvSpPr>
             <a:spLocks noGrp="1"/>
           </p:cNvSpPr>
@@ -2320,7 +2163,7 @@
           <a:p>
             <a:fld id="{E98BCC9A-F90A-483B-B5C3-D9CD1D9023C3}" type="datetime1">
               <a:rPr lang="pt-BR" smtClean="0"/>
-              <a:t>27/05/2014</a:t>
+              <a:t>28/05/2014</a:t>
             </a:fld>
             <a:endParaRPr lang="pt-BR"/>
           </a:p>
@@ -2328,7 +2171,7 @@
       </p:sp>
       <p:sp>
         <p:nvSpPr>
-          <p:cNvPr id="8" name="Espaço Reservado para Rodapé 7"/>
+          <p:cNvPr id="8" name="Footer Placeholder 7"/>
           <p:cNvSpPr>
             <a:spLocks noGrp="1"/>
           </p:cNvSpPr>
@@ -2351,7 +2194,7 @@
       </p:sp>
       <p:sp>
         <p:nvSpPr>
-          <p:cNvPr id="9" name="Espaço Reservado para Número de Slide 8"/>
+          <p:cNvPr id="9" name="Slide Number Placeholder 8"/>
           <p:cNvSpPr>
             <a:spLocks noGrp="1"/>
           </p:cNvSpPr>
@@ -2375,7 +2218,7 @@
     </p:spTree>
     <p:extLst>
       <p:ext uri="{BB962C8B-B14F-4D97-AF65-F5344CB8AC3E}">
-        <p14:creationId xmlns:p14="http://schemas.microsoft.com/office/powerpoint/2010/main" val="2617680189"/>
+        <p14:creationId xmlns:p14="http://schemas.microsoft.com/office/powerpoint/2010/main" val="1547119026"/>
       </p:ext>
     </p:extLst>
   </p:cSld>
@@ -2404,7 +2247,7 @@
       </p:grpSpPr>
       <p:sp>
         <p:nvSpPr>
-          <p:cNvPr id="2" name="Título 1"/>
+          <p:cNvPr id="2" name="Title 1"/>
           <p:cNvSpPr>
             <a:spLocks noGrp="1"/>
           </p:cNvSpPr>
@@ -2421,13 +2264,13 @@
               <a:rPr lang="pt-BR" smtClean="0"/>
               <a:t>Clique para editar o título mestre</a:t>
             </a:r>
-            <a:endParaRPr lang="pt-BR"/>
-          </a:p>
-        </p:txBody>
-      </p:sp>
-      <p:sp>
-        <p:nvSpPr>
-          <p:cNvPr id="3" name="Espaço Reservado para Data 2"/>
+            <a:endParaRPr lang="en-US" dirty="0"/>
+          </a:p>
+        </p:txBody>
+      </p:sp>
+      <p:sp>
+        <p:nvSpPr>
+          <p:cNvPr id="3" name="Date Placeholder 2"/>
           <p:cNvSpPr>
             <a:spLocks noGrp="1"/>
           </p:cNvSpPr>
@@ -2442,7 +2285,7 @@
           <a:p>
             <a:fld id="{ABF218CA-9C70-47FE-864A-E0F0D85E9FF8}" type="datetime1">
               <a:rPr lang="pt-BR" smtClean="0"/>
-              <a:t>27/05/2014</a:t>
+              <a:t>28/05/2014</a:t>
             </a:fld>
             <a:endParaRPr lang="pt-BR"/>
           </a:p>
@@ -2450,7 +2293,7 @@
       </p:sp>
       <p:sp>
         <p:nvSpPr>
-          <p:cNvPr id="4" name="Espaço Reservado para Rodapé 3"/>
+          <p:cNvPr id="4" name="Footer Placeholder 3"/>
           <p:cNvSpPr>
             <a:spLocks noGrp="1"/>
           </p:cNvSpPr>
@@ -2473,7 +2316,7 @@
       </p:sp>
       <p:sp>
         <p:nvSpPr>
-          <p:cNvPr id="5" name="Espaço Reservado para Número de Slide 4"/>
+          <p:cNvPr id="5" name="Slide Number Placeholder 4"/>
           <p:cNvSpPr>
             <a:spLocks noGrp="1"/>
           </p:cNvSpPr>
@@ -2497,7 +2340,7 @@
     </p:spTree>
     <p:extLst>
       <p:ext uri="{BB962C8B-B14F-4D97-AF65-F5344CB8AC3E}">
-        <p14:creationId xmlns:p14="http://schemas.microsoft.com/office/powerpoint/2010/main" val="3138294351"/>
+        <p14:creationId xmlns:p14="http://schemas.microsoft.com/office/powerpoint/2010/main" val="2307574122"/>
       </p:ext>
     </p:extLst>
   </p:cSld>
@@ -2526,7 +2369,7 @@
       </p:grpSpPr>
       <p:sp>
         <p:nvSpPr>
-          <p:cNvPr id="2" name="Espaço Reservado para Data 1"/>
+          <p:cNvPr id="2" name="Date Placeholder 1"/>
           <p:cNvSpPr>
             <a:spLocks noGrp="1"/>
           </p:cNvSpPr>
@@ -2541,7 +2384,7 @@
           <a:p>
             <a:fld id="{8F9C4DB3-2DD8-4972-89FE-90673AEDB76E}" type="datetime1">
               <a:rPr lang="pt-BR" smtClean="0"/>
-              <a:t>27/05/2014</a:t>
+              <a:t>28/05/2014</a:t>
             </a:fld>
             <a:endParaRPr lang="pt-BR"/>
           </a:p>
@@ -2549,7 +2392,7 @@
       </p:sp>
       <p:sp>
         <p:nvSpPr>
-          <p:cNvPr id="3" name="Espaço Reservado para Rodapé 2"/>
+          <p:cNvPr id="3" name="Footer Placeholder 2"/>
           <p:cNvSpPr>
             <a:spLocks noGrp="1"/>
           </p:cNvSpPr>
@@ -2572,7 +2415,7 @@
       </p:sp>
       <p:sp>
         <p:nvSpPr>
-          <p:cNvPr id="4" name="Espaço Reservado para Número de Slide 3"/>
+          <p:cNvPr id="4" name="Slide Number Placeholder 3"/>
           <p:cNvSpPr>
             <a:spLocks noGrp="1"/>
           </p:cNvSpPr>
@@ -2596,7 +2439,7 @@
     </p:spTree>
     <p:extLst>
       <p:ext uri="{BB962C8B-B14F-4D97-AF65-F5344CB8AC3E}">
-        <p14:creationId xmlns:p14="http://schemas.microsoft.com/office/powerpoint/2010/main" val="864499322"/>
+        <p14:creationId xmlns:p14="http://schemas.microsoft.com/office/powerpoint/2010/main" val="3357530376"/>
       </p:ext>
     </p:extLst>
   </p:cSld>
@@ -2625,7 +2468,7 @@
       </p:grpSpPr>
       <p:sp>
         <p:nvSpPr>
-          <p:cNvPr id="2" name="Título 1"/>
+          <p:cNvPr id="2" name="Title 1"/>
           <p:cNvSpPr>
             <a:spLocks noGrp="1"/>
           </p:cNvSpPr>
@@ -2635,8 +2478,8 @@
         </p:nvSpPr>
         <p:spPr>
           <a:xfrm>
-            <a:off x="839788" y="457200"/>
-            <a:ext cx="3932237" cy="1600200"/>
+            <a:off x="629841" y="457200"/>
+            <a:ext cx="2949178" cy="1600200"/>
           </a:xfrm>
         </p:spPr>
         <p:txBody>
@@ -2651,13 +2494,13 @@
               <a:rPr lang="pt-BR" smtClean="0"/>
               <a:t>Clique para editar o título mestre</a:t>
             </a:r>
-            <a:endParaRPr lang="pt-BR"/>
-          </a:p>
-        </p:txBody>
-      </p:sp>
-      <p:sp>
-        <p:nvSpPr>
-          <p:cNvPr id="3" name="Espaço Reservado para Conteúdo 2"/>
+            <a:endParaRPr lang="en-US" dirty="0"/>
+          </a:p>
+        </p:txBody>
+      </p:sp>
+      <p:sp>
+        <p:nvSpPr>
+          <p:cNvPr id="3" name="Content Placeholder 2"/>
           <p:cNvSpPr>
             <a:spLocks noGrp="1"/>
           </p:cNvSpPr>
@@ -2667,8 +2510,8 @@
         </p:nvSpPr>
         <p:spPr>
           <a:xfrm>
-            <a:off x="5183188" y="987425"/>
-            <a:ext cx="6172200" cy="4873625"/>
+            <a:off x="3887391" y="987426"/>
+            <a:ext cx="4629150" cy="4873625"/>
           </a:xfrm>
         </p:spPr>
         <p:txBody>
@@ -2736,13 +2579,13 @@
               <a:rPr lang="pt-BR" smtClean="0"/>
               <a:t>Quinto nível</a:t>
             </a:r>
-            <a:endParaRPr lang="pt-BR"/>
-          </a:p>
-        </p:txBody>
-      </p:sp>
-      <p:sp>
-        <p:nvSpPr>
-          <p:cNvPr id="4" name="Espaço Reservado para Texto 3"/>
+            <a:endParaRPr lang="en-US" dirty="0"/>
+          </a:p>
+        </p:txBody>
+      </p:sp>
+      <p:sp>
+        <p:nvSpPr>
+          <p:cNvPr id="4" name="Text Placeholder 3"/>
           <p:cNvSpPr>
             <a:spLocks noGrp="1"/>
           </p:cNvSpPr>
@@ -2752,8 +2595,8 @@
         </p:nvSpPr>
         <p:spPr>
           <a:xfrm>
-            <a:off x="839788" y="2057400"/>
-            <a:ext cx="3932237" cy="3811588"/>
+            <a:off x="629841" y="2057400"/>
+            <a:ext cx="2949178" cy="3811588"/>
           </a:xfrm>
         </p:spPr>
         <p:txBody>
@@ -2807,7 +2650,7 @@
       </p:sp>
       <p:sp>
         <p:nvSpPr>
-          <p:cNvPr id="5" name="Espaço Reservado para Data 4"/>
+          <p:cNvPr id="5" name="Date Placeholder 4"/>
           <p:cNvSpPr>
             <a:spLocks noGrp="1"/>
           </p:cNvSpPr>
@@ -2822,7 +2665,7 @@
           <a:p>
             <a:fld id="{23E76DDB-37F4-496B-8C9E-0114879CEB09}" type="datetime1">
               <a:rPr lang="pt-BR" smtClean="0"/>
-              <a:t>27/05/2014</a:t>
+              <a:t>28/05/2014</a:t>
             </a:fld>
             <a:endParaRPr lang="pt-BR"/>
           </a:p>
@@ -2830,7 +2673,7 @@
       </p:sp>
       <p:sp>
         <p:nvSpPr>
-          <p:cNvPr id="6" name="Espaço Reservado para Rodapé 5"/>
+          <p:cNvPr id="6" name="Footer Placeholder 5"/>
           <p:cNvSpPr>
             <a:spLocks noGrp="1"/>
           </p:cNvSpPr>
@@ -2853,7 +2696,7 @@
       </p:sp>
       <p:sp>
         <p:nvSpPr>
-          <p:cNvPr id="7" name="Espaço Reservado para Número de Slide 6"/>
+          <p:cNvPr id="7" name="Slide Number Placeholder 6"/>
           <p:cNvSpPr>
             <a:spLocks noGrp="1"/>
           </p:cNvSpPr>
@@ -2877,7 +2720,7 @@
     </p:spTree>
     <p:extLst>
       <p:ext uri="{BB962C8B-B14F-4D97-AF65-F5344CB8AC3E}">
-        <p14:creationId xmlns:p14="http://schemas.microsoft.com/office/powerpoint/2010/main" val="3282088461"/>
+        <p14:creationId xmlns:p14="http://schemas.microsoft.com/office/powerpoint/2010/main" val="284601752"/>
       </p:ext>
     </p:extLst>
   </p:cSld>
@@ -2906,7 +2749,7 @@
       </p:grpSpPr>
       <p:sp>
         <p:nvSpPr>
-          <p:cNvPr id="2" name="Título 1"/>
+          <p:cNvPr id="2" name="Title 1"/>
           <p:cNvSpPr>
             <a:spLocks noGrp="1"/>
           </p:cNvSpPr>
@@ -2916,8 +2759,8 @@
         </p:nvSpPr>
         <p:spPr>
           <a:xfrm>
-            <a:off x="839788" y="457200"/>
-            <a:ext cx="3932237" cy="1600200"/>
+            <a:off x="629841" y="457200"/>
+            <a:ext cx="2949178" cy="1600200"/>
           </a:xfrm>
         </p:spPr>
         <p:txBody>
@@ -2932,15 +2775,15 @@
               <a:rPr lang="pt-BR" smtClean="0"/>
               <a:t>Clique para editar o título mestre</a:t>
             </a:r>
-            <a:endParaRPr lang="pt-BR"/>
-          </a:p>
-        </p:txBody>
-      </p:sp>
-      <p:sp>
-        <p:nvSpPr>
-          <p:cNvPr id="3" name="Espaço Reservado para Imagem 2"/>
-          <p:cNvSpPr>
-            <a:spLocks noGrp="1"/>
+            <a:endParaRPr lang="en-US" dirty="0"/>
+          </a:p>
+        </p:txBody>
+      </p:sp>
+      <p:sp>
+        <p:nvSpPr>
+          <p:cNvPr id="3" name="Picture Placeholder 2"/>
+          <p:cNvSpPr>
+            <a:spLocks noGrp="1" noChangeAspect="1"/>
           </p:cNvSpPr>
           <p:nvPr>
             <p:ph type="pic" idx="1"/>
@@ -2948,12 +2791,12 @@
         </p:nvSpPr>
         <p:spPr>
           <a:xfrm>
-            <a:off x="5183188" y="987425"/>
-            <a:ext cx="6172200" cy="4873625"/>
+            <a:off x="3887391" y="987426"/>
+            <a:ext cx="4629150" cy="4873625"/>
           </a:xfrm>
         </p:spPr>
         <p:txBody>
-          <a:bodyPr/>
+          <a:bodyPr anchor="t"/>
           <a:lstStyle>
             <a:lvl1pPr marL="0" indent="0">
               <a:buNone/>
@@ -2993,13 +2836,17 @@
             </a:lvl9pPr>
           </a:lstStyle>
           <a:p>
-            <a:endParaRPr lang="pt-BR"/>
-          </a:p>
-        </p:txBody>
-      </p:sp>
-      <p:sp>
-        <p:nvSpPr>
-          <p:cNvPr id="4" name="Espaço Reservado para Texto 3"/>
+            <a:r>
+              <a:rPr lang="pt-BR" smtClean="0"/>
+              <a:t>Clique no ícone para adicionar uma imagem</a:t>
+            </a:r>
+            <a:endParaRPr lang="en-US" dirty="0"/>
+          </a:p>
+        </p:txBody>
+      </p:sp>
+      <p:sp>
+        <p:nvSpPr>
+          <p:cNvPr id="4" name="Text Placeholder 3"/>
           <p:cNvSpPr>
             <a:spLocks noGrp="1"/>
           </p:cNvSpPr>
@@ -3009,8 +2856,8 @@
         </p:nvSpPr>
         <p:spPr>
           <a:xfrm>
-            <a:off x="839788" y="2057400"/>
-            <a:ext cx="3932237" cy="3811588"/>
+            <a:off x="629841" y="2057400"/>
+            <a:ext cx="2949178" cy="3811588"/>
           </a:xfrm>
         </p:spPr>
         <p:txBody>
@@ -3064,7 +2911,7 @@
       </p:sp>
       <p:sp>
         <p:nvSpPr>
-          <p:cNvPr id="5" name="Espaço Reservado para Data 4"/>
+          <p:cNvPr id="5" name="Date Placeholder 4"/>
           <p:cNvSpPr>
             <a:spLocks noGrp="1"/>
           </p:cNvSpPr>
@@ -3079,7 +2926,7 @@
           <a:p>
             <a:fld id="{8A5E5921-9CEC-4050-BEC1-20181F0949A3}" type="datetime1">
               <a:rPr lang="pt-BR" smtClean="0"/>
-              <a:t>27/05/2014</a:t>
+              <a:t>28/05/2014</a:t>
             </a:fld>
             <a:endParaRPr lang="pt-BR"/>
           </a:p>
@@ -3087,7 +2934,7 @@
       </p:sp>
       <p:sp>
         <p:nvSpPr>
-          <p:cNvPr id="6" name="Espaço Reservado para Rodapé 5"/>
+          <p:cNvPr id="6" name="Footer Placeholder 5"/>
           <p:cNvSpPr>
             <a:spLocks noGrp="1"/>
           </p:cNvSpPr>
@@ -3110,7 +2957,7 @@
       </p:sp>
       <p:sp>
         <p:nvSpPr>
-          <p:cNvPr id="7" name="Espaço Reservado para Número de Slide 6"/>
+          <p:cNvPr id="7" name="Slide Number Placeholder 6"/>
           <p:cNvSpPr>
             <a:spLocks noGrp="1"/>
           </p:cNvSpPr>
@@ -3134,7 +2981,7 @@
     </p:spTree>
     <p:extLst>
       <p:ext uri="{BB962C8B-B14F-4D97-AF65-F5344CB8AC3E}">
-        <p14:creationId xmlns:p14="http://schemas.microsoft.com/office/powerpoint/2010/main" val="377059767"/>
+        <p14:creationId xmlns:p14="http://schemas.microsoft.com/office/powerpoint/2010/main" val="781640540"/>
       </p:ext>
     </p:extLst>
   </p:cSld>
@@ -3168,7 +3015,7 @@
       </p:grpSpPr>
       <p:sp>
         <p:nvSpPr>
-          <p:cNvPr id="2" name="Espaço Reservado para Título 1"/>
+          <p:cNvPr id="2" name="Title Placeholder 1"/>
           <p:cNvSpPr>
             <a:spLocks noGrp="1"/>
           </p:cNvSpPr>
@@ -3178,8 +3025,8 @@
         </p:nvSpPr>
         <p:spPr>
           <a:xfrm>
-            <a:off x="838200" y="365125"/>
-            <a:ext cx="10515600" cy="1325563"/>
+            <a:off x="628650" y="365126"/>
+            <a:ext cx="7886700" cy="1325563"/>
           </a:xfrm>
           <a:prstGeom prst="rect">
             <a:avLst/>
@@ -3195,13 +3042,13 @@
               <a:rPr lang="pt-BR" smtClean="0"/>
               <a:t>Clique para editar o título mestre</a:t>
             </a:r>
-            <a:endParaRPr lang="pt-BR"/>
-          </a:p>
-        </p:txBody>
-      </p:sp>
-      <p:sp>
-        <p:nvSpPr>
-          <p:cNvPr id="3" name="Espaço Reservado para Texto 2"/>
+            <a:endParaRPr lang="en-US" dirty="0"/>
+          </a:p>
+        </p:txBody>
+      </p:sp>
+      <p:sp>
+        <p:nvSpPr>
+          <p:cNvPr id="3" name="Text Placeholder 2"/>
           <p:cNvSpPr>
             <a:spLocks noGrp="1"/>
           </p:cNvSpPr>
@@ -3211,8 +3058,8 @@
         </p:nvSpPr>
         <p:spPr>
           <a:xfrm>
-            <a:off x="838200" y="1825625"/>
-            <a:ext cx="10515600" cy="4351338"/>
+            <a:off x="628650" y="1825625"/>
+            <a:ext cx="7886700" cy="4351338"/>
           </a:xfrm>
           <a:prstGeom prst="rect">
             <a:avLst/>
@@ -3257,13 +3104,13 @@
               <a:rPr lang="pt-BR" smtClean="0"/>
               <a:t>Quinto nível</a:t>
             </a:r>
-            <a:endParaRPr lang="pt-BR"/>
-          </a:p>
-        </p:txBody>
-      </p:sp>
-      <p:sp>
-        <p:nvSpPr>
-          <p:cNvPr id="4" name="Espaço Reservado para Data 3"/>
+            <a:endParaRPr lang="en-US" dirty="0"/>
+          </a:p>
+        </p:txBody>
+      </p:sp>
+      <p:sp>
+        <p:nvSpPr>
+          <p:cNvPr id="4" name="Date Placeholder 3"/>
           <p:cNvSpPr>
             <a:spLocks noGrp="1"/>
           </p:cNvSpPr>
@@ -3273,8 +3120,8 @@
         </p:nvSpPr>
         <p:spPr>
           <a:xfrm>
-            <a:off x="838200" y="6356350"/>
-            <a:ext cx="2743200" cy="365125"/>
+            <a:off x="628650" y="6356351"/>
+            <a:ext cx="2057400" cy="365125"/>
           </a:xfrm>
           <a:prstGeom prst="rect">
             <a:avLst/>
@@ -3296,7 +3143,7 @@
           <a:p>
             <a:fld id="{317250D5-F4D3-4996-83F2-E63CAE78953C}" type="datetime1">
               <a:rPr lang="pt-BR" smtClean="0"/>
-              <a:t>27/05/2014</a:t>
+              <a:t>28/05/2014</a:t>
             </a:fld>
             <a:endParaRPr lang="pt-BR"/>
           </a:p>
@@ -3304,7 +3151,7 @@
       </p:sp>
       <p:sp>
         <p:nvSpPr>
-          <p:cNvPr id="5" name="Espaço Reservado para Rodapé 4"/>
+          <p:cNvPr id="5" name="Footer Placeholder 4"/>
           <p:cNvSpPr>
             <a:spLocks noGrp="1"/>
           </p:cNvSpPr>
@@ -3314,8 +3161,8 @@
         </p:nvSpPr>
         <p:spPr>
           <a:xfrm>
-            <a:off x="4038600" y="6356350"/>
-            <a:ext cx="4114800" cy="365125"/>
+            <a:off x="3028950" y="6356351"/>
+            <a:ext cx="3086100" cy="365125"/>
           </a:xfrm>
           <a:prstGeom prst="rect">
             <a:avLst/>
@@ -3345,7 +3192,7 @@
       </p:sp>
       <p:sp>
         <p:nvSpPr>
-          <p:cNvPr id="6" name="Espaço Reservado para Número de Slide 5"/>
+          <p:cNvPr id="6" name="Slide Number Placeholder 5"/>
           <p:cNvSpPr>
             <a:spLocks noGrp="1"/>
           </p:cNvSpPr>
@@ -3355,8 +3202,8 @@
         </p:nvSpPr>
         <p:spPr>
           <a:xfrm>
-            <a:off x="8610600" y="6356350"/>
-            <a:ext cx="2743200" cy="365125"/>
+            <a:off x="6457950" y="6356351"/>
+            <a:ext cx="2057400" cy="365125"/>
           </a:xfrm>
           <a:prstGeom prst="rect">
             <a:avLst/>
@@ -3387,23 +3234,23 @@
     </p:spTree>
     <p:extLst>
       <p:ext uri="{BB962C8B-B14F-4D97-AF65-F5344CB8AC3E}">
-        <p14:creationId xmlns:p14="http://schemas.microsoft.com/office/powerpoint/2010/main" val="2048302607"/>
+        <p14:creationId xmlns:p14="http://schemas.microsoft.com/office/powerpoint/2010/main" val="2057706113"/>
       </p:ext>
     </p:extLst>
   </p:cSld>
   <p:clrMap bg1="lt1" tx1="dk1" bg2="lt2" tx2="dk2" accent1="accent1" accent2="accent2" accent3="accent3" accent4="accent4" accent5="accent5" accent6="accent6" hlink="hlink" folHlink="folHlink"/>
   <p:sldLayoutIdLst>
-    <p:sldLayoutId id="2147483697" r:id="rId1"/>
-    <p:sldLayoutId id="2147483698" r:id="rId2"/>
-    <p:sldLayoutId id="2147483699" r:id="rId3"/>
-    <p:sldLayoutId id="2147483700" r:id="rId4"/>
-    <p:sldLayoutId id="2147483701" r:id="rId5"/>
-    <p:sldLayoutId id="2147483702" r:id="rId6"/>
-    <p:sldLayoutId id="2147483703" r:id="rId7"/>
-    <p:sldLayoutId id="2147483704" r:id="rId8"/>
-    <p:sldLayoutId id="2147483705" r:id="rId9"/>
-    <p:sldLayoutId id="2147483706" r:id="rId10"/>
-    <p:sldLayoutId id="2147483707" r:id="rId11"/>
+    <p:sldLayoutId id="2147483709" r:id="rId1"/>
+    <p:sldLayoutId id="2147483710" r:id="rId2"/>
+    <p:sldLayoutId id="2147483711" r:id="rId3"/>
+    <p:sldLayoutId id="2147483712" r:id="rId4"/>
+    <p:sldLayoutId id="2147483713" r:id="rId5"/>
+    <p:sldLayoutId id="2147483714" r:id="rId6"/>
+    <p:sldLayoutId id="2147483715" r:id="rId7"/>
+    <p:sldLayoutId id="2147483716" r:id="rId8"/>
+    <p:sldLayoutId id="2147483717" r:id="rId9"/>
+    <p:sldLayoutId id="2147483718" r:id="rId10"/>
+    <p:sldLayoutId id="2147483719" r:id="rId11"/>
   </p:sldLayoutIdLst>
   <p:hf hdr="0"/>
   <p:txStyles>
@@ -3592,7 +3439,7 @@
     </p:bodyStyle>
     <p:otherStyle>
       <a:defPPr>
-        <a:defRPr lang="pt-BR"/>
+        <a:defRPr lang="en-US"/>
       </a:defPPr>
       <a:lvl1pPr marL="0" algn="l" defTabSz="914400" rtl="0" eaLnBrk="1" latinLnBrk="0" hangingPunct="1">
         <a:defRPr sz="1800" kern="1200">
@@ -3728,8 +3575,8 @@
         </p:blipFill>
         <p:spPr>
           <a:xfrm>
-            <a:off x="761" y="428"/>
-            <a:ext cx="12191239" cy="6857572"/>
+            <a:off x="571" y="0"/>
+            <a:ext cx="9143429" cy="6857999"/>
           </a:xfrm>
           <a:prstGeom prst="rect">
             <a:avLst/>
@@ -3746,16 +3593,16 @@
         </p:nvSpPr>
         <p:spPr>
           <a:xfrm>
-            <a:off x="3630550" y="681041"/>
-            <a:ext cx="7772399" cy="2331935"/>
+            <a:off x="2722913" y="1368031"/>
+            <a:ext cx="5829299" cy="1748951"/>
           </a:xfrm>
           <a:prstGeom prst="rect">
             <a:avLst/>
           </a:prstGeom>
         </p:spPr>
         <p:txBody>
-          <a:bodyPr vert="horz" lIns="91440" tIns="45720" rIns="91440" bIns="45720" rtlCol="0" anchor="ctr">
-            <a:normAutofit/>
+          <a:bodyPr vert="horz" lIns="68580" tIns="34290" rIns="68580" bIns="34290" rtlCol="0" anchor="ctr">
+            <a:normAutofit lnSpcReduction="10000"/>
           </a:bodyPr>
           <a:lstStyle>
             <a:lvl1pPr algn="r" defTabSz="914400" rtl="0" eaLnBrk="1" latinLnBrk="0" hangingPunct="1">
@@ -3782,12 +3629,12 @@
           <a:p>
             <a:pPr algn="just"/>
             <a:r>
-              <a:rPr lang="pt-BR" b="1" dirty="0" smtClean="0">
+              <a:rPr lang="pt-BR" sz="3750" b="1" dirty="0">
                 <a:latin typeface="Eras Light ITC" panose="020B0402030504020804" pitchFamily="34" charset="0"/>
               </a:rPr>
               <a:t>Desenvolvimento de um Microprocessador 8086 RISC</a:t>
             </a:r>
-            <a:endParaRPr lang="pt-BR" b="1" dirty="0">
+            <a:endParaRPr lang="pt-BR" sz="3750" b="1" dirty="0">
               <a:latin typeface="Eras Light ITC" panose="020B0402030504020804" pitchFamily="34" charset="0"/>
             </a:endParaRPr>
           </a:p>
@@ -3803,15 +3650,15 @@
         </p:nvSpPr>
         <p:spPr>
           <a:xfrm>
-            <a:off x="5903873" y="5545454"/>
-            <a:ext cx="4094367" cy="1463040"/>
+            <a:off x="4427905" y="5016341"/>
+            <a:ext cx="3070775" cy="1097280"/>
           </a:xfrm>
           <a:prstGeom prst="rect">
             <a:avLst/>
           </a:prstGeom>
         </p:spPr>
         <p:txBody>
-          <a:bodyPr vert="horz" lIns="91440" tIns="45720" rIns="91440" bIns="45720" rtlCol="0" anchor="ctr">
+          <a:bodyPr vert="horz" lIns="68580" tIns="34290" rIns="68580" bIns="34290" rtlCol="0" anchor="ctr">
             <a:normAutofit/>
           </a:bodyPr>
           <a:lstStyle>
@@ -4039,7 +3886,7 @@
           <a:p>
             <a:pPr algn="ctr"/>
             <a:r>
-              <a:rPr lang="pt-BR" b="1" dirty="0" smtClean="0">
+              <a:rPr lang="pt-BR" sz="1350" b="1" dirty="0">
                 <a:latin typeface="Arial" panose="020B0604020202020204" pitchFamily="34" charset="0"/>
                 <a:cs typeface="Arial" panose="020B0604020202020204" pitchFamily="34" charset="0"/>
               </a:rPr>
@@ -4049,13 +3896,13 @@
           <a:p>
             <a:pPr algn="ctr"/>
             <a:r>
-              <a:rPr lang="pt-BR" b="1" dirty="0" smtClean="0">
+              <a:rPr lang="pt-BR" sz="1350" b="1" dirty="0">
                 <a:latin typeface="Arial" panose="020B0604020202020204" pitchFamily="34" charset="0"/>
                 <a:cs typeface="Arial" panose="020B0604020202020204" pitchFamily="34" charset="0"/>
               </a:rPr>
               <a:t>Universidade Federal de Itajubá</a:t>
             </a:r>
-            <a:endParaRPr lang="pt-BR" b="1" dirty="0">
+            <a:endParaRPr lang="pt-BR" sz="1350" b="1" dirty="0">
               <a:latin typeface="Arial" panose="020B0604020202020204" pitchFamily="34" charset="0"/>
               <a:cs typeface="Arial" panose="020B0604020202020204" pitchFamily="34" charset="0"/>
             </a:endParaRPr>
@@ -4070,8 +3917,8 @@
         </p:nvSpPr>
         <p:spPr>
           <a:xfrm>
-            <a:off x="7024826" y="4029339"/>
-            <a:ext cx="4378123" cy="646331"/>
+            <a:off x="5222453" y="3879255"/>
+            <a:ext cx="3329759" cy="507831"/>
           </a:xfrm>
           <a:prstGeom prst="rect">
             <a:avLst/>
@@ -4086,7 +3933,7 @@
           <a:p>
             <a:pPr algn="r"/>
             <a:r>
-              <a:rPr lang="pt-BR" dirty="0" smtClean="0">
+              <a:rPr lang="pt-BR" sz="1350" dirty="0">
                 <a:latin typeface="Arial Unicode MS" panose="020B0604020202020204" pitchFamily="34" charset="-128"/>
                 <a:ea typeface="Arial Unicode MS" panose="020B0604020202020204" pitchFamily="34" charset="-128"/>
                 <a:cs typeface="Arial Unicode MS" panose="020B0604020202020204" pitchFamily="34" charset="-128"/>
@@ -4097,14 +3944,14 @@
           <a:p>
             <a:pPr algn="r"/>
             <a:r>
-              <a:rPr lang="pt-BR" dirty="0" smtClean="0">
+              <a:rPr lang="pt-BR" sz="1350" dirty="0">
                 <a:latin typeface="Arial Unicode MS" panose="020B0604020202020204" pitchFamily="34" charset="-128"/>
                 <a:ea typeface="Arial Unicode MS" panose="020B0604020202020204" pitchFamily="34" charset="-128"/>
                 <a:cs typeface="Arial Unicode MS" panose="020B0604020202020204" pitchFamily="34" charset="-128"/>
               </a:rPr>
               <a:t>Marcos Aurélio Freitas de Almeida Costa</a:t>
             </a:r>
-            <a:endParaRPr lang="pt-BR" dirty="0">
+            <a:endParaRPr lang="pt-BR" sz="1350" dirty="0">
               <a:latin typeface="Arial Unicode MS" panose="020B0604020202020204" pitchFamily="34" charset="-128"/>
               <a:ea typeface="Arial Unicode MS" panose="020B0604020202020204" pitchFamily="34" charset="-128"/>
               <a:cs typeface="Arial Unicode MS" panose="020B0604020202020204" pitchFamily="34" charset="-128"/>
@@ -4149,20 +3996,50 @@
           <a:chExt cx="0" cy="0"/>
         </a:xfrm>
       </p:grpSpPr>
-      <p:sp>
-        <p:nvSpPr>
-          <p:cNvPr id="2" name="Título 1"/>
-          <p:cNvSpPr>
-            <a:spLocks noGrp="1"/>
-          </p:cNvSpPr>
-          <p:nvPr>
-            <p:ph type="title"/>
-          </p:nvPr>
-        </p:nvSpPr>
+      <p:pic>
+        <p:nvPicPr>
+          <p:cNvPr id="4" name="Imagem 3"/>
+          <p:cNvPicPr>
+            <a:picLocks noChangeAspect="1"/>
+          </p:cNvPicPr>
+          <p:nvPr/>
+        </p:nvPicPr>
+        <p:blipFill>
+          <a:blip r:embed="rId3">
+            <a:extLst>
+              <a:ext uri="{28A0092B-C50C-407E-A947-70E740481C1C}">
+                <a14:useLocalDpi xmlns:a14="http://schemas.microsoft.com/office/drawing/2010/main" val="0"/>
+              </a:ext>
+            </a:extLst>
+          </a:blip>
+          <a:stretch>
+            <a:fillRect/>
+          </a:stretch>
+        </p:blipFill>
         <p:spPr>
           <a:xfrm>
-            <a:off x="838200" y="304968"/>
-            <a:ext cx="10515600" cy="453022"/>
+            <a:off x="0" y="0"/>
+            <a:ext cx="9144000" cy="6858000"/>
+          </a:xfrm>
+          <a:prstGeom prst="rect">
+            <a:avLst/>
+          </a:prstGeom>
+        </p:spPr>
+      </p:pic>
+      <p:sp>
+        <p:nvSpPr>
+          <p:cNvPr id="2" name="Título 1"/>
+          <p:cNvSpPr>
+            <a:spLocks noGrp="1"/>
+          </p:cNvSpPr>
+          <p:nvPr>
+            <p:ph type="title"/>
+          </p:nvPr>
+        </p:nvSpPr>
+        <p:spPr>
+          <a:xfrm>
+            <a:off x="628650" y="1085976"/>
+            <a:ext cx="7886700" cy="339767"/>
           </a:xfrm>
         </p:spPr>
         <p:txBody>
@@ -4173,7 +4050,7 @@
           <a:p>
             <a:r>
               <a:rPr lang="pt-BR" dirty="0" smtClean="0"/>
-              <a:t>Introdução</a:t>
+              <a:t>Resultados</a:t>
             </a:r>
             <a:endParaRPr lang="pt-BR" dirty="0"/>
           </a:p>
@@ -4191,8 +4068,8 @@
         </p:nvSpPr>
         <p:spPr>
           <a:xfrm>
-            <a:off x="838200" y="1634668"/>
-            <a:ext cx="10515600" cy="4351338"/>
+            <a:off x="628650" y="2455975"/>
+            <a:ext cx="7886700" cy="3263504"/>
           </a:xfrm>
         </p:spPr>
         <p:txBody>
@@ -4210,8 +4087,9 @@
             </a:pPr>
             <a:r>
               <a:rPr lang="pt-BR" dirty="0" smtClean="0"/>
-              <a:t>Texto</a:t>
-            </a:r>
+              <a:t>Estrutura de Testes</a:t>
+            </a:r>
+            <a:endParaRPr lang="pt-BR" dirty="0" smtClean="0"/>
           </a:p>
           <a:p>
             <a:pPr>
@@ -4225,8 +4103,9 @@
             </a:pPr>
             <a:r>
               <a:rPr lang="pt-BR" dirty="0" smtClean="0"/>
-              <a:t>Texto</a:t>
-            </a:r>
+              <a:t>O Microprocessador Desenvolvido</a:t>
+            </a:r>
+            <a:endParaRPr lang="pt-BR" dirty="0" smtClean="0"/>
           </a:p>
           <a:p>
             <a:pPr>
@@ -4240,84 +4119,81 @@
             </a:pPr>
             <a:r>
               <a:rPr lang="pt-BR" dirty="0" smtClean="0"/>
-              <a:t>Texto</a:t>
-            </a:r>
-          </a:p>
-          <a:p>
-            <a:pPr>
-              <a:buClr>
-                <a:schemeClr val="accent1">
-                  <a:lumMod val="75000"/>
-                </a:schemeClr>
-              </a:buClr>
-              <a:buFont typeface="Wingdings" panose="05000000000000000000" pitchFamily="2" charset="2"/>
-              <a:buChar char="q"/>
-            </a:pPr>
-            <a:r>
-              <a:rPr lang="pt-BR" dirty="0" smtClean="0"/>
-              <a:t>Texto</a:t>
-            </a:r>
-            <a:endParaRPr lang="pt-BR" dirty="0"/>
-          </a:p>
-        </p:txBody>
-      </p:sp>
-      <p:graphicFrame>
-        <p:nvGraphicFramePr>
-          <p:cNvPr id="7" name="Objeto 6"/>
-          <p:cNvGraphicFramePr>
-            <a:graphicFrameLocks noChangeAspect="1"/>
-          </p:cNvGraphicFramePr>
-          <p:nvPr>
-            <p:extLst>
-              <p:ext uri="{D42A27DB-BD31-4B8C-83A1-F6EECF244321}">
-                <p14:modId xmlns:p14="http://schemas.microsoft.com/office/powerpoint/2010/main" val="1993283754"/>
-              </p:ext>
-            </p:extLst>
-          </p:nvPr>
-        </p:nvGraphicFramePr>
-        <p:xfrm>
-          <a:off x="1588" y="6718300"/>
-          <a:ext cx="12190412" cy="139700"/>
-        </p:xfrm>
-        <a:graphic>
-          <a:graphicData uri="http://schemas.openxmlformats.org/presentationml/2006/ole">
-            <mc:AlternateContent xmlns:mc="http://schemas.openxmlformats.org/markup-compatibility/2006">
-              <mc:Choice xmlns:v="urn:schemas-microsoft-com:vml" Requires="v">
-                <p:oleObj spid="_x0000_s1030" name="Image" r:id="rId4" imgW="12190320" imgH="139680" progId="Photoshop.Image.13">
-                  <p:embed/>
-                </p:oleObj>
-              </mc:Choice>
-              <mc:Fallback>
-                <p:oleObj name="Image" r:id="rId4" imgW="12190320" imgH="139680" progId="Photoshop.Image.13">
-                  <p:embed/>
-                  <p:pic>
-                    <p:nvPicPr>
-                      <p:cNvPr id="0" name=""/>
-                      <p:cNvPicPr/>
-                      <p:nvPr/>
-                    </p:nvPicPr>
-                    <p:blipFill>
-                      <a:blip r:embed="rId5"/>
-                      <a:stretch>
-                        <a:fillRect/>
-                      </a:stretch>
-                    </p:blipFill>
-                    <p:spPr>
-                      <a:xfrm>
-                        <a:off x="1588" y="6718300"/>
-                        <a:ext cx="12190412" cy="139700"/>
-                      </a:xfrm>
-                      <a:prstGeom prst="rect">
-                        <a:avLst/>
-                      </a:prstGeom>
-                    </p:spPr>
-                  </p:pic>
-                </p:oleObj>
-              </mc:Fallback>
-            </mc:AlternateContent>
-          </a:graphicData>
-        </a:graphic>
-      </p:graphicFrame>
+              <a:t>Teste de cada instrução implementada</a:t>
+            </a:r>
+            <a:endParaRPr lang="pt-BR" dirty="0" smtClean="0"/>
+          </a:p>
+        </p:txBody>
+      </p:sp>
+      <p:sp>
+        <p:nvSpPr>
+          <p:cNvPr id="11" name="Espaço Reservado para Data 10"/>
+          <p:cNvSpPr>
+            <a:spLocks noGrp="1"/>
+          </p:cNvSpPr>
+          <p:nvPr>
+            <p:ph type="dt" sz="half" idx="10"/>
+          </p:nvPr>
+        </p:nvSpPr>
+        <p:spPr/>
+        <p:txBody>
+          <a:bodyPr/>
+          <a:lstStyle/>
+          <a:p>
+            <a:fld id="{5B2C3F26-301F-434E-863D-B89F544B9CE4}" type="datetime1">
+              <a:rPr lang="pt-BR" smtClean="0"/>
+              <a:t>28/05/2014</a:t>
+            </a:fld>
+            <a:endParaRPr lang="pt-BR"/>
+          </a:p>
+        </p:txBody>
+      </p:sp>
+      <p:sp>
+        <p:nvSpPr>
+          <p:cNvPr id="13" name="Espaço Reservado para Rodapé 12"/>
+          <p:cNvSpPr>
+            <a:spLocks noGrp="1"/>
+          </p:cNvSpPr>
+          <p:nvPr>
+            <p:ph type="ftr" sz="quarter" idx="11"/>
+          </p:nvPr>
+        </p:nvSpPr>
+        <p:spPr/>
+        <p:txBody>
+          <a:bodyPr/>
+          <a:lstStyle/>
+          <a:p>
+            <a:r>
+              <a:rPr lang="pt-BR" smtClean="0"/>
+              <a:t>Universidade Federal de Itajubá</a:t>
+            </a:r>
+            <a:endParaRPr lang="pt-BR"/>
+          </a:p>
+        </p:txBody>
+      </p:sp>
+      <p:sp>
+        <p:nvSpPr>
+          <p:cNvPr id="12" name="Espaço Reservado para Número de Slide 11"/>
+          <p:cNvSpPr>
+            <a:spLocks noGrp="1"/>
+          </p:cNvSpPr>
+          <p:nvPr>
+            <p:ph type="sldNum" sz="quarter" idx="12"/>
+          </p:nvPr>
+        </p:nvSpPr>
+        <p:spPr/>
+        <p:txBody>
+          <a:bodyPr/>
+          <a:lstStyle/>
+          <a:p>
+            <a:fld id="{31892884-0934-4F3F-B79B-36C387EDB149}" type="slidenum">
+              <a:rPr lang="pt-BR" smtClean="0"/>
+              <a:t>2</a:t>
+            </a:fld>
+            <a:endParaRPr lang="pt-BR"/>
+          </a:p>
+        </p:txBody>
+      </p:sp>
       <p:cxnSp>
         <p:nvCxnSpPr>
           <p:cNvPr id="9" name="Conector reto 8"/>
@@ -4326,8 +4202,8 @@
         </p:nvCxnSpPr>
         <p:spPr>
           <a:xfrm>
-            <a:off x="445168" y="902374"/>
-            <a:ext cx="6545179" cy="0"/>
+            <a:off x="333877" y="1534031"/>
+            <a:ext cx="4908884" cy="0"/>
           </a:xfrm>
           <a:prstGeom prst="line">
             <a:avLst/>
@@ -4349,75 +4225,6 @@
           </a:fontRef>
         </p:style>
       </p:cxnSp>
-      <p:sp>
-        <p:nvSpPr>
-          <p:cNvPr id="11" name="Espaço Reservado para Data 10"/>
-          <p:cNvSpPr>
-            <a:spLocks noGrp="1"/>
-          </p:cNvSpPr>
-          <p:nvPr>
-            <p:ph type="dt" sz="half" idx="10"/>
-          </p:nvPr>
-        </p:nvSpPr>
-        <p:spPr/>
-        <p:txBody>
-          <a:bodyPr/>
-          <a:lstStyle/>
-          <a:p>
-            <a:fld id="{5B2C3F26-301F-434E-863D-B89F544B9CE4}" type="datetime1">
-              <a:rPr lang="pt-BR" smtClean="0"/>
-              <a:t>27/05/2014</a:t>
-            </a:fld>
-            <a:endParaRPr lang="pt-BR"/>
-          </a:p>
-        </p:txBody>
-      </p:sp>
-      <p:sp>
-        <p:nvSpPr>
-          <p:cNvPr id="12" name="Espaço Reservado para Número de Slide 11"/>
-          <p:cNvSpPr>
-            <a:spLocks noGrp="1"/>
-          </p:cNvSpPr>
-          <p:nvPr>
-            <p:ph type="sldNum" sz="quarter" idx="12"/>
-          </p:nvPr>
-        </p:nvSpPr>
-        <p:spPr/>
-        <p:txBody>
-          <a:bodyPr/>
-          <a:lstStyle/>
-          <a:p>
-            <a:fld id="{31892884-0934-4F3F-B79B-36C387EDB149}" type="slidenum">
-              <a:rPr lang="pt-BR" smtClean="0"/>
-              <a:t>2</a:t>
-            </a:fld>
-            <a:endParaRPr lang="pt-BR"/>
-          </a:p>
-        </p:txBody>
-      </p:sp>
-      <p:sp>
-        <p:nvSpPr>
-          <p:cNvPr id="13" name="Espaço Reservado para Rodapé 12"/>
-          <p:cNvSpPr>
-            <a:spLocks noGrp="1"/>
-          </p:cNvSpPr>
-          <p:nvPr>
-            <p:ph type="ftr" sz="quarter" idx="11"/>
-          </p:nvPr>
-        </p:nvSpPr>
-        <p:spPr/>
-        <p:txBody>
-          <a:bodyPr/>
-          <a:lstStyle/>
-          <a:p>
-            <a:r>
-              <a:rPr lang="pt-BR" smtClean="0"/>
-              <a:t>Universidade Federal de Itajubá</a:t>
-            </a:r>
-            <a:endParaRPr lang="pt-BR"/>
-          </a:p>
-        </p:txBody>
-      </p:sp>
     </p:spTree>
     <p:extLst>
       <p:ext uri="{BB962C8B-B14F-4D97-AF65-F5344CB8AC3E}">
@@ -4429,15 +4236,11 @@
     <a:masterClrMapping/>
   </p:clrMapOvr>
   <mc:AlternateContent xmlns:mc="http://schemas.openxmlformats.org/markup-compatibility/2006">
-    <mc:Choice xmlns:p15="http://schemas.microsoft.com/office/powerpoint/2012/main" Requires="p15">
-      <p:transition xmlns:p14="http://schemas.microsoft.com/office/powerpoint/2010/main" spd="slow" p14:dur="6000">
-        <p15:prstTrans prst="curtains"/>
-      </p:transition>
+    <mc:Choice xmlns:p14="http://schemas.microsoft.com/office/powerpoint/2010/main" Requires="p14">
+      <p:transition p14:dur="0"/>
     </mc:Choice>
     <mc:Fallback>
-      <p:transition spd="slow">
-        <p:fade/>
-      </p:transition>
+      <p:transition/>
     </mc:Fallback>
   </mc:AlternateContent>
   <p:timing>
@@ -4467,20 +4270,50 @@
           <a:chExt cx="0" cy="0"/>
         </a:xfrm>
       </p:grpSpPr>
-      <p:sp>
-        <p:nvSpPr>
-          <p:cNvPr id="2" name="Título 1"/>
-          <p:cNvSpPr>
-            <a:spLocks noGrp="1"/>
-          </p:cNvSpPr>
-          <p:nvPr>
-            <p:ph type="title"/>
-          </p:nvPr>
-        </p:nvSpPr>
+      <p:pic>
+        <p:nvPicPr>
+          <p:cNvPr id="4" name="Imagem 3"/>
+          <p:cNvPicPr>
+            <a:picLocks noChangeAspect="1"/>
+          </p:cNvPicPr>
+          <p:nvPr/>
+        </p:nvPicPr>
+        <p:blipFill>
+          <a:blip r:embed="rId3">
+            <a:extLst>
+              <a:ext uri="{28A0092B-C50C-407E-A947-70E740481C1C}">
+                <a14:useLocalDpi xmlns:a14="http://schemas.microsoft.com/office/drawing/2010/main" val="0"/>
+              </a:ext>
+            </a:extLst>
+          </a:blip>
+          <a:stretch>
+            <a:fillRect/>
+          </a:stretch>
+        </p:blipFill>
         <p:spPr>
           <a:xfrm>
-            <a:off x="838200" y="304968"/>
-            <a:ext cx="10515600" cy="453022"/>
+            <a:off x="0" y="0"/>
+            <a:ext cx="9144000" cy="6858000"/>
+          </a:xfrm>
+          <a:prstGeom prst="rect">
+            <a:avLst/>
+          </a:prstGeom>
+        </p:spPr>
+      </p:pic>
+      <p:sp>
+        <p:nvSpPr>
+          <p:cNvPr id="2" name="Título 1"/>
+          <p:cNvSpPr>
+            <a:spLocks noGrp="1"/>
+          </p:cNvSpPr>
+          <p:nvPr>
+            <p:ph type="title"/>
+          </p:nvPr>
+        </p:nvSpPr>
+        <p:spPr>
+          <a:xfrm>
+            <a:off x="628650" y="411913"/>
+            <a:ext cx="7886700" cy="339767"/>
           </a:xfrm>
         </p:spPr>
         <p:txBody>
@@ -4491,7 +4324,7 @@
           <a:p>
             <a:r>
               <a:rPr lang="pt-BR" dirty="0" smtClean="0"/>
-              <a:t>Texto 2</a:t>
+              <a:t>Resultados</a:t>
             </a:r>
             <a:endParaRPr lang="pt-BR" dirty="0"/>
           </a:p>
@@ -4499,143 +4332,73 @@
       </p:sp>
       <p:sp>
         <p:nvSpPr>
-          <p:cNvPr id="3" name="Espaço Reservado para Conteúdo 2"/>
-          <p:cNvSpPr>
-            <a:spLocks noGrp="1"/>
-          </p:cNvSpPr>
-          <p:nvPr>
-            <p:ph idx="1"/>
-          </p:nvPr>
-        </p:nvSpPr>
-        <p:spPr>
-          <a:xfrm>
-            <a:off x="838200" y="1634668"/>
-            <a:ext cx="10515600" cy="4351338"/>
-          </a:xfrm>
-        </p:spPr>
-        <p:txBody>
-          <a:bodyPr/>
-          <a:lstStyle/>
-          <a:p>
-            <a:pPr>
-              <a:buClr>
-                <a:schemeClr val="accent1">
-                  <a:lumMod val="75000"/>
-                </a:schemeClr>
-              </a:buClr>
-              <a:buFont typeface="Wingdings" panose="05000000000000000000" pitchFamily="2" charset="2"/>
-              <a:buChar char="q"/>
-            </a:pPr>
-            <a:r>
-              <a:rPr lang="pt-BR" dirty="0" smtClean="0"/>
-              <a:t>Texto</a:t>
-            </a:r>
-          </a:p>
-          <a:p>
-            <a:pPr>
-              <a:buClr>
-                <a:schemeClr val="accent1">
-                  <a:lumMod val="75000"/>
-                </a:schemeClr>
-              </a:buClr>
-              <a:buFont typeface="Wingdings" panose="05000000000000000000" pitchFamily="2" charset="2"/>
-              <a:buChar char="q"/>
-            </a:pPr>
-            <a:r>
-              <a:rPr lang="pt-BR" dirty="0" smtClean="0"/>
-              <a:t>Texto</a:t>
-            </a:r>
-          </a:p>
-          <a:p>
-            <a:pPr>
-              <a:buClr>
-                <a:schemeClr val="accent1">
-                  <a:lumMod val="75000"/>
-                </a:schemeClr>
-              </a:buClr>
-              <a:buFont typeface="Wingdings" panose="05000000000000000000" pitchFamily="2" charset="2"/>
-              <a:buChar char="q"/>
-            </a:pPr>
-            <a:r>
-              <a:rPr lang="pt-BR" dirty="0" smtClean="0"/>
-              <a:t>Texto</a:t>
-            </a:r>
-          </a:p>
-          <a:p>
-            <a:pPr>
-              <a:buClr>
-                <a:schemeClr val="accent1">
-                  <a:lumMod val="75000"/>
-                </a:schemeClr>
-              </a:buClr>
-              <a:buFont typeface="Wingdings" panose="05000000000000000000" pitchFamily="2" charset="2"/>
-              <a:buChar char="q"/>
-            </a:pPr>
-            <a:r>
-              <a:rPr lang="pt-BR" dirty="0" smtClean="0"/>
-              <a:t>Texto</a:t>
-            </a:r>
-            <a:endParaRPr lang="pt-BR" dirty="0"/>
-          </a:p>
-        </p:txBody>
-      </p:sp>
-      <p:graphicFrame>
-        <p:nvGraphicFramePr>
-          <p:cNvPr id="7" name="Objeto 6"/>
-          <p:cNvGraphicFramePr>
-            <a:graphicFrameLocks noChangeAspect="1"/>
-          </p:cNvGraphicFramePr>
-          <p:nvPr>
-            <p:extLst>
-              <p:ext uri="{D42A27DB-BD31-4B8C-83A1-F6EECF244321}">
-                <p14:modId xmlns:p14="http://schemas.microsoft.com/office/powerpoint/2010/main" val="1993283754"/>
-              </p:ext>
-            </p:extLst>
-          </p:nvPr>
-        </p:nvGraphicFramePr>
-        <p:xfrm>
-          <a:off x="1588" y="6718300"/>
-          <a:ext cx="12190412" cy="139700"/>
-        </p:xfrm>
-        <a:graphic>
-          <a:graphicData uri="http://schemas.openxmlformats.org/presentationml/2006/ole">
-            <mc:AlternateContent xmlns:mc="http://schemas.openxmlformats.org/markup-compatibility/2006">
-              <mc:Choice xmlns:v="urn:schemas-microsoft-com:vml" Requires="v">
-                <p:oleObj spid="_x0000_s2053" name="Image" r:id="rId4" imgW="12190320" imgH="139680" progId="Photoshop.Image.13">
-                  <p:embed/>
-                </p:oleObj>
-              </mc:Choice>
-              <mc:Fallback>
-                <p:oleObj name="Image" r:id="rId4" imgW="12190320" imgH="139680" progId="Photoshop.Image.13">
-                  <p:embed/>
-                  <p:pic>
-                    <p:nvPicPr>
-                      <p:cNvPr id="0" name=""/>
-                      <p:cNvPicPr/>
-                      <p:nvPr/>
-                    </p:nvPicPr>
-                    <p:blipFill>
-                      <a:blip r:embed="rId5"/>
-                      <a:stretch>
-                        <a:fillRect/>
-                      </a:stretch>
-                    </p:blipFill>
-                    <p:spPr>
-                      <a:xfrm>
-                        <a:off x="1588" y="6718300"/>
-                        <a:ext cx="12190412" cy="139700"/>
-                      </a:xfrm>
-                      <a:prstGeom prst="rect">
-                        <a:avLst/>
-                      </a:prstGeom>
-                    </p:spPr>
-                  </p:pic>
-                </p:oleObj>
-              </mc:Fallback>
-            </mc:AlternateContent>
-          </a:graphicData>
-        </a:graphic>
-      </p:graphicFrame>
+          <p:cNvPr id="11" name="Espaço Reservado para Data 10"/>
+          <p:cNvSpPr>
+            <a:spLocks noGrp="1"/>
+          </p:cNvSpPr>
+          <p:nvPr>
+            <p:ph type="dt" sz="half" idx="10"/>
+          </p:nvPr>
+        </p:nvSpPr>
+        <p:spPr/>
+        <p:txBody>
+          <a:bodyPr/>
+          <a:lstStyle/>
+          <a:p>
+            <a:fld id="{5B2C3F26-301F-434E-863D-B89F544B9CE4}" type="datetime1">
+              <a:rPr lang="pt-BR" smtClean="0"/>
+              <a:t>28/05/2014</a:t>
+            </a:fld>
+            <a:endParaRPr lang="pt-BR"/>
+          </a:p>
+        </p:txBody>
+      </p:sp>
+      <p:sp>
+        <p:nvSpPr>
+          <p:cNvPr id="13" name="Espaço Reservado para Rodapé 12"/>
+          <p:cNvSpPr>
+            <a:spLocks noGrp="1"/>
+          </p:cNvSpPr>
+          <p:nvPr>
+            <p:ph type="ftr" sz="quarter" idx="11"/>
+          </p:nvPr>
+        </p:nvSpPr>
+        <p:spPr/>
+        <p:txBody>
+          <a:bodyPr/>
+          <a:lstStyle/>
+          <a:p>
+            <a:r>
+              <a:rPr lang="pt-BR" smtClean="0"/>
+              <a:t>Universidade Federal de Itajubá</a:t>
+            </a:r>
+            <a:endParaRPr lang="pt-BR"/>
+          </a:p>
+        </p:txBody>
+      </p:sp>
+      <p:sp>
+        <p:nvSpPr>
+          <p:cNvPr id="12" name="Espaço Reservado para Número de Slide 11"/>
+          <p:cNvSpPr>
+            <a:spLocks noGrp="1"/>
+          </p:cNvSpPr>
+          <p:nvPr>
+            <p:ph type="sldNum" sz="quarter" idx="12"/>
+          </p:nvPr>
+        </p:nvSpPr>
+        <p:spPr/>
+        <p:txBody>
+          <a:bodyPr/>
+          <a:lstStyle/>
+          <a:p>
+            <a:fld id="{31892884-0934-4F3F-B79B-36C387EDB149}" type="slidenum">
+              <a:rPr lang="pt-BR" smtClean="0"/>
+              <a:t>3</a:t>
+            </a:fld>
+            <a:endParaRPr lang="pt-BR"/>
+          </a:p>
+        </p:txBody>
+      </p:sp>
       <p:cxnSp>
         <p:nvCxnSpPr>
           <p:cNvPr id="9" name="Conector reto 8"/>
@@ -4643,9 +4406,9 @@
           <p:nvPr/>
         </p:nvCxnSpPr>
         <p:spPr>
-          <a:xfrm>
-            <a:off x="445168" y="902374"/>
-            <a:ext cx="6545179" cy="0"/>
+          <a:xfrm flipV="1">
+            <a:off x="426444" y="914402"/>
+            <a:ext cx="8241038" cy="1445"/>
           </a:xfrm>
           <a:prstGeom prst="line">
             <a:avLst/>
@@ -4667,79 +4430,83 @@
           </a:fontRef>
         </p:style>
       </p:cxnSp>
-      <p:sp>
-        <p:nvSpPr>
-          <p:cNvPr id="11" name="Espaço Reservado para Data 10"/>
-          <p:cNvSpPr>
-            <a:spLocks noGrp="1"/>
-          </p:cNvSpPr>
-          <p:nvPr>
-            <p:ph type="dt" sz="half" idx="10"/>
-          </p:nvPr>
-        </p:nvSpPr>
-        <p:spPr/>
-        <p:txBody>
-          <a:bodyPr/>
-          <a:lstStyle/>
-          <a:p>
-            <a:fld id="{5B2C3F26-301F-434E-863D-B89F544B9CE4}" type="datetime1">
-              <a:rPr lang="pt-BR" smtClean="0"/>
-              <a:t>27/05/2014</a:t>
-            </a:fld>
-            <a:endParaRPr lang="pt-BR"/>
-          </a:p>
-        </p:txBody>
-      </p:sp>
-      <p:sp>
-        <p:nvSpPr>
-          <p:cNvPr id="12" name="Espaço Reservado para Número de Slide 11"/>
-          <p:cNvSpPr>
-            <a:spLocks noGrp="1"/>
-          </p:cNvSpPr>
-          <p:nvPr>
-            <p:ph type="sldNum" sz="quarter" idx="12"/>
-          </p:nvPr>
-        </p:nvSpPr>
-        <p:spPr/>
-        <p:txBody>
-          <a:bodyPr/>
-          <a:lstStyle/>
-          <a:p>
-            <a:fld id="{31892884-0934-4F3F-B79B-36C387EDB149}" type="slidenum">
-              <a:rPr lang="pt-BR" smtClean="0"/>
-              <a:t>3</a:t>
-            </a:fld>
-            <a:endParaRPr lang="pt-BR"/>
-          </a:p>
-        </p:txBody>
-      </p:sp>
-      <p:sp>
-        <p:nvSpPr>
-          <p:cNvPr id="13" name="Espaço Reservado para Rodapé 12"/>
-          <p:cNvSpPr>
-            <a:spLocks noGrp="1"/>
-          </p:cNvSpPr>
-          <p:nvPr>
-            <p:ph type="ftr" sz="quarter" idx="11"/>
-          </p:nvPr>
-        </p:nvSpPr>
-        <p:spPr/>
-        <p:txBody>
-          <a:bodyPr/>
-          <a:lstStyle/>
-          <a:p>
-            <a:r>
-              <a:rPr lang="pt-BR" smtClean="0"/>
-              <a:t>Universidade Federal de Itajubá</a:t>
-            </a:r>
-            <a:endParaRPr lang="pt-BR"/>
+      <p:pic>
+        <p:nvPicPr>
+          <p:cNvPr id="7" name="Espaço Reservado para Conteúdo 6"/>
+          <p:cNvPicPr>
+            <a:picLocks noGrp="1" noChangeAspect="1"/>
+          </p:cNvPicPr>
+          <p:nvPr>
+            <p:ph idx="1"/>
+          </p:nvPr>
+        </p:nvPicPr>
+        <p:blipFill>
+          <a:blip r:embed="rId4">
+            <a:extLst>
+              <a:ext uri="{28A0092B-C50C-407E-A947-70E740481C1C}">
+                <a14:useLocalDpi xmlns:a14="http://schemas.microsoft.com/office/drawing/2010/main" val="0"/>
+              </a:ext>
+            </a:extLst>
+          </a:blip>
+          <a:stretch>
+            <a:fillRect/>
+          </a:stretch>
+        </p:blipFill>
+        <p:spPr>
+          <a:xfrm>
+            <a:off x="628650" y="1579804"/>
+            <a:ext cx="7886700" cy="3585415"/>
+          </a:xfrm>
+          <a:prstGeom prst="rect">
+            <a:avLst/>
+          </a:prstGeom>
+          <a:ln>
+            <a:noFill/>
+          </a:ln>
+          <a:effectLst>
+            <a:outerShdw blurRad="292100" dist="139700" dir="2700000" algn="tl" rotWithShape="0">
+              <a:srgbClr val="333333">
+                <a:alpha val="65000"/>
+              </a:srgbClr>
+            </a:outerShdw>
+          </a:effectLst>
+        </p:spPr>
+      </p:pic>
+      <p:sp>
+        <p:nvSpPr>
+          <p:cNvPr id="8" name="CaixaDeTexto 7"/>
+          <p:cNvSpPr txBox="1"/>
+          <p:nvPr/>
+        </p:nvSpPr>
+        <p:spPr>
+          <a:xfrm>
+            <a:off x="628650" y="5323062"/>
+            <a:ext cx="7886700" cy="369332"/>
+          </a:xfrm>
+          <a:prstGeom prst="rect">
+            <a:avLst/>
+          </a:prstGeom>
+          <a:noFill/>
+        </p:spPr>
+        <p:txBody>
+          <a:bodyPr wrap="square" rtlCol="0">
+            <a:spAutoFit/>
+          </a:bodyPr>
+          <a:lstStyle/>
+          <a:p>
+            <a:pPr algn="ctr"/>
+            <a:r>
+              <a:rPr lang="pt-BR" i="1" dirty="0" smtClean="0"/>
+              <a:t>Figura X: Visão RTL da estrutura de testes</a:t>
+            </a:r>
+            <a:endParaRPr lang="pt-BR" i="1" dirty="0"/>
           </a:p>
         </p:txBody>
       </p:sp>
     </p:spTree>
     <p:extLst>
       <p:ext uri="{BB962C8B-B14F-4D97-AF65-F5344CB8AC3E}">
-        <p14:creationId xmlns:p14="http://schemas.microsoft.com/office/powerpoint/2010/main" val="1037745349"/>
+        <p14:creationId xmlns:p14="http://schemas.microsoft.com/office/powerpoint/2010/main" val="652386235"/>
       </p:ext>
     </p:extLst>
   </p:cSld>
@@ -4764,642 +4531,10 @@
 </p:sld>
 </file>
 
-<file path=ppt/slides/slide4.xml><?xml version="1.0" encoding="utf-8"?>
-<p:sld xmlns:a="http://schemas.openxmlformats.org/drawingml/2006/main" xmlns:r="http://schemas.openxmlformats.org/officeDocument/2006/relationships" xmlns:p="http://schemas.openxmlformats.org/presentationml/2006/main">
-  <p:cSld>
-    <p:spTree>
-      <p:nvGrpSpPr>
-        <p:cNvPr id="1" name=""/>
-        <p:cNvGrpSpPr/>
-        <p:nvPr/>
-      </p:nvGrpSpPr>
-      <p:grpSpPr>
-        <a:xfrm>
-          <a:off x="0" y="0"/>
-          <a:ext cx="0" cy="0"/>
-          <a:chOff x="0" y="0"/>
-          <a:chExt cx="0" cy="0"/>
-        </a:xfrm>
-      </p:grpSpPr>
-      <p:sp>
-        <p:nvSpPr>
-          <p:cNvPr id="2" name="Título 1"/>
-          <p:cNvSpPr>
-            <a:spLocks noGrp="1"/>
-          </p:cNvSpPr>
-          <p:nvPr>
-            <p:ph type="title"/>
-          </p:nvPr>
-        </p:nvSpPr>
-        <p:spPr>
-          <a:xfrm>
-            <a:off x="838200" y="304968"/>
-            <a:ext cx="10515600" cy="453022"/>
-          </a:xfrm>
-        </p:spPr>
-        <p:txBody>
-          <a:bodyPr>
-            <a:normAutofit fontScale="90000"/>
-          </a:bodyPr>
-          <a:lstStyle/>
-          <a:p>
-            <a:r>
-              <a:rPr lang="pt-BR" dirty="0" smtClean="0"/>
-              <a:t>Apresentar alguma ideia que não deu certo</a:t>
-            </a:r>
-            <a:endParaRPr lang="pt-BR" dirty="0"/>
-          </a:p>
-        </p:txBody>
-      </p:sp>
-      <p:sp>
-        <p:nvSpPr>
-          <p:cNvPr id="3" name="Espaço Reservado para Conteúdo 2"/>
-          <p:cNvSpPr>
-            <a:spLocks noGrp="1"/>
-          </p:cNvSpPr>
-          <p:nvPr>
-            <p:ph idx="1"/>
-          </p:nvPr>
-        </p:nvSpPr>
-        <p:spPr>
-          <a:xfrm>
-            <a:off x="838200" y="1634668"/>
-            <a:ext cx="10515600" cy="4351338"/>
-          </a:xfrm>
-        </p:spPr>
-        <p:txBody>
-          <a:bodyPr/>
-          <a:lstStyle/>
-          <a:p>
-            <a:pPr>
-              <a:buClr>
-                <a:schemeClr val="accent1">
-                  <a:lumMod val="75000"/>
-                </a:schemeClr>
-              </a:buClr>
-              <a:buFont typeface="Wingdings" panose="05000000000000000000" pitchFamily="2" charset="2"/>
-              <a:buChar char="q"/>
-            </a:pPr>
-            <a:r>
-              <a:rPr lang="pt-BR" dirty="0" smtClean="0"/>
-              <a:t>Texto</a:t>
-            </a:r>
-          </a:p>
-          <a:p>
-            <a:pPr>
-              <a:buClr>
-                <a:schemeClr val="accent1">
-                  <a:lumMod val="75000"/>
-                </a:schemeClr>
-              </a:buClr>
-              <a:buFont typeface="Wingdings" panose="05000000000000000000" pitchFamily="2" charset="2"/>
-              <a:buChar char="q"/>
-            </a:pPr>
-            <a:r>
-              <a:rPr lang="pt-BR" dirty="0" smtClean="0"/>
-              <a:t>Texto</a:t>
-            </a:r>
-          </a:p>
-          <a:p>
-            <a:pPr>
-              <a:buClr>
-                <a:schemeClr val="accent1">
-                  <a:lumMod val="75000"/>
-                </a:schemeClr>
-              </a:buClr>
-              <a:buFont typeface="Wingdings" panose="05000000000000000000" pitchFamily="2" charset="2"/>
-              <a:buChar char="q"/>
-            </a:pPr>
-            <a:r>
-              <a:rPr lang="pt-BR" dirty="0" smtClean="0"/>
-              <a:t>Texto</a:t>
-            </a:r>
-          </a:p>
-          <a:p>
-            <a:pPr>
-              <a:buClr>
-                <a:schemeClr val="accent1">
-                  <a:lumMod val="75000"/>
-                </a:schemeClr>
-              </a:buClr>
-              <a:buFont typeface="Wingdings" panose="05000000000000000000" pitchFamily="2" charset="2"/>
-              <a:buChar char="q"/>
-            </a:pPr>
-            <a:r>
-              <a:rPr lang="pt-BR" dirty="0" smtClean="0"/>
-              <a:t>Texto</a:t>
-            </a:r>
-            <a:endParaRPr lang="pt-BR" dirty="0"/>
-          </a:p>
-        </p:txBody>
-      </p:sp>
-      <p:graphicFrame>
-        <p:nvGraphicFramePr>
-          <p:cNvPr id="7" name="Objeto 6"/>
-          <p:cNvGraphicFramePr>
-            <a:graphicFrameLocks noChangeAspect="1"/>
-          </p:cNvGraphicFramePr>
-          <p:nvPr>
-            <p:extLst>
-              <p:ext uri="{D42A27DB-BD31-4B8C-83A1-F6EECF244321}">
-                <p14:modId xmlns:p14="http://schemas.microsoft.com/office/powerpoint/2010/main" val="1993283754"/>
-              </p:ext>
-            </p:extLst>
-          </p:nvPr>
-        </p:nvGraphicFramePr>
-        <p:xfrm>
-          <a:off x="1588" y="6718300"/>
-          <a:ext cx="12190412" cy="139700"/>
-        </p:xfrm>
-        <a:graphic>
-          <a:graphicData uri="http://schemas.openxmlformats.org/presentationml/2006/ole">
-            <mc:AlternateContent xmlns:mc="http://schemas.openxmlformats.org/markup-compatibility/2006">
-              <mc:Choice xmlns:v="urn:schemas-microsoft-com:vml" Requires="v">
-                <p:oleObj spid="_x0000_s3076" name="Image" r:id="rId4" imgW="12190320" imgH="139680" progId="Photoshop.Image.13">
-                  <p:embed/>
-                </p:oleObj>
-              </mc:Choice>
-              <mc:Fallback>
-                <p:oleObj name="Image" r:id="rId4" imgW="12190320" imgH="139680" progId="Photoshop.Image.13">
-                  <p:embed/>
-                  <p:pic>
-                    <p:nvPicPr>
-                      <p:cNvPr id="0" name=""/>
-                      <p:cNvPicPr/>
-                      <p:nvPr/>
-                    </p:nvPicPr>
-                    <p:blipFill>
-                      <a:blip r:embed="rId5"/>
-                      <a:stretch>
-                        <a:fillRect/>
-                      </a:stretch>
-                    </p:blipFill>
-                    <p:spPr>
-                      <a:xfrm>
-                        <a:off x="1588" y="6718300"/>
-                        <a:ext cx="12190412" cy="139700"/>
-                      </a:xfrm>
-                      <a:prstGeom prst="rect">
-                        <a:avLst/>
-                      </a:prstGeom>
-                    </p:spPr>
-                  </p:pic>
-                </p:oleObj>
-              </mc:Fallback>
-            </mc:AlternateContent>
-          </a:graphicData>
-        </a:graphic>
-      </p:graphicFrame>
-      <p:cxnSp>
-        <p:nvCxnSpPr>
-          <p:cNvPr id="9" name="Conector reto 8"/>
-          <p:cNvCxnSpPr/>
-          <p:nvPr/>
-        </p:nvCxnSpPr>
-        <p:spPr>
-          <a:xfrm>
-            <a:off x="445168" y="902374"/>
-            <a:ext cx="6545179" cy="0"/>
-          </a:xfrm>
-          <a:prstGeom prst="line">
-            <a:avLst/>
-          </a:prstGeom>
-          <a:ln/>
-        </p:spPr>
-        <p:style>
-          <a:lnRef idx="3">
-            <a:schemeClr val="accent1"/>
-          </a:lnRef>
-          <a:fillRef idx="0">
-            <a:schemeClr val="accent1"/>
-          </a:fillRef>
-          <a:effectRef idx="2">
-            <a:schemeClr val="accent1"/>
-          </a:effectRef>
-          <a:fontRef idx="minor">
-            <a:schemeClr val="tx1"/>
-          </a:fontRef>
-        </p:style>
-      </p:cxnSp>
-      <p:sp>
-        <p:nvSpPr>
-          <p:cNvPr id="11" name="Espaço Reservado para Data 10"/>
-          <p:cNvSpPr>
-            <a:spLocks noGrp="1"/>
-          </p:cNvSpPr>
-          <p:nvPr>
-            <p:ph type="dt" sz="half" idx="10"/>
-          </p:nvPr>
-        </p:nvSpPr>
-        <p:spPr/>
-        <p:txBody>
-          <a:bodyPr/>
-          <a:lstStyle/>
-          <a:p>
-            <a:fld id="{5B2C3F26-301F-434E-863D-B89F544B9CE4}" type="datetime1">
-              <a:rPr lang="pt-BR" smtClean="0"/>
-              <a:t>27/05/2014</a:t>
-            </a:fld>
-            <a:endParaRPr lang="pt-BR"/>
-          </a:p>
-        </p:txBody>
-      </p:sp>
-      <p:sp>
-        <p:nvSpPr>
-          <p:cNvPr id="12" name="Espaço Reservado para Número de Slide 11"/>
-          <p:cNvSpPr>
-            <a:spLocks noGrp="1"/>
-          </p:cNvSpPr>
-          <p:nvPr>
-            <p:ph type="sldNum" sz="quarter" idx="12"/>
-          </p:nvPr>
-        </p:nvSpPr>
-        <p:spPr/>
-        <p:txBody>
-          <a:bodyPr/>
-          <a:lstStyle/>
-          <a:p>
-            <a:fld id="{31892884-0934-4F3F-B79B-36C387EDB149}" type="slidenum">
-              <a:rPr lang="pt-BR" smtClean="0"/>
-              <a:t>4</a:t>
-            </a:fld>
-            <a:endParaRPr lang="pt-BR"/>
-          </a:p>
-        </p:txBody>
-      </p:sp>
-      <p:sp>
-        <p:nvSpPr>
-          <p:cNvPr id="13" name="Espaço Reservado para Rodapé 12"/>
-          <p:cNvSpPr>
-            <a:spLocks noGrp="1"/>
-          </p:cNvSpPr>
-          <p:nvPr>
-            <p:ph type="ftr" sz="quarter" idx="11"/>
-          </p:nvPr>
-        </p:nvSpPr>
-        <p:spPr/>
-        <p:txBody>
-          <a:bodyPr/>
-          <a:lstStyle/>
-          <a:p>
-            <a:r>
-              <a:rPr lang="pt-BR" smtClean="0"/>
-              <a:t>Universidade Federal de Itajubá</a:t>
-            </a:r>
-            <a:endParaRPr lang="pt-BR"/>
-          </a:p>
-        </p:txBody>
-      </p:sp>
-    </p:spTree>
-    <p:extLst>
-      <p:ext uri="{BB962C8B-B14F-4D97-AF65-F5344CB8AC3E}">
-        <p14:creationId xmlns:p14="http://schemas.microsoft.com/office/powerpoint/2010/main" val="1901103758"/>
-      </p:ext>
-    </p:extLst>
-  </p:cSld>
-  <p:clrMapOvr>
-    <a:masterClrMapping/>
-  </p:clrMapOvr>
-  <mc:AlternateContent xmlns:mc="http://schemas.openxmlformats.org/markup-compatibility/2006">
-    <mc:Choice xmlns:p14="http://schemas.microsoft.com/office/powerpoint/2010/main" Requires="p14">
-      <p:transition p14:dur="0"/>
-    </mc:Choice>
-    <mc:Fallback>
-      <p:transition/>
-    </mc:Fallback>
-  </mc:AlternateContent>
-  <p:timing>
-    <p:tnLst>
-      <p:par>
-        <p:cTn id="1" dur="indefinite" restart="never" nodeType="tmRoot"/>
-      </p:par>
-    </p:tnLst>
-  </p:timing>
-</p:sld>
-</file>
-
-<file path=ppt/slides/slide5.xml><?xml version="1.0" encoding="utf-8"?>
-<p:sld xmlns:a="http://schemas.openxmlformats.org/drawingml/2006/main" xmlns:r="http://schemas.openxmlformats.org/officeDocument/2006/relationships" xmlns:p="http://schemas.openxmlformats.org/presentationml/2006/main">
-  <p:cSld>
-    <p:spTree>
-      <p:nvGrpSpPr>
-        <p:cNvPr id="1" name=""/>
-        <p:cNvGrpSpPr/>
-        <p:nvPr/>
-      </p:nvGrpSpPr>
-      <p:grpSpPr>
-        <a:xfrm>
-          <a:off x="0" y="0"/>
-          <a:ext cx="0" cy="0"/>
-          <a:chOff x="0" y="0"/>
-          <a:chExt cx="0" cy="0"/>
-        </a:xfrm>
-      </p:grpSpPr>
-      <p:sp>
-        <p:nvSpPr>
-          <p:cNvPr id="2" name="Título 1"/>
-          <p:cNvSpPr>
-            <a:spLocks noGrp="1"/>
-          </p:cNvSpPr>
-          <p:nvPr>
-            <p:ph type="title"/>
-          </p:nvPr>
-        </p:nvSpPr>
-        <p:spPr>
-          <a:xfrm>
-            <a:off x="838200" y="304968"/>
-            <a:ext cx="10515600" cy="453022"/>
-          </a:xfrm>
-        </p:spPr>
-        <p:txBody>
-          <a:bodyPr>
-            <a:normAutofit fontScale="90000"/>
-          </a:bodyPr>
-          <a:lstStyle/>
-          <a:p>
-            <a:r>
-              <a:rPr lang="pt-BR" dirty="0" smtClean="0"/>
-              <a:t>Apresentar a ideia que deu certo</a:t>
-            </a:r>
-            <a:endParaRPr lang="pt-BR" dirty="0"/>
-          </a:p>
-        </p:txBody>
-      </p:sp>
-      <p:sp>
-        <p:nvSpPr>
-          <p:cNvPr id="3" name="Espaço Reservado para Conteúdo 2"/>
-          <p:cNvSpPr>
-            <a:spLocks noGrp="1"/>
-          </p:cNvSpPr>
-          <p:nvPr>
-            <p:ph idx="1"/>
-          </p:nvPr>
-        </p:nvSpPr>
-        <p:spPr>
-          <a:xfrm>
-            <a:off x="838200" y="1634668"/>
-            <a:ext cx="10515600" cy="4351338"/>
-          </a:xfrm>
-        </p:spPr>
-        <p:txBody>
-          <a:bodyPr/>
-          <a:lstStyle/>
-          <a:p>
-            <a:pPr>
-              <a:buClr>
-                <a:schemeClr val="accent1">
-                  <a:lumMod val="75000"/>
-                </a:schemeClr>
-              </a:buClr>
-              <a:buFont typeface="Wingdings" panose="05000000000000000000" pitchFamily="2" charset="2"/>
-              <a:buChar char="q"/>
-            </a:pPr>
-            <a:r>
-              <a:rPr lang="pt-BR" dirty="0" smtClean="0"/>
-              <a:t>Texto</a:t>
-            </a:r>
-          </a:p>
-          <a:p>
-            <a:pPr>
-              <a:buClr>
-                <a:schemeClr val="accent1">
-                  <a:lumMod val="75000"/>
-                </a:schemeClr>
-              </a:buClr>
-              <a:buFont typeface="Wingdings" panose="05000000000000000000" pitchFamily="2" charset="2"/>
-              <a:buChar char="q"/>
-            </a:pPr>
-            <a:r>
-              <a:rPr lang="pt-BR" dirty="0" smtClean="0"/>
-              <a:t>Texto</a:t>
-            </a:r>
-          </a:p>
-          <a:p>
-            <a:pPr>
-              <a:buClr>
-                <a:schemeClr val="accent1">
-                  <a:lumMod val="75000"/>
-                </a:schemeClr>
-              </a:buClr>
-              <a:buFont typeface="Wingdings" panose="05000000000000000000" pitchFamily="2" charset="2"/>
-              <a:buChar char="q"/>
-            </a:pPr>
-            <a:r>
-              <a:rPr lang="pt-BR" dirty="0" smtClean="0"/>
-              <a:t>Texto</a:t>
-            </a:r>
-          </a:p>
-          <a:p>
-            <a:pPr>
-              <a:buClr>
-                <a:schemeClr val="accent1">
-                  <a:lumMod val="75000"/>
-                </a:schemeClr>
-              </a:buClr>
-              <a:buFont typeface="Wingdings" panose="05000000000000000000" pitchFamily="2" charset="2"/>
-              <a:buChar char="q"/>
-            </a:pPr>
-            <a:r>
-              <a:rPr lang="pt-BR" dirty="0" smtClean="0"/>
-              <a:t>Texto</a:t>
-            </a:r>
-            <a:endParaRPr lang="pt-BR" dirty="0"/>
-          </a:p>
-        </p:txBody>
-      </p:sp>
-      <p:graphicFrame>
-        <p:nvGraphicFramePr>
-          <p:cNvPr id="7" name="Objeto 6"/>
-          <p:cNvGraphicFramePr>
-            <a:graphicFrameLocks noChangeAspect="1"/>
-          </p:cNvGraphicFramePr>
-          <p:nvPr>
-            <p:extLst>
-              <p:ext uri="{D42A27DB-BD31-4B8C-83A1-F6EECF244321}">
-                <p14:modId xmlns:p14="http://schemas.microsoft.com/office/powerpoint/2010/main" val="1993283754"/>
-              </p:ext>
-            </p:extLst>
-          </p:nvPr>
-        </p:nvGraphicFramePr>
-        <p:xfrm>
-          <a:off x="1588" y="6718300"/>
-          <a:ext cx="12190412" cy="139700"/>
-        </p:xfrm>
-        <a:graphic>
-          <a:graphicData uri="http://schemas.openxmlformats.org/presentationml/2006/ole">
-            <mc:AlternateContent xmlns:mc="http://schemas.openxmlformats.org/markup-compatibility/2006">
-              <mc:Choice xmlns:v="urn:schemas-microsoft-com:vml" Requires="v">
-                <p:oleObj spid="_x0000_s4100" name="Image" r:id="rId4" imgW="12190320" imgH="139680" progId="Photoshop.Image.13">
-                  <p:embed/>
-                </p:oleObj>
-              </mc:Choice>
-              <mc:Fallback>
-                <p:oleObj name="Image" r:id="rId4" imgW="12190320" imgH="139680" progId="Photoshop.Image.13">
-                  <p:embed/>
-                  <p:pic>
-                    <p:nvPicPr>
-                      <p:cNvPr id="0" name=""/>
-                      <p:cNvPicPr/>
-                      <p:nvPr/>
-                    </p:nvPicPr>
-                    <p:blipFill>
-                      <a:blip r:embed="rId5"/>
-                      <a:stretch>
-                        <a:fillRect/>
-                      </a:stretch>
-                    </p:blipFill>
-                    <p:spPr>
-                      <a:xfrm>
-                        <a:off x="1588" y="6718300"/>
-                        <a:ext cx="12190412" cy="139700"/>
-                      </a:xfrm>
-                      <a:prstGeom prst="rect">
-                        <a:avLst/>
-                      </a:prstGeom>
-                    </p:spPr>
-                  </p:pic>
-                </p:oleObj>
-              </mc:Fallback>
-            </mc:AlternateContent>
-          </a:graphicData>
-        </a:graphic>
-      </p:graphicFrame>
-      <p:cxnSp>
-        <p:nvCxnSpPr>
-          <p:cNvPr id="9" name="Conector reto 8"/>
-          <p:cNvCxnSpPr/>
-          <p:nvPr/>
-        </p:nvCxnSpPr>
-        <p:spPr>
-          <a:xfrm>
-            <a:off x="445168" y="902374"/>
-            <a:ext cx="6545179" cy="0"/>
-          </a:xfrm>
-          <a:prstGeom prst="line">
-            <a:avLst/>
-          </a:prstGeom>
-          <a:ln/>
-        </p:spPr>
-        <p:style>
-          <a:lnRef idx="3">
-            <a:schemeClr val="accent1"/>
-          </a:lnRef>
-          <a:fillRef idx="0">
-            <a:schemeClr val="accent1"/>
-          </a:fillRef>
-          <a:effectRef idx="2">
-            <a:schemeClr val="accent1"/>
-          </a:effectRef>
-          <a:fontRef idx="minor">
-            <a:schemeClr val="tx1"/>
-          </a:fontRef>
-        </p:style>
-      </p:cxnSp>
-      <p:sp>
-        <p:nvSpPr>
-          <p:cNvPr id="11" name="Espaço Reservado para Data 10"/>
-          <p:cNvSpPr>
-            <a:spLocks noGrp="1"/>
-          </p:cNvSpPr>
-          <p:nvPr>
-            <p:ph type="dt" sz="half" idx="10"/>
-          </p:nvPr>
-        </p:nvSpPr>
-        <p:spPr/>
-        <p:txBody>
-          <a:bodyPr/>
-          <a:lstStyle/>
-          <a:p>
-            <a:fld id="{5B2C3F26-301F-434E-863D-B89F544B9CE4}" type="datetime1">
-              <a:rPr lang="pt-BR" smtClean="0"/>
-              <a:t>27/05/2014</a:t>
-            </a:fld>
-            <a:endParaRPr lang="pt-BR"/>
-          </a:p>
-        </p:txBody>
-      </p:sp>
-      <p:sp>
-        <p:nvSpPr>
-          <p:cNvPr id="12" name="Espaço Reservado para Número de Slide 11"/>
-          <p:cNvSpPr>
-            <a:spLocks noGrp="1"/>
-          </p:cNvSpPr>
-          <p:nvPr>
-            <p:ph type="sldNum" sz="quarter" idx="12"/>
-          </p:nvPr>
-        </p:nvSpPr>
-        <p:spPr/>
-        <p:txBody>
-          <a:bodyPr/>
-          <a:lstStyle/>
-          <a:p>
-            <a:fld id="{31892884-0934-4F3F-B79B-36C387EDB149}" type="slidenum">
-              <a:rPr lang="pt-BR" smtClean="0"/>
-              <a:t>5</a:t>
-            </a:fld>
-            <a:endParaRPr lang="pt-BR"/>
-          </a:p>
-        </p:txBody>
-      </p:sp>
-      <p:sp>
-        <p:nvSpPr>
-          <p:cNvPr id="13" name="Espaço Reservado para Rodapé 12"/>
-          <p:cNvSpPr>
-            <a:spLocks noGrp="1"/>
-          </p:cNvSpPr>
-          <p:nvPr>
-            <p:ph type="ftr" sz="quarter" idx="11"/>
-          </p:nvPr>
-        </p:nvSpPr>
-        <p:spPr/>
-        <p:txBody>
-          <a:bodyPr/>
-          <a:lstStyle/>
-          <a:p>
-            <a:r>
-              <a:rPr lang="pt-BR" smtClean="0"/>
-              <a:t>Universidade Federal de Itajubá</a:t>
-            </a:r>
-            <a:endParaRPr lang="pt-BR"/>
-          </a:p>
-        </p:txBody>
-      </p:sp>
-    </p:spTree>
-    <p:extLst>
-      <p:ext uri="{BB962C8B-B14F-4D97-AF65-F5344CB8AC3E}">
-        <p14:creationId xmlns:p14="http://schemas.microsoft.com/office/powerpoint/2010/main" val="2012665678"/>
-      </p:ext>
-    </p:extLst>
-  </p:cSld>
-  <p:clrMapOvr>
-    <a:masterClrMapping/>
-  </p:clrMapOvr>
-  <mc:AlternateContent xmlns:mc="http://schemas.openxmlformats.org/markup-compatibility/2006">
-    <mc:Choice xmlns:p15="http://schemas.microsoft.com/office/powerpoint/2012/main" Requires="p15">
-      <p:transition xmlns:p14="http://schemas.microsoft.com/office/powerpoint/2010/main" spd="slow" p14:dur="2000">
-        <p15:prstTrans prst="crush"/>
-      </p:transition>
-    </mc:Choice>
-    <mc:Fallback>
-      <p:transition spd="slow">
-        <p:fade/>
-      </p:transition>
-    </mc:Fallback>
-  </mc:AlternateContent>
-  <p:timing>
-    <p:tnLst>
-      <p:par>
-        <p:cTn id="1" dur="indefinite" restart="never" nodeType="tmRoot"/>
-      </p:par>
-    </p:tnLst>
-  </p:timing>
-</p:sld>
-</file>
-
 <file path=ppt/theme/theme1.xml><?xml version="1.0" encoding="utf-8"?>
 <a:theme xmlns:a="http://schemas.openxmlformats.org/drawingml/2006/main" name="Tema do Office">
   <a:themeElements>
-    <a:clrScheme name="Escritório">
+    <a:clrScheme name="Tema do Office">
       <a:dk1>
         <a:sysClr val="windowText" lastClr="000000"/>
       </a:dk1>
@@ -5437,7 +4572,7 @@
         <a:srgbClr val="954F72"/>
       </a:folHlink>
     </a:clrScheme>
-    <a:fontScheme name="Escritório">
+    <a:fontScheme name="Tema do Office">
       <a:majorFont>
         <a:latin typeface="Calibri Light" panose="020F0302020204030204"/>
         <a:ea typeface=""/>
@@ -5509,7 +4644,7 @@
         <a:font script="Geor" typeface="Sylfaen"/>
       </a:minorFont>
     </a:fontScheme>
-    <a:fmtScheme name="Escritório">
+    <a:fmtScheme name="Tema do Office">
       <a:fillStyleLst>
         <a:solidFill>
           <a:schemeClr val="phClr"/>
@@ -5647,29 +4782,7 @@
       </a:bgFillStyleLst>
     </a:fmtScheme>
   </a:themeElements>
-  <a:objectDefaults>
-    <a:lnDef>
-      <a:spPr>
-        <a:ln/>
-      </a:spPr>
-      <a:bodyPr/>
-      <a:lstStyle/>
-      <a:style>
-        <a:lnRef idx="3">
-          <a:schemeClr val="accent1"/>
-        </a:lnRef>
-        <a:fillRef idx="0">
-          <a:schemeClr val="accent1"/>
-        </a:fillRef>
-        <a:effectRef idx="2">
-          <a:schemeClr val="accent1"/>
-        </a:effectRef>
-        <a:fontRef idx="minor">
-          <a:schemeClr val="tx1"/>
-        </a:fontRef>
-      </a:style>
-    </a:lnDef>
-  </a:objectDefaults>
+  <a:objectDefaults/>
   <a:extraClrSchemeLst/>
   <a:extLst>
     <a:ext uri="{05A4C25C-085E-4340-85A3-A5531E510DB2}">

--- a/Apresentacao/Apresentacao.pptx
+++ b/Apresentacao/Apresentacao.pptx
@@ -5,12 +5,35 @@
     <p:sldMasterId id="2147483708" r:id="rId1"/>
   </p:sldMasterIdLst>
   <p:notesMasterIdLst>
-    <p:notesMasterId r:id="rId5"/>
+    <p:notesMasterId r:id="rId28"/>
   </p:notesMasterIdLst>
   <p:sldIdLst>
     <p:sldId id="257" r:id="rId2"/>
     <p:sldId id="258" r:id="rId3"/>
     <p:sldId id="262" r:id="rId4"/>
+    <p:sldId id="263" r:id="rId5"/>
+    <p:sldId id="264" r:id="rId6"/>
+    <p:sldId id="265" r:id="rId7"/>
+    <p:sldId id="266" r:id="rId8"/>
+    <p:sldId id="285" r:id="rId9"/>
+    <p:sldId id="284" r:id="rId10"/>
+    <p:sldId id="267" r:id="rId11"/>
+    <p:sldId id="268" r:id="rId12"/>
+    <p:sldId id="269" r:id="rId13"/>
+    <p:sldId id="270" r:id="rId14"/>
+    <p:sldId id="271" r:id="rId15"/>
+    <p:sldId id="272" r:id="rId16"/>
+    <p:sldId id="273" r:id="rId17"/>
+    <p:sldId id="274" r:id="rId18"/>
+    <p:sldId id="275" r:id="rId19"/>
+    <p:sldId id="276" r:id="rId20"/>
+    <p:sldId id="277" r:id="rId21"/>
+    <p:sldId id="278" r:id="rId22"/>
+    <p:sldId id="279" r:id="rId23"/>
+    <p:sldId id="280" r:id="rId24"/>
+    <p:sldId id="281" r:id="rId25"/>
+    <p:sldId id="282" r:id="rId26"/>
+    <p:sldId id="283" r:id="rId27"/>
   </p:sldIdLst>
   <p:sldSz cx="9144000" cy="6858000" type="screen4x3"/>
   <p:notesSz cx="6858000" cy="9144000"/>
@@ -111,7 +134,7 @@
   </p:defaultTextStyle>
   <p:extLst>
     <p:ext uri="{EFAFB233-063F-42B5-8137-9DF3F51BA10A}">
-      <p15:sldGuideLst xmlns:p15="http://schemas.microsoft.com/office/powerpoint/2012/main"/>
+      <p15:sldGuideLst xmlns:p15="http://schemas.microsoft.com/office/powerpoint/2012/main" xmlns=""/>
     </p:ext>
   </p:extLst>
 </p:presentation>
@@ -199,7 +222,7 @@
           <a:p>
             <a:fld id="{4ECFF89F-550C-4129-B05B-5F50C6FAE430}" type="datetimeFigureOut">
               <a:rPr lang="pt-BR" smtClean="0"/>
-              <a:t>28/05/2014</a:t>
+              <a:t>03/06/2014</a:t>
             </a:fld>
             <a:endParaRPr lang="pt-BR"/>
           </a:p>
@@ -556,6 +579,896 @@
 </p:notes>
 </file>
 
+<file path=ppt/notesSlides/notesSlide10.xml><?xml version="1.0" encoding="utf-8"?>
+<p:notes xmlns:a="http://schemas.openxmlformats.org/drawingml/2006/main" xmlns:r="http://schemas.openxmlformats.org/officeDocument/2006/relationships" xmlns:p="http://schemas.openxmlformats.org/presentationml/2006/main">
+  <p:cSld>
+    <p:spTree>
+      <p:nvGrpSpPr>
+        <p:cNvPr id="1" name=""/>
+        <p:cNvGrpSpPr/>
+        <p:nvPr/>
+      </p:nvGrpSpPr>
+      <p:grpSpPr>
+        <a:xfrm>
+          <a:off x="0" y="0"/>
+          <a:ext cx="0" cy="0"/>
+          <a:chOff x="0" y="0"/>
+          <a:chExt cx="0" cy="0"/>
+        </a:xfrm>
+      </p:grpSpPr>
+      <p:sp>
+        <p:nvSpPr>
+          <p:cNvPr id="2" name="Espaço Reservado para Imagem de Slide 1"/>
+          <p:cNvSpPr>
+            <a:spLocks noGrp="1" noRot="1" noChangeAspect="1"/>
+          </p:cNvSpPr>
+          <p:nvPr>
+            <p:ph type="sldImg"/>
+          </p:nvPr>
+        </p:nvSpPr>
+        <p:spPr>
+          <a:xfrm>
+            <a:off x="1371600" y="1143000"/>
+            <a:ext cx="4114800" cy="3086100"/>
+          </a:xfrm>
+        </p:spPr>
+      </p:sp>
+      <p:sp>
+        <p:nvSpPr>
+          <p:cNvPr id="3" name="Espaço Reservado para Anotações 2"/>
+          <p:cNvSpPr>
+            <a:spLocks noGrp="1"/>
+          </p:cNvSpPr>
+          <p:nvPr>
+            <p:ph type="body" idx="1"/>
+          </p:nvPr>
+        </p:nvSpPr>
+        <p:spPr/>
+        <p:txBody>
+          <a:bodyPr/>
+          <a:lstStyle/>
+          <a:p>
+            <a:endParaRPr lang="pt-BR"/>
+          </a:p>
+        </p:txBody>
+      </p:sp>
+      <p:sp>
+        <p:nvSpPr>
+          <p:cNvPr id="4" name="Espaço Reservado para Número de Slide 3"/>
+          <p:cNvSpPr>
+            <a:spLocks noGrp="1"/>
+          </p:cNvSpPr>
+          <p:nvPr>
+            <p:ph type="sldNum" sz="quarter" idx="10"/>
+          </p:nvPr>
+        </p:nvSpPr>
+        <p:spPr/>
+        <p:txBody>
+          <a:bodyPr/>
+          <a:lstStyle/>
+          <a:p>
+            <a:fld id="{1CA53FDC-004F-4EB0-83CE-561FF9E1969C}" type="slidenum">
+              <a:rPr lang="pt-BR" smtClean="0"/>
+              <a:t>13</a:t>
+            </a:fld>
+            <a:endParaRPr lang="pt-BR"/>
+          </a:p>
+        </p:txBody>
+      </p:sp>
+    </p:spTree>
+    <p:extLst>
+      <p:ext uri="{BB962C8B-B14F-4D97-AF65-F5344CB8AC3E}">
+        <p14:creationId xmlns:p14="http://schemas.microsoft.com/office/powerpoint/2010/main" val="2558636358"/>
+      </p:ext>
+    </p:extLst>
+  </p:cSld>
+  <p:clrMapOvr>
+    <a:masterClrMapping/>
+  </p:clrMapOvr>
+</p:notes>
+</file>
+
+<file path=ppt/notesSlides/notesSlide11.xml><?xml version="1.0" encoding="utf-8"?>
+<p:notes xmlns:a="http://schemas.openxmlformats.org/drawingml/2006/main" xmlns:r="http://schemas.openxmlformats.org/officeDocument/2006/relationships" xmlns:p="http://schemas.openxmlformats.org/presentationml/2006/main">
+  <p:cSld>
+    <p:spTree>
+      <p:nvGrpSpPr>
+        <p:cNvPr id="1" name=""/>
+        <p:cNvGrpSpPr/>
+        <p:nvPr/>
+      </p:nvGrpSpPr>
+      <p:grpSpPr>
+        <a:xfrm>
+          <a:off x="0" y="0"/>
+          <a:ext cx="0" cy="0"/>
+          <a:chOff x="0" y="0"/>
+          <a:chExt cx="0" cy="0"/>
+        </a:xfrm>
+      </p:grpSpPr>
+      <p:sp>
+        <p:nvSpPr>
+          <p:cNvPr id="2" name="Espaço Reservado para Imagem de Slide 1"/>
+          <p:cNvSpPr>
+            <a:spLocks noGrp="1" noRot="1" noChangeAspect="1"/>
+          </p:cNvSpPr>
+          <p:nvPr>
+            <p:ph type="sldImg"/>
+          </p:nvPr>
+        </p:nvSpPr>
+        <p:spPr>
+          <a:xfrm>
+            <a:off x="1371600" y="1143000"/>
+            <a:ext cx="4114800" cy="3086100"/>
+          </a:xfrm>
+        </p:spPr>
+      </p:sp>
+      <p:sp>
+        <p:nvSpPr>
+          <p:cNvPr id="3" name="Espaço Reservado para Anotações 2"/>
+          <p:cNvSpPr>
+            <a:spLocks noGrp="1"/>
+          </p:cNvSpPr>
+          <p:nvPr>
+            <p:ph type="body" idx="1"/>
+          </p:nvPr>
+        </p:nvSpPr>
+        <p:spPr/>
+        <p:txBody>
+          <a:bodyPr/>
+          <a:lstStyle/>
+          <a:p>
+            <a:endParaRPr lang="pt-BR"/>
+          </a:p>
+        </p:txBody>
+      </p:sp>
+      <p:sp>
+        <p:nvSpPr>
+          <p:cNvPr id="4" name="Espaço Reservado para Número de Slide 3"/>
+          <p:cNvSpPr>
+            <a:spLocks noGrp="1"/>
+          </p:cNvSpPr>
+          <p:nvPr>
+            <p:ph type="sldNum" sz="quarter" idx="10"/>
+          </p:nvPr>
+        </p:nvSpPr>
+        <p:spPr/>
+        <p:txBody>
+          <a:bodyPr/>
+          <a:lstStyle/>
+          <a:p>
+            <a:fld id="{1CA53FDC-004F-4EB0-83CE-561FF9E1969C}" type="slidenum">
+              <a:rPr lang="pt-BR" smtClean="0"/>
+              <a:t>14</a:t>
+            </a:fld>
+            <a:endParaRPr lang="pt-BR"/>
+          </a:p>
+        </p:txBody>
+      </p:sp>
+    </p:spTree>
+    <p:extLst>
+      <p:ext uri="{BB962C8B-B14F-4D97-AF65-F5344CB8AC3E}">
+        <p14:creationId xmlns:p14="http://schemas.microsoft.com/office/powerpoint/2010/main" val="2450367299"/>
+      </p:ext>
+    </p:extLst>
+  </p:cSld>
+  <p:clrMapOvr>
+    <a:masterClrMapping/>
+  </p:clrMapOvr>
+</p:notes>
+</file>
+
+<file path=ppt/notesSlides/notesSlide12.xml><?xml version="1.0" encoding="utf-8"?>
+<p:notes xmlns:a="http://schemas.openxmlformats.org/drawingml/2006/main" xmlns:r="http://schemas.openxmlformats.org/officeDocument/2006/relationships" xmlns:p="http://schemas.openxmlformats.org/presentationml/2006/main">
+  <p:cSld>
+    <p:spTree>
+      <p:nvGrpSpPr>
+        <p:cNvPr id="1" name=""/>
+        <p:cNvGrpSpPr/>
+        <p:nvPr/>
+      </p:nvGrpSpPr>
+      <p:grpSpPr>
+        <a:xfrm>
+          <a:off x="0" y="0"/>
+          <a:ext cx="0" cy="0"/>
+          <a:chOff x="0" y="0"/>
+          <a:chExt cx="0" cy="0"/>
+        </a:xfrm>
+      </p:grpSpPr>
+      <p:sp>
+        <p:nvSpPr>
+          <p:cNvPr id="2" name="Espaço Reservado para Imagem de Slide 1"/>
+          <p:cNvSpPr>
+            <a:spLocks noGrp="1" noRot="1" noChangeAspect="1"/>
+          </p:cNvSpPr>
+          <p:nvPr>
+            <p:ph type="sldImg"/>
+          </p:nvPr>
+        </p:nvSpPr>
+        <p:spPr>
+          <a:xfrm>
+            <a:off x="1371600" y="1143000"/>
+            <a:ext cx="4114800" cy="3086100"/>
+          </a:xfrm>
+        </p:spPr>
+      </p:sp>
+      <p:sp>
+        <p:nvSpPr>
+          <p:cNvPr id="3" name="Espaço Reservado para Anotações 2"/>
+          <p:cNvSpPr>
+            <a:spLocks noGrp="1"/>
+          </p:cNvSpPr>
+          <p:nvPr>
+            <p:ph type="body" idx="1"/>
+          </p:nvPr>
+        </p:nvSpPr>
+        <p:spPr/>
+        <p:txBody>
+          <a:bodyPr/>
+          <a:lstStyle/>
+          <a:p>
+            <a:endParaRPr lang="pt-BR"/>
+          </a:p>
+        </p:txBody>
+      </p:sp>
+      <p:sp>
+        <p:nvSpPr>
+          <p:cNvPr id="4" name="Espaço Reservado para Número de Slide 3"/>
+          <p:cNvSpPr>
+            <a:spLocks noGrp="1"/>
+          </p:cNvSpPr>
+          <p:nvPr>
+            <p:ph type="sldNum" sz="quarter" idx="10"/>
+          </p:nvPr>
+        </p:nvSpPr>
+        <p:spPr/>
+        <p:txBody>
+          <a:bodyPr/>
+          <a:lstStyle/>
+          <a:p>
+            <a:fld id="{1CA53FDC-004F-4EB0-83CE-561FF9E1969C}" type="slidenum">
+              <a:rPr lang="pt-BR" smtClean="0"/>
+              <a:t>15</a:t>
+            </a:fld>
+            <a:endParaRPr lang="pt-BR"/>
+          </a:p>
+        </p:txBody>
+      </p:sp>
+    </p:spTree>
+    <p:extLst>
+      <p:ext uri="{BB962C8B-B14F-4D97-AF65-F5344CB8AC3E}">
+        <p14:creationId xmlns:p14="http://schemas.microsoft.com/office/powerpoint/2010/main" val="1403438131"/>
+      </p:ext>
+    </p:extLst>
+  </p:cSld>
+  <p:clrMapOvr>
+    <a:masterClrMapping/>
+  </p:clrMapOvr>
+</p:notes>
+</file>
+
+<file path=ppt/notesSlides/notesSlide13.xml><?xml version="1.0" encoding="utf-8"?>
+<p:notes xmlns:a="http://schemas.openxmlformats.org/drawingml/2006/main" xmlns:r="http://schemas.openxmlformats.org/officeDocument/2006/relationships" xmlns:p="http://schemas.openxmlformats.org/presentationml/2006/main">
+  <p:cSld>
+    <p:spTree>
+      <p:nvGrpSpPr>
+        <p:cNvPr id="1" name=""/>
+        <p:cNvGrpSpPr/>
+        <p:nvPr/>
+      </p:nvGrpSpPr>
+      <p:grpSpPr>
+        <a:xfrm>
+          <a:off x="0" y="0"/>
+          <a:ext cx="0" cy="0"/>
+          <a:chOff x="0" y="0"/>
+          <a:chExt cx="0" cy="0"/>
+        </a:xfrm>
+      </p:grpSpPr>
+      <p:sp>
+        <p:nvSpPr>
+          <p:cNvPr id="2" name="Espaço Reservado para Imagem de Slide 1"/>
+          <p:cNvSpPr>
+            <a:spLocks noGrp="1" noRot="1" noChangeAspect="1"/>
+          </p:cNvSpPr>
+          <p:nvPr>
+            <p:ph type="sldImg"/>
+          </p:nvPr>
+        </p:nvSpPr>
+        <p:spPr>
+          <a:xfrm>
+            <a:off x="1371600" y="1143000"/>
+            <a:ext cx="4114800" cy="3086100"/>
+          </a:xfrm>
+        </p:spPr>
+      </p:sp>
+      <p:sp>
+        <p:nvSpPr>
+          <p:cNvPr id="3" name="Espaço Reservado para Anotações 2"/>
+          <p:cNvSpPr>
+            <a:spLocks noGrp="1"/>
+          </p:cNvSpPr>
+          <p:nvPr>
+            <p:ph type="body" idx="1"/>
+          </p:nvPr>
+        </p:nvSpPr>
+        <p:spPr/>
+        <p:txBody>
+          <a:bodyPr/>
+          <a:lstStyle/>
+          <a:p>
+            <a:endParaRPr lang="pt-BR"/>
+          </a:p>
+        </p:txBody>
+      </p:sp>
+      <p:sp>
+        <p:nvSpPr>
+          <p:cNvPr id="4" name="Espaço Reservado para Número de Slide 3"/>
+          <p:cNvSpPr>
+            <a:spLocks noGrp="1"/>
+          </p:cNvSpPr>
+          <p:nvPr>
+            <p:ph type="sldNum" sz="quarter" idx="10"/>
+          </p:nvPr>
+        </p:nvSpPr>
+        <p:spPr/>
+        <p:txBody>
+          <a:bodyPr/>
+          <a:lstStyle/>
+          <a:p>
+            <a:fld id="{1CA53FDC-004F-4EB0-83CE-561FF9E1969C}" type="slidenum">
+              <a:rPr lang="pt-BR" smtClean="0"/>
+              <a:t>16</a:t>
+            </a:fld>
+            <a:endParaRPr lang="pt-BR"/>
+          </a:p>
+        </p:txBody>
+      </p:sp>
+    </p:spTree>
+    <p:extLst>
+      <p:ext uri="{BB962C8B-B14F-4D97-AF65-F5344CB8AC3E}">
+        <p14:creationId xmlns:p14="http://schemas.microsoft.com/office/powerpoint/2010/main" val="3021791673"/>
+      </p:ext>
+    </p:extLst>
+  </p:cSld>
+  <p:clrMapOvr>
+    <a:masterClrMapping/>
+  </p:clrMapOvr>
+</p:notes>
+</file>
+
+<file path=ppt/notesSlides/notesSlide14.xml><?xml version="1.0" encoding="utf-8"?>
+<p:notes xmlns:a="http://schemas.openxmlformats.org/drawingml/2006/main" xmlns:r="http://schemas.openxmlformats.org/officeDocument/2006/relationships" xmlns:p="http://schemas.openxmlformats.org/presentationml/2006/main">
+  <p:cSld>
+    <p:spTree>
+      <p:nvGrpSpPr>
+        <p:cNvPr id="1" name=""/>
+        <p:cNvGrpSpPr/>
+        <p:nvPr/>
+      </p:nvGrpSpPr>
+      <p:grpSpPr>
+        <a:xfrm>
+          <a:off x="0" y="0"/>
+          <a:ext cx="0" cy="0"/>
+          <a:chOff x="0" y="0"/>
+          <a:chExt cx="0" cy="0"/>
+        </a:xfrm>
+      </p:grpSpPr>
+      <p:sp>
+        <p:nvSpPr>
+          <p:cNvPr id="2" name="Espaço Reservado para Imagem de Slide 1"/>
+          <p:cNvSpPr>
+            <a:spLocks noGrp="1" noRot="1" noChangeAspect="1"/>
+          </p:cNvSpPr>
+          <p:nvPr>
+            <p:ph type="sldImg"/>
+          </p:nvPr>
+        </p:nvSpPr>
+        <p:spPr>
+          <a:xfrm>
+            <a:off x="1371600" y="1143000"/>
+            <a:ext cx="4114800" cy="3086100"/>
+          </a:xfrm>
+        </p:spPr>
+      </p:sp>
+      <p:sp>
+        <p:nvSpPr>
+          <p:cNvPr id="3" name="Espaço Reservado para Anotações 2"/>
+          <p:cNvSpPr>
+            <a:spLocks noGrp="1"/>
+          </p:cNvSpPr>
+          <p:nvPr>
+            <p:ph type="body" idx="1"/>
+          </p:nvPr>
+        </p:nvSpPr>
+        <p:spPr/>
+        <p:txBody>
+          <a:bodyPr/>
+          <a:lstStyle/>
+          <a:p>
+            <a:endParaRPr lang="pt-BR"/>
+          </a:p>
+        </p:txBody>
+      </p:sp>
+      <p:sp>
+        <p:nvSpPr>
+          <p:cNvPr id="4" name="Espaço Reservado para Número de Slide 3"/>
+          <p:cNvSpPr>
+            <a:spLocks noGrp="1"/>
+          </p:cNvSpPr>
+          <p:nvPr>
+            <p:ph type="sldNum" sz="quarter" idx="10"/>
+          </p:nvPr>
+        </p:nvSpPr>
+        <p:spPr/>
+        <p:txBody>
+          <a:bodyPr/>
+          <a:lstStyle/>
+          <a:p>
+            <a:fld id="{1CA53FDC-004F-4EB0-83CE-561FF9E1969C}" type="slidenum">
+              <a:rPr lang="pt-BR" smtClean="0"/>
+              <a:t>17</a:t>
+            </a:fld>
+            <a:endParaRPr lang="pt-BR"/>
+          </a:p>
+        </p:txBody>
+      </p:sp>
+    </p:spTree>
+    <p:extLst>
+      <p:ext uri="{BB962C8B-B14F-4D97-AF65-F5344CB8AC3E}">
+        <p14:creationId xmlns:p14="http://schemas.microsoft.com/office/powerpoint/2010/main" val="1268376137"/>
+      </p:ext>
+    </p:extLst>
+  </p:cSld>
+  <p:clrMapOvr>
+    <a:masterClrMapping/>
+  </p:clrMapOvr>
+</p:notes>
+</file>
+
+<file path=ppt/notesSlides/notesSlide15.xml><?xml version="1.0" encoding="utf-8"?>
+<p:notes xmlns:a="http://schemas.openxmlformats.org/drawingml/2006/main" xmlns:r="http://schemas.openxmlformats.org/officeDocument/2006/relationships" xmlns:p="http://schemas.openxmlformats.org/presentationml/2006/main">
+  <p:cSld>
+    <p:spTree>
+      <p:nvGrpSpPr>
+        <p:cNvPr id="1" name=""/>
+        <p:cNvGrpSpPr/>
+        <p:nvPr/>
+      </p:nvGrpSpPr>
+      <p:grpSpPr>
+        <a:xfrm>
+          <a:off x="0" y="0"/>
+          <a:ext cx="0" cy="0"/>
+          <a:chOff x="0" y="0"/>
+          <a:chExt cx="0" cy="0"/>
+        </a:xfrm>
+      </p:grpSpPr>
+      <p:sp>
+        <p:nvSpPr>
+          <p:cNvPr id="2" name="Espaço Reservado para Imagem de Slide 1"/>
+          <p:cNvSpPr>
+            <a:spLocks noGrp="1" noRot="1" noChangeAspect="1"/>
+          </p:cNvSpPr>
+          <p:nvPr>
+            <p:ph type="sldImg"/>
+          </p:nvPr>
+        </p:nvSpPr>
+        <p:spPr>
+          <a:xfrm>
+            <a:off x="1371600" y="1143000"/>
+            <a:ext cx="4114800" cy="3086100"/>
+          </a:xfrm>
+        </p:spPr>
+      </p:sp>
+      <p:sp>
+        <p:nvSpPr>
+          <p:cNvPr id="3" name="Espaço Reservado para Anotações 2"/>
+          <p:cNvSpPr>
+            <a:spLocks noGrp="1"/>
+          </p:cNvSpPr>
+          <p:nvPr>
+            <p:ph type="body" idx="1"/>
+          </p:nvPr>
+        </p:nvSpPr>
+        <p:spPr/>
+        <p:txBody>
+          <a:bodyPr/>
+          <a:lstStyle/>
+          <a:p>
+            <a:endParaRPr lang="pt-BR"/>
+          </a:p>
+        </p:txBody>
+      </p:sp>
+      <p:sp>
+        <p:nvSpPr>
+          <p:cNvPr id="4" name="Espaço Reservado para Número de Slide 3"/>
+          <p:cNvSpPr>
+            <a:spLocks noGrp="1"/>
+          </p:cNvSpPr>
+          <p:nvPr>
+            <p:ph type="sldNum" sz="quarter" idx="10"/>
+          </p:nvPr>
+        </p:nvSpPr>
+        <p:spPr/>
+        <p:txBody>
+          <a:bodyPr/>
+          <a:lstStyle/>
+          <a:p>
+            <a:fld id="{1CA53FDC-004F-4EB0-83CE-561FF9E1969C}" type="slidenum">
+              <a:rPr lang="pt-BR" smtClean="0"/>
+              <a:t>18</a:t>
+            </a:fld>
+            <a:endParaRPr lang="pt-BR"/>
+          </a:p>
+        </p:txBody>
+      </p:sp>
+    </p:spTree>
+    <p:extLst>
+      <p:ext uri="{BB962C8B-B14F-4D97-AF65-F5344CB8AC3E}">
+        <p14:creationId xmlns:p14="http://schemas.microsoft.com/office/powerpoint/2010/main" val="1332935214"/>
+      </p:ext>
+    </p:extLst>
+  </p:cSld>
+  <p:clrMapOvr>
+    <a:masterClrMapping/>
+  </p:clrMapOvr>
+</p:notes>
+</file>
+
+<file path=ppt/notesSlides/notesSlide16.xml><?xml version="1.0" encoding="utf-8"?>
+<p:notes xmlns:a="http://schemas.openxmlformats.org/drawingml/2006/main" xmlns:r="http://schemas.openxmlformats.org/officeDocument/2006/relationships" xmlns:p="http://schemas.openxmlformats.org/presentationml/2006/main">
+  <p:cSld>
+    <p:spTree>
+      <p:nvGrpSpPr>
+        <p:cNvPr id="1" name=""/>
+        <p:cNvGrpSpPr/>
+        <p:nvPr/>
+      </p:nvGrpSpPr>
+      <p:grpSpPr>
+        <a:xfrm>
+          <a:off x="0" y="0"/>
+          <a:ext cx="0" cy="0"/>
+          <a:chOff x="0" y="0"/>
+          <a:chExt cx="0" cy="0"/>
+        </a:xfrm>
+      </p:grpSpPr>
+      <p:sp>
+        <p:nvSpPr>
+          <p:cNvPr id="2" name="Espaço Reservado para Imagem de Slide 1"/>
+          <p:cNvSpPr>
+            <a:spLocks noGrp="1" noRot="1" noChangeAspect="1"/>
+          </p:cNvSpPr>
+          <p:nvPr>
+            <p:ph type="sldImg"/>
+          </p:nvPr>
+        </p:nvSpPr>
+        <p:spPr>
+          <a:xfrm>
+            <a:off x="1371600" y="1143000"/>
+            <a:ext cx="4114800" cy="3086100"/>
+          </a:xfrm>
+        </p:spPr>
+      </p:sp>
+      <p:sp>
+        <p:nvSpPr>
+          <p:cNvPr id="3" name="Espaço Reservado para Anotações 2"/>
+          <p:cNvSpPr>
+            <a:spLocks noGrp="1"/>
+          </p:cNvSpPr>
+          <p:nvPr>
+            <p:ph type="body" idx="1"/>
+          </p:nvPr>
+        </p:nvSpPr>
+        <p:spPr/>
+        <p:txBody>
+          <a:bodyPr/>
+          <a:lstStyle/>
+          <a:p>
+            <a:endParaRPr lang="pt-BR"/>
+          </a:p>
+        </p:txBody>
+      </p:sp>
+      <p:sp>
+        <p:nvSpPr>
+          <p:cNvPr id="4" name="Espaço Reservado para Número de Slide 3"/>
+          <p:cNvSpPr>
+            <a:spLocks noGrp="1"/>
+          </p:cNvSpPr>
+          <p:nvPr>
+            <p:ph type="sldNum" sz="quarter" idx="10"/>
+          </p:nvPr>
+        </p:nvSpPr>
+        <p:spPr/>
+        <p:txBody>
+          <a:bodyPr/>
+          <a:lstStyle/>
+          <a:p>
+            <a:fld id="{1CA53FDC-004F-4EB0-83CE-561FF9E1969C}" type="slidenum">
+              <a:rPr lang="pt-BR" smtClean="0"/>
+              <a:t>19</a:t>
+            </a:fld>
+            <a:endParaRPr lang="pt-BR"/>
+          </a:p>
+        </p:txBody>
+      </p:sp>
+    </p:spTree>
+    <p:extLst>
+      <p:ext uri="{BB962C8B-B14F-4D97-AF65-F5344CB8AC3E}">
+        <p14:creationId xmlns:p14="http://schemas.microsoft.com/office/powerpoint/2010/main" val="1865031535"/>
+      </p:ext>
+    </p:extLst>
+  </p:cSld>
+  <p:clrMapOvr>
+    <a:masterClrMapping/>
+  </p:clrMapOvr>
+</p:notes>
+</file>
+
+<file path=ppt/notesSlides/notesSlide17.xml><?xml version="1.0" encoding="utf-8"?>
+<p:notes xmlns:a="http://schemas.openxmlformats.org/drawingml/2006/main" xmlns:r="http://schemas.openxmlformats.org/officeDocument/2006/relationships" xmlns:p="http://schemas.openxmlformats.org/presentationml/2006/main">
+  <p:cSld>
+    <p:spTree>
+      <p:nvGrpSpPr>
+        <p:cNvPr id="1" name=""/>
+        <p:cNvGrpSpPr/>
+        <p:nvPr/>
+      </p:nvGrpSpPr>
+      <p:grpSpPr>
+        <a:xfrm>
+          <a:off x="0" y="0"/>
+          <a:ext cx="0" cy="0"/>
+          <a:chOff x="0" y="0"/>
+          <a:chExt cx="0" cy="0"/>
+        </a:xfrm>
+      </p:grpSpPr>
+      <p:sp>
+        <p:nvSpPr>
+          <p:cNvPr id="2" name="Espaço Reservado para Imagem de Slide 1"/>
+          <p:cNvSpPr>
+            <a:spLocks noGrp="1" noRot="1" noChangeAspect="1"/>
+          </p:cNvSpPr>
+          <p:nvPr>
+            <p:ph type="sldImg"/>
+          </p:nvPr>
+        </p:nvSpPr>
+        <p:spPr>
+          <a:xfrm>
+            <a:off x="1371600" y="1143000"/>
+            <a:ext cx="4114800" cy="3086100"/>
+          </a:xfrm>
+        </p:spPr>
+      </p:sp>
+      <p:sp>
+        <p:nvSpPr>
+          <p:cNvPr id="3" name="Espaço Reservado para Anotações 2"/>
+          <p:cNvSpPr>
+            <a:spLocks noGrp="1"/>
+          </p:cNvSpPr>
+          <p:nvPr>
+            <p:ph type="body" idx="1"/>
+          </p:nvPr>
+        </p:nvSpPr>
+        <p:spPr/>
+        <p:txBody>
+          <a:bodyPr/>
+          <a:lstStyle/>
+          <a:p>
+            <a:endParaRPr lang="pt-BR"/>
+          </a:p>
+        </p:txBody>
+      </p:sp>
+      <p:sp>
+        <p:nvSpPr>
+          <p:cNvPr id="4" name="Espaço Reservado para Número de Slide 3"/>
+          <p:cNvSpPr>
+            <a:spLocks noGrp="1"/>
+          </p:cNvSpPr>
+          <p:nvPr>
+            <p:ph type="sldNum" sz="quarter" idx="10"/>
+          </p:nvPr>
+        </p:nvSpPr>
+        <p:spPr/>
+        <p:txBody>
+          <a:bodyPr/>
+          <a:lstStyle/>
+          <a:p>
+            <a:fld id="{1CA53FDC-004F-4EB0-83CE-561FF9E1969C}" type="slidenum">
+              <a:rPr lang="pt-BR" smtClean="0"/>
+              <a:t>20</a:t>
+            </a:fld>
+            <a:endParaRPr lang="pt-BR"/>
+          </a:p>
+        </p:txBody>
+      </p:sp>
+    </p:spTree>
+    <p:extLst>
+      <p:ext uri="{BB962C8B-B14F-4D97-AF65-F5344CB8AC3E}">
+        <p14:creationId xmlns:p14="http://schemas.microsoft.com/office/powerpoint/2010/main" val="1135411548"/>
+      </p:ext>
+    </p:extLst>
+  </p:cSld>
+  <p:clrMapOvr>
+    <a:masterClrMapping/>
+  </p:clrMapOvr>
+</p:notes>
+</file>
+
+<file path=ppt/notesSlides/notesSlide18.xml><?xml version="1.0" encoding="utf-8"?>
+<p:notes xmlns:a="http://schemas.openxmlformats.org/drawingml/2006/main" xmlns:r="http://schemas.openxmlformats.org/officeDocument/2006/relationships" xmlns:p="http://schemas.openxmlformats.org/presentationml/2006/main">
+  <p:cSld>
+    <p:spTree>
+      <p:nvGrpSpPr>
+        <p:cNvPr id="1" name=""/>
+        <p:cNvGrpSpPr/>
+        <p:nvPr/>
+      </p:nvGrpSpPr>
+      <p:grpSpPr>
+        <a:xfrm>
+          <a:off x="0" y="0"/>
+          <a:ext cx="0" cy="0"/>
+          <a:chOff x="0" y="0"/>
+          <a:chExt cx="0" cy="0"/>
+        </a:xfrm>
+      </p:grpSpPr>
+      <p:sp>
+        <p:nvSpPr>
+          <p:cNvPr id="2" name="Espaço Reservado para Imagem de Slide 1"/>
+          <p:cNvSpPr>
+            <a:spLocks noGrp="1" noRot="1" noChangeAspect="1"/>
+          </p:cNvSpPr>
+          <p:nvPr>
+            <p:ph type="sldImg"/>
+          </p:nvPr>
+        </p:nvSpPr>
+        <p:spPr>
+          <a:xfrm>
+            <a:off x="1371600" y="1143000"/>
+            <a:ext cx="4114800" cy="3086100"/>
+          </a:xfrm>
+        </p:spPr>
+      </p:sp>
+      <p:sp>
+        <p:nvSpPr>
+          <p:cNvPr id="3" name="Espaço Reservado para Anotações 2"/>
+          <p:cNvSpPr>
+            <a:spLocks noGrp="1"/>
+          </p:cNvSpPr>
+          <p:nvPr>
+            <p:ph type="body" idx="1"/>
+          </p:nvPr>
+        </p:nvSpPr>
+        <p:spPr/>
+        <p:txBody>
+          <a:bodyPr/>
+          <a:lstStyle/>
+          <a:p>
+            <a:endParaRPr lang="pt-BR"/>
+          </a:p>
+        </p:txBody>
+      </p:sp>
+      <p:sp>
+        <p:nvSpPr>
+          <p:cNvPr id="4" name="Espaço Reservado para Número de Slide 3"/>
+          <p:cNvSpPr>
+            <a:spLocks noGrp="1"/>
+          </p:cNvSpPr>
+          <p:nvPr>
+            <p:ph type="sldNum" sz="quarter" idx="10"/>
+          </p:nvPr>
+        </p:nvSpPr>
+        <p:spPr/>
+        <p:txBody>
+          <a:bodyPr/>
+          <a:lstStyle/>
+          <a:p>
+            <a:fld id="{1CA53FDC-004F-4EB0-83CE-561FF9E1969C}" type="slidenum">
+              <a:rPr lang="pt-BR" smtClean="0"/>
+              <a:t>21</a:t>
+            </a:fld>
+            <a:endParaRPr lang="pt-BR"/>
+          </a:p>
+        </p:txBody>
+      </p:sp>
+    </p:spTree>
+    <p:extLst>
+      <p:ext uri="{BB962C8B-B14F-4D97-AF65-F5344CB8AC3E}">
+        <p14:creationId xmlns:p14="http://schemas.microsoft.com/office/powerpoint/2010/main" val="2365360527"/>
+      </p:ext>
+    </p:extLst>
+  </p:cSld>
+  <p:clrMapOvr>
+    <a:masterClrMapping/>
+  </p:clrMapOvr>
+</p:notes>
+</file>
+
+<file path=ppt/notesSlides/notesSlide19.xml><?xml version="1.0" encoding="utf-8"?>
+<p:notes xmlns:a="http://schemas.openxmlformats.org/drawingml/2006/main" xmlns:r="http://schemas.openxmlformats.org/officeDocument/2006/relationships" xmlns:p="http://schemas.openxmlformats.org/presentationml/2006/main">
+  <p:cSld>
+    <p:spTree>
+      <p:nvGrpSpPr>
+        <p:cNvPr id="1" name=""/>
+        <p:cNvGrpSpPr/>
+        <p:nvPr/>
+      </p:nvGrpSpPr>
+      <p:grpSpPr>
+        <a:xfrm>
+          <a:off x="0" y="0"/>
+          <a:ext cx="0" cy="0"/>
+          <a:chOff x="0" y="0"/>
+          <a:chExt cx="0" cy="0"/>
+        </a:xfrm>
+      </p:grpSpPr>
+      <p:sp>
+        <p:nvSpPr>
+          <p:cNvPr id="2" name="Espaço Reservado para Imagem de Slide 1"/>
+          <p:cNvSpPr>
+            <a:spLocks noGrp="1" noRot="1" noChangeAspect="1"/>
+          </p:cNvSpPr>
+          <p:nvPr>
+            <p:ph type="sldImg"/>
+          </p:nvPr>
+        </p:nvSpPr>
+        <p:spPr>
+          <a:xfrm>
+            <a:off x="1371600" y="1143000"/>
+            <a:ext cx="4114800" cy="3086100"/>
+          </a:xfrm>
+        </p:spPr>
+      </p:sp>
+      <p:sp>
+        <p:nvSpPr>
+          <p:cNvPr id="3" name="Espaço Reservado para Anotações 2"/>
+          <p:cNvSpPr>
+            <a:spLocks noGrp="1"/>
+          </p:cNvSpPr>
+          <p:nvPr>
+            <p:ph type="body" idx="1"/>
+          </p:nvPr>
+        </p:nvSpPr>
+        <p:spPr/>
+        <p:txBody>
+          <a:bodyPr/>
+          <a:lstStyle/>
+          <a:p>
+            <a:endParaRPr lang="pt-BR"/>
+          </a:p>
+        </p:txBody>
+      </p:sp>
+      <p:sp>
+        <p:nvSpPr>
+          <p:cNvPr id="4" name="Espaço Reservado para Número de Slide 3"/>
+          <p:cNvSpPr>
+            <a:spLocks noGrp="1"/>
+          </p:cNvSpPr>
+          <p:nvPr>
+            <p:ph type="sldNum" sz="quarter" idx="10"/>
+          </p:nvPr>
+        </p:nvSpPr>
+        <p:spPr/>
+        <p:txBody>
+          <a:bodyPr/>
+          <a:lstStyle/>
+          <a:p>
+            <a:fld id="{1CA53FDC-004F-4EB0-83CE-561FF9E1969C}" type="slidenum">
+              <a:rPr lang="pt-BR" smtClean="0"/>
+              <a:t>22</a:t>
+            </a:fld>
+            <a:endParaRPr lang="pt-BR"/>
+          </a:p>
+        </p:txBody>
+      </p:sp>
+    </p:spTree>
+    <p:extLst>
+      <p:ext uri="{BB962C8B-B14F-4D97-AF65-F5344CB8AC3E}">
+        <p14:creationId xmlns:p14="http://schemas.microsoft.com/office/powerpoint/2010/main" val="3672967019"/>
+      </p:ext>
+    </p:extLst>
+  </p:cSld>
+  <p:clrMapOvr>
+    <a:masterClrMapping/>
+  </p:clrMapOvr>
+</p:notes>
+</file>
+
 <file path=ppt/notesSlides/notesSlide2.xml><?xml version="1.0" encoding="utf-8"?>
 <p:notes xmlns:a="http://schemas.openxmlformats.org/drawingml/2006/main" xmlns:r="http://schemas.openxmlformats.org/officeDocument/2006/relationships" xmlns:p="http://schemas.openxmlformats.org/presentationml/2006/main">
   <p:cSld>
@@ -636,6 +1549,985 @@
     <p:extLst>
       <p:ext uri="{BB962C8B-B14F-4D97-AF65-F5344CB8AC3E}">
         <p14:creationId xmlns:p14="http://schemas.microsoft.com/office/powerpoint/2010/main" val="2710605642"/>
+      </p:ext>
+    </p:extLst>
+  </p:cSld>
+  <p:clrMapOvr>
+    <a:masterClrMapping/>
+  </p:clrMapOvr>
+</p:notes>
+</file>
+
+<file path=ppt/notesSlides/notesSlide20.xml><?xml version="1.0" encoding="utf-8"?>
+<p:notes xmlns:a="http://schemas.openxmlformats.org/drawingml/2006/main" xmlns:r="http://schemas.openxmlformats.org/officeDocument/2006/relationships" xmlns:p="http://schemas.openxmlformats.org/presentationml/2006/main">
+  <p:cSld>
+    <p:spTree>
+      <p:nvGrpSpPr>
+        <p:cNvPr id="1" name=""/>
+        <p:cNvGrpSpPr/>
+        <p:nvPr/>
+      </p:nvGrpSpPr>
+      <p:grpSpPr>
+        <a:xfrm>
+          <a:off x="0" y="0"/>
+          <a:ext cx="0" cy="0"/>
+          <a:chOff x="0" y="0"/>
+          <a:chExt cx="0" cy="0"/>
+        </a:xfrm>
+      </p:grpSpPr>
+      <p:sp>
+        <p:nvSpPr>
+          <p:cNvPr id="2" name="Espaço Reservado para Imagem de Slide 1"/>
+          <p:cNvSpPr>
+            <a:spLocks noGrp="1" noRot="1" noChangeAspect="1"/>
+          </p:cNvSpPr>
+          <p:nvPr>
+            <p:ph type="sldImg"/>
+          </p:nvPr>
+        </p:nvSpPr>
+        <p:spPr>
+          <a:xfrm>
+            <a:off x="1371600" y="1143000"/>
+            <a:ext cx="4114800" cy="3086100"/>
+          </a:xfrm>
+        </p:spPr>
+      </p:sp>
+      <p:sp>
+        <p:nvSpPr>
+          <p:cNvPr id="3" name="Espaço Reservado para Anotações 2"/>
+          <p:cNvSpPr>
+            <a:spLocks noGrp="1"/>
+          </p:cNvSpPr>
+          <p:nvPr>
+            <p:ph type="body" idx="1"/>
+          </p:nvPr>
+        </p:nvSpPr>
+        <p:spPr/>
+        <p:txBody>
+          <a:bodyPr/>
+          <a:lstStyle/>
+          <a:p>
+            <a:endParaRPr lang="pt-BR"/>
+          </a:p>
+        </p:txBody>
+      </p:sp>
+      <p:sp>
+        <p:nvSpPr>
+          <p:cNvPr id="4" name="Espaço Reservado para Número de Slide 3"/>
+          <p:cNvSpPr>
+            <a:spLocks noGrp="1"/>
+          </p:cNvSpPr>
+          <p:nvPr>
+            <p:ph type="sldNum" sz="quarter" idx="10"/>
+          </p:nvPr>
+        </p:nvSpPr>
+        <p:spPr/>
+        <p:txBody>
+          <a:bodyPr/>
+          <a:lstStyle/>
+          <a:p>
+            <a:fld id="{1CA53FDC-004F-4EB0-83CE-561FF9E1969C}" type="slidenum">
+              <a:rPr lang="pt-BR" smtClean="0"/>
+              <a:t>23</a:t>
+            </a:fld>
+            <a:endParaRPr lang="pt-BR"/>
+          </a:p>
+        </p:txBody>
+      </p:sp>
+    </p:spTree>
+    <p:extLst>
+      <p:ext uri="{BB962C8B-B14F-4D97-AF65-F5344CB8AC3E}">
+        <p14:creationId xmlns:p14="http://schemas.microsoft.com/office/powerpoint/2010/main" val="2856392111"/>
+      </p:ext>
+    </p:extLst>
+  </p:cSld>
+  <p:clrMapOvr>
+    <a:masterClrMapping/>
+  </p:clrMapOvr>
+</p:notes>
+</file>
+
+<file path=ppt/notesSlides/notesSlide21.xml><?xml version="1.0" encoding="utf-8"?>
+<p:notes xmlns:a="http://schemas.openxmlformats.org/drawingml/2006/main" xmlns:r="http://schemas.openxmlformats.org/officeDocument/2006/relationships" xmlns:p="http://schemas.openxmlformats.org/presentationml/2006/main">
+  <p:cSld>
+    <p:spTree>
+      <p:nvGrpSpPr>
+        <p:cNvPr id="1" name=""/>
+        <p:cNvGrpSpPr/>
+        <p:nvPr/>
+      </p:nvGrpSpPr>
+      <p:grpSpPr>
+        <a:xfrm>
+          <a:off x="0" y="0"/>
+          <a:ext cx="0" cy="0"/>
+          <a:chOff x="0" y="0"/>
+          <a:chExt cx="0" cy="0"/>
+        </a:xfrm>
+      </p:grpSpPr>
+      <p:sp>
+        <p:nvSpPr>
+          <p:cNvPr id="2" name="Espaço Reservado para Imagem de Slide 1"/>
+          <p:cNvSpPr>
+            <a:spLocks noGrp="1" noRot="1" noChangeAspect="1"/>
+          </p:cNvSpPr>
+          <p:nvPr>
+            <p:ph type="sldImg"/>
+          </p:nvPr>
+        </p:nvSpPr>
+        <p:spPr>
+          <a:xfrm>
+            <a:off x="1371600" y="1143000"/>
+            <a:ext cx="4114800" cy="3086100"/>
+          </a:xfrm>
+        </p:spPr>
+      </p:sp>
+      <p:sp>
+        <p:nvSpPr>
+          <p:cNvPr id="3" name="Espaço Reservado para Anotações 2"/>
+          <p:cNvSpPr>
+            <a:spLocks noGrp="1"/>
+          </p:cNvSpPr>
+          <p:nvPr>
+            <p:ph type="body" idx="1"/>
+          </p:nvPr>
+        </p:nvSpPr>
+        <p:spPr/>
+        <p:txBody>
+          <a:bodyPr/>
+          <a:lstStyle/>
+          <a:p>
+            <a:endParaRPr lang="pt-BR"/>
+          </a:p>
+        </p:txBody>
+      </p:sp>
+      <p:sp>
+        <p:nvSpPr>
+          <p:cNvPr id="4" name="Espaço Reservado para Número de Slide 3"/>
+          <p:cNvSpPr>
+            <a:spLocks noGrp="1"/>
+          </p:cNvSpPr>
+          <p:nvPr>
+            <p:ph type="sldNum" sz="quarter" idx="10"/>
+          </p:nvPr>
+        </p:nvSpPr>
+        <p:spPr/>
+        <p:txBody>
+          <a:bodyPr/>
+          <a:lstStyle/>
+          <a:p>
+            <a:fld id="{1CA53FDC-004F-4EB0-83CE-561FF9E1969C}" type="slidenum">
+              <a:rPr lang="pt-BR" smtClean="0"/>
+              <a:t>24</a:t>
+            </a:fld>
+            <a:endParaRPr lang="pt-BR"/>
+          </a:p>
+        </p:txBody>
+      </p:sp>
+    </p:spTree>
+    <p:extLst>
+      <p:ext uri="{BB962C8B-B14F-4D97-AF65-F5344CB8AC3E}">
+        <p14:creationId xmlns:p14="http://schemas.microsoft.com/office/powerpoint/2010/main" val="895134899"/>
+      </p:ext>
+    </p:extLst>
+  </p:cSld>
+  <p:clrMapOvr>
+    <a:masterClrMapping/>
+  </p:clrMapOvr>
+</p:notes>
+</file>
+
+<file path=ppt/notesSlides/notesSlide22.xml><?xml version="1.0" encoding="utf-8"?>
+<p:notes xmlns:a="http://schemas.openxmlformats.org/drawingml/2006/main" xmlns:r="http://schemas.openxmlformats.org/officeDocument/2006/relationships" xmlns:p="http://schemas.openxmlformats.org/presentationml/2006/main">
+  <p:cSld>
+    <p:spTree>
+      <p:nvGrpSpPr>
+        <p:cNvPr id="1" name=""/>
+        <p:cNvGrpSpPr/>
+        <p:nvPr/>
+      </p:nvGrpSpPr>
+      <p:grpSpPr>
+        <a:xfrm>
+          <a:off x="0" y="0"/>
+          <a:ext cx="0" cy="0"/>
+          <a:chOff x="0" y="0"/>
+          <a:chExt cx="0" cy="0"/>
+        </a:xfrm>
+      </p:grpSpPr>
+      <p:sp>
+        <p:nvSpPr>
+          <p:cNvPr id="2" name="Espaço Reservado para Imagem de Slide 1"/>
+          <p:cNvSpPr>
+            <a:spLocks noGrp="1" noRot="1" noChangeAspect="1"/>
+          </p:cNvSpPr>
+          <p:nvPr>
+            <p:ph type="sldImg"/>
+          </p:nvPr>
+        </p:nvSpPr>
+        <p:spPr>
+          <a:xfrm>
+            <a:off x="1371600" y="1143000"/>
+            <a:ext cx="4114800" cy="3086100"/>
+          </a:xfrm>
+        </p:spPr>
+      </p:sp>
+      <p:sp>
+        <p:nvSpPr>
+          <p:cNvPr id="3" name="Espaço Reservado para Anotações 2"/>
+          <p:cNvSpPr>
+            <a:spLocks noGrp="1"/>
+          </p:cNvSpPr>
+          <p:nvPr>
+            <p:ph type="body" idx="1"/>
+          </p:nvPr>
+        </p:nvSpPr>
+        <p:spPr/>
+        <p:txBody>
+          <a:bodyPr/>
+          <a:lstStyle/>
+          <a:p>
+            <a:endParaRPr lang="pt-BR"/>
+          </a:p>
+        </p:txBody>
+      </p:sp>
+      <p:sp>
+        <p:nvSpPr>
+          <p:cNvPr id="4" name="Espaço Reservado para Número de Slide 3"/>
+          <p:cNvSpPr>
+            <a:spLocks noGrp="1"/>
+          </p:cNvSpPr>
+          <p:nvPr>
+            <p:ph type="sldNum" sz="quarter" idx="10"/>
+          </p:nvPr>
+        </p:nvSpPr>
+        <p:spPr/>
+        <p:txBody>
+          <a:bodyPr/>
+          <a:lstStyle/>
+          <a:p>
+            <a:fld id="{1CA53FDC-004F-4EB0-83CE-561FF9E1969C}" type="slidenum">
+              <a:rPr lang="pt-BR" smtClean="0"/>
+              <a:t>25</a:t>
+            </a:fld>
+            <a:endParaRPr lang="pt-BR"/>
+          </a:p>
+        </p:txBody>
+      </p:sp>
+    </p:spTree>
+    <p:extLst>
+      <p:ext uri="{BB962C8B-B14F-4D97-AF65-F5344CB8AC3E}">
+        <p14:creationId xmlns:p14="http://schemas.microsoft.com/office/powerpoint/2010/main" val="1594418842"/>
+      </p:ext>
+    </p:extLst>
+  </p:cSld>
+  <p:clrMapOvr>
+    <a:masterClrMapping/>
+  </p:clrMapOvr>
+</p:notes>
+</file>
+
+<file path=ppt/notesSlides/notesSlide23.xml><?xml version="1.0" encoding="utf-8"?>
+<p:notes xmlns:a="http://schemas.openxmlformats.org/drawingml/2006/main" xmlns:r="http://schemas.openxmlformats.org/officeDocument/2006/relationships" xmlns:p="http://schemas.openxmlformats.org/presentationml/2006/main">
+  <p:cSld>
+    <p:spTree>
+      <p:nvGrpSpPr>
+        <p:cNvPr id="1" name=""/>
+        <p:cNvGrpSpPr/>
+        <p:nvPr/>
+      </p:nvGrpSpPr>
+      <p:grpSpPr>
+        <a:xfrm>
+          <a:off x="0" y="0"/>
+          <a:ext cx="0" cy="0"/>
+          <a:chOff x="0" y="0"/>
+          <a:chExt cx="0" cy="0"/>
+        </a:xfrm>
+      </p:grpSpPr>
+      <p:sp>
+        <p:nvSpPr>
+          <p:cNvPr id="2" name="Espaço Reservado para Imagem de Slide 1"/>
+          <p:cNvSpPr>
+            <a:spLocks noGrp="1" noRot="1" noChangeAspect="1"/>
+          </p:cNvSpPr>
+          <p:nvPr>
+            <p:ph type="sldImg"/>
+          </p:nvPr>
+        </p:nvSpPr>
+        <p:spPr>
+          <a:xfrm>
+            <a:off x="1371600" y="1143000"/>
+            <a:ext cx="4114800" cy="3086100"/>
+          </a:xfrm>
+        </p:spPr>
+      </p:sp>
+      <p:sp>
+        <p:nvSpPr>
+          <p:cNvPr id="3" name="Espaço Reservado para Anotações 2"/>
+          <p:cNvSpPr>
+            <a:spLocks noGrp="1"/>
+          </p:cNvSpPr>
+          <p:nvPr>
+            <p:ph type="body" idx="1"/>
+          </p:nvPr>
+        </p:nvSpPr>
+        <p:spPr/>
+        <p:txBody>
+          <a:bodyPr/>
+          <a:lstStyle/>
+          <a:p>
+            <a:endParaRPr lang="pt-BR"/>
+          </a:p>
+        </p:txBody>
+      </p:sp>
+      <p:sp>
+        <p:nvSpPr>
+          <p:cNvPr id="4" name="Espaço Reservado para Número de Slide 3"/>
+          <p:cNvSpPr>
+            <a:spLocks noGrp="1"/>
+          </p:cNvSpPr>
+          <p:nvPr>
+            <p:ph type="sldNum" sz="quarter" idx="10"/>
+          </p:nvPr>
+        </p:nvSpPr>
+        <p:spPr/>
+        <p:txBody>
+          <a:bodyPr/>
+          <a:lstStyle/>
+          <a:p>
+            <a:fld id="{1CA53FDC-004F-4EB0-83CE-561FF9E1969C}" type="slidenum">
+              <a:rPr lang="pt-BR" smtClean="0"/>
+              <a:t>26</a:t>
+            </a:fld>
+            <a:endParaRPr lang="pt-BR"/>
+          </a:p>
+        </p:txBody>
+      </p:sp>
+    </p:spTree>
+    <p:extLst>
+      <p:ext uri="{BB962C8B-B14F-4D97-AF65-F5344CB8AC3E}">
+        <p14:creationId xmlns:p14="http://schemas.microsoft.com/office/powerpoint/2010/main" val="4070640648"/>
+      </p:ext>
+    </p:extLst>
+  </p:cSld>
+  <p:clrMapOvr>
+    <a:masterClrMapping/>
+  </p:clrMapOvr>
+</p:notes>
+</file>
+
+<file path=ppt/notesSlides/notesSlide3.xml><?xml version="1.0" encoding="utf-8"?>
+<p:notes xmlns:a="http://schemas.openxmlformats.org/drawingml/2006/main" xmlns:r="http://schemas.openxmlformats.org/officeDocument/2006/relationships" xmlns:p="http://schemas.openxmlformats.org/presentationml/2006/main">
+  <p:cSld>
+    <p:spTree>
+      <p:nvGrpSpPr>
+        <p:cNvPr id="1" name=""/>
+        <p:cNvGrpSpPr/>
+        <p:nvPr/>
+      </p:nvGrpSpPr>
+      <p:grpSpPr>
+        <a:xfrm>
+          <a:off x="0" y="0"/>
+          <a:ext cx="0" cy="0"/>
+          <a:chOff x="0" y="0"/>
+          <a:chExt cx="0" cy="0"/>
+        </a:xfrm>
+      </p:grpSpPr>
+      <p:sp>
+        <p:nvSpPr>
+          <p:cNvPr id="2" name="Espaço Reservado para Imagem de Slide 1"/>
+          <p:cNvSpPr>
+            <a:spLocks noGrp="1" noRot="1" noChangeAspect="1"/>
+          </p:cNvSpPr>
+          <p:nvPr>
+            <p:ph type="sldImg"/>
+          </p:nvPr>
+        </p:nvSpPr>
+        <p:spPr>
+          <a:xfrm>
+            <a:off x="1371600" y="1143000"/>
+            <a:ext cx="4114800" cy="3086100"/>
+          </a:xfrm>
+        </p:spPr>
+      </p:sp>
+      <p:sp>
+        <p:nvSpPr>
+          <p:cNvPr id="3" name="Espaço Reservado para Anotações 2"/>
+          <p:cNvSpPr>
+            <a:spLocks noGrp="1"/>
+          </p:cNvSpPr>
+          <p:nvPr>
+            <p:ph type="body" idx="1"/>
+          </p:nvPr>
+        </p:nvSpPr>
+        <p:spPr/>
+        <p:txBody>
+          <a:bodyPr/>
+          <a:lstStyle/>
+          <a:p>
+            <a:endParaRPr lang="pt-BR"/>
+          </a:p>
+        </p:txBody>
+      </p:sp>
+      <p:sp>
+        <p:nvSpPr>
+          <p:cNvPr id="4" name="Espaço Reservado para Número de Slide 3"/>
+          <p:cNvSpPr>
+            <a:spLocks noGrp="1"/>
+          </p:cNvSpPr>
+          <p:nvPr>
+            <p:ph type="sldNum" sz="quarter" idx="10"/>
+          </p:nvPr>
+        </p:nvSpPr>
+        <p:spPr/>
+        <p:txBody>
+          <a:bodyPr/>
+          <a:lstStyle/>
+          <a:p>
+            <a:fld id="{1CA53FDC-004F-4EB0-83CE-561FF9E1969C}" type="slidenum">
+              <a:rPr lang="pt-BR" smtClean="0"/>
+              <a:t>4</a:t>
+            </a:fld>
+            <a:endParaRPr lang="pt-BR"/>
+          </a:p>
+        </p:txBody>
+      </p:sp>
+    </p:spTree>
+    <p:extLst>
+      <p:ext uri="{BB962C8B-B14F-4D97-AF65-F5344CB8AC3E}">
+        <p14:creationId xmlns:p14="http://schemas.microsoft.com/office/powerpoint/2010/main" val="2074985979"/>
+      </p:ext>
+    </p:extLst>
+  </p:cSld>
+  <p:clrMapOvr>
+    <a:masterClrMapping/>
+  </p:clrMapOvr>
+</p:notes>
+</file>
+
+<file path=ppt/notesSlides/notesSlide4.xml><?xml version="1.0" encoding="utf-8"?>
+<p:notes xmlns:a="http://schemas.openxmlformats.org/drawingml/2006/main" xmlns:r="http://schemas.openxmlformats.org/officeDocument/2006/relationships" xmlns:p="http://schemas.openxmlformats.org/presentationml/2006/main">
+  <p:cSld>
+    <p:spTree>
+      <p:nvGrpSpPr>
+        <p:cNvPr id="1" name=""/>
+        <p:cNvGrpSpPr/>
+        <p:nvPr/>
+      </p:nvGrpSpPr>
+      <p:grpSpPr>
+        <a:xfrm>
+          <a:off x="0" y="0"/>
+          <a:ext cx="0" cy="0"/>
+          <a:chOff x="0" y="0"/>
+          <a:chExt cx="0" cy="0"/>
+        </a:xfrm>
+      </p:grpSpPr>
+      <p:sp>
+        <p:nvSpPr>
+          <p:cNvPr id="2" name="Espaço Reservado para Imagem de Slide 1"/>
+          <p:cNvSpPr>
+            <a:spLocks noGrp="1" noRot="1" noChangeAspect="1"/>
+          </p:cNvSpPr>
+          <p:nvPr>
+            <p:ph type="sldImg"/>
+          </p:nvPr>
+        </p:nvSpPr>
+        <p:spPr>
+          <a:xfrm>
+            <a:off x="1371600" y="1143000"/>
+            <a:ext cx="4114800" cy="3086100"/>
+          </a:xfrm>
+        </p:spPr>
+      </p:sp>
+      <p:sp>
+        <p:nvSpPr>
+          <p:cNvPr id="3" name="Espaço Reservado para Anotações 2"/>
+          <p:cNvSpPr>
+            <a:spLocks noGrp="1"/>
+          </p:cNvSpPr>
+          <p:nvPr>
+            <p:ph type="body" idx="1"/>
+          </p:nvPr>
+        </p:nvSpPr>
+        <p:spPr/>
+        <p:txBody>
+          <a:bodyPr/>
+          <a:lstStyle/>
+          <a:p>
+            <a:endParaRPr lang="pt-BR"/>
+          </a:p>
+        </p:txBody>
+      </p:sp>
+      <p:sp>
+        <p:nvSpPr>
+          <p:cNvPr id="4" name="Espaço Reservado para Número de Slide 3"/>
+          <p:cNvSpPr>
+            <a:spLocks noGrp="1"/>
+          </p:cNvSpPr>
+          <p:nvPr>
+            <p:ph type="sldNum" sz="quarter" idx="10"/>
+          </p:nvPr>
+        </p:nvSpPr>
+        <p:spPr/>
+        <p:txBody>
+          <a:bodyPr/>
+          <a:lstStyle/>
+          <a:p>
+            <a:fld id="{1CA53FDC-004F-4EB0-83CE-561FF9E1969C}" type="slidenum">
+              <a:rPr lang="pt-BR" smtClean="0"/>
+              <a:t>5</a:t>
+            </a:fld>
+            <a:endParaRPr lang="pt-BR"/>
+          </a:p>
+        </p:txBody>
+      </p:sp>
+    </p:spTree>
+    <p:extLst>
+      <p:ext uri="{BB962C8B-B14F-4D97-AF65-F5344CB8AC3E}">
+        <p14:creationId xmlns:p14="http://schemas.microsoft.com/office/powerpoint/2010/main" val="2287647706"/>
+      </p:ext>
+    </p:extLst>
+  </p:cSld>
+  <p:clrMapOvr>
+    <a:masterClrMapping/>
+  </p:clrMapOvr>
+</p:notes>
+</file>
+
+<file path=ppt/notesSlides/notesSlide5.xml><?xml version="1.0" encoding="utf-8"?>
+<p:notes xmlns:a="http://schemas.openxmlformats.org/drawingml/2006/main" xmlns:r="http://schemas.openxmlformats.org/officeDocument/2006/relationships" xmlns:p="http://schemas.openxmlformats.org/presentationml/2006/main">
+  <p:cSld>
+    <p:spTree>
+      <p:nvGrpSpPr>
+        <p:cNvPr id="1" name=""/>
+        <p:cNvGrpSpPr/>
+        <p:nvPr/>
+      </p:nvGrpSpPr>
+      <p:grpSpPr>
+        <a:xfrm>
+          <a:off x="0" y="0"/>
+          <a:ext cx="0" cy="0"/>
+          <a:chOff x="0" y="0"/>
+          <a:chExt cx="0" cy="0"/>
+        </a:xfrm>
+      </p:grpSpPr>
+      <p:sp>
+        <p:nvSpPr>
+          <p:cNvPr id="2" name="Espaço Reservado para Imagem de Slide 1"/>
+          <p:cNvSpPr>
+            <a:spLocks noGrp="1" noRot="1" noChangeAspect="1"/>
+          </p:cNvSpPr>
+          <p:nvPr>
+            <p:ph type="sldImg"/>
+          </p:nvPr>
+        </p:nvSpPr>
+        <p:spPr>
+          <a:xfrm>
+            <a:off x="1371600" y="1143000"/>
+            <a:ext cx="4114800" cy="3086100"/>
+          </a:xfrm>
+        </p:spPr>
+      </p:sp>
+      <p:sp>
+        <p:nvSpPr>
+          <p:cNvPr id="3" name="Espaço Reservado para Anotações 2"/>
+          <p:cNvSpPr>
+            <a:spLocks noGrp="1"/>
+          </p:cNvSpPr>
+          <p:nvPr>
+            <p:ph type="body" idx="1"/>
+          </p:nvPr>
+        </p:nvSpPr>
+        <p:spPr/>
+        <p:txBody>
+          <a:bodyPr/>
+          <a:lstStyle/>
+          <a:p>
+            <a:endParaRPr lang="pt-BR"/>
+          </a:p>
+        </p:txBody>
+      </p:sp>
+      <p:sp>
+        <p:nvSpPr>
+          <p:cNvPr id="4" name="Espaço Reservado para Número de Slide 3"/>
+          <p:cNvSpPr>
+            <a:spLocks noGrp="1"/>
+          </p:cNvSpPr>
+          <p:nvPr>
+            <p:ph type="sldNum" sz="quarter" idx="10"/>
+          </p:nvPr>
+        </p:nvSpPr>
+        <p:spPr/>
+        <p:txBody>
+          <a:bodyPr/>
+          <a:lstStyle/>
+          <a:p>
+            <a:fld id="{1CA53FDC-004F-4EB0-83CE-561FF9E1969C}" type="slidenum">
+              <a:rPr lang="pt-BR" smtClean="0"/>
+              <a:t>6</a:t>
+            </a:fld>
+            <a:endParaRPr lang="pt-BR"/>
+          </a:p>
+        </p:txBody>
+      </p:sp>
+    </p:spTree>
+    <p:extLst>
+      <p:ext uri="{BB962C8B-B14F-4D97-AF65-F5344CB8AC3E}">
+        <p14:creationId xmlns:p14="http://schemas.microsoft.com/office/powerpoint/2010/main" val="2557531651"/>
+      </p:ext>
+    </p:extLst>
+  </p:cSld>
+  <p:clrMapOvr>
+    <a:masterClrMapping/>
+  </p:clrMapOvr>
+</p:notes>
+</file>
+
+<file path=ppt/notesSlides/notesSlide6.xml><?xml version="1.0" encoding="utf-8"?>
+<p:notes xmlns:a="http://schemas.openxmlformats.org/drawingml/2006/main" xmlns:r="http://schemas.openxmlformats.org/officeDocument/2006/relationships" xmlns:p="http://schemas.openxmlformats.org/presentationml/2006/main">
+  <p:cSld>
+    <p:spTree>
+      <p:nvGrpSpPr>
+        <p:cNvPr id="1" name=""/>
+        <p:cNvGrpSpPr/>
+        <p:nvPr/>
+      </p:nvGrpSpPr>
+      <p:grpSpPr>
+        <a:xfrm>
+          <a:off x="0" y="0"/>
+          <a:ext cx="0" cy="0"/>
+          <a:chOff x="0" y="0"/>
+          <a:chExt cx="0" cy="0"/>
+        </a:xfrm>
+      </p:grpSpPr>
+      <p:sp>
+        <p:nvSpPr>
+          <p:cNvPr id="2" name="Espaço Reservado para Imagem de Slide 1"/>
+          <p:cNvSpPr>
+            <a:spLocks noGrp="1" noRot="1" noChangeAspect="1"/>
+          </p:cNvSpPr>
+          <p:nvPr>
+            <p:ph type="sldImg"/>
+          </p:nvPr>
+        </p:nvSpPr>
+        <p:spPr>
+          <a:xfrm>
+            <a:off x="1371600" y="1143000"/>
+            <a:ext cx="4114800" cy="3086100"/>
+          </a:xfrm>
+        </p:spPr>
+      </p:sp>
+      <p:sp>
+        <p:nvSpPr>
+          <p:cNvPr id="3" name="Espaço Reservado para Anotações 2"/>
+          <p:cNvSpPr>
+            <a:spLocks noGrp="1"/>
+          </p:cNvSpPr>
+          <p:nvPr>
+            <p:ph type="body" idx="1"/>
+          </p:nvPr>
+        </p:nvSpPr>
+        <p:spPr/>
+        <p:txBody>
+          <a:bodyPr/>
+          <a:lstStyle/>
+          <a:p>
+            <a:endParaRPr lang="pt-BR"/>
+          </a:p>
+        </p:txBody>
+      </p:sp>
+      <p:sp>
+        <p:nvSpPr>
+          <p:cNvPr id="4" name="Espaço Reservado para Número de Slide 3"/>
+          <p:cNvSpPr>
+            <a:spLocks noGrp="1"/>
+          </p:cNvSpPr>
+          <p:nvPr>
+            <p:ph type="sldNum" sz="quarter" idx="10"/>
+          </p:nvPr>
+        </p:nvSpPr>
+        <p:spPr/>
+        <p:txBody>
+          <a:bodyPr/>
+          <a:lstStyle/>
+          <a:p>
+            <a:fld id="{1CA53FDC-004F-4EB0-83CE-561FF9E1969C}" type="slidenum">
+              <a:rPr lang="pt-BR" smtClean="0"/>
+              <a:t>7</a:t>
+            </a:fld>
+            <a:endParaRPr lang="pt-BR"/>
+          </a:p>
+        </p:txBody>
+      </p:sp>
+    </p:spTree>
+    <p:extLst>
+      <p:ext uri="{BB962C8B-B14F-4D97-AF65-F5344CB8AC3E}">
+        <p14:creationId xmlns:p14="http://schemas.microsoft.com/office/powerpoint/2010/main" val="664863152"/>
+      </p:ext>
+    </p:extLst>
+  </p:cSld>
+  <p:clrMapOvr>
+    <a:masterClrMapping/>
+  </p:clrMapOvr>
+</p:notes>
+</file>
+
+<file path=ppt/notesSlides/notesSlide7.xml><?xml version="1.0" encoding="utf-8"?>
+<p:notes xmlns:a="http://schemas.openxmlformats.org/drawingml/2006/main" xmlns:r="http://schemas.openxmlformats.org/officeDocument/2006/relationships" xmlns:p="http://schemas.openxmlformats.org/presentationml/2006/main">
+  <p:cSld>
+    <p:spTree>
+      <p:nvGrpSpPr>
+        <p:cNvPr id="1" name=""/>
+        <p:cNvGrpSpPr/>
+        <p:nvPr/>
+      </p:nvGrpSpPr>
+      <p:grpSpPr>
+        <a:xfrm>
+          <a:off x="0" y="0"/>
+          <a:ext cx="0" cy="0"/>
+          <a:chOff x="0" y="0"/>
+          <a:chExt cx="0" cy="0"/>
+        </a:xfrm>
+      </p:grpSpPr>
+      <p:sp>
+        <p:nvSpPr>
+          <p:cNvPr id="2" name="Espaço Reservado para Imagem de Slide 1"/>
+          <p:cNvSpPr>
+            <a:spLocks noGrp="1" noRot="1" noChangeAspect="1"/>
+          </p:cNvSpPr>
+          <p:nvPr>
+            <p:ph type="sldImg"/>
+          </p:nvPr>
+        </p:nvSpPr>
+        <p:spPr>
+          <a:xfrm>
+            <a:off x="1371600" y="1143000"/>
+            <a:ext cx="4114800" cy="3086100"/>
+          </a:xfrm>
+        </p:spPr>
+      </p:sp>
+      <p:sp>
+        <p:nvSpPr>
+          <p:cNvPr id="3" name="Espaço Reservado para Anotações 2"/>
+          <p:cNvSpPr>
+            <a:spLocks noGrp="1"/>
+          </p:cNvSpPr>
+          <p:nvPr>
+            <p:ph type="body" idx="1"/>
+          </p:nvPr>
+        </p:nvSpPr>
+        <p:spPr/>
+        <p:txBody>
+          <a:bodyPr/>
+          <a:lstStyle/>
+          <a:p>
+            <a:endParaRPr lang="pt-BR"/>
+          </a:p>
+        </p:txBody>
+      </p:sp>
+      <p:sp>
+        <p:nvSpPr>
+          <p:cNvPr id="4" name="Espaço Reservado para Número de Slide 3"/>
+          <p:cNvSpPr>
+            <a:spLocks noGrp="1"/>
+          </p:cNvSpPr>
+          <p:nvPr>
+            <p:ph type="sldNum" sz="quarter" idx="10"/>
+          </p:nvPr>
+        </p:nvSpPr>
+        <p:spPr/>
+        <p:txBody>
+          <a:bodyPr/>
+          <a:lstStyle/>
+          <a:p>
+            <a:fld id="{1CA53FDC-004F-4EB0-83CE-561FF9E1969C}" type="slidenum">
+              <a:rPr lang="pt-BR" smtClean="0"/>
+              <a:t>10</a:t>
+            </a:fld>
+            <a:endParaRPr lang="pt-BR"/>
+          </a:p>
+        </p:txBody>
+      </p:sp>
+    </p:spTree>
+    <p:extLst>
+      <p:ext uri="{BB962C8B-B14F-4D97-AF65-F5344CB8AC3E}">
+        <p14:creationId xmlns:p14="http://schemas.microsoft.com/office/powerpoint/2010/main" val="3098143502"/>
+      </p:ext>
+    </p:extLst>
+  </p:cSld>
+  <p:clrMapOvr>
+    <a:masterClrMapping/>
+  </p:clrMapOvr>
+</p:notes>
+</file>
+
+<file path=ppt/notesSlides/notesSlide8.xml><?xml version="1.0" encoding="utf-8"?>
+<p:notes xmlns:a="http://schemas.openxmlformats.org/drawingml/2006/main" xmlns:r="http://schemas.openxmlformats.org/officeDocument/2006/relationships" xmlns:p="http://schemas.openxmlformats.org/presentationml/2006/main">
+  <p:cSld>
+    <p:spTree>
+      <p:nvGrpSpPr>
+        <p:cNvPr id="1" name=""/>
+        <p:cNvGrpSpPr/>
+        <p:nvPr/>
+      </p:nvGrpSpPr>
+      <p:grpSpPr>
+        <a:xfrm>
+          <a:off x="0" y="0"/>
+          <a:ext cx="0" cy="0"/>
+          <a:chOff x="0" y="0"/>
+          <a:chExt cx="0" cy="0"/>
+        </a:xfrm>
+      </p:grpSpPr>
+      <p:sp>
+        <p:nvSpPr>
+          <p:cNvPr id="2" name="Espaço Reservado para Imagem de Slide 1"/>
+          <p:cNvSpPr>
+            <a:spLocks noGrp="1" noRot="1" noChangeAspect="1"/>
+          </p:cNvSpPr>
+          <p:nvPr>
+            <p:ph type="sldImg"/>
+          </p:nvPr>
+        </p:nvSpPr>
+        <p:spPr>
+          <a:xfrm>
+            <a:off x="1371600" y="1143000"/>
+            <a:ext cx="4114800" cy="3086100"/>
+          </a:xfrm>
+        </p:spPr>
+      </p:sp>
+      <p:sp>
+        <p:nvSpPr>
+          <p:cNvPr id="3" name="Espaço Reservado para Anotações 2"/>
+          <p:cNvSpPr>
+            <a:spLocks noGrp="1"/>
+          </p:cNvSpPr>
+          <p:nvPr>
+            <p:ph type="body" idx="1"/>
+          </p:nvPr>
+        </p:nvSpPr>
+        <p:spPr/>
+        <p:txBody>
+          <a:bodyPr/>
+          <a:lstStyle/>
+          <a:p>
+            <a:endParaRPr lang="pt-BR"/>
+          </a:p>
+        </p:txBody>
+      </p:sp>
+      <p:sp>
+        <p:nvSpPr>
+          <p:cNvPr id="4" name="Espaço Reservado para Número de Slide 3"/>
+          <p:cNvSpPr>
+            <a:spLocks noGrp="1"/>
+          </p:cNvSpPr>
+          <p:nvPr>
+            <p:ph type="sldNum" sz="quarter" idx="10"/>
+          </p:nvPr>
+        </p:nvSpPr>
+        <p:spPr/>
+        <p:txBody>
+          <a:bodyPr/>
+          <a:lstStyle/>
+          <a:p>
+            <a:fld id="{1CA53FDC-004F-4EB0-83CE-561FF9E1969C}" type="slidenum">
+              <a:rPr lang="pt-BR" smtClean="0"/>
+              <a:t>11</a:t>
+            </a:fld>
+            <a:endParaRPr lang="pt-BR"/>
+          </a:p>
+        </p:txBody>
+      </p:sp>
+    </p:spTree>
+    <p:extLst>
+      <p:ext uri="{BB962C8B-B14F-4D97-AF65-F5344CB8AC3E}">
+        <p14:creationId xmlns:p14="http://schemas.microsoft.com/office/powerpoint/2010/main" val="327578368"/>
+      </p:ext>
+    </p:extLst>
+  </p:cSld>
+  <p:clrMapOvr>
+    <a:masterClrMapping/>
+  </p:clrMapOvr>
+</p:notes>
+</file>
+
+<file path=ppt/notesSlides/notesSlide9.xml><?xml version="1.0" encoding="utf-8"?>
+<p:notes xmlns:a="http://schemas.openxmlformats.org/drawingml/2006/main" xmlns:r="http://schemas.openxmlformats.org/officeDocument/2006/relationships" xmlns:p="http://schemas.openxmlformats.org/presentationml/2006/main">
+  <p:cSld>
+    <p:spTree>
+      <p:nvGrpSpPr>
+        <p:cNvPr id="1" name=""/>
+        <p:cNvGrpSpPr/>
+        <p:nvPr/>
+      </p:nvGrpSpPr>
+      <p:grpSpPr>
+        <a:xfrm>
+          <a:off x="0" y="0"/>
+          <a:ext cx="0" cy="0"/>
+          <a:chOff x="0" y="0"/>
+          <a:chExt cx="0" cy="0"/>
+        </a:xfrm>
+      </p:grpSpPr>
+      <p:sp>
+        <p:nvSpPr>
+          <p:cNvPr id="2" name="Espaço Reservado para Imagem de Slide 1"/>
+          <p:cNvSpPr>
+            <a:spLocks noGrp="1" noRot="1" noChangeAspect="1"/>
+          </p:cNvSpPr>
+          <p:nvPr>
+            <p:ph type="sldImg"/>
+          </p:nvPr>
+        </p:nvSpPr>
+        <p:spPr>
+          <a:xfrm>
+            <a:off x="1371600" y="1143000"/>
+            <a:ext cx="4114800" cy="3086100"/>
+          </a:xfrm>
+        </p:spPr>
+      </p:sp>
+      <p:sp>
+        <p:nvSpPr>
+          <p:cNvPr id="3" name="Espaço Reservado para Anotações 2"/>
+          <p:cNvSpPr>
+            <a:spLocks noGrp="1"/>
+          </p:cNvSpPr>
+          <p:nvPr>
+            <p:ph type="body" idx="1"/>
+          </p:nvPr>
+        </p:nvSpPr>
+        <p:spPr/>
+        <p:txBody>
+          <a:bodyPr/>
+          <a:lstStyle/>
+          <a:p>
+            <a:endParaRPr lang="pt-BR"/>
+          </a:p>
+        </p:txBody>
+      </p:sp>
+      <p:sp>
+        <p:nvSpPr>
+          <p:cNvPr id="4" name="Espaço Reservado para Número de Slide 3"/>
+          <p:cNvSpPr>
+            <a:spLocks noGrp="1"/>
+          </p:cNvSpPr>
+          <p:nvPr>
+            <p:ph type="sldNum" sz="quarter" idx="10"/>
+          </p:nvPr>
+        </p:nvSpPr>
+        <p:spPr/>
+        <p:txBody>
+          <a:bodyPr/>
+          <a:lstStyle/>
+          <a:p>
+            <a:fld id="{1CA53FDC-004F-4EB0-83CE-561FF9E1969C}" type="slidenum">
+              <a:rPr lang="pt-BR" smtClean="0"/>
+              <a:t>12</a:t>
+            </a:fld>
+            <a:endParaRPr lang="pt-BR"/>
+          </a:p>
+        </p:txBody>
+      </p:sp>
+    </p:spTree>
+    <p:extLst>
+      <p:ext uri="{BB962C8B-B14F-4D97-AF65-F5344CB8AC3E}">
+        <p14:creationId xmlns:p14="http://schemas.microsoft.com/office/powerpoint/2010/main" val="900488583"/>
       </p:ext>
     </p:extLst>
   </p:cSld>
@@ -776,7 +2668,7 @@
           <a:p>
             <a:fld id="{4E4CBB3D-E4FE-4A11-A052-CD86F1E69DB8}" type="datetime1">
               <a:rPr lang="pt-BR" smtClean="0"/>
-              <a:t>28/05/2014</a:t>
+              <a:t>03/06/2014</a:t>
             </a:fld>
             <a:endParaRPr lang="pt-BR"/>
           </a:p>
@@ -950,7 +2842,7 @@
           <a:p>
             <a:fld id="{85B6E4B1-8EB5-4003-A55F-F71688338A99}" type="datetime1">
               <a:rPr lang="pt-BR" smtClean="0"/>
-              <a:t>28/05/2014</a:t>
+              <a:t>03/06/2014</a:t>
             </a:fld>
             <a:endParaRPr lang="pt-BR"/>
           </a:p>
@@ -1134,7 +3026,7 @@
           <a:p>
             <a:fld id="{EE51AD5F-C92F-4634-B5E4-2AC2D7CCADC3}" type="datetime1">
               <a:rPr lang="pt-BR" smtClean="0"/>
-              <a:t>28/05/2014</a:t>
+              <a:t>03/06/2014</a:t>
             </a:fld>
             <a:endParaRPr lang="pt-BR"/>
           </a:p>
@@ -1308,7 +3200,7 @@
           <a:p>
             <a:fld id="{AF7A6B12-C301-43C9-80E8-1904ED727E75}" type="datetime1">
               <a:rPr lang="pt-BR" smtClean="0"/>
-              <a:t>28/05/2014</a:t>
+              <a:t>03/06/2014</a:t>
             </a:fld>
             <a:endParaRPr lang="pt-BR"/>
           </a:p>
@@ -1556,7 +3448,7 @@
           <a:p>
             <a:fld id="{EA74DE8B-95BD-4532-8D9F-959F73581BCD}" type="datetime1">
               <a:rPr lang="pt-BR" smtClean="0"/>
-              <a:t>28/05/2014</a:t>
+              <a:t>03/06/2014</a:t>
             </a:fld>
             <a:endParaRPr lang="pt-BR"/>
           </a:p>
@@ -1792,7 +3684,7 @@
           <a:p>
             <a:fld id="{F77646EA-F905-42E6-8D41-D210E3D1B3B0}" type="datetime1">
               <a:rPr lang="pt-BR" smtClean="0"/>
-              <a:t>28/05/2014</a:t>
+              <a:t>03/06/2014</a:t>
             </a:fld>
             <a:endParaRPr lang="pt-BR"/>
           </a:p>
@@ -2163,7 +4055,7 @@
           <a:p>
             <a:fld id="{E98BCC9A-F90A-483B-B5C3-D9CD1D9023C3}" type="datetime1">
               <a:rPr lang="pt-BR" smtClean="0"/>
-              <a:t>28/05/2014</a:t>
+              <a:t>03/06/2014</a:t>
             </a:fld>
             <a:endParaRPr lang="pt-BR"/>
           </a:p>
@@ -2285,7 +4177,7 @@
           <a:p>
             <a:fld id="{ABF218CA-9C70-47FE-864A-E0F0D85E9FF8}" type="datetime1">
               <a:rPr lang="pt-BR" smtClean="0"/>
-              <a:t>28/05/2014</a:t>
+              <a:t>03/06/2014</a:t>
             </a:fld>
             <a:endParaRPr lang="pt-BR"/>
           </a:p>
@@ -2384,7 +4276,7 @@
           <a:p>
             <a:fld id="{8F9C4DB3-2DD8-4972-89FE-90673AEDB76E}" type="datetime1">
               <a:rPr lang="pt-BR" smtClean="0"/>
-              <a:t>28/05/2014</a:t>
+              <a:t>03/06/2014</a:t>
             </a:fld>
             <a:endParaRPr lang="pt-BR"/>
           </a:p>
@@ -2665,7 +4557,7 @@
           <a:p>
             <a:fld id="{23E76DDB-37F4-496B-8C9E-0114879CEB09}" type="datetime1">
               <a:rPr lang="pt-BR" smtClean="0"/>
-              <a:t>28/05/2014</a:t>
+              <a:t>03/06/2014</a:t>
             </a:fld>
             <a:endParaRPr lang="pt-BR"/>
           </a:p>
@@ -2926,7 +4818,7 @@
           <a:p>
             <a:fld id="{8A5E5921-9CEC-4050-BEC1-20181F0949A3}" type="datetime1">
               <a:rPr lang="pt-BR" smtClean="0"/>
-              <a:t>28/05/2014</a:t>
+              <a:t>03/06/2014</a:t>
             </a:fld>
             <a:endParaRPr lang="pt-BR"/>
           </a:p>
@@ -3143,7 +5035,7 @@
           <a:p>
             <a:fld id="{317250D5-F4D3-4996-83F2-E63CAE78953C}" type="datetime1">
               <a:rPr lang="pt-BR" smtClean="0"/>
-              <a:t>28/05/2014</a:t>
+              <a:t>03/06/2014</a:t>
             </a:fld>
             <a:endParaRPr lang="pt-BR"/>
           </a:p>
@@ -3634,9 +5526,6 @@
               </a:rPr>
               <a:t>Desenvolvimento de um Microprocessador 8086 RISC</a:t>
             </a:r>
-            <a:endParaRPr lang="pt-BR" sz="3750" b="1" dirty="0">
-              <a:latin typeface="Eras Light ITC" panose="020B0402030504020804" pitchFamily="34" charset="0"/>
-            </a:endParaRPr>
           </a:p>
         </p:txBody>
       </p:sp>
@@ -3902,10 +5791,6 @@
               </a:rPr>
               <a:t>Universidade Federal de Itajubá</a:t>
             </a:r>
-            <a:endParaRPr lang="pt-BR" sz="1350" b="1" dirty="0">
-              <a:latin typeface="Arial" panose="020B0604020202020204" pitchFamily="34" charset="0"/>
-              <a:cs typeface="Arial" panose="020B0604020202020204" pitchFamily="34" charset="0"/>
-            </a:endParaRPr>
           </a:p>
         </p:txBody>
       </p:sp>
@@ -3951,11 +5836,6 @@
               </a:rPr>
               <a:t>Marcos Aurélio Freitas de Almeida Costa</a:t>
             </a:r>
-            <a:endParaRPr lang="pt-BR" sz="1350" dirty="0">
-              <a:latin typeface="Arial Unicode MS" panose="020B0604020202020204" pitchFamily="34" charset="-128"/>
-              <a:ea typeface="Arial Unicode MS" panose="020B0604020202020204" pitchFamily="34" charset="-128"/>
-              <a:cs typeface="Arial Unicode MS" panose="020B0604020202020204" pitchFamily="34" charset="-128"/>
-            </a:endParaRPr>
           </a:p>
         </p:txBody>
       </p:sp>
@@ -3969,6 +5849,3288 @@
   <p:clrMapOvr>
     <a:masterClrMapping/>
   </p:clrMapOvr>
+  <mc:AlternateContent xmlns:mc="http://schemas.openxmlformats.org/markup-compatibility/2006" xmlns:p14="http://schemas.microsoft.com/office/powerpoint/2010/main">
+    <mc:Choice Requires="p14">
+      <p:transition p14:dur="0"/>
+    </mc:Choice>
+    <mc:Fallback xmlns="">
+      <p:transition/>
+    </mc:Fallback>
+  </mc:AlternateContent>
+  <p:timing>
+    <p:tnLst>
+      <p:par>
+        <p:cTn id="1" dur="indefinite" restart="never" nodeType="tmRoot"/>
+      </p:par>
+    </p:tnLst>
+  </p:timing>
+</p:sld>
+</file>
+
+<file path=ppt/slides/slide10.xml><?xml version="1.0" encoding="utf-8"?>
+<p:sld xmlns:a="http://schemas.openxmlformats.org/drawingml/2006/main" xmlns:r="http://schemas.openxmlformats.org/officeDocument/2006/relationships" xmlns:p="http://schemas.openxmlformats.org/presentationml/2006/main">
+  <p:cSld>
+    <p:spTree>
+      <p:nvGrpSpPr>
+        <p:cNvPr id="1" name=""/>
+        <p:cNvGrpSpPr/>
+        <p:nvPr/>
+      </p:nvGrpSpPr>
+      <p:grpSpPr>
+        <a:xfrm>
+          <a:off x="0" y="0"/>
+          <a:ext cx="0" cy="0"/>
+          <a:chOff x="0" y="0"/>
+          <a:chExt cx="0" cy="0"/>
+        </a:xfrm>
+      </p:grpSpPr>
+      <p:pic>
+        <p:nvPicPr>
+          <p:cNvPr id="4" name="Imagem 3"/>
+          <p:cNvPicPr>
+            <a:picLocks noChangeAspect="1"/>
+          </p:cNvPicPr>
+          <p:nvPr/>
+        </p:nvPicPr>
+        <p:blipFill>
+          <a:blip r:embed="rId3">
+            <a:extLst>
+              <a:ext uri="{28A0092B-C50C-407E-A947-70E740481C1C}">
+                <a14:useLocalDpi xmlns:a14="http://schemas.microsoft.com/office/drawing/2010/main" val="0"/>
+              </a:ext>
+            </a:extLst>
+          </a:blip>
+          <a:stretch>
+            <a:fillRect/>
+          </a:stretch>
+        </p:blipFill>
+        <p:spPr>
+          <a:xfrm>
+            <a:off x="0" y="0"/>
+            <a:ext cx="9144000" cy="6858000"/>
+          </a:xfrm>
+          <a:prstGeom prst="rect">
+            <a:avLst/>
+          </a:prstGeom>
+        </p:spPr>
+      </p:pic>
+      <p:sp>
+        <p:nvSpPr>
+          <p:cNvPr id="2" name="Título 1"/>
+          <p:cNvSpPr>
+            <a:spLocks noGrp="1"/>
+          </p:cNvSpPr>
+          <p:nvPr>
+            <p:ph type="title"/>
+          </p:nvPr>
+        </p:nvSpPr>
+        <p:spPr>
+          <a:xfrm>
+            <a:off x="628650" y="411913"/>
+            <a:ext cx="7886700" cy="339767"/>
+          </a:xfrm>
+        </p:spPr>
+        <p:txBody>
+          <a:bodyPr>
+            <a:normAutofit fontScale="90000"/>
+          </a:bodyPr>
+          <a:lstStyle/>
+          <a:p>
+            <a:r>
+              <a:rPr lang="pt-BR" dirty="0" smtClean="0"/>
+              <a:t>Resultados</a:t>
+            </a:r>
+            <a:endParaRPr lang="pt-BR" dirty="0"/>
+          </a:p>
+        </p:txBody>
+      </p:sp>
+      <p:sp>
+        <p:nvSpPr>
+          <p:cNvPr id="11" name="Espaço Reservado para Data 10"/>
+          <p:cNvSpPr>
+            <a:spLocks noGrp="1"/>
+          </p:cNvSpPr>
+          <p:nvPr>
+            <p:ph type="dt" sz="half" idx="10"/>
+          </p:nvPr>
+        </p:nvSpPr>
+        <p:spPr/>
+        <p:txBody>
+          <a:bodyPr/>
+          <a:lstStyle/>
+          <a:p>
+            <a:fld id="{5B2C3F26-301F-434E-863D-B89F544B9CE4}" type="datetime1">
+              <a:rPr lang="pt-BR" smtClean="0"/>
+              <a:t>03/06/2014</a:t>
+            </a:fld>
+            <a:endParaRPr lang="pt-BR"/>
+          </a:p>
+        </p:txBody>
+      </p:sp>
+      <p:sp>
+        <p:nvSpPr>
+          <p:cNvPr id="13" name="Espaço Reservado para Rodapé 12"/>
+          <p:cNvSpPr>
+            <a:spLocks noGrp="1"/>
+          </p:cNvSpPr>
+          <p:nvPr>
+            <p:ph type="ftr" sz="quarter" idx="11"/>
+          </p:nvPr>
+        </p:nvSpPr>
+        <p:spPr/>
+        <p:txBody>
+          <a:bodyPr/>
+          <a:lstStyle/>
+          <a:p>
+            <a:r>
+              <a:rPr lang="pt-BR" smtClean="0"/>
+              <a:t>Universidade Federal de Itajubá</a:t>
+            </a:r>
+            <a:endParaRPr lang="pt-BR"/>
+          </a:p>
+        </p:txBody>
+      </p:sp>
+      <p:sp>
+        <p:nvSpPr>
+          <p:cNvPr id="12" name="Espaço Reservado para Número de Slide 11"/>
+          <p:cNvSpPr>
+            <a:spLocks noGrp="1"/>
+          </p:cNvSpPr>
+          <p:nvPr>
+            <p:ph type="sldNum" sz="quarter" idx="12"/>
+          </p:nvPr>
+        </p:nvSpPr>
+        <p:spPr/>
+        <p:txBody>
+          <a:bodyPr/>
+          <a:lstStyle/>
+          <a:p>
+            <a:fld id="{31892884-0934-4F3F-B79B-36C387EDB149}" type="slidenum">
+              <a:rPr lang="pt-BR" smtClean="0"/>
+              <a:t>10</a:t>
+            </a:fld>
+            <a:endParaRPr lang="pt-BR"/>
+          </a:p>
+        </p:txBody>
+      </p:sp>
+      <p:cxnSp>
+        <p:nvCxnSpPr>
+          <p:cNvPr id="9" name="Conector reto 8"/>
+          <p:cNvCxnSpPr/>
+          <p:nvPr/>
+        </p:nvCxnSpPr>
+        <p:spPr>
+          <a:xfrm flipV="1">
+            <a:off x="426444" y="914402"/>
+            <a:ext cx="8241038" cy="1445"/>
+          </a:xfrm>
+          <a:prstGeom prst="line">
+            <a:avLst/>
+          </a:prstGeom>
+          <a:ln/>
+        </p:spPr>
+        <p:style>
+          <a:lnRef idx="3">
+            <a:schemeClr val="accent1"/>
+          </a:lnRef>
+          <a:fillRef idx="0">
+            <a:schemeClr val="accent1"/>
+          </a:fillRef>
+          <a:effectRef idx="2">
+            <a:schemeClr val="accent1"/>
+          </a:effectRef>
+          <a:fontRef idx="minor">
+            <a:schemeClr val="tx1"/>
+          </a:fontRef>
+        </p:style>
+      </p:cxnSp>
+      <p:sp>
+        <p:nvSpPr>
+          <p:cNvPr id="8" name="CaixaDeTexto 7"/>
+          <p:cNvSpPr txBox="1"/>
+          <p:nvPr/>
+        </p:nvSpPr>
+        <p:spPr>
+          <a:xfrm>
+            <a:off x="628650" y="5668576"/>
+            <a:ext cx="7886700" cy="369332"/>
+          </a:xfrm>
+          <a:prstGeom prst="rect">
+            <a:avLst/>
+          </a:prstGeom>
+          <a:noFill/>
+        </p:spPr>
+        <p:txBody>
+          <a:bodyPr wrap="square" rtlCol="0">
+            <a:spAutoFit/>
+          </a:bodyPr>
+          <a:lstStyle/>
+          <a:p>
+            <a:pPr algn="ctr"/>
+            <a:r>
+              <a:rPr lang="pt-BR" i="1" dirty="0" smtClean="0"/>
+              <a:t>Figura X: Visão RTL do microprocessador desenvolvido</a:t>
+            </a:r>
+            <a:endParaRPr lang="pt-BR" i="1" dirty="0"/>
+          </a:p>
+        </p:txBody>
+      </p:sp>
+      <p:pic>
+        <p:nvPicPr>
+          <p:cNvPr id="15" name="Espaço Reservado para Conteúdo 14"/>
+          <p:cNvPicPr>
+            <a:picLocks noGrp="1" noChangeAspect="1"/>
+          </p:cNvPicPr>
+          <p:nvPr>
+            <p:ph idx="1"/>
+          </p:nvPr>
+        </p:nvPicPr>
+        <p:blipFill>
+          <a:blip r:embed="rId4">
+            <a:extLst>
+              <a:ext uri="{28A0092B-C50C-407E-A947-70E740481C1C}">
+                <a14:useLocalDpi xmlns:a14="http://schemas.microsoft.com/office/drawing/2010/main" val="0"/>
+              </a:ext>
+            </a:extLst>
+          </a:blip>
+          <a:stretch>
+            <a:fillRect/>
+          </a:stretch>
+        </p:blipFill>
+        <p:spPr>
+          <a:xfrm>
+            <a:off x="183044" y="2148656"/>
+            <a:ext cx="8777911" cy="3363502"/>
+          </a:xfrm>
+          <a:prstGeom prst="rect">
+            <a:avLst/>
+          </a:prstGeom>
+          <a:ln>
+            <a:noFill/>
+          </a:ln>
+          <a:effectLst>
+            <a:outerShdw blurRad="292100" dist="139700" dir="2700000" algn="tl" rotWithShape="0">
+              <a:srgbClr val="333333">
+                <a:alpha val="65000"/>
+              </a:srgbClr>
+            </a:outerShdw>
+          </a:effectLst>
+        </p:spPr>
+      </p:pic>
+      <p:sp>
+        <p:nvSpPr>
+          <p:cNvPr id="5" name="Elipse 4"/>
+          <p:cNvSpPr/>
+          <p:nvPr/>
+        </p:nvSpPr>
+        <p:spPr>
+          <a:xfrm>
+            <a:off x="3706767" y="3888526"/>
+            <a:ext cx="997307" cy="1228263"/>
+          </a:xfrm>
+          <a:prstGeom prst="ellipse">
+            <a:avLst/>
+          </a:prstGeom>
+          <a:noFill/>
+          <a:ln>
+            <a:solidFill>
+              <a:srgbClr val="FF0000"/>
+            </a:solidFill>
+          </a:ln>
+        </p:spPr>
+        <p:style>
+          <a:lnRef idx="2">
+            <a:schemeClr val="accent1">
+              <a:shade val="50000"/>
+            </a:schemeClr>
+          </a:lnRef>
+          <a:fillRef idx="1">
+            <a:schemeClr val="accent1"/>
+          </a:fillRef>
+          <a:effectRef idx="0">
+            <a:schemeClr val="accent1"/>
+          </a:effectRef>
+          <a:fontRef idx="minor">
+            <a:schemeClr val="lt1"/>
+          </a:fontRef>
+        </p:style>
+        <p:txBody>
+          <a:bodyPr rtlCol="0" anchor="ctr"/>
+          <a:lstStyle/>
+          <a:p>
+            <a:pPr algn="ctr"/>
+            <a:endParaRPr lang="pt-BR"/>
+          </a:p>
+        </p:txBody>
+      </p:sp>
+      <p:pic>
+        <p:nvPicPr>
+          <p:cNvPr id="10" name="Imagem 9"/>
+          <p:cNvPicPr>
+            <a:picLocks noChangeAspect="1"/>
+          </p:cNvPicPr>
+          <p:nvPr/>
+        </p:nvPicPr>
+        <p:blipFill>
+          <a:blip r:embed="rId5"/>
+          <a:stretch>
+            <a:fillRect/>
+          </a:stretch>
+        </p:blipFill>
+        <p:spPr>
+          <a:xfrm>
+            <a:off x="5396248" y="1047086"/>
+            <a:ext cx="3006344" cy="2851706"/>
+          </a:xfrm>
+          <a:prstGeom prst="rect">
+            <a:avLst/>
+          </a:prstGeom>
+          <a:ln>
+            <a:noFill/>
+          </a:ln>
+          <a:effectLst>
+            <a:outerShdw blurRad="292100" dist="139700" dir="2700000" algn="tl" rotWithShape="0">
+              <a:srgbClr val="333333">
+                <a:alpha val="65000"/>
+              </a:srgbClr>
+            </a:outerShdw>
+          </a:effectLst>
+        </p:spPr>
+      </p:pic>
+    </p:spTree>
+    <p:extLst>
+      <p:ext uri="{BB962C8B-B14F-4D97-AF65-F5344CB8AC3E}">
+        <p14:creationId xmlns:p14="http://schemas.microsoft.com/office/powerpoint/2010/main" val="2547879407"/>
+      </p:ext>
+    </p:extLst>
+  </p:cSld>
+  <p:clrMapOvr>
+    <a:masterClrMapping/>
+  </p:clrMapOvr>
+  <mc:AlternateContent xmlns:mc="http://schemas.openxmlformats.org/markup-compatibility/2006" xmlns:p14="http://schemas.microsoft.com/office/powerpoint/2010/main">
+    <mc:Choice Requires="p14">
+      <p:transition p14:dur="0"/>
+    </mc:Choice>
+    <mc:Fallback xmlns="">
+      <p:transition/>
+    </mc:Fallback>
+  </mc:AlternateContent>
+  <p:timing>
+    <p:tnLst>
+      <p:par>
+        <p:cTn id="1" dur="indefinite" restart="never" nodeType="tmRoot"/>
+      </p:par>
+    </p:tnLst>
+  </p:timing>
+</p:sld>
+</file>
+
+<file path=ppt/slides/slide11.xml><?xml version="1.0" encoding="utf-8"?>
+<p:sld xmlns:a="http://schemas.openxmlformats.org/drawingml/2006/main" xmlns:r="http://schemas.openxmlformats.org/officeDocument/2006/relationships" xmlns:p="http://schemas.openxmlformats.org/presentationml/2006/main">
+  <p:cSld>
+    <p:spTree>
+      <p:nvGrpSpPr>
+        <p:cNvPr id="1" name=""/>
+        <p:cNvGrpSpPr/>
+        <p:nvPr/>
+      </p:nvGrpSpPr>
+      <p:grpSpPr>
+        <a:xfrm>
+          <a:off x="0" y="0"/>
+          <a:ext cx="0" cy="0"/>
+          <a:chOff x="0" y="0"/>
+          <a:chExt cx="0" cy="0"/>
+        </a:xfrm>
+      </p:grpSpPr>
+      <p:pic>
+        <p:nvPicPr>
+          <p:cNvPr id="4" name="Imagem 3"/>
+          <p:cNvPicPr>
+            <a:picLocks noChangeAspect="1"/>
+          </p:cNvPicPr>
+          <p:nvPr/>
+        </p:nvPicPr>
+        <p:blipFill>
+          <a:blip r:embed="rId3">
+            <a:extLst>
+              <a:ext uri="{28A0092B-C50C-407E-A947-70E740481C1C}">
+                <a14:useLocalDpi xmlns:a14="http://schemas.microsoft.com/office/drawing/2010/main" val="0"/>
+              </a:ext>
+            </a:extLst>
+          </a:blip>
+          <a:stretch>
+            <a:fillRect/>
+          </a:stretch>
+        </p:blipFill>
+        <p:spPr>
+          <a:xfrm>
+            <a:off x="0" y="0"/>
+            <a:ext cx="9144000" cy="6858000"/>
+          </a:xfrm>
+          <a:prstGeom prst="rect">
+            <a:avLst/>
+          </a:prstGeom>
+        </p:spPr>
+      </p:pic>
+      <p:sp>
+        <p:nvSpPr>
+          <p:cNvPr id="2" name="Título 1"/>
+          <p:cNvSpPr>
+            <a:spLocks noGrp="1"/>
+          </p:cNvSpPr>
+          <p:nvPr>
+            <p:ph type="title"/>
+          </p:nvPr>
+        </p:nvSpPr>
+        <p:spPr>
+          <a:xfrm>
+            <a:off x="628650" y="411913"/>
+            <a:ext cx="7886700" cy="339767"/>
+          </a:xfrm>
+        </p:spPr>
+        <p:txBody>
+          <a:bodyPr>
+            <a:normAutofit fontScale="90000"/>
+          </a:bodyPr>
+          <a:lstStyle/>
+          <a:p>
+            <a:r>
+              <a:rPr lang="pt-BR" dirty="0" smtClean="0"/>
+              <a:t>Resultados</a:t>
+            </a:r>
+            <a:endParaRPr lang="pt-BR" dirty="0"/>
+          </a:p>
+        </p:txBody>
+      </p:sp>
+      <p:sp>
+        <p:nvSpPr>
+          <p:cNvPr id="11" name="Espaço Reservado para Data 10"/>
+          <p:cNvSpPr>
+            <a:spLocks noGrp="1"/>
+          </p:cNvSpPr>
+          <p:nvPr>
+            <p:ph type="dt" sz="half" idx="10"/>
+          </p:nvPr>
+        </p:nvSpPr>
+        <p:spPr/>
+        <p:txBody>
+          <a:bodyPr/>
+          <a:lstStyle/>
+          <a:p>
+            <a:fld id="{5B2C3F26-301F-434E-863D-B89F544B9CE4}" type="datetime1">
+              <a:rPr lang="pt-BR" smtClean="0"/>
+              <a:t>03/06/2014</a:t>
+            </a:fld>
+            <a:endParaRPr lang="pt-BR"/>
+          </a:p>
+        </p:txBody>
+      </p:sp>
+      <p:sp>
+        <p:nvSpPr>
+          <p:cNvPr id="13" name="Espaço Reservado para Rodapé 12"/>
+          <p:cNvSpPr>
+            <a:spLocks noGrp="1"/>
+          </p:cNvSpPr>
+          <p:nvPr>
+            <p:ph type="ftr" sz="quarter" idx="11"/>
+          </p:nvPr>
+        </p:nvSpPr>
+        <p:spPr/>
+        <p:txBody>
+          <a:bodyPr/>
+          <a:lstStyle/>
+          <a:p>
+            <a:r>
+              <a:rPr lang="pt-BR" smtClean="0"/>
+              <a:t>Universidade Federal de Itajubá</a:t>
+            </a:r>
+            <a:endParaRPr lang="pt-BR"/>
+          </a:p>
+        </p:txBody>
+      </p:sp>
+      <p:sp>
+        <p:nvSpPr>
+          <p:cNvPr id="12" name="Espaço Reservado para Número de Slide 11"/>
+          <p:cNvSpPr>
+            <a:spLocks noGrp="1"/>
+          </p:cNvSpPr>
+          <p:nvPr>
+            <p:ph type="sldNum" sz="quarter" idx="12"/>
+          </p:nvPr>
+        </p:nvSpPr>
+        <p:spPr/>
+        <p:txBody>
+          <a:bodyPr/>
+          <a:lstStyle/>
+          <a:p>
+            <a:fld id="{31892884-0934-4F3F-B79B-36C387EDB149}" type="slidenum">
+              <a:rPr lang="pt-BR" smtClean="0"/>
+              <a:t>11</a:t>
+            </a:fld>
+            <a:endParaRPr lang="pt-BR"/>
+          </a:p>
+        </p:txBody>
+      </p:sp>
+      <p:cxnSp>
+        <p:nvCxnSpPr>
+          <p:cNvPr id="9" name="Conector reto 8"/>
+          <p:cNvCxnSpPr/>
+          <p:nvPr/>
+        </p:nvCxnSpPr>
+        <p:spPr>
+          <a:xfrm flipV="1">
+            <a:off x="426444" y="914402"/>
+            <a:ext cx="8241038" cy="1445"/>
+          </a:xfrm>
+          <a:prstGeom prst="line">
+            <a:avLst/>
+          </a:prstGeom>
+          <a:ln/>
+        </p:spPr>
+        <p:style>
+          <a:lnRef idx="3">
+            <a:schemeClr val="accent1"/>
+          </a:lnRef>
+          <a:fillRef idx="0">
+            <a:schemeClr val="accent1"/>
+          </a:fillRef>
+          <a:effectRef idx="2">
+            <a:schemeClr val="accent1"/>
+          </a:effectRef>
+          <a:fontRef idx="minor">
+            <a:schemeClr val="tx1"/>
+          </a:fontRef>
+        </p:style>
+      </p:cxnSp>
+      <p:sp>
+        <p:nvSpPr>
+          <p:cNvPr id="8" name="CaixaDeTexto 7"/>
+          <p:cNvSpPr txBox="1"/>
+          <p:nvPr/>
+        </p:nvSpPr>
+        <p:spPr>
+          <a:xfrm>
+            <a:off x="628650" y="5668576"/>
+            <a:ext cx="7886700" cy="369332"/>
+          </a:xfrm>
+          <a:prstGeom prst="rect">
+            <a:avLst/>
+          </a:prstGeom>
+          <a:noFill/>
+        </p:spPr>
+        <p:txBody>
+          <a:bodyPr wrap="square" rtlCol="0">
+            <a:spAutoFit/>
+          </a:bodyPr>
+          <a:lstStyle/>
+          <a:p>
+            <a:pPr algn="ctr"/>
+            <a:r>
+              <a:rPr lang="pt-BR" i="1" dirty="0" smtClean="0"/>
+              <a:t>Figura X: Visão RTL do microprocessador desenvolvido</a:t>
+            </a:r>
+            <a:endParaRPr lang="pt-BR" i="1" dirty="0"/>
+          </a:p>
+        </p:txBody>
+      </p:sp>
+      <p:pic>
+        <p:nvPicPr>
+          <p:cNvPr id="15" name="Espaço Reservado para Conteúdo 14"/>
+          <p:cNvPicPr>
+            <a:picLocks noGrp="1" noChangeAspect="1"/>
+          </p:cNvPicPr>
+          <p:nvPr>
+            <p:ph idx="1"/>
+          </p:nvPr>
+        </p:nvPicPr>
+        <p:blipFill>
+          <a:blip r:embed="rId4">
+            <a:extLst>
+              <a:ext uri="{28A0092B-C50C-407E-A947-70E740481C1C}">
+                <a14:useLocalDpi xmlns:a14="http://schemas.microsoft.com/office/drawing/2010/main" val="0"/>
+              </a:ext>
+            </a:extLst>
+          </a:blip>
+          <a:stretch>
+            <a:fillRect/>
+          </a:stretch>
+        </p:blipFill>
+        <p:spPr>
+          <a:xfrm>
+            <a:off x="183044" y="2148656"/>
+            <a:ext cx="8777911" cy="3363502"/>
+          </a:xfrm>
+          <a:prstGeom prst="rect">
+            <a:avLst/>
+          </a:prstGeom>
+          <a:ln>
+            <a:noFill/>
+          </a:ln>
+          <a:effectLst>
+            <a:outerShdw blurRad="292100" dist="139700" dir="2700000" algn="tl" rotWithShape="0">
+              <a:srgbClr val="333333">
+                <a:alpha val="65000"/>
+              </a:srgbClr>
+            </a:outerShdw>
+          </a:effectLst>
+        </p:spPr>
+      </p:pic>
+      <p:sp>
+        <p:nvSpPr>
+          <p:cNvPr id="5" name="Elipse 4"/>
+          <p:cNvSpPr/>
+          <p:nvPr/>
+        </p:nvSpPr>
+        <p:spPr>
+          <a:xfrm>
+            <a:off x="4673799" y="4117410"/>
+            <a:ext cx="1175262" cy="1414642"/>
+          </a:xfrm>
+          <a:prstGeom prst="ellipse">
+            <a:avLst/>
+          </a:prstGeom>
+          <a:noFill/>
+          <a:ln>
+            <a:solidFill>
+              <a:srgbClr val="FF0000"/>
+            </a:solidFill>
+          </a:ln>
+        </p:spPr>
+        <p:style>
+          <a:lnRef idx="2">
+            <a:schemeClr val="accent1">
+              <a:shade val="50000"/>
+            </a:schemeClr>
+          </a:lnRef>
+          <a:fillRef idx="1">
+            <a:schemeClr val="accent1"/>
+          </a:fillRef>
+          <a:effectRef idx="0">
+            <a:schemeClr val="accent1"/>
+          </a:effectRef>
+          <a:fontRef idx="minor">
+            <a:schemeClr val="lt1"/>
+          </a:fontRef>
+        </p:style>
+        <p:txBody>
+          <a:bodyPr rtlCol="0" anchor="ctr"/>
+          <a:lstStyle/>
+          <a:p>
+            <a:pPr algn="ctr"/>
+            <a:endParaRPr lang="pt-BR"/>
+          </a:p>
+        </p:txBody>
+      </p:sp>
+      <p:pic>
+        <p:nvPicPr>
+          <p:cNvPr id="3" name="Imagem 2"/>
+          <p:cNvPicPr>
+            <a:picLocks noChangeAspect="1"/>
+          </p:cNvPicPr>
+          <p:nvPr/>
+        </p:nvPicPr>
+        <p:blipFill>
+          <a:blip r:embed="rId5"/>
+          <a:stretch>
+            <a:fillRect/>
+          </a:stretch>
+        </p:blipFill>
+        <p:spPr>
+          <a:xfrm>
+            <a:off x="5300067" y="1102226"/>
+            <a:ext cx="2594681" cy="2858719"/>
+          </a:xfrm>
+          <a:prstGeom prst="rect">
+            <a:avLst/>
+          </a:prstGeom>
+          <a:ln>
+            <a:noFill/>
+          </a:ln>
+          <a:effectLst>
+            <a:outerShdw blurRad="292100" dist="139700" dir="2700000" algn="tl" rotWithShape="0">
+              <a:srgbClr val="333333">
+                <a:alpha val="65000"/>
+              </a:srgbClr>
+            </a:outerShdw>
+          </a:effectLst>
+        </p:spPr>
+      </p:pic>
+    </p:spTree>
+    <p:extLst>
+      <p:ext uri="{BB962C8B-B14F-4D97-AF65-F5344CB8AC3E}">
+        <p14:creationId xmlns:p14="http://schemas.microsoft.com/office/powerpoint/2010/main" val="2627953155"/>
+      </p:ext>
+    </p:extLst>
+  </p:cSld>
+  <p:clrMapOvr>
+    <a:masterClrMapping/>
+  </p:clrMapOvr>
+  <mc:AlternateContent xmlns:mc="http://schemas.openxmlformats.org/markup-compatibility/2006" xmlns:p14="http://schemas.microsoft.com/office/powerpoint/2010/main">
+    <mc:Choice Requires="p14">
+      <p:transition p14:dur="0"/>
+    </mc:Choice>
+    <mc:Fallback xmlns="">
+      <p:transition/>
+    </mc:Fallback>
+  </mc:AlternateContent>
+  <p:timing>
+    <p:tnLst>
+      <p:par>
+        <p:cTn id="1" dur="indefinite" restart="never" nodeType="tmRoot"/>
+      </p:par>
+    </p:tnLst>
+  </p:timing>
+</p:sld>
+</file>
+
+<file path=ppt/slides/slide12.xml><?xml version="1.0" encoding="utf-8"?>
+<p:sld xmlns:a="http://schemas.openxmlformats.org/drawingml/2006/main" xmlns:r="http://schemas.openxmlformats.org/officeDocument/2006/relationships" xmlns:p="http://schemas.openxmlformats.org/presentationml/2006/main">
+  <p:cSld>
+    <p:spTree>
+      <p:nvGrpSpPr>
+        <p:cNvPr id="1" name=""/>
+        <p:cNvGrpSpPr/>
+        <p:nvPr/>
+      </p:nvGrpSpPr>
+      <p:grpSpPr>
+        <a:xfrm>
+          <a:off x="0" y="0"/>
+          <a:ext cx="0" cy="0"/>
+          <a:chOff x="0" y="0"/>
+          <a:chExt cx="0" cy="0"/>
+        </a:xfrm>
+      </p:grpSpPr>
+      <p:pic>
+        <p:nvPicPr>
+          <p:cNvPr id="4" name="Imagem 3"/>
+          <p:cNvPicPr>
+            <a:picLocks noChangeAspect="1"/>
+          </p:cNvPicPr>
+          <p:nvPr/>
+        </p:nvPicPr>
+        <p:blipFill>
+          <a:blip r:embed="rId3">
+            <a:extLst>
+              <a:ext uri="{28A0092B-C50C-407E-A947-70E740481C1C}">
+                <a14:useLocalDpi xmlns:a14="http://schemas.microsoft.com/office/drawing/2010/main" val="0"/>
+              </a:ext>
+            </a:extLst>
+          </a:blip>
+          <a:stretch>
+            <a:fillRect/>
+          </a:stretch>
+        </p:blipFill>
+        <p:spPr>
+          <a:xfrm>
+            <a:off x="0" y="0"/>
+            <a:ext cx="9144000" cy="6858000"/>
+          </a:xfrm>
+          <a:prstGeom prst="rect">
+            <a:avLst/>
+          </a:prstGeom>
+        </p:spPr>
+      </p:pic>
+      <p:sp>
+        <p:nvSpPr>
+          <p:cNvPr id="2" name="Título 1"/>
+          <p:cNvSpPr>
+            <a:spLocks noGrp="1"/>
+          </p:cNvSpPr>
+          <p:nvPr>
+            <p:ph type="title"/>
+          </p:nvPr>
+        </p:nvSpPr>
+        <p:spPr>
+          <a:xfrm>
+            <a:off x="628650" y="411913"/>
+            <a:ext cx="7886700" cy="339767"/>
+          </a:xfrm>
+        </p:spPr>
+        <p:txBody>
+          <a:bodyPr>
+            <a:normAutofit fontScale="90000"/>
+          </a:bodyPr>
+          <a:lstStyle/>
+          <a:p>
+            <a:r>
+              <a:rPr lang="pt-BR" dirty="0" smtClean="0"/>
+              <a:t>Resultados</a:t>
+            </a:r>
+            <a:endParaRPr lang="pt-BR" dirty="0"/>
+          </a:p>
+        </p:txBody>
+      </p:sp>
+      <p:sp>
+        <p:nvSpPr>
+          <p:cNvPr id="11" name="Espaço Reservado para Data 10"/>
+          <p:cNvSpPr>
+            <a:spLocks noGrp="1"/>
+          </p:cNvSpPr>
+          <p:nvPr>
+            <p:ph type="dt" sz="half" idx="10"/>
+          </p:nvPr>
+        </p:nvSpPr>
+        <p:spPr/>
+        <p:txBody>
+          <a:bodyPr/>
+          <a:lstStyle/>
+          <a:p>
+            <a:fld id="{5B2C3F26-301F-434E-863D-B89F544B9CE4}" type="datetime1">
+              <a:rPr lang="pt-BR" smtClean="0"/>
+              <a:t>03/06/2014</a:t>
+            </a:fld>
+            <a:endParaRPr lang="pt-BR"/>
+          </a:p>
+        </p:txBody>
+      </p:sp>
+      <p:sp>
+        <p:nvSpPr>
+          <p:cNvPr id="13" name="Espaço Reservado para Rodapé 12"/>
+          <p:cNvSpPr>
+            <a:spLocks noGrp="1"/>
+          </p:cNvSpPr>
+          <p:nvPr>
+            <p:ph type="ftr" sz="quarter" idx="11"/>
+          </p:nvPr>
+        </p:nvSpPr>
+        <p:spPr/>
+        <p:txBody>
+          <a:bodyPr/>
+          <a:lstStyle/>
+          <a:p>
+            <a:r>
+              <a:rPr lang="pt-BR" smtClean="0"/>
+              <a:t>Universidade Federal de Itajubá</a:t>
+            </a:r>
+            <a:endParaRPr lang="pt-BR"/>
+          </a:p>
+        </p:txBody>
+      </p:sp>
+      <p:sp>
+        <p:nvSpPr>
+          <p:cNvPr id="12" name="Espaço Reservado para Número de Slide 11"/>
+          <p:cNvSpPr>
+            <a:spLocks noGrp="1"/>
+          </p:cNvSpPr>
+          <p:nvPr>
+            <p:ph type="sldNum" sz="quarter" idx="12"/>
+          </p:nvPr>
+        </p:nvSpPr>
+        <p:spPr/>
+        <p:txBody>
+          <a:bodyPr/>
+          <a:lstStyle/>
+          <a:p>
+            <a:fld id="{31892884-0934-4F3F-B79B-36C387EDB149}" type="slidenum">
+              <a:rPr lang="pt-BR" smtClean="0"/>
+              <a:t>12</a:t>
+            </a:fld>
+            <a:endParaRPr lang="pt-BR"/>
+          </a:p>
+        </p:txBody>
+      </p:sp>
+      <p:cxnSp>
+        <p:nvCxnSpPr>
+          <p:cNvPr id="9" name="Conector reto 8"/>
+          <p:cNvCxnSpPr/>
+          <p:nvPr/>
+        </p:nvCxnSpPr>
+        <p:spPr>
+          <a:xfrm flipV="1">
+            <a:off x="426444" y="914402"/>
+            <a:ext cx="8241038" cy="1445"/>
+          </a:xfrm>
+          <a:prstGeom prst="line">
+            <a:avLst/>
+          </a:prstGeom>
+          <a:ln/>
+        </p:spPr>
+        <p:style>
+          <a:lnRef idx="3">
+            <a:schemeClr val="accent1"/>
+          </a:lnRef>
+          <a:fillRef idx="0">
+            <a:schemeClr val="accent1"/>
+          </a:fillRef>
+          <a:effectRef idx="2">
+            <a:schemeClr val="accent1"/>
+          </a:effectRef>
+          <a:fontRef idx="minor">
+            <a:schemeClr val="tx1"/>
+          </a:fontRef>
+        </p:style>
+      </p:cxnSp>
+      <p:sp>
+        <p:nvSpPr>
+          <p:cNvPr id="8" name="CaixaDeTexto 7"/>
+          <p:cNvSpPr txBox="1"/>
+          <p:nvPr/>
+        </p:nvSpPr>
+        <p:spPr>
+          <a:xfrm>
+            <a:off x="628650" y="5668576"/>
+            <a:ext cx="7886700" cy="369332"/>
+          </a:xfrm>
+          <a:prstGeom prst="rect">
+            <a:avLst/>
+          </a:prstGeom>
+          <a:noFill/>
+        </p:spPr>
+        <p:txBody>
+          <a:bodyPr wrap="square" rtlCol="0">
+            <a:spAutoFit/>
+          </a:bodyPr>
+          <a:lstStyle/>
+          <a:p>
+            <a:pPr algn="ctr"/>
+            <a:r>
+              <a:rPr lang="pt-BR" i="1" dirty="0" smtClean="0"/>
+              <a:t>Figura X: Visão RTL do microprocessador desenvolvido</a:t>
+            </a:r>
+            <a:endParaRPr lang="pt-BR" i="1" dirty="0"/>
+          </a:p>
+        </p:txBody>
+      </p:sp>
+      <p:pic>
+        <p:nvPicPr>
+          <p:cNvPr id="15" name="Espaço Reservado para Conteúdo 14"/>
+          <p:cNvPicPr>
+            <a:picLocks noGrp="1" noChangeAspect="1"/>
+          </p:cNvPicPr>
+          <p:nvPr>
+            <p:ph idx="1"/>
+          </p:nvPr>
+        </p:nvPicPr>
+        <p:blipFill>
+          <a:blip r:embed="rId4">
+            <a:extLst>
+              <a:ext uri="{28A0092B-C50C-407E-A947-70E740481C1C}">
+                <a14:useLocalDpi xmlns:a14="http://schemas.microsoft.com/office/drawing/2010/main" val="0"/>
+              </a:ext>
+            </a:extLst>
+          </a:blip>
+          <a:stretch>
+            <a:fillRect/>
+          </a:stretch>
+        </p:blipFill>
+        <p:spPr>
+          <a:xfrm>
+            <a:off x="183044" y="2148656"/>
+            <a:ext cx="8777911" cy="3363502"/>
+          </a:xfrm>
+          <a:prstGeom prst="rect">
+            <a:avLst/>
+          </a:prstGeom>
+          <a:ln>
+            <a:noFill/>
+          </a:ln>
+          <a:effectLst>
+            <a:outerShdw blurRad="292100" dist="139700" dir="2700000" algn="tl" rotWithShape="0">
+              <a:srgbClr val="333333">
+                <a:alpha val="65000"/>
+              </a:srgbClr>
+            </a:outerShdw>
+          </a:effectLst>
+        </p:spPr>
+      </p:pic>
+      <p:sp>
+        <p:nvSpPr>
+          <p:cNvPr id="5" name="Elipse 4"/>
+          <p:cNvSpPr/>
+          <p:nvPr/>
+        </p:nvSpPr>
+        <p:spPr>
+          <a:xfrm>
+            <a:off x="6102171" y="4135970"/>
+            <a:ext cx="1021898" cy="1249999"/>
+          </a:xfrm>
+          <a:prstGeom prst="ellipse">
+            <a:avLst/>
+          </a:prstGeom>
+          <a:noFill/>
+          <a:ln>
+            <a:solidFill>
+              <a:srgbClr val="FF0000"/>
+            </a:solidFill>
+          </a:ln>
+        </p:spPr>
+        <p:style>
+          <a:lnRef idx="2">
+            <a:schemeClr val="accent1">
+              <a:shade val="50000"/>
+            </a:schemeClr>
+          </a:lnRef>
+          <a:fillRef idx="1">
+            <a:schemeClr val="accent1"/>
+          </a:fillRef>
+          <a:effectRef idx="0">
+            <a:schemeClr val="accent1"/>
+          </a:effectRef>
+          <a:fontRef idx="minor">
+            <a:schemeClr val="lt1"/>
+          </a:fontRef>
+        </p:style>
+        <p:txBody>
+          <a:bodyPr rtlCol="0" anchor="ctr"/>
+          <a:lstStyle/>
+          <a:p>
+            <a:pPr algn="ctr"/>
+            <a:endParaRPr lang="pt-BR"/>
+          </a:p>
+        </p:txBody>
+      </p:sp>
+      <p:pic>
+        <p:nvPicPr>
+          <p:cNvPr id="6" name="Imagem 5"/>
+          <p:cNvPicPr>
+            <a:picLocks noChangeAspect="1"/>
+          </p:cNvPicPr>
+          <p:nvPr/>
+        </p:nvPicPr>
+        <p:blipFill>
+          <a:blip r:embed="rId5"/>
+          <a:stretch>
+            <a:fillRect/>
+          </a:stretch>
+        </p:blipFill>
+        <p:spPr>
+          <a:xfrm>
+            <a:off x="4997003" y="1242523"/>
+            <a:ext cx="3411532" cy="2587884"/>
+          </a:xfrm>
+          <a:prstGeom prst="rect">
+            <a:avLst/>
+          </a:prstGeom>
+          <a:ln>
+            <a:noFill/>
+          </a:ln>
+          <a:effectLst>
+            <a:outerShdw blurRad="292100" dist="139700" dir="2700000" algn="tl" rotWithShape="0">
+              <a:srgbClr val="333333">
+                <a:alpha val="65000"/>
+              </a:srgbClr>
+            </a:outerShdw>
+          </a:effectLst>
+        </p:spPr>
+      </p:pic>
+    </p:spTree>
+    <p:extLst>
+      <p:ext uri="{BB962C8B-B14F-4D97-AF65-F5344CB8AC3E}">
+        <p14:creationId xmlns:p14="http://schemas.microsoft.com/office/powerpoint/2010/main" val="2633314826"/>
+      </p:ext>
+    </p:extLst>
+  </p:cSld>
+  <p:clrMapOvr>
+    <a:masterClrMapping/>
+  </p:clrMapOvr>
+  <mc:AlternateContent xmlns:mc="http://schemas.openxmlformats.org/markup-compatibility/2006" xmlns:p14="http://schemas.microsoft.com/office/powerpoint/2010/main">
+    <mc:Choice Requires="p14">
+      <p:transition p14:dur="0"/>
+    </mc:Choice>
+    <mc:Fallback xmlns="">
+      <p:transition/>
+    </mc:Fallback>
+  </mc:AlternateContent>
+  <p:timing>
+    <p:tnLst>
+      <p:par>
+        <p:cTn id="1" dur="indefinite" restart="never" nodeType="tmRoot"/>
+      </p:par>
+    </p:tnLst>
+  </p:timing>
+</p:sld>
+</file>
+
+<file path=ppt/slides/slide13.xml><?xml version="1.0" encoding="utf-8"?>
+<p:sld xmlns:a="http://schemas.openxmlformats.org/drawingml/2006/main" xmlns:r="http://schemas.openxmlformats.org/officeDocument/2006/relationships" xmlns:p="http://schemas.openxmlformats.org/presentationml/2006/main">
+  <p:cSld>
+    <p:spTree>
+      <p:nvGrpSpPr>
+        <p:cNvPr id="1" name=""/>
+        <p:cNvGrpSpPr/>
+        <p:nvPr/>
+      </p:nvGrpSpPr>
+      <p:grpSpPr>
+        <a:xfrm>
+          <a:off x="0" y="0"/>
+          <a:ext cx="0" cy="0"/>
+          <a:chOff x="0" y="0"/>
+          <a:chExt cx="0" cy="0"/>
+        </a:xfrm>
+      </p:grpSpPr>
+      <p:pic>
+        <p:nvPicPr>
+          <p:cNvPr id="4" name="Imagem 3"/>
+          <p:cNvPicPr>
+            <a:picLocks noChangeAspect="1"/>
+          </p:cNvPicPr>
+          <p:nvPr/>
+        </p:nvPicPr>
+        <p:blipFill>
+          <a:blip r:embed="rId3">
+            <a:extLst>
+              <a:ext uri="{28A0092B-C50C-407E-A947-70E740481C1C}">
+                <a14:useLocalDpi xmlns:a14="http://schemas.microsoft.com/office/drawing/2010/main" val="0"/>
+              </a:ext>
+            </a:extLst>
+          </a:blip>
+          <a:stretch>
+            <a:fillRect/>
+          </a:stretch>
+        </p:blipFill>
+        <p:spPr>
+          <a:xfrm>
+            <a:off x="0" y="0"/>
+            <a:ext cx="9144000" cy="6858000"/>
+          </a:xfrm>
+          <a:prstGeom prst="rect">
+            <a:avLst/>
+          </a:prstGeom>
+        </p:spPr>
+      </p:pic>
+      <p:sp>
+        <p:nvSpPr>
+          <p:cNvPr id="2" name="Título 1"/>
+          <p:cNvSpPr>
+            <a:spLocks noGrp="1"/>
+          </p:cNvSpPr>
+          <p:nvPr>
+            <p:ph type="title"/>
+          </p:nvPr>
+        </p:nvSpPr>
+        <p:spPr>
+          <a:xfrm>
+            <a:off x="628650" y="411913"/>
+            <a:ext cx="7886700" cy="339767"/>
+          </a:xfrm>
+        </p:spPr>
+        <p:txBody>
+          <a:bodyPr>
+            <a:normAutofit fontScale="90000"/>
+          </a:bodyPr>
+          <a:lstStyle/>
+          <a:p>
+            <a:r>
+              <a:rPr lang="pt-BR" dirty="0" smtClean="0"/>
+              <a:t>Resultados</a:t>
+            </a:r>
+            <a:endParaRPr lang="pt-BR" dirty="0"/>
+          </a:p>
+        </p:txBody>
+      </p:sp>
+      <p:sp>
+        <p:nvSpPr>
+          <p:cNvPr id="11" name="Espaço Reservado para Data 10"/>
+          <p:cNvSpPr>
+            <a:spLocks noGrp="1"/>
+          </p:cNvSpPr>
+          <p:nvPr>
+            <p:ph type="dt" sz="half" idx="10"/>
+          </p:nvPr>
+        </p:nvSpPr>
+        <p:spPr/>
+        <p:txBody>
+          <a:bodyPr/>
+          <a:lstStyle/>
+          <a:p>
+            <a:fld id="{5B2C3F26-301F-434E-863D-B89F544B9CE4}" type="datetime1">
+              <a:rPr lang="pt-BR" smtClean="0"/>
+              <a:t>03/06/2014</a:t>
+            </a:fld>
+            <a:endParaRPr lang="pt-BR"/>
+          </a:p>
+        </p:txBody>
+      </p:sp>
+      <p:sp>
+        <p:nvSpPr>
+          <p:cNvPr id="13" name="Espaço Reservado para Rodapé 12"/>
+          <p:cNvSpPr>
+            <a:spLocks noGrp="1"/>
+          </p:cNvSpPr>
+          <p:nvPr>
+            <p:ph type="ftr" sz="quarter" idx="11"/>
+          </p:nvPr>
+        </p:nvSpPr>
+        <p:spPr/>
+        <p:txBody>
+          <a:bodyPr/>
+          <a:lstStyle/>
+          <a:p>
+            <a:r>
+              <a:rPr lang="pt-BR" smtClean="0"/>
+              <a:t>Universidade Federal de Itajubá</a:t>
+            </a:r>
+            <a:endParaRPr lang="pt-BR"/>
+          </a:p>
+        </p:txBody>
+      </p:sp>
+      <p:sp>
+        <p:nvSpPr>
+          <p:cNvPr id="12" name="Espaço Reservado para Número de Slide 11"/>
+          <p:cNvSpPr>
+            <a:spLocks noGrp="1"/>
+          </p:cNvSpPr>
+          <p:nvPr>
+            <p:ph type="sldNum" sz="quarter" idx="12"/>
+          </p:nvPr>
+        </p:nvSpPr>
+        <p:spPr/>
+        <p:txBody>
+          <a:bodyPr/>
+          <a:lstStyle/>
+          <a:p>
+            <a:fld id="{31892884-0934-4F3F-B79B-36C387EDB149}" type="slidenum">
+              <a:rPr lang="pt-BR" smtClean="0"/>
+              <a:t>13</a:t>
+            </a:fld>
+            <a:endParaRPr lang="pt-BR"/>
+          </a:p>
+        </p:txBody>
+      </p:sp>
+      <p:cxnSp>
+        <p:nvCxnSpPr>
+          <p:cNvPr id="9" name="Conector reto 8"/>
+          <p:cNvCxnSpPr/>
+          <p:nvPr/>
+        </p:nvCxnSpPr>
+        <p:spPr>
+          <a:xfrm flipV="1">
+            <a:off x="426444" y="914402"/>
+            <a:ext cx="8241038" cy="1445"/>
+          </a:xfrm>
+          <a:prstGeom prst="line">
+            <a:avLst/>
+          </a:prstGeom>
+          <a:ln/>
+        </p:spPr>
+        <p:style>
+          <a:lnRef idx="3">
+            <a:schemeClr val="accent1"/>
+          </a:lnRef>
+          <a:fillRef idx="0">
+            <a:schemeClr val="accent1"/>
+          </a:fillRef>
+          <a:effectRef idx="2">
+            <a:schemeClr val="accent1"/>
+          </a:effectRef>
+          <a:fontRef idx="minor">
+            <a:schemeClr val="tx1"/>
+          </a:fontRef>
+        </p:style>
+      </p:cxnSp>
+      <p:sp>
+        <p:nvSpPr>
+          <p:cNvPr id="8" name="CaixaDeTexto 7"/>
+          <p:cNvSpPr txBox="1"/>
+          <p:nvPr/>
+        </p:nvSpPr>
+        <p:spPr>
+          <a:xfrm>
+            <a:off x="628650" y="5668576"/>
+            <a:ext cx="7886700" cy="369332"/>
+          </a:xfrm>
+          <a:prstGeom prst="rect">
+            <a:avLst/>
+          </a:prstGeom>
+          <a:noFill/>
+        </p:spPr>
+        <p:txBody>
+          <a:bodyPr wrap="square" rtlCol="0">
+            <a:spAutoFit/>
+          </a:bodyPr>
+          <a:lstStyle/>
+          <a:p>
+            <a:pPr algn="ctr"/>
+            <a:r>
+              <a:rPr lang="pt-BR" i="1" dirty="0" smtClean="0"/>
+              <a:t>Figura X: Visão RTL do microprocessador desenvolvido</a:t>
+            </a:r>
+            <a:endParaRPr lang="pt-BR" i="1" dirty="0"/>
+          </a:p>
+        </p:txBody>
+      </p:sp>
+      <p:pic>
+        <p:nvPicPr>
+          <p:cNvPr id="15" name="Espaço Reservado para Conteúdo 14"/>
+          <p:cNvPicPr>
+            <a:picLocks noGrp="1" noChangeAspect="1"/>
+          </p:cNvPicPr>
+          <p:nvPr>
+            <p:ph idx="1"/>
+          </p:nvPr>
+        </p:nvPicPr>
+        <p:blipFill>
+          <a:blip r:embed="rId4">
+            <a:extLst>
+              <a:ext uri="{28A0092B-C50C-407E-A947-70E740481C1C}">
+                <a14:useLocalDpi xmlns:a14="http://schemas.microsoft.com/office/drawing/2010/main" val="0"/>
+              </a:ext>
+            </a:extLst>
+          </a:blip>
+          <a:stretch>
+            <a:fillRect/>
+          </a:stretch>
+        </p:blipFill>
+        <p:spPr>
+          <a:xfrm>
+            <a:off x="183044" y="2148656"/>
+            <a:ext cx="8777911" cy="3363502"/>
+          </a:xfrm>
+          <a:prstGeom prst="rect">
+            <a:avLst/>
+          </a:prstGeom>
+          <a:ln>
+            <a:noFill/>
+          </a:ln>
+          <a:effectLst>
+            <a:outerShdw blurRad="292100" dist="139700" dir="2700000" algn="tl" rotWithShape="0">
+              <a:srgbClr val="333333">
+                <a:alpha val="65000"/>
+              </a:srgbClr>
+            </a:outerShdw>
+          </a:effectLst>
+        </p:spPr>
+      </p:pic>
+      <p:sp>
+        <p:nvSpPr>
+          <p:cNvPr id="5" name="Elipse 4"/>
+          <p:cNvSpPr/>
+          <p:nvPr/>
+        </p:nvSpPr>
+        <p:spPr>
+          <a:xfrm>
+            <a:off x="7843232" y="4574176"/>
+            <a:ext cx="746975" cy="960210"/>
+          </a:xfrm>
+          <a:prstGeom prst="ellipse">
+            <a:avLst/>
+          </a:prstGeom>
+          <a:noFill/>
+          <a:ln>
+            <a:solidFill>
+              <a:srgbClr val="FF0000"/>
+            </a:solidFill>
+          </a:ln>
+        </p:spPr>
+        <p:style>
+          <a:lnRef idx="2">
+            <a:schemeClr val="accent1">
+              <a:shade val="50000"/>
+            </a:schemeClr>
+          </a:lnRef>
+          <a:fillRef idx="1">
+            <a:schemeClr val="accent1"/>
+          </a:fillRef>
+          <a:effectRef idx="0">
+            <a:schemeClr val="accent1"/>
+          </a:effectRef>
+          <a:fontRef idx="minor">
+            <a:schemeClr val="lt1"/>
+          </a:fontRef>
+        </p:style>
+        <p:txBody>
+          <a:bodyPr rtlCol="0" anchor="ctr"/>
+          <a:lstStyle/>
+          <a:p>
+            <a:pPr algn="ctr"/>
+            <a:endParaRPr lang="pt-BR"/>
+          </a:p>
+        </p:txBody>
+      </p:sp>
+      <p:pic>
+        <p:nvPicPr>
+          <p:cNvPr id="3" name="Imagem 2"/>
+          <p:cNvPicPr>
+            <a:picLocks noChangeAspect="1"/>
+          </p:cNvPicPr>
+          <p:nvPr/>
+        </p:nvPicPr>
+        <p:blipFill>
+          <a:blip r:embed="rId5"/>
+          <a:stretch>
+            <a:fillRect/>
+          </a:stretch>
+        </p:blipFill>
+        <p:spPr>
+          <a:xfrm>
+            <a:off x="5396248" y="1163593"/>
+            <a:ext cx="2945706" cy="2721735"/>
+          </a:xfrm>
+          <a:prstGeom prst="rect">
+            <a:avLst/>
+          </a:prstGeom>
+          <a:ln>
+            <a:noFill/>
+          </a:ln>
+          <a:effectLst>
+            <a:outerShdw blurRad="292100" dist="139700" dir="2700000" algn="tl" rotWithShape="0">
+              <a:srgbClr val="333333">
+                <a:alpha val="65000"/>
+              </a:srgbClr>
+            </a:outerShdw>
+          </a:effectLst>
+        </p:spPr>
+      </p:pic>
+    </p:spTree>
+    <p:extLst>
+      <p:ext uri="{BB962C8B-B14F-4D97-AF65-F5344CB8AC3E}">
+        <p14:creationId xmlns:p14="http://schemas.microsoft.com/office/powerpoint/2010/main" val="3409509784"/>
+      </p:ext>
+    </p:extLst>
+  </p:cSld>
+  <p:clrMapOvr>
+    <a:masterClrMapping/>
+  </p:clrMapOvr>
+  <mc:AlternateContent xmlns:mc="http://schemas.openxmlformats.org/markup-compatibility/2006" xmlns:p14="http://schemas.microsoft.com/office/powerpoint/2010/main">
+    <mc:Choice Requires="p14">
+      <p:transition p14:dur="0"/>
+    </mc:Choice>
+    <mc:Fallback xmlns="">
+      <p:transition/>
+    </mc:Fallback>
+  </mc:AlternateContent>
+  <p:timing>
+    <p:tnLst>
+      <p:par>
+        <p:cTn id="1" dur="indefinite" restart="never" nodeType="tmRoot"/>
+      </p:par>
+    </p:tnLst>
+  </p:timing>
+</p:sld>
+</file>
+
+<file path=ppt/slides/slide14.xml><?xml version="1.0" encoding="utf-8"?>
+<p:sld xmlns:a="http://schemas.openxmlformats.org/drawingml/2006/main" xmlns:r="http://schemas.openxmlformats.org/officeDocument/2006/relationships" xmlns:p="http://schemas.openxmlformats.org/presentationml/2006/main">
+  <p:cSld>
+    <p:spTree>
+      <p:nvGrpSpPr>
+        <p:cNvPr id="1" name=""/>
+        <p:cNvGrpSpPr/>
+        <p:nvPr/>
+      </p:nvGrpSpPr>
+      <p:grpSpPr>
+        <a:xfrm>
+          <a:off x="0" y="0"/>
+          <a:ext cx="0" cy="0"/>
+          <a:chOff x="0" y="0"/>
+          <a:chExt cx="0" cy="0"/>
+        </a:xfrm>
+      </p:grpSpPr>
+      <p:pic>
+        <p:nvPicPr>
+          <p:cNvPr id="4" name="Imagem 3"/>
+          <p:cNvPicPr>
+            <a:picLocks noChangeAspect="1"/>
+          </p:cNvPicPr>
+          <p:nvPr/>
+        </p:nvPicPr>
+        <p:blipFill>
+          <a:blip r:embed="rId3">
+            <a:extLst>
+              <a:ext uri="{28A0092B-C50C-407E-A947-70E740481C1C}">
+                <a14:useLocalDpi xmlns:a14="http://schemas.microsoft.com/office/drawing/2010/main" val="0"/>
+              </a:ext>
+            </a:extLst>
+          </a:blip>
+          <a:stretch>
+            <a:fillRect/>
+          </a:stretch>
+        </p:blipFill>
+        <p:spPr>
+          <a:xfrm>
+            <a:off x="0" y="0"/>
+            <a:ext cx="9144000" cy="6858000"/>
+          </a:xfrm>
+          <a:prstGeom prst="rect">
+            <a:avLst/>
+          </a:prstGeom>
+        </p:spPr>
+      </p:pic>
+      <p:sp>
+        <p:nvSpPr>
+          <p:cNvPr id="2" name="Título 1"/>
+          <p:cNvSpPr>
+            <a:spLocks noGrp="1"/>
+          </p:cNvSpPr>
+          <p:nvPr>
+            <p:ph type="title"/>
+          </p:nvPr>
+        </p:nvSpPr>
+        <p:spPr>
+          <a:xfrm>
+            <a:off x="628650" y="411913"/>
+            <a:ext cx="7886700" cy="339767"/>
+          </a:xfrm>
+        </p:spPr>
+        <p:txBody>
+          <a:bodyPr>
+            <a:normAutofit fontScale="90000"/>
+          </a:bodyPr>
+          <a:lstStyle/>
+          <a:p>
+            <a:r>
+              <a:rPr lang="pt-BR" dirty="0" smtClean="0"/>
+              <a:t>Resultados – ADD Reg16,Imed16</a:t>
+            </a:r>
+            <a:endParaRPr lang="pt-BR" dirty="0"/>
+          </a:p>
+        </p:txBody>
+      </p:sp>
+      <p:sp>
+        <p:nvSpPr>
+          <p:cNvPr id="11" name="Espaço Reservado para Data 10"/>
+          <p:cNvSpPr>
+            <a:spLocks noGrp="1"/>
+          </p:cNvSpPr>
+          <p:nvPr>
+            <p:ph type="dt" sz="half" idx="10"/>
+          </p:nvPr>
+        </p:nvSpPr>
+        <p:spPr/>
+        <p:txBody>
+          <a:bodyPr/>
+          <a:lstStyle/>
+          <a:p>
+            <a:fld id="{5B2C3F26-301F-434E-863D-B89F544B9CE4}" type="datetime1">
+              <a:rPr lang="pt-BR" smtClean="0"/>
+              <a:t>03/06/2014</a:t>
+            </a:fld>
+            <a:endParaRPr lang="pt-BR"/>
+          </a:p>
+        </p:txBody>
+      </p:sp>
+      <p:sp>
+        <p:nvSpPr>
+          <p:cNvPr id="13" name="Espaço Reservado para Rodapé 12"/>
+          <p:cNvSpPr>
+            <a:spLocks noGrp="1"/>
+          </p:cNvSpPr>
+          <p:nvPr>
+            <p:ph type="ftr" sz="quarter" idx="11"/>
+          </p:nvPr>
+        </p:nvSpPr>
+        <p:spPr/>
+        <p:txBody>
+          <a:bodyPr/>
+          <a:lstStyle/>
+          <a:p>
+            <a:r>
+              <a:rPr lang="pt-BR" smtClean="0"/>
+              <a:t>Universidade Federal de Itajubá</a:t>
+            </a:r>
+            <a:endParaRPr lang="pt-BR"/>
+          </a:p>
+        </p:txBody>
+      </p:sp>
+      <p:sp>
+        <p:nvSpPr>
+          <p:cNvPr id="12" name="Espaço Reservado para Número de Slide 11"/>
+          <p:cNvSpPr>
+            <a:spLocks noGrp="1"/>
+          </p:cNvSpPr>
+          <p:nvPr>
+            <p:ph type="sldNum" sz="quarter" idx="12"/>
+          </p:nvPr>
+        </p:nvSpPr>
+        <p:spPr/>
+        <p:txBody>
+          <a:bodyPr/>
+          <a:lstStyle/>
+          <a:p>
+            <a:fld id="{31892884-0934-4F3F-B79B-36C387EDB149}" type="slidenum">
+              <a:rPr lang="pt-BR" smtClean="0"/>
+              <a:t>14</a:t>
+            </a:fld>
+            <a:endParaRPr lang="pt-BR"/>
+          </a:p>
+        </p:txBody>
+      </p:sp>
+      <p:cxnSp>
+        <p:nvCxnSpPr>
+          <p:cNvPr id="9" name="Conector reto 8"/>
+          <p:cNvCxnSpPr/>
+          <p:nvPr/>
+        </p:nvCxnSpPr>
+        <p:spPr>
+          <a:xfrm flipV="1">
+            <a:off x="426444" y="914402"/>
+            <a:ext cx="8241038" cy="1445"/>
+          </a:xfrm>
+          <a:prstGeom prst="line">
+            <a:avLst/>
+          </a:prstGeom>
+          <a:ln/>
+        </p:spPr>
+        <p:style>
+          <a:lnRef idx="3">
+            <a:schemeClr val="accent1"/>
+          </a:lnRef>
+          <a:fillRef idx="0">
+            <a:schemeClr val="accent1"/>
+          </a:fillRef>
+          <a:effectRef idx="2">
+            <a:schemeClr val="accent1"/>
+          </a:effectRef>
+          <a:fontRef idx="minor">
+            <a:schemeClr val="tx1"/>
+          </a:fontRef>
+        </p:style>
+      </p:cxnSp>
+      <p:pic>
+        <p:nvPicPr>
+          <p:cNvPr id="17" name="Imagem 16"/>
+          <p:cNvPicPr>
+            <a:picLocks noChangeAspect="1"/>
+          </p:cNvPicPr>
+          <p:nvPr/>
+        </p:nvPicPr>
+        <p:blipFill>
+          <a:blip r:embed="rId4"/>
+          <a:stretch>
+            <a:fillRect/>
+          </a:stretch>
+        </p:blipFill>
+        <p:spPr>
+          <a:xfrm>
+            <a:off x="0" y="2178730"/>
+            <a:ext cx="9144000" cy="1649218"/>
+          </a:xfrm>
+          <a:prstGeom prst="rect">
+            <a:avLst/>
+          </a:prstGeom>
+        </p:spPr>
+      </p:pic>
+      <p:sp>
+        <p:nvSpPr>
+          <p:cNvPr id="19" name="Espaço Reservado para Conteúdo 2"/>
+          <p:cNvSpPr>
+            <a:spLocks noGrp="1"/>
+          </p:cNvSpPr>
+          <p:nvPr>
+            <p:ph idx="1"/>
+          </p:nvPr>
+        </p:nvSpPr>
+        <p:spPr>
+          <a:xfrm>
+            <a:off x="426444" y="1309755"/>
+            <a:ext cx="7886700" cy="520494"/>
+          </a:xfrm>
+        </p:spPr>
+        <p:txBody>
+          <a:bodyPr/>
+          <a:lstStyle/>
+          <a:p>
+            <a:pPr>
+              <a:buClr>
+                <a:schemeClr val="accent1">
+                  <a:lumMod val="75000"/>
+                </a:schemeClr>
+              </a:buClr>
+              <a:buFont typeface="Wingdings" panose="05000000000000000000" pitchFamily="2" charset="2"/>
+              <a:buChar char="q"/>
+            </a:pPr>
+            <a:r>
+              <a:rPr lang="pt-BR" dirty="0" smtClean="0"/>
+              <a:t>Instruções Executadas: 81C0</a:t>
+            </a:r>
+            <a:r>
+              <a:rPr lang="pt-BR" sz="2000" dirty="0" smtClean="0"/>
+              <a:t>h</a:t>
+            </a:r>
+            <a:r>
+              <a:rPr lang="pt-BR" dirty="0" smtClean="0"/>
+              <a:t> 00FF</a:t>
+            </a:r>
+            <a:r>
+              <a:rPr lang="pt-BR" sz="2000" dirty="0" smtClean="0"/>
+              <a:t>h</a:t>
+            </a:r>
+            <a:endParaRPr lang="pt-BR" dirty="0" smtClean="0"/>
+          </a:p>
+        </p:txBody>
+      </p:sp>
+      <p:pic>
+        <p:nvPicPr>
+          <p:cNvPr id="20" name="Imagem 19"/>
+          <p:cNvPicPr>
+            <a:picLocks noChangeAspect="1"/>
+          </p:cNvPicPr>
+          <p:nvPr/>
+        </p:nvPicPr>
+        <p:blipFill>
+          <a:blip r:embed="rId5"/>
+          <a:stretch>
+            <a:fillRect/>
+          </a:stretch>
+        </p:blipFill>
+        <p:spPr>
+          <a:xfrm>
+            <a:off x="0" y="3964472"/>
+            <a:ext cx="9144000" cy="1573443"/>
+          </a:xfrm>
+          <a:prstGeom prst="rect">
+            <a:avLst/>
+          </a:prstGeom>
+        </p:spPr>
+      </p:pic>
+    </p:spTree>
+    <p:extLst>
+      <p:ext uri="{BB962C8B-B14F-4D97-AF65-F5344CB8AC3E}">
+        <p14:creationId xmlns:p14="http://schemas.microsoft.com/office/powerpoint/2010/main" val="2002522949"/>
+      </p:ext>
+    </p:extLst>
+  </p:cSld>
+  <p:clrMapOvr>
+    <a:masterClrMapping/>
+  </p:clrMapOvr>
+  <mc:AlternateContent xmlns:mc="http://schemas.openxmlformats.org/markup-compatibility/2006" xmlns:p14="http://schemas.microsoft.com/office/powerpoint/2010/main">
+    <mc:Choice Requires="p14">
+      <p:transition p14:dur="0"/>
+    </mc:Choice>
+    <mc:Fallback xmlns="">
+      <p:transition/>
+    </mc:Fallback>
+  </mc:AlternateContent>
+  <p:timing>
+    <p:tnLst>
+      <p:par>
+        <p:cTn id="1" dur="indefinite" restart="never" nodeType="tmRoot"/>
+      </p:par>
+    </p:tnLst>
+  </p:timing>
+</p:sld>
+</file>
+
+<file path=ppt/slides/slide15.xml><?xml version="1.0" encoding="utf-8"?>
+<p:sld xmlns:a="http://schemas.openxmlformats.org/drawingml/2006/main" xmlns:r="http://schemas.openxmlformats.org/officeDocument/2006/relationships" xmlns:p="http://schemas.openxmlformats.org/presentationml/2006/main">
+  <p:cSld>
+    <p:spTree>
+      <p:nvGrpSpPr>
+        <p:cNvPr id="1" name=""/>
+        <p:cNvGrpSpPr/>
+        <p:nvPr/>
+      </p:nvGrpSpPr>
+      <p:grpSpPr>
+        <a:xfrm>
+          <a:off x="0" y="0"/>
+          <a:ext cx="0" cy="0"/>
+          <a:chOff x="0" y="0"/>
+          <a:chExt cx="0" cy="0"/>
+        </a:xfrm>
+      </p:grpSpPr>
+      <p:pic>
+        <p:nvPicPr>
+          <p:cNvPr id="4" name="Imagem 3"/>
+          <p:cNvPicPr>
+            <a:picLocks noChangeAspect="1"/>
+          </p:cNvPicPr>
+          <p:nvPr/>
+        </p:nvPicPr>
+        <p:blipFill>
+          <a:blip r:embed="rId3">
+            <a:extLst>
+              <a:ext uri="{28A0092B-C50C-407E-A947-70E740481C1C}">
+                <a14:useLocalDpi xmlns:a14="http://schemas.microsoft.com/office/drawing/2010/main" val="0"/>
+              </a:ext>
+            </a:extLst>
+          </a:blip>
+          <a:stretch>
+            <a:fillRect/>
+          </a:stretch>
+        </p:blipFill>
+        <p:spPr>
+          <a:xfrm>
+            <a:off x="0" y="0"/>
+            <a:ext cx="9144000" cy="6858000"/>
+          </a:xfrm>
+          <a:prstGeom prst="rect">
+            <a:avLst/>
+          </a:prstGeom>
+        </p:spPr>
+      </p:pic>
+      <p:sp>
+        <p:nvSpPr>
+          <p:cNvPr id="2" name="Título 1"/>
+          <p:cNvSpPr>
+            <a:spLocks noGrp="1"/>
+          </p:cNvSpPr>
+          <p:nvPr>
+            <p:ph type="title"/>
+          </p:nvPr>
+        </p:nvSpPr>
+        <p:spPr>
+          <a:xfrm>
+            <a:off x="628650" y="411913"/>
+            <a:ext cx="7886700" cy="339767"/>
+          </a:xfrm>
+        </p:spPr>
+        <p:txBody>
+          <a:bodyPr>
+            <a:normAutofit fontScale="90000"/>
+          </a:bodyPr>
+          <a:lstStyle/>
+          <a:p>
+            <a:r>
+              <a:rPr lang="pt-BR" dirty="0" smtClean="0"/>
+              <a:t>Resultados – OR Reg16,Imed16</a:t>
+            </a:r>
+            <a:endParaRPr lang="pt-BR" dirty="0"/>
+          </a:p>
+        </p:txBody>
+      </p:sp>
+      <p:sp>
+        <p:nvSpPr>
+          <p:cNvPr id="11" name="Espaço Reservado para Data 10"/>
+          <p:cNvSpPr>
+            <a:spLocks noGrp="1"/>
+          </p:cNvSpPr>
+          <p:nvPr>
+            <p:ph type="dt" sz="half" idx="10"/>
+          </p:nvPr>
+        </p:nvSpPr>
+        <p:spPr/>
+        <p:txBody>
+          <a:bodyPr/>
+          <a:lstStyle/>
+          <a:p>
+            <a:fld id="{5B2C3F26-301F-434E-863D-B89F544B9CE4}" type="datetime1">
+              <a:rPr lang="pt-BR" smtClean="0"/>
+              <a:t>03/06/2014</a:t>
+            </a:fld>
+            <a:endParaRPr lang="pt-BR"/>
+          </a:p>
+        </p:txBody>
+      </p:sp>
+      <p:sp>
+        <p:nvSpPr>
+          <p:cNvPr id="13" name="Espaço Reservado para Rodapé 12"/>
+          <p:cNvSpPr>
+            <a:spLocks noGrp="1"/>
+          </p:cNvSpPr>
+          <p:nvPr>
+            <p:ph type="ftr" sz="quarter" idx="11"/>
+          </p:nvPr>
+        </p:nvSpPr>
+        <p:spPr/>
+        <p:txBody>
+          <a:bodyPr/>
+          <a:lstStyle/>
+          <a:p>
+            <a:r>
+              <a:rPr lang="pt-BR" smtClean="0"/>
+              <a:t>Universidade Federal de Itajubá</a:t>
+            </a:r>
+            <a:endParaRPr lang="pt-BR"/>
+          </a:p>
+        </p:txBody>
+      </p:sp>
+      <p:sp>
+        <p:nvSpPr>
+          <p:cNvPr id="12" name="Espaço Reservado para Número de Slide 11"/>
+          <p:cNvSpPr>
+            <a:spLocks noGrp="1"/>
+          </p:cNvSpPr>
+          <p:nvPr>
+            <p:ph type="sldNum" sz="quarter" idx="12"/>
+          </p:nvPr>
+        </p:nvSpPr>
+        <p:spPr/>
+        <p:txBody>
+          <a:bodyPr/>
+          <a:lstStyle/>
+          <a:p>
+            <a:fld id="{31892884-0934-4F3F-B79B-36C387EDB149}" type="slidenum">
+              <a:rPr lang="pt-BR" smtClean="0"/>
+              <a:t>15</a:t>
+            </a:fld>
+            <a:endParaRPr lang="pt-BR"/>
+          </a:p>
+        </p:txBody>
+      </p:sp>
+      <p:cxnSp>
+        <p:nvCxnSpPr>
+          <p:cNvPr id="9" name="Conector reto 8"/>
+          <p:cNvCxnSpPr/>
+          <p:nvPr/>
+        </p:nvCxnSpPr>
+        <p:spPr>
+          <a:xfrm flipV="1">
+            <a:off x="426444" y="914402"/>
+            <a:ext cx="8241038" cy="1445"/>
+          </a:xfrm>
+          <a:prstGeom prst="line">
+            <a:avLst/>
+          </a:prstGeom>
+          <a:ln/>
+        </p:spPr>
+        <p:style>
+          <a:lnRef idx="3">
+            <a:schemeClr val="accent1"/>
+          </a:lnRef>
+          <a:fillRef idx="0">
+            <a:schemeClr val="accent1"/>
+          </a:fillRef>
+          <a:effectRef idx="2">
+            <a:schemeClr val="accent1"/>
+          </a:effectRef>
+          <a:fontRef idx="minor">
+            <a:schemeClr val="tx1"/>
+          </a:fontRef>
+        </p:style>
+      </p:cxnSp>
+      <p:sp>
+        <p:nvSpPr>
+          <p:cNvPr id="19" name="Espaço Reservado para Conteúdo 2"/>
+          <p:cNvSpPr>
+            <a:spLocks noGrp="1"/>
+          </p:cNvSpPr>
+          <p:nvPr>
+            <p:ph idx="1"/>
+          </p:nvPr>
+        </p:nvSpPr>
+        <p:spPr>
+          <a:xfrm>
+            <a:off x="426444" y="1309755"/>
+            <a:ext cx="7886700" cy="520494"/>
+          </a:xfrm>
+        </p:spPr>
+        <p:txBody>
+          <a:bodyPr/>
+          <a:lstStyle/>
+          <a:p>
+            <a:pPr>
+              <a:buClr>
+                <a:schemeClr val="accent1">
+                  <a:lumMod val="75000"/>
+                </a:schemeClr>
+              </a:buClr>
+              <a:buFont typeface="Wingdings" panose="05000000000000000000" pitchFamily="2" charset="2"/>
+              <a:buChar char="q"/>
+            </a:pPr>
+            <a:r>
+              <a:rPr lang="pt-BR" dirty="0" smtClean="0"/>
+              <a:t>Instruções Executadas: 81C8</a:t>
+            </a:r>
+            <a:r>
+              <a:rPr lang="pt-BR" sz="2000" dirty="0" smtClean="0"/>
+              <a:t>h</a:t>
+            </a:r>
+            <a:r>
+              <a:rPr lang="pt-BR" dirty="0" smtClean="0"/>
+              <a:t> 1234</a:t>
+            </a:r>
+            <a:r>
+              <a:rPr lang="pt-BR" sz="2000" dirty="0" smtClean="0"/>
+              <a:t>h</a:t>
+            </a:r>
+            <a:endParaRPr lang="pt-BR" dirty="0" smtClean="0"/>
+          </a:p>
+        </p:txBody>
+      </p:sp>
+      <p:pic>
+        <p:nvPicPr>
+          <p:cNvPr id="3" name="Imagem 2"/>
+          <p:cNvPicPr>
+            <a:picLocks noChangeAspect="1"/>
+          </p:cNvPicPr>
+          <p:nvPr/>
+        </p:nvPicPr>
+        <p:blipFill>
+          <a:blip r:embed="rId4"/>
+          <a:stretch>
+            <a:fillRect/>
+          </a:stretch>
+        </p:blipFill>
+        <p:spPr>
+          <a:xfrm>
+            <a:off x="-25037" y="4134119"/>
+            <a:ext cx="9144000" cy="1758608"/>
+          </a:xfrm>
+          <a:prstGeom prst="rect">
+            <a:avLst/>
+          </a:prstGeom>
+        </p:spPr>
+      </p:pic>
+      <p:pic>
+        <p:nvPicPr>
+          <p:cNvPr id="5" name="Imagem 4"/>
+          <p:cNvPicPr>
+            <a:picLocks noChangeAspect="1"/>
+          </p:cNvPicPr>
+          <p:nvPr/>
+        </p:nvPicPr>
+        <p:blipFill>
+          <a:blip r:embed="rId5">
+            <a:extLst>
+              <a:ext uri="{28A0092B-C50C-407E-A947-70E740481C1C}">
+                <a14:useLocalDpi xmlns:a14="http://schemas.microsoft.com/office/drawing/2010/main" val="0"/>
+              </a:ext>
+            </a:extLst>
+          </a:blip>
+          <a:stretch>
+            <a:fillRect/>
+          </a:stretch>
+        </p:blipFill>
+        <p:spPr>
+          <a:xfrm>
+            <a:off x="0" y="1950765"/>
+            <a:ext cx="9144000" cy="1874545"/>
+          </a:xfrm>
+          <a:prstGeom prst="rect">
+            <a:avLst/>
+          </a:prstGeom>
+        </p:spPr>
+      </p:pic>
+    </p:spTree>
+    <p:extLst>
+      <p:ext uri="{BB962C8B-B14F-4D97-AF65-F5344CB8AC3E}">
+        <p14:creationId xmlns:p14="http://schemas.microsoft.com/office/powerpoint/2010/main" val="3789136913"/>
+      </p:ext>
+    </p:extLst>
+  </p:cSld>
+  <p:clrMapOvr>
+    <a:masterClrMapping/>
+  </p:clrMapOvr>
+  <mc:AlternateContent xmlns:mc="http://schemas.openxmlformats.org/markup-compatibility/2006" xmlns:p14="http://schemas.microsoft.com/office/powerpoint/2010/main">
+    <mc:Choice Requires="p14">
+      <p:transition p14:dur="0"/>
+    </mc:Choice>
+    <mc:Fallback xmlns="">
+      <p:transition/>
+    </mc:Fallback>
+  </mc:AlternateContent>
+  <p:timing>
+    <p:tnLst>
+      <p:par>
+        <p:cTn id="1" dur="indefinite" restart="never" nodeType="tmRoot"/>
+      </p:par>
+    </p:tnLst>
+  </p:timing>
+</p:sld>
+</file>
+
+<file path=ppt/slides/slide16.xml><?xml version="1.0" encoding="utf-8"?>
+<p:sld xmlns:a="http://schemas.openxmlformats.org/drawingml/2006/main" xmlns:r="http://schemas.openxmlformats.org/officeDocument/2006/relationships" xmlns:p="http://schemas.openxmlformats.org/presentationml/2006/main">
+  <p:cSld>
+    <p:spTree>
+      <p:nvGrpSpPr>
+        <p:cNvPr id="1" name=""/>
+        <p:cNvGrpSpPr/>
+        <p:nvPr/>
+      </p:nvGrpSpPr>
+      <p:grpSpPr>
+        <a:xfrm>
+          <a:off x="0" y="0"/>
+          <a:ext cx="0" cy="0"/>
+          <a:chOff x="0" y="0"/>
+          <a:chExt cx="0" cy="0"/>
+        </a:xfrm>
+      </p:grpSpPr>
+      <p:pic>
+        <p:nvPicPr>
+          <p:cNvPr id="4" name="Imagem 3"/>
+          <p:cNvPicPr>
+            <a:picLocks noChangeAspect="1"/>
+          </p:cNvPicPr>
+          <p:nvPr/>
+        </p:nvPicPr>
+        <p:blipFill>
+          <a:blip r:embed="rId3">
+            <a:extLst>
+              <a:ext uri="{28A0092B-C50C-407E-A947-70E740481C1C}">
+                <a14:useLocalDpi xmlns:a14="http://schemas.microsoft.com/office/drawing/2010/main" val="0"/>
+              </a:ext>
+            </a:extLst>
+          </a:blip>
+          <a:stretch>
+            <a:fillRect/>
+          </a:stretch>
+        </p:blipFill>
+        <p:spPr>
+          <a:xfrm>
+            <a:off x="0" y="0"/>
+            <a:ext cx="9144000" cy="6858000"/>
+          </a:xfrm>
+          <a:prstGeom prst="rect">
+            <a:avLst/>
+          </a:prstGeom>
+        </p:spPr>
+      </p:pic>
+      <p:sp>
+        <p:nvSpPr>
+          <p:cNvPr id="2" name="Título 1"/>
+          <p:cNvSpPr>
+            <a:spLocks noGrp="1"/>
+          </p:cNvSpPr>
+          <p:nvPr>
+            <p:ph type="title"/>
+          </p:nvPr>
+        </p:nvSpPr>
+        <p:spPr>
+          <a:xfrm>
+            <a:off x="628650" y="411913"/>
+            <a:ext cx="7886700" cy="339767"/>
+          </a:xfrm>
+        </p:spPr>
+        <p:txBody>
+          <a:bodyPr>
+            <a:normAutofit fontScale="90000"/>
+          </a:bodyPr>
+          <a:lstStyle/>
+          <a:p>
+            <a:r>
+              <a:rPr lang="pt-BR" dirty="0" smtClean="0"/>
+              <a:t>Resultados – ADC Reg16,Imed16</a:t>
+            </a:r>
+            <a:endParaRPr lang="pt-BR" dirty="0"/>
+          </a:p>
+        </p:txBody>
+      </p:sp>
+      <p:sp>
+        <p:nvSpPr>
+          <p:cNvPr id="11" name="Espaço Reservado para Data 10"/>
+          <p:cNvSpPr>
+            <a:spLocks noGrp="1"/>
+          </p:cNvSpPr>
+          <p:nvPr>
+            <p:ph type="dt" sz="half" idx="10"/>
+          </p:nvPr>
+        </p:nvSpPr>
+        <p:spPr/>
+        <p:txBody>
+          <a:bodyPr/>
+          <a:lstStyle/>
+          <a:p>
+            <a:fld id="{5B2C3F26-301F-434E-863D-B89F544B9CE4}" type="datetime1">
+              <a:rPr lang="pt-BR" smtClean="0"/>
+              <a:t>03/06/2014</a:t>
+            </a:fld>
+            <a:endParaRPr lang="pt-BR"/>
+          </a:p>
+        </p:txBody>
+      </p:sp>
+      <p:sp>
+        <p:nvSpPr>
+          <p:cNvPr id="13" name="Espaço Reservado para Rodapé 12"/>
+          <p:cNvSpPr>
+            <a:spLocks noGrp="1"/>
+          </p:cNvSpPr>
+          <p:nvPr>
+            <p:ph type="ftr" sz="quarter" idx="11"/>
+          </p:nvPr>
+        </p:nvSpPr>
+        <p:spPr/>
+        <p:txBody>
+          <a:bodyPr/>
+          <a:lstStyle/>
+          <a:p>
+            <a:r>
+              <a:rPr lang="pt-BR" smtClean="0"/>
+              <a:t>Universidade Federal de Itajubá</a:t>
+            </a:r>
+            <a:endParaRPr lang="pt-BR"/>
+          </a:p>
+        </p:txBody>
+      </p:sp>
+      <p:sp>
+        <p:nvSpPr>
+          <p:cNvPr id="12" name="Espaço Reservado para Número de Slide 11"/>
+          <p:cNvSpPr>
+            <a:spLocks noGrp="1"/>
+          </p:cNvSpPr>
+          <p:nvPr>
+            <p:ph type="sldNum" sz="quarter" idx="12"/>
+          </p:nvPr>
+        </p:nvSpPr>
+        <p:spPr/>
+        <p:txBody>
+          <a:bodyPr/>
+          <a:lstStyle/>
+          <a:p>
+            <a:fld id="{31892884-0934-4F3F-B79B-36C387EDB149}" type="slidenum">
+              <a:rPr lang="pt-BR" smtClean="0"/>
+              <a:t>16</a:t>
+            </a:fld>
+            <a:endParaRPr lang="pt-BR"/>
+          </a:p>
+        </p:txBody>
+      </p:sp>
+      <p:cxnSp>
+        <p:nvCxnSpPr>
+          <p:cNvPr id="9" name="Conector reto 8"/>
+          <p:cNvCxnSpPr/>
+          <p:nvPr/>
+        </p:nvCxnSpPr>
+        <p:spPr>
+          <a:xfrm flipV="1">
+            <a:off x="426444" y="914402"/>
+            <a:ext cx="8241038" cy="1445"/>
+          </a:xfrm>
+          <a:prstGeom prst="line">
+            <a:avLst/>
+          </a:prstGeom>
+          <a:ln/>
+        </p:spPr>
+        <p:style>
+          <a:lnRef idx="3">
+            <a:schemeClr val="accent1"/>
+          </a:lnRef>
+          <a:fillRef idx="0">
+            <a:schemeClr val="accent1"/>
+          </a:fillRef>
+          <a:effectRef idx="2">
+            <a:schemeClr val="accent1"/>
+          </a:effectRef>
+          <a:fontRef idx="minor">
+            <a:schemeClr val="tx1"/>
+          </a:fontRef>
+        </p:style>
+      </p:cxnSp>
+      <p:sp>
+        <p:nvSpPr>
+          <p:cNvPr id="19" name="Espaço Reservado para Conteúdo 2"/>
+          <p:cNvSpPr>
+            <a:spLocks noGrp="1"/>
+          </p:cNvSpPr>
+          <p:nvPr>
+            <p:ph idx="1"/>
+          </p:nvPr>
+        </p:nvSpPr>
+        <p:spPr>
+          <a:xfrm>
+            <a:off x="426444" y="1309755"/>
+            <a:ext cx="7886700" cy="520494"/>
+          </a:xfrm>
+        </p:spPr>
+        <p:txBody>
+          <a:bodyPr/>
+          <a:lstStyle/>
+          <a:p>
+            <a:pPr>
+              <a:buClr>
+                <a:schemeClr val="accent1">
+                  <a:lumMod val="75000"/>
+                </a:schemeClr>
+              </a:buClr>
+              <a:buFont typeface="Wingdings" panose="05000000000000000000" pitchFamily="2" charset="2"/>
+              <a:buChar char="q"/>
+            </a:pPr>
+            <a:r>
+              <a:rPr lang="pt-BR" dirty="0" smtClean="0"/>
+              <a:t>Instruções Executadas: 81D0</a:t>
+            </a:r>
+            <a:r>
+              <a:rPr lang="pt-BR" sz="2000" dirty="0" smtClean="0"/>
+              <a:t>h</a:t>
+            </a:r>
+            <a:r>
+              <a:rPr lang="pt-BR" dirty="0" smtClean="0"/>
+              <a:t> 1234</a:t>
+            </a:r>
+            <a:r>
+              <a:rPr lang="pt-BR" sz="2000" dirty="0" smtClean="0"/>
+              <a:t>h</a:t>
+            </a:r>
+            <a:endParaRPr lang="pt-BR" dirty="0" smtClean="0"/>
+          </a:p>
+        </p:txBody>
+      </p:sp>
+      <p:pic>
+        <p:nvPicPr>
+          <p:cNvPr id="6" name="Imagem 5"/>
+          <p:cNvPicPr>
+            <a:picLocks noChangeAspect="1"/>
+          </p:cNvPicPr>
+          <p:nvPr/>
+        </p:nvPicPr>
+        <p:blipFill>
+          <a:blip r:embed="rId4">
+            <a:extLst>
+              <a:ext uri="{28A0092B-C50C-407E-A947-70E740481C1C}">
+                <a14:useLocalDpi xmlns:a14="http://schemas.microsoft.com/office/drawing/2010/main" val="0"/>
+              </a:ext>
+            </a:extLst>
+          </a:blip>
+          <a:stretch>
+            <a:fillRect/>
+          </a:stretch>
+        </p:blipFill>
+        <p:spPr>
+          <a:xfrm>
+            <a:off x="-25037" y="1993866"/>
+            <a:ext cx="9144000" cy="1758608"/>
+          </a:xfrm>
+          <a:prstGeom prst="rect">
+            <a:avLst/>
+          </a:prstGeom>
+        </p:spPr>
+      </p:pic>
+      <p:pic>
+        <p:nvPicPr>
+          <p:cNvPr id="7" name="Imagem 6"/>
+          <p:cNvPicPr>
+            <a:picLocks noChangeAspect="1"/>
+          </p:cNvPicPr>
+          <p:nvPr/>
+        </p:nvPicPr>
+        <p:blipFill>
+          <a:blip r:embed="rId5"/>
+          <a:stretch>
+            <a:fillRect/>
+          </a:stretch>
+        </p:blipFill>
+        <p:spPr>
+          <a:xfrm>
+            <a:off x="0" y="4151826"/>
+            <a:ext cx="9169037" cy="1758608"/>
+          </a:xfrm>
+          <a:prstGeom prst="rect">
+            <a:avLst/>
+          </a:prstGeom>
+        </p:spPr>
+      </p:pic>
+    </p:spTree>
+    <p:extLst>
+      <p:ext uri="{BB962C8B-B14F-4D97-AF65-F5344CB8AC3E}">
+        <p14:creationId xmlns:p14="http://schemas.microsoft.com/office/powerpoint/2010/main" val="4191463198"/>
+      </p:ext>
+    </p:extLst>
+  </p:cSld>
+  <p:clrMapOvr>
+    <a:masterClrMapping/>
+  </p:clrMapOvr>
+  <mc:AlternateContent xmlns:mc="http://schemas.openxmlformats.org/markup-compatibility/2006" xmlns:p14="http://schemas.microsoft.com/office/powerpoint/2010/main">
+    <mc:Choice Requires="p14">
+      <p:transition p14:dur="0"/>
+    </mc:Choice>
+    <mc:Fallback xmlns="">
+      <p:transition/>
+    </mc:Fallback>
+  </mc:AlternateContent>
+  <p:timing>
+    <p:tnLst>
+      <p:par>
+        <p:cTn id="1" dur="indefinite" restart="never" nodeType="tmRoot"/>
+      </p:par>
+    </p:tnLst>
+  </p:timing>
+</p:sld>
+</file>
+
+<file path=ppt/slides/slide17.xml><?xml version="1.0" encoding="utf-8"?>
+<p:sld xmlns:a="http://schemas.openxmlformats.org/drawingml/2006/main" xmlns:r="http://schemas.openxmlformats.org/officeDocument/2006/relationships" xmlns:p="http://schemas.openxmlformats.org/presentationml/2006/main">
+  <p:cSld>
+    <p:spTree>
+      <p:nvGrpSpPr>
+        <p:cNvPr id="1" name=""/>
+        <p:cNvGrpSpPr/>
+        <p:nvPr/>
+      </p:nvGrpSpPr>
+      <p:grpSpPr>
+        <a:xfrm>
+          <a:off x="0" y="0"/>
+          <a:ext cx="0" cy="0"/>
+          <a:chOff x="0" y="0"/>
+          <a:chExt cx="0" cy="0"/>
+        </a:xfrm>
+      </p:grpSpPr>
+      <p:pic>
+        <p:nvPicPr>
+          <p:cNvPr id="4" name="Imagem 3"/>
+          <p:cNvPicPr>
+            <a:picLocks noChangeAspect="1"/>
+          </p:cNvPicPr>
+          <p:nvPr/>
+        </p:nvPicPr>
+        <p:blipFill>
+          <a:blip r:embed="rId3">
+            <a:extLst>
+              <a:ext uri="{28A0092B-C50C-407E-A947-70E740481C1C}">
+                <a14:useLocalDpi xmlns:a14="http://schemas.microsoft.com/office/drawing/2010/main" val="0"/>
+              </a:ext>
+            </a:extLst>
+          </a:blip>
+          <a:stretch>
+            <a:fillRect/>
+          </a:stretch>
+        </p:blipFill>
+        <p:spPr>
+          <a:xfrm>
+            <a:off x="0" y="0"/>
+            <a:ext cx="9144000" cy="6858000"/>
+          </a:xfrm>
+          <a:prstGeom prst="rect">
+            <a:avLst/>
+          </a:prstGeom>
+        </p:spPr>
+      </p:pic>
+      <p:sp>
+        <p:nvSpPr>
+          <p:cNvPr id="2" name="Título 1"/>
+          <p:cNvSpPr>
+            <a:spLocks noGrp="1"/>
+          </p:cNvSpPr>
+          <p:nvPr>
+            <p:ph type="title"/>
+          </p:nvPr>
+        </p:nvSpPr>
+        <p:spPr>
+          <a:xfrm>
+            <a:off x="628650" y="411913"/>
+            <a:ext cx="7886700" cy="339767"/>
+          </a:xfrm>
+        </p:spPr>
+        <p:txBody>
+          <a:bodyPr>
+            <a:normAutofit fontScale="90000"/>
+          </a:bodyPr>
+          <a:lstStyle/>
+          <a:p>
+            <a:r>
+              <a:rPr lang="pt-BR" dirty="0" smtClean="0"/>
+              <a:t>Resultados – SBB Reg16,Imed16</a:t>
+            </a:r>
+            <a:endParaRPr lang="pt-BR" dirty="0"/>
+          </a:p>
+        </p:txBody>
+      </p:sp>
+      <p:sp>
+        <p:nvSpPr>
+          <p:cNvPr id="11" name="Espaço Reservado para Data 10"/>
+          <p:cNvSpPr>
+            <a:spLocks noGrp="1"/>
+          </p:cNvSpPr>
+          <p:nvPr>
+            <p:ph type="dt" sz="half" idx="10"/>
+          </p:nvPr>
+        </p:nvSpPr>
+        <p:spPr/>
+        <p:txBody>
+          <a:bodyPr/>
+          <a:lstStyle/>
+          <a:p>
+            <a:fld id="{5B2C3F26-301F-434E-863D-B89F544B9CE4}" type="datetime1">
+              <a:rPr lang="pt-BR" smtClean="0"/>
+              <a:t>03/06/2014</a:t>
+            </a:fld>
+            <a:endParaRPr lang="pt-BR"/>
+          </a:p>
+        </p:txBody>
+      </p:sp>
+      <p:sp>
+        <p:nvSpPr>
+          <p:cNvPr id="13" name="Espaço Reservado para Rodapé 12"/>
+          <p:cNvSpPr>
+            <a:spLocks noGrp="1"/>
+          </p:cNvSpPr>
+          <p:nvPr>
+            <p:ph type="ftr" sz="quarter" idx="11"/>
+          </p:nvPr>
+        </p:nvSpPr>
+        <p:spPr/>
+        <p:txBody>
+          <a:bodyPr/>
+          <a:lstStyle/>
+          <a:p>
+            <a:r>
+              <a:rPr lang="pt-BR" smtClean="0"/>
+              <a:t>Universidade Federal de Itajubá</a:t>
+            </a:r>
+            <a:endParaRPr lang="pt-BR"/>
+          </a:p>
+        </p:txBody>
+      </p:sp>
+      <p:sp>
+        <p:nvSpPr>
+          <p:cNvPr id="12" name="Espaço Reservado para Número de Slide 11"/>
+          <p:cNvSpPr>
+            <a:spLocks noGrp="1"/>
+          </p:cNvSpPr>
+          <p:nvPr>
+            <p:ph type="sldNum" sz="quarter" idx="12"/>
+          </p:nvPr>
+        </p:nvSpPr>
+        <p:spPr/>
+        <p:txBody>
+          <a:bodyPr/>
+          <a:lstStyle/>
+          <a:p>
+            <a:fld id="{31892884-0934-4F3F-B79B-36C387EDB149}" type="slidenum">
+              <a:rPr lang="pt-BR" smtClean="0"/>
+              <a:t>17</a:t>
+            </a:fld>
+            <a:endParaRPr lang="pt-BR"/>
+          </a:p>
+        </p:txBody>
+      </p:sp>
+      <p:cxnSp>
+        <p:nvCxnSpPr>
+          <p:cNvPr id="9" name="Conector reto 8"/>
+          <p:cNvCxnSpPr/>
+          <p:nvPr/>
+        </p:nvCxnSpPr>
+        <p:spPr>
+          <a:xfrm flipV="1">
+            <a:off x="426444" y="914402"/>
+            <a:ext cx="8241038" cy="1445"/>
+          </a:xfrm>
+          <a:prstGeom prst="line">
+            <a:avLst/>
+          </a:prstGeom>
+          <a:ln/>
+        </p:spPr>
+        <p:style>
+          <a:lnRef idx="3">
+            <a:schemeClr val="accent1"/>
+          </a:lnRef>
+          <a:fillRef idx="0">
+            <a:schemeClr val="accent1"/>
+          </a:fillRef>
+          <a:effectRef idx="2">
+            <a:schemeClr val="accent1"/>
+          </a:effectRef>
+          <a:fontRef idx="minor">
+            <a:schemeClr val="tx1"/>
+          </a:fontRef>
+        </p:style>
+      </p:cxnSp>
+      <p:sp>
+        <p:nvSpPr>
+          <p:cNvPr id="19" name="Espaço Reservado para Conteúdo 2"/>
+          <p:cNvSpPr>
+            <a:spLocks noGrp="1"/>
+          </p:cNvSpPr>
+          <p:nvPr>
+            <p:ph idx="1"/>
+          </p:nvPr>
+        </p:nvSpPr>
+        <p:spPr>
+          <a:xfrm>
+            <a:off x="426444" y="1309755"/>
+            <a:ext cx="7886700" cy="520494"/>
+          </a:xfrm>
+        </p:spPr>
+        <p:txBody>
+          <a:bodyPr/>
+          <a:lstStyle/>
+          <a:p>
+            <a:pPr>
+              <a:buClr>
+                <a:schemeClr val="accent1">
+                  <a:lumMod val="75000"/>
+                </a:schemeClr>
+              </a:buClr>
+              <a:buFont typeface="Wingdings" panose="05000000000000000000" pitchFamily="2" charset="2"/>
+              <a:buChar char="q"/>
+            </a:pPr>
+            <a:r>
+              <a:rPr lang="pt-BR" dirty="0" smtClean="0"/>
+              <a:t>Instruções Executadas: 81D8</a:t>
+            </a:r>
+            <a:r>
+              <a:rPr lang="pt-BR" sz="2000" dirty="0" smtClean="0"/>
+              <a:t>h</a:t>
+            </a:r>
+            <a:r>
+              <a:rPr lang="pt-BR" dirty="0" smtClean="0"/>
+              <a:t> 1234</a:t>
+            </a:r>
+            <a:r>
+              <a:rPr lang="pt-BR" sz="2000" dirty="0" smtClean="0"/>
+              <a:t>h</a:t>
+            </a:r>
+            <a:endParaRPr lang="pt-BR" dirty="0" smtClean="0"/>
+          </a:p>
+        </p:txBody>
+      </p:sp>
+      <p:pic>
+        <p:nvPicPr>
+          <p:cNvPr id="3" name="Imagem 2"/>
+          <p:cNvPicPr>
+            <a:picLocks noChangeAspect="1"/>
+          </p:cNvPicPr>
+          <p:nvPr/>
+        </p:nvPicPr>
+        <p:blipFill>
+          <a:blip r:embed="rId4">
+            <a:extLst>
+              <a:ext uri="{28A0092B-C50C-407E-A947-70E740481C1C}">
+                <a14:useLocalDpi xmlns:a14="http://schemas.microsoft.com/office/drawing/2010/main" val="0"/>
+              </a:ext>
+            </a:extLst>
+          </a:blip>
+          <a:stretch>
+            <a:fillRect/>
+          </a:stretch>
+        </p:blipFill>
+        <p:spPr>
+          <a:xfrm>
+            <a:off x="-1" y="1947301"/>
+            <a:ext cx="9169037" cy="1758608"/>
+          </a:xfrm>
+          <a:prstGeom prst="rect">
+            <a:avLst/>
+          </a:prstGeom>
+        </p:spPr>
+      </p:pic>
+      <p:pic>
+        <p:nvPicPr>
+          <p:cNvPr id="5" name="Imagem 4"/>
+          <p:cNvPicPr>
+            <a:picLocks noChangeAspect="1"/>
+          </p:cNvPicPr>
+          <p:nvPr/>
+        </p:nvPicPr>
+        <p:blipFill>
+          <a:blip r:embed="rId5"/>
+          <a:stretch>
+            <a:fillRect/>
+          </a:stretch>
+        </p:blipFill>
+        <p:spPr>
+          <a:xfrm>
+            <a:off x="0" y="4100417"/>
+            <a:ext cx="9169036" cy="2119409"/>
+          </a:xfrm>
+          <a:prstGeom prst="rect">
+            <a:avLst/>
+          </a:prstGeom>
+        </p:spPr>
+      </p:pic>
+    </p:spTree>
+    <p:extLst>
+      <p:ext uri="{BB962C8B-B14F-4D97-AF65-F5344CB8AC3E}">
+        <p14:creationId xmlns:p14="http://schemas.microsoft.com/office/powerpoint/2010/main" val="3044213976"/>
+      </p:ext>
+    </p:extLst>
+  </p:cSld>
+  <p:clrMapOvr>
+    <a:masterClrMapping/>
+  </p:clrMapOvr>
+  <mc:AlternateContent xmlns:mc="http://schemas.openxmlformats.org/markup-compatibility/2006" xmlns:p14="http://schemas.microsoft.com/office/powerpoint/2010/main">
+    <mc:Choice Requires="p14">
+      <p:transition p14:dur="0"/>
+    </mc:Choice>
+    <mc:Fallback xmlns="">
+      <p:transition/>
+    </mc:Fallback>
+  </mc:AlternateContent>
+  <p:timing>
+    <p:tnLst>
+      <p:par>
+        <p:cTn id="1" dur="indefinite" restart="never" nodeType="tmRoot"/>
+      </p:par>
+    </p:tnLst>
+  </p:timing>
+</p:sld>
+</file>
+
+<file path=ppt/slides/slide18.xml><?xml version="1.0" encoding="utf-8"?>
+<p:sld xmlns:a="http://schemas.openxmlformats.org/drawingml/2006/main" xmlns:r="http://schemas.openxmlformats.org/officeDocument/2006/relationships" xmlns:p="http://schemas.openxmlformats.org/presentationml/2006/main">
+  <p:cSld>
+    <p:spTree>
+      <p:nvGrpSpPr>
+        <p:cNvPr id="1" name=""/>
+        <p:cNvGrpSpPr/>
+        <p:nvPr/>
+      </p:nvGrpSpPr>
+      <p:grpSpPr>
+        <a:xfrm>
+          <a:off x="0" y="0"/>
+          <a:ext cx="0" cy="0"/>
+          <a:chOff x="0" y="0"/>
+          <a:chExt cx="0" cy="0"/>
+        </a:xfrm>
+      </p:grpSpPr>
+      <p:pic>
+        <p:nvPicPr>
+          <p:cNvPr id="4" name="Imagem 3"/>
+          <p:cNvPicPr>
+            <a:picLocks noChangeAspect="1"/>
+          </p:cNvPicPr>
+          <p:nvPr/>
+        </p:nvPicPr>
+        <p:blipFill>
+          <a:blip r:embed="rId3">
+            <a:extLst>
+              <a:ext uri="{28A0092B-C50C-407E-A947-70E740481C1C}">
+                <a14:useLocalDpi xmlns:a14="http://schemas.microsoft.com/office/drawing/2010/main" val="0"/>
+              </a:ext>
+            </a:extLst>
+          </a:blip>
+          <a:stretch>
+            <a:fillRect/>
+          </a:stretch>
+        </p:blipFill>
+        <p:spPr>
+          <a:xfrm>
+            <a:off x="0" y="0"/>
+            <a:ext cx="9144000" cy="6858000"/>
+          </a:xfrm>
+          <a:prstGeom prst="rect">
+            <a:avLst/>
+          </a:prstGeom>
+        </p:spPr>
+      </p:pic>
+      <p:sp>
+        <p:nvSpPr>
+          <p:cNvPr id="2" name="Título 1"/>
+          <p:cNvSpPr>
+            <a:spLocks noGrp="1"/>
+          </p:cNvSpPr>
+          <p:nvPr>
+            <p:ph type="title"/>
+          </p:nvPr>
+        </p:nvSpPr>
+        <p:spPr>
+          <a:xfrm>
+            <a:off x="628650" y="411913"/>
+            <a:ext cx="7886700" cy="339767"/>
+          </a:xfrm>
+        </p:spPr>
+        <p:txBody>
+          <a:bodyPr>
+            <a:normAutofit fontScale="90000"/>
+          </a:bodyPr>
+          <a:lstStyle/>
+          <a:p>
+            <a:r>
+              <a:rPr lang="pt-BR" dirty="0" smtClean="0"/>
+              <a:t>Resultados – AND Reg16,Imed16</a:t>
+            </a:r>
+            <a:endParaRPr lang="pt-BR" dirty="0"/>
+          </a:p>
+        </p:txBody>
+      </p:sp>
+      <p:sp>
+        <p:nvSpPr>
+          <p:cNvPr id="11" name="Espaço Reservado para Data 10"/>
+          <p:cNvSpPr>
+            <a:spLocks noGrp="1"/>
+          </p:cNvSpPr>
+          <p:nvPr>
+            <p:ph type="dt" sz="half" idx="10"/>
+          </p:nvPr>
+        </p:nvSpPr>
+        <p:spPr/>
+        <p:txBody>
+          <a:bodyPr/>
+          <a:lstStyle/>
+          <a:p>
+            <a:fld id="{5B2C3F26-301F-434E-863D-B89F544B9CE4}" type="datetime1">
+              <a:rPr lang="pt-BR" smtClean="0"/>
+              <a:t>03/06/2014</a:t>
+            </a:fld>
+            <a:endParaRPr lang="pt-BR"/>
+          </a:p>
+        </p:txBody>
+      </p:sp>
+      <p:sp>
+        <p:nvSpPr>
+          <p:cNvPr id="13" name="Espaço Reservado para Rodapé 12"/>
+          <p:cNvSpPr>
+            <a:spLocks noGrp="1"/>
+          </p:cNvSpPr>
+          <p:nvPr>
+            <p:ph type="ftr" sz="quarter" idx="11"/>
+          </p:nvPr>
+        </p:nvSpPr>
+        <p:spPr/>
+        <p:txBody>
+          <a:bodyPr/>
+          <a:lstStyle/>
+          <a:p>
+            <a:r>
+              <a:rPr lang="pt-BR" smtClean="0"/>
+              <a:t>Universidade Federal de Itajubá</a:t>
+            </a:r>
+            <a:endParaRPr lang="pt-BR"/>
+          </a:p>
+        </p:txBody>
+      </p:sp>
+      <p:sp>
+        <p:nvSpPr>
+          <p:cNvPr id="12" name="Espaço Reservado para Número de Slide 11"/>
+          <p:cNvSpPr>
+            <a:spLocks noGrp="1"/>
+          </p:cNvSpPr>
+          <p:nvPr>
+            <p:ph type="sldNum" sz="quarter" idx="12"/>
+          </p:nvPr>
+        </p:nvSpPr>
+        <p:spPr/>
+        <p:txBody>
+          <a:bodyPr/>
+          <a:lstStyle/>
+          <a:p>
+            <a:fld id="{31892884-0934-4F3F-B79B-36C387EDB149}" type="slidenum">
+              <a:rPr lang="pt-BR" smtClean="0"/>
+              <a:t>18</a:t>
+            </a:fld>
+            <a:endParaRPr lang="pt-BR"/>
+          </a:p>
+        </p:txBody>
+      </p:sp>
+      <p:cxnSp>
+        <p:nvCxnSpPr>
+          <p:cNvPr id="9" name="Conector reto 8"/>
+          <p:cNvCxnSpPr/>
+          <p:nvPr/>
+        </p:nvCxnSpPr>
+        <p:spPr>
+          <a:xfrm flipV="1">
+            <a:off x="426444" y="914402"/>
+            <a:ext cx="8241038" cy="1445"/>
+          </a:xfrm>
+          <a:prstGeom prst="line">
+            <a:avLst/>
+          </a:prstGeom>
+          <a:ln/>
+        </p:spPr>
+        <p:style>
+          <a:lnRef idx="3">
+            <a:schemeClr val="accent1"/>
+          </a:lnRef>
+          <a:fillRef idx="0">
+            <a:schemeClr val="accent1"/>
+          </a:fillRef>
+          <a:effectRef idx="2">
+            <a:schemeClr val="accent1"/>
+          </a:effectRef>
+          <a:fontRef idx="minor">
+            <a:schemeClr val="tx1"/>
+          </a:fontRef>
+        </p:style>
+      </p:cxnSp>
+      <p:sp>
+        <p:nvSpPr>
+          <p:cNvPr id="19" name="Espaço Reservado para Conteúdo 2"/>
+          <p:cNvSpPr>
+            <a:spLocks noGrp="1"/>
+          </p:cNvSpPr>
+          <p:nvPr>
+            <p:ph idx="1"/>
+          </p:nvPr>
+        </p:nvSpPr>
+        <p:spPr>
+          <a:xfrm>
+            <a:off x="426444" y="1309755"/>
+            <a:ext cx="7886700" cy="520494"/>
+          </a:xfrm>
+        </p:spPr>
+        <p:txBody>
+          <a:bodyPr/>
+          <a:lstStyle/>
+          <a:p>
+            <a:pPr>
+              <a:buClr>
+                <a:schemeClr val="accent1">
+                  <a:lumMod val="75000"/>
+                </a:schemeClr>
+              </a:buClr>
+              <a:buFont typeface="Wingdings" panose="05000000000000000000" pitchFamily="2" charset="2"/>
+              <a:buChar char="q"/>
+            </a:pPr>
+            <a:r>
+              <a:rPr lang="pt-BR" dirty="0" smtClean="0"/>
+              <a:t>Instruções Executadas: 81E0</a:t>
+            </a:r>
+            <a:r>
+              <a:rPr lang="pt-BR" sz="2000" dirty="0" smtClean="0"/>
+              <a:t>h</a:t>
+            </a:r>
+            <a:r>
+              <a:rPr lang="pt-BR" dirty="0" smtClean="0"/>
+              <a:t> 1234</a:t>
+            </a:r>
+            <a:r>
+              <a:rPr lang="pt-BR" sz="2000" dirty="0" smtClean="0"/>
+              <a:t>h</a:t>
+            </a:r>
+            <a:endParaRPr lang="pt-BR" dirty="0" smtClean="0"/>
+          </a:p>
+        </p:txBody>
+      </p:sp>
+      <p:pic>
+        <p:nvPicPr>
+          <p:cNvPr id="6" name="Imagem 5"/>
+          <p:cNvPicPr>
+            <a:picLocks noChangeAspect="1"/>
+          </p:cNvPicPr>
+          <p:nvPr/>
+        </p:nvPicPr>
+        <p:blipFill>
+          <a:blip r:embed="rId4">
+            <a:extLst>
+              <a:ext uri="{28A0092B-C50C-407E-A947-70E740481C1C}">
+                <a14:useLocalDpi xmlns:a14="http://schemas.microsoft.com/office/drawing/2010/main" val="0"/>
+              </a:ext>
+            </a:extLst>
+          </a:blip>
+          <a:stretch>
+            <a:fillRect/>
+          </a:stretch>
+        </p:blipFill>
+        <p:spPr>
+          <a:xfrm>
+            <a:off x="25036" y="1844483"/>
+            <a:ext cx="9144000" cy="2119409"/>
+          </a:xfrm>
+          <a:prstGeom prst="rect">
+            <a:avLst/>
+          </a:prstGeom>
+        </p:spPr>
+      </p:pic>
+      <p:pic>
+        <p:nvPicPr>
+          <p:cNvPr id="7" name="Imagem 6"/>
+          <p:cNvPicPr>
+            <a:picLocks noChangeAspect="1"/>
+          </p:cNvPicPr>
+          <p:nvPr/>
+        </p:nvPicPr>
+        <p:blipFill>
+          <a:blip r:embed="rId5"/>
+          <a:stretch>
+            <a:fillRect/>
+          </a:stretch>
+        </p:blipFill>
+        <p:spPr>
+          <a:xfrm>
+            <a:off x="0" y="4100417"/>
+            <a:ext cx="9118964" cy="2119409"/>
+          </a:xfrm>
+          <a:prstGeom prst="rect">
+            <a:avLst/>
+          </a:prstGeom>
+        </p:spPr>
+      </p:pic>
+    </p:spTree>
+    <p:extLst>
+      <p:ext uri="{BB962C8B-B14F-4D97-AF65-F5344CB8AC3E}">
+        <p14:creationId xmlns:p14="http://schemas.microsoft.com/office/powerpoint/2010/main" val="604069452"/>
+      </p:ext>
+    </p:extLst>
+  </p:cSld>
+  <p:clrMapOvr>
+    <a:masterClrMapping/>
+  </p:clrMapOvr>
+  <mc:AlternateContent xmlns:mc="http://schemas.openxmlformats.org/markup-compatibility/2006" xmlns:p14="http://schemas.microsoft.com/office/powerpoint/2010/main">
+    <mc:Choice Requires="p14">
+      <p:transition p14:dur="0"/>
+    </mc:Choice>
+    <mc:Fallback xmlns="">
+      <p:transition/>
+    </mc:Fallback>
+  </mc:AlternateContent>
+  <p:timing>
+    <p:tnLst>
+      <p:par>
+        <p:cTn id="1" dur="indefinite" restart="never" nodeType="tmRoot"/>
+      </p:par>
+    </p:tnLst>
+  </p:timing>
+</p:sld>
+</file>
+
+<file path=ppt/slides/slide19.xml><?xml version="1.0" encoding="utf-8"?>
+<p:sld xmlns:a="http://schemas.openxmlformats.org/drawingml/2006/main" xmlns:r="http://schemas.openxmlformats.org/officeDocument/2006/relationships" xmlns:p="http://schemas.openxmlformats.org/presentationml/2006/main">
+  <p:cSld>
+    <p:spTree>
+      <p:nvGrpSpPr>
+        <p:cNvPr id="1" name=""/>
+        <p:cNvGrpSpPr/>
+        <p:nvPr/>
+      </p:nvGrpSpPr>
+      <p:grpSpPr>
+        <a:xfrm>
+          <a:off x="0" y="0"/>
+          <a:ext cx="0" cy="0"/>
+          <a:chOff x="0" y="0"/>
+          <a:chExt cx="0" cy="0"/>
+        </a:xfrm>
+      </p:grpSpPr>
+      <p:pic>
+        <p:nvPicPr>
+          <p:cNvPr id="4" name="Imagem 3"/>
+          <p:cNvPicPr>
+            <a:picLocks noChangeAspect="1"/>
+          </p:cNvPicPr>
+          <p:nvPr/>
+        </p:nvPicPr>
+        <p:blipFill>
+          <a:blip r:embed="rId3">
+            <a:extLst>
+              <a:ext uri="{28A0092B-C50C-407E-A947-70E740481C1C}">
+                <a14:useLocalDpi xmlns:a14="http://schemas.microsoft.com/office/drawing/2010/main" val="0"/>
+              </a:ext>
+            </a:extLst>
+          </a:blip>
+          <a:stretch>
+            <a:fillRect/>
+          </a:stretch>
+        </p:blipFill>
+        <p:spPr>
+          <a:xfrm>
+            <a:off x="0" y="0"/>
+            <a:ext cx="9144000" cy="6858000"/>
+          </a:xfrm>
+          <a:prstGeom prst="rect">
+            <a:avLst/>
+          </a:prstGeom>
+        </p:spPr>
+      </p:pic>
+      <p:sp>
+        <p:nvSpPr>
+          <p:cNvPr id="2" name="Título 1"/>
+          <p:cNvSpPr>
+            <a:spLocks noGrp="1"/>
+          </p:cNvSpPr>
+          <p:nvPr>
+            <p:ph type="title"/>
+          </p:nvPr>
+        </p:nvSpPr>
+        <p:spPr>
+          <a:xfrm>
+            <a:off x="628650" y="411913"/>
+            <a:ext cx="7886700" cy="339767"/>
+          </a:xfrm>
+        </p:spPr>
+        <p:txBody>
+          <a:bodyPr>
+            <a:normAutofit fontScale="90000"/>
+          </a:bodyPr>
+          <a:lstStyle/>
+          <a:p>
+            <a:r>
+              <a:rPr lang="pt-BR" dirty="0" smtClean="0"/>
+              <a:t>Resultados – SUB Reg16,Imed16</a:t>
+            </a:r>
+            <a:endParaRPr lang="pt-BR" dirty="0"/>
+          </a:p>
+        </p:txBody>
+      </p:sp>
+      <p:sp>
+        <p:nvSpPr>
+          <p:cNvPr id="11" name="Espaço Reservado para Data 10"/>
+          <p:cNvSpPr>
+            <a:spLocks noGrp="1"/>
+          </p:cNvSpPr>
+          <p:nvPr>
+            <p:ph type="dt" sz="half" idx="10"/>
+          </p:nvPr>
+        </p:nvSpPr>
+        <p:spPr/>
+        <p:txBody>
+          <a:bodyPr/>
+          <a:lstStyle/>
+          <a:p>
+            <a:fld id="{5B2C3F26-301F-434E-863D-B89F544B9CE4}" type="datetime1">
+              <a:rPr lang="pt-BR" smtClean="0"/>
+              <a:t>03/06/2014</a:t>
+            </a:fld>
+            <a:endParaRPr lang="pt-BR"/>
+          </a:p>
+        </p:txBody>
+      </p:sp>
+      <p:sp>
+        <p:nvSpPr>
+          <p:cNvPr id="13" name="Espaço Reservado para Rodapé 12"/>
+          <p:cNvSpPr>
+            <a:spLocks noGrp="1"/>
+          </p:cNvSpPr>
+          <p:nvPr>
+            <p:ph type="ftr" sz="quarter" idx="11"/>
+          </p:nvPr>
+        </p:nvSpPr>
+        <p:spPr/>
+        <p:txBody>
+          <a:bodyPr/>
+          <a:lstStyle/>
+          <a:p>
+            <a:r>
+              <a:rPr lang="pt-BR" smtClean="0"/>
+              <a:t>Universidade Federal de Itajubá</a:t>
+            </a:r>
+            <a:endParaRPr lang="pt-BR"/>
+          </a:p>
+        </p:txBody>
+      </p:sp>
+      <p:sp>
+        <p:nvSpPr>
+          <p:cNvPr id="12" name="Espaço Reservado para Número de Slide 11"/>
+          <p:cNvSpPr>
+            <a:spLocks noGrp="1"/>
+          </p:cNvSpPr>
+          <p:nvPr>
+            <p:ph type="sldNum" sz="quarter" idx="12"/>
+          </p:nvPr>
+        </p:nvSpPr>
+        <p:spPr/>
+        <p:txBody>
+          <a:bodyPr/>
+          <a:lstStyle/>
+          <a:p>
+            <a:fld id="{31892884-0934-4F3F-B79B-36C387EDB149}" type="slidenum">
+              <a:rPr lang="pt-BR" smtClean="0"/>
+              <a:t>19</a:t>
+            </a:fld>
+            <a:endParaRPr lang="pt-BR"/>
+          </a:p>
+        </p:txBody>
+      </p:sp>
+      <p:cxnSp>
+        <p:nvCxnSpPr>
+          <p:cNvPr id="9" name="Conector reto 8"/>
+          <p:cNvCxnSpPr/>
+          <p:nvPr/>
+        </p:nvCxnSpPr>
+        <p:spPr>
+          <a:xfrm flipV="1">
+            <a:off x="426444" y="914402"/>
+            <a:ext cx="8241038" cy="1445"/>
+          </a:xfrm>
+          <a:prstGeom prst="line">
+            <a:avLst/>
+          </a:prstGeom>
+          <a:ln/>
+        </p:spPr>
+        <p:style>
+          <a:lnRef idx="3">
+            <a:schemeClr val="accent1"/>
+          </a:lnRef>
+          <a:fillRef idx="0">
+            <a:schemeClr val="accent1"/>
+          </a:fillRef>
+          <a:effectRef idx="2">
+            <a:schemeClr val="accent1"/>
+          </a:effectRef>
+          <a:fontRef idx="minor">
+            <a:schemeClr val="tx1"/>
+          </a:fontRef>
+        </p:style>
+      </p:cxnSp>
+      <p:sp>
+        <p:nvSpPr>
+          <p:cNvPr id="19" name="Espaço Reservado para Conteúdo 2"/>
+          <p:cNvSpPr>
+            <a:spLocks noGrp="1"/>
+          </p:cNvSpPr>
+          <p:nvPr>
+            <p:ph idx="1"/>
+          </p:nvPr>
+        </p:nvSpPr>
+        <p:spPr>
+          <a:xfrm>
+            <a:off x="426444" y="1309755"/>
+            <a:ext cx="7886700" cy="520494"/>
+          </a:xfrm>
+        </p:spPr>
+        <p:txBody>
+          <a:bodyPr/>
+          <a:lstStyle/>
+          <a:p>
+            <a:pPr>
+              <a:buClr>
+                <a:schemeClr val="accent1">
+                  <a:lumMod val="75000"/>
+                </a:schemeClr>
+              </a:buClr>
+              <a:buFont typeface="Wingdings" panose="05000000000000000000" pitchFamily="2" charset="2"/>
+              <a:buChar char="q"/>
+            </a:pPr>
+            <a:r>
+              <a:rPr lang="pt-BR" dirty="0" smtClean="0"/>
+              <a:t>Instruções Executadas: 81E8</a:t>
+            </a:r>
+            <a:r>
+              <a:rPr lang="pt-BR" sz="2000" dirty="0" smtClean="0"/>
+              <a:t>h</a:t>
+            </a:r>
+            <a:r>
+              <a:rPr lang="pt-BR" dirty="0" smtClean="0"/>
+              <a:t> 1234</a:t>
+            </a:r>
+            <a:r>
+              <a:rPr lang="pt-BR" sz="2000" dirty="0" smtClean="0"/>
+              <a:t>h</a:t>
+            </a:r>
+            <a:endParaRPr lang="pt-BR" dirty="0" smtClean="0"/>
+          </a:p>
+        </p:txBody>
+      </p:sp>
+      <p:pic>
+        <p:nvPicPr>
+          <p:cNvPr id="3" name="Imagem 2"/>
+          <p:cNvPicPr>
+            <a:picLocks noChangeAspect="1"/>
+          </p:cNvPicPr>
+          <p:nvPr/>
+        </p:nvPicPr>
+        <p:blipFill>
+          <a:blip r:embed="rId4">
+            <a:extLst>
+              <a:ext uri="{28A0092B-C50C-407E-A947-70E740481C1C}">
+                <a14:useLocalDpi xmlns:a14="http://schemas.microsoft.com/office/drawing/2010/main" val="0"/>
+              </a:ext>
+            </a:extLst>
+          </a:blip>
+          <a:stretch>
+            <a:fillRect/>
+          </a:stretch>
+        </p:blipFill>
+        <p:spPr>
+          <a:xfrm>
+            <a:off x="0" y="1816841"/>
+            <a:ext cx="9144000" cy="2119409"/>
+          </a:xfrm>
+          <a:prstGeom prst="rect">
+            <a:avLst/>
+          </a:prstGeom>
+        </p:spPr>
+      </p:pic>
+      <p:pic>
+        <p:nvPicPr>
+          <p:cNvPr id="5" name="Imagem 4"/>
+          <p:cNvPicPr>
+            <a:picLocks noChangeAspect="1"/>
+          </p:cNvPicPr>
+          <p:nvPr/>
+        </p:nvPicPr>
+        <p:blipFill>
+          <a:blip r:embed="rId5"/>
+          <a:stretch>
+            <a:fillRect/>
+          </a:stretch>
+        </p:blipFill>
+        <p:spPr>
+          <a:xfrm>
+            <a:off x="0" y="4093300"/>
+            <a:ext cx="9144000" cy="2106001"/>
+          </a:xfrm>
+          <a:prstGeom prst="rect">
+            <a:avLst/>
+          </a:prstGeom>
+        </p:spPr>
+      </p:pic>
+    </p:spTree>
+    <p:extLst>
+      <p:ext uri="{BB962C8B-B14F-4D97-AF65-F5344CB8AC3E}">
+        <p14:creationId xmlns:p14="http://schemas.microsoft.com/office/powerpoint/2010/main" val="501081235"/>
+      </p:ext>
+    </p:extLst>
+  </p:cSld>
+  <p:clrMapOvr>
+    <a:masterClrMapping/>
+  </p:clrMapOvr>
+  <mc:AlternateContent xmlns:mc="http://schemas.openxmlformats.org/markup-compatibility/2006" xmlns:p14="http://schemas.microsoft.com/office/powerpoint/2010/main">
+    <mc:Choice Requires="p14">
+      <p:transition p14:dur="0"/>
+    </mc:Choice>
+    <mc:Fallback xmlns="">
+      <p:transition/>
+    </mc:Fallback>
+  </mc:AlternateContent>
   <p:timing>
     <p:tnLst>
       <p:par>
@@ -4089,7 +9251,6 @@
               <a:rPr lang="pt-BR" dirty="0" smtClean="0"/>
               <a:t>Estrutura de Testes</a:t>
             </a:r>
-            <a:endParaRPr lang="pt-BR" dirty="0" smtClean="0"/>
           </a:p>
           <a:p>
             <a:pPr>
@@ -4105,7 +9266,6 @@
               <a:rPr lang="pt-BR" dirty="0" smtClean="0"/>
               <a:t>O Microprocessador Desenvolvido</a:t>
             </a:r>
-            <a:endParaRPr lang="pt-BR" dirty="0" smtClean="0"/>
           </a:p>
           <a:p>
             <a:pPr>
@@ -4121,7 +9281,6 @@
               <a:rPr lang="pt-BR" dirty="0" smtClean="0"/>
               <a:t>Teste de cada instrução implementada</a:t>
             </a:r>
-            <a:endParaRPr lang="pt-BR" dirty="0" smtClean="0"/>
           </a:p>
         </p:txBody>
       </p:sp>
@@ -4142,7 +9301,7 @@
           <a:p>
             <a:fld id="{5B2C3F26-301F-434E-863D-B89F544B9CE4}" type="datetime1">
               <a:rPr lang="pt-BR" smtClean="0"/>
-              <a:t>28/05/2014</a:t>
+              <a:t>03/06/2014</a:t>
             </a:fld>
             <a:endParaRPr lang="pt-BR"/>
           </a:p>
@@ -4235,11 +9394,2390 @@
   <p:clrMapOvr>
     <a:masterClrMapping/>
   </p:clrMapOvr>
-  <mc:AlternateContent xmlns:mc="http://schemas.openxmlformats.org/markup-compatibility/2006">
-    <mc:Choice xmlns:p14="http://schemas.microsoft.com/office/powerpoint/2010/main" Requires="p14">
+  <p:transition spd="slow">
+    <p:fade/>
+  </p:transition>
+  <p:timing>
+    <p:tnLst>
+      <p:par>
+        <p:cTn id="1" dur="indefinite" restart="never" nodeType="tmRoot"/>
+      </p:par>
+    </p:tnLst>
+  </p:timing>
+</p:sld>
+</file>
+
+<file path=ppt/slides/slide20.xml><?xml version="1.0" encoding="utf-8"?>
+<p:sld xmlns:a="http://schemas.openxmlformats.org/drawingml/2006/main" xmlns:r="http://schemas.openxmlformats.org/officeDocument/2006/relationships" xmlns:p="http://schemas.openxmlformats.org/presentationml/2006/main">
+  <p:cSld>
+    <p:spTree>
+      <p:nvGrpSpPr>
+        <p:cNvPr id="1" name=""/>
+        <p:cNvGrpSpPr/>
+        <p:nvPr/>
+      </p:nvGrpSpPr>
+      <p:grpSpPr>
+        <a:xfrm>
+          <a:off x="0" y="0"/>
+          <a:ext cx="0" cy="0"/>
+          <a:chOff x="0" y="0"/>
+          <a:chExt cx="0" cy="0"/>
+        </a:xfrm>
+      </p:grpSpPr>
+      <p:pic>
+        <p:nvPicPr>
+          <p:cNvPr id="4" name="Imagem 3"/>
+          <p:cNvPicPr>
+            <a:picLocks noChangeAspect="1"/>
+          </p:cNvPicPr>
+          <p:nvPr/>
+        </p:nvPicPr>
+        <p:blipFill>
+          <a:blip r:embed="rId3">
+            <a:extLst>
+              <a:ext uri="{28A0092B-C50C-407E-A947-70E740481C1C}">
+                <a14:useLocalDpi xmlns:a14="http://schemas.microsoft.com/office/drawing/2010/main" val="0"/>
+              </a:ext>
+            </a:extLst>
+          </a:blip>
+          <a:stretch>
+            <a:fillRect/>
+          </a:stretch>
+        </p:blipFill>
+        <p:spPr>
+          <a:xfrm>
+            <a:off x="0" y="0"/>
+            <a:ext cx="9144000" cy="6858000"/>
+          </a:xfrm>
+          <a:prstGeom prst="rect">
+            <a:avLst/>
+          </a:prstGeom>
+        </p:spPr>
+      </p:pic>
+      <p:sp>
+        <p:nvSpPr>
+          <p:cNvPr id="2" name="Título 1"/>
+          <p:cNvSpPr>
+            <a:spLocks noGrp="1"/>
+          </p:cNvSpPr>
+          <p:nvPr>
+            <p:ph type="title"/>
+          </p:nvPr>
+        </p:nvSpPr>
+        <p:spPr>
+          <a:xfrm>
+            <a:off x="628650" y="411913"/>
+            <a:ext cx="7886700" cy="339767"/>
+          </a:xfrm>
+        </p:spPr>
+        <p:txBody>
+          <a:bodyPr>
+            <a:normAutofit fontScale="90000"/>
+          </a:bodyPr>
+          <a:lstStyle/>
+          <a:p>
+            <a:r>
+              <a:rPr lang="pt-BR" dirty="0" smtClean="0"/>
+              <a:t>Resultados – XOR Reg16,Imed16</a:t>
+            </a:r>
+            <a:endParaRPr lang="pt-BR" dirty="0"/>
+          </a:p>
+        </p:txBody>
+      </p:sp>
+      <p:sp>
+        <p:nvSpPr>
+          <p:cNvPr id="11" name="Espaço Reservado para Data 10"/>
+          <p:cNvSpPr>
+            <a:spLocks noGrp="1"/>
+          </p:cNvSpPr>
+          <p:nvPr>
+            <p:ph type="dt" sz="half" idx="10"/>
+          </p:nvPr>
+        </p:nvSpPr>
+        <p:spPr/>
+        <p:txBody>
+          <a:bodyPr/>
+          <a:lstStyle/>
+          <a:p>
+            <a:fld id="{5B2C3F26-301F-434E-863D-B89F544B9CE4}" type="datetime1">
+              <a:rPr lang="pt-BR" smtClean="0"/>
+              <a:t>03/06/2014</a:t>
+            </a:fld>
+            <a:endParaRPr lang="pt-BR"/>
+          </a:p>
+        </p:txBody>
+      </p:sp>
+      <p:sp>
+        <p:nvSpPr>
+          <p:cNvPr id="13" name="Espaço Reservado para Rodapé 12"/>
+          <p:cNvSpPr>
+            <a:spLocks noGrp="1"/>
+          </p:cNvSpPr>
+          <p:nvPr>
+            <p:ph type="ftr" sz="quarter" idx="11"/>
+          </p:nvPr>
+        </p:nvSpPr>
+        <p:spPr/>
+        <p:txBody>
+          <a:bodyPr/>
+          <a:lstStyle/>
+          <a:p>
+            <a:r>
+              <a:rPr lang="pt-BR" smtClean="0"/>
+              <a:t>Universidade Federal de Itajubá</a:t>
+            </a:r>
+            <a:endParaRPr lang="pt-BR"/>
+          </a:p>
+        </p:txBody>
+      </p:sp>
+      <p:sp>
+        <p:nvSpPr>
+          <p:cNvPr id="12" name="Espaço Reservado para Número de Slide 11"/>
+          <p:cNvSpPr>
+            <a:spLocks noGrp="1"/>
+          </p:cNvSpPr>
+          <p:nvPr>
+            <p:ph type="sldNum" sz="quarter" idx="12"/>
+          </p:nvPr>
+        </p:nvSpPr>
+        <p:spPr/>
+        <p:txBody>
+          <a:bodyPr/>
+          <a:lstStyle/>
+          <a:p>
+            <a:fld id="{31892884-0934-4F3F-B79B-36C387EDB149}" type="slidenum">
+              <a:rPr lang="pt-BR" smtClean="0"/>
+              <a:t>20</a:t>
+            </a:fld>
+            <a:endParaRPr lang="pt-BR"/>
+          </a:p>
+        </p:txBody>
+      </p:sp>
+      <p:cxnSp>
+        <p:nvCxnSpPr>
+          <p:cNvPr id="9" name="Conector reto 8"/>
+          <p:cNvCxnSpPr/>
+          <p:nvPr/>
+        </p:nvCxnSpPr>
+        <p:spPr>
+          <a:xfrm flipV="1">
+            <a:off x="426444" y="914402"/>
+            <a:ext cx="8241038" cy="1445"/>
+          </a:xfrm>
+          <a:prstGeom prst="line">
+            <a:avLst/>
+          </a:prstGeom>
+          <a:ln/>
+        </p:spPr>
+        <p:style>
+          <a:lnRef idx="3">
+            <a:schemeClr val="accent1"/>
+          </a:lnRef>
+          <a:fillRef idx="0">
+            <a:schemeClr val="accent1"/>
+          </a:fillRef>
+          <a:effectRef idx="2">
+            <a:schemeClr val="accent1"/>
+          </a:effectRef>
+          <a:fontRef idx="minor">
+            <a:schemeClr val="tx1"/>
+          </a:fontRef>
+        </p:style>
+      </p:cxnSp>
+      <p:sp>
+        <p:nvSpPr>
+          <p:cNvPr id="19" name="Espaço Reservado para Conteúdo 2"/>
+          <p:cNvSpPr>
+            <a:spLocks noGrp="1"/>
+          </p:cNvSpPr>
+          <p:nvPr>
+            <p:ph idx="1"/>
+          </p:nvPr>
+        </p:nvSpPr>
+        <p:spPr>
+          <a:xfrm>
+            <a:off x="426444" y="1309755"/>
+            <a:ext cx="7886700" cy="520494"/>
+          </a:xfrm>
+        </p:spPr>
+        <p:txBody>
+          <a:bodyPr/>
+          <a:lstStyle/>
+          <a:p>
+            <a:pPr>
+              <a:buClr>
+                <a:schemeClr val="accent1">
+                  <a:lumMod val="75000"/>
+                </a:schemeClr>
+              </a:buClr>
+              <a:buFont typeface="Wingdings" panose="05000000000000000000" pitchFamily="2" charset="2"/>
+              <a:buChar char="q"/>
+            </a:pPr>
+            <a:r>
+              <a:rPr lang="pt-BR" dirty="0" smtClean="0"/>
+              <a:t>Instruções Executadas: 81F0</a:t>
+            </a:r>
+            <a:r>
+              <a:rPr lang="pt-BR" sz="2000" dirty="0" smtClean="0"/>
+              <a:t>h</a:t>
+            </a:r>
+            <a:r>
+              <a:rPr lang="pt-BR" dirty="0" smtClean="0"/>
+              <a:t> 1234</a:t>
+            </a:r>
+            <a:r>
+              <a:rPr lang="pt-BR" sz="2000" dirty="0" smtClean="0"/>
+              <a:t>h</a:t>
+            </a:r>
+            <a:endParaRPr lang="pt-BR" dirty="0" smtClean="0"/>
+          </a:p>
+        </p:txBody>
+      </p:sp>
+      <p:pic>
+        <p:nvPicPr>
+          <p:cNvPr id="6" name="Imagem 5"/>
+          <p:cNvPicPr>
+            <a:picLocks noChangeAspect="1"/>
+          </p:cNvPicPr>
+          <p:nvPr/>
+        </p:nvPicPr>
+        <p:blipFill>
+          <a:blip r:embed="rId4">
+            <a:extLst>
+              <a:ext uri="{28A0092B-C50C-407E-A947-70E740481C1C}">
+                <a14:useLocalDpi xmlns:a14="http://schemas.microsoft.com/office/drawing/2010/main" val="0"/>
+              </a:ext>
+            </a:extLst>
+          </a:blip>
+          <a:stretch>
+            <a:fillRect/>
+          </a:stretch>
+        </p:blipFill>
+        <p:spPr>
+          <a:xfrm>
+            <a:off x="0" y="1809310"/>
+            <a:ext cx="9144000" cy="2119823"/>
+          </a:xfrm>
+          <a:prstGeom prst="rect">
+            <a:avLst/>
+          </a:prstGeom>
+        </p:spPr>
+      </p:pic>
+      <p:pic>
+        <p:nvPicPr>
+          <p:cNvPr id="7" name="Imagem 6"/>
+          <p:cNvPicPr>
+            <a:picLocks noChangeAspect="1"/>
+          </p:cNvPicPr>
+          <p:nvPr/>
+        </p:nvPicPr>
+        <p:blipFill>
+          <a:blip r:embed="rId5"/>
+          <a:stretch>
+            <a:fillRect/>
+          </a:stretch>
+        </p:blipFill>
+        <p:spPr>
+          <a:xfrm>
+            <a:off x="-25037" y="4082830"/>
+            <a:ext cx="9144000" cy="2119823"/>
+          </a:xfrm>
+          <a:prstGeom prst="rect">
+            <a:avLst/>
+          </a:prstGeom>
+        </p:spPr>
+      </p:pic>
+    </p:spTree>
+    <p:extLst>
+      <p:ext uri="{BB962C8B-B14F-4D97-AF65-F5344CB8AC3E}">
+        <p14:creationId xmlns:p14="http://schemas.microsoft.com/office/powerpoint/2010/main" val="1823326975"/>
+      </p:ext>
+    </p:extLst>
+  </p:cSld>
+  <p:clrMapOvr>
+    <a:masterClrMapping/>
+  </p:clrMapOvr>
+  <mc:AlternateContent xmlns:mc="http://schemas.openxmlformats.org/markup-compatibility/2006" xmlns:p14="http://schemas.microsoft.com/office/powerpoint/2010/main">
+    <mc:Choice Requires="p14">
       <p:transition p14:dur="0"/>
     </mc:Choice>
-    <mc:Fallback>
+    <mc:Fallback xmlns="">
+      <p:transition/>
+    </mc:Fallback>
+  </mc:AlternateContent>
+  <p:timing>
+    <p:tnLst>
+      <p:par>
+        <p:cTn id="1" dur="indefinite" restart="never" nodeType="tmRoot"/>
+      </p:par>
+    </p:tnLst>
+  </p:timing>
+</p:sld>
+</file>
+
+<file path=ppt/slides/slide21.xml><?xml version="1.0" encoding="utf-8"?>
+<p:sld xmlns:a="http://schemas.openxmlformats.org/drawingml/2006/main" xmlns:r="http://schemas.openxmlformats.org/officeDocument/2006/relationships" xmlns:p="http://schemas.openxmlformats.org/presentationml/2006/main">
+  <p:cSld>
+    <p:spTree>
+      <p:nvGrpSpPr>
+        <p:cNvPr id="1" name=""/>
+        <p:cNvGrpSpPr/>
+        <p:nvPr/>
+      </p:nvGrpSpPr>
+      <p:grpSpPr>
+        <a:xfrm>
+          <a:off x="0" y="0"/>
+          <a:ext cx="0" cy="0"/>
+          <a:chOff x="0" y="0"/>
+          <a:chExt cx="0" cy="0"/>
+        </a:xfrm>
+      </p:grpSpPr>
+      <p:pic>
+        <p:nvPicPr>
+          <p:cNvPr id="4" name="Imagem 3"/>
+          <p:cNvPicPr>
+            <a:picLocks noChangeAspect="1"/>
+          </p:cNvPicPr>
+          <p:nvPr/>
+        </p:nvPicPr>
+        <p:blipFill>
+          <a:blip r:embed="rId3">
+            <a:extLst>
+              <a:ext uri="{28A0092B-C50C-407E-A947-70E740481C1C}">
+                <a14:useLocalDpi xmlns:a14="http://schemas.microsoft.com/office/drawing/2010/main" val="0"/>
+              </a:ext>
+            </a:extLst>
+          </a:blip>
+          <a:stretch>
+            <a:fillRect/>
+          </a:stretch>
+        </p:blipFill>
+        <p:spPr>
+          <a:xfrm>
+            <a:off x="0" y="0"/>
+            <a:ext cx="9144000" cy="6858000"/>
+          </a:xfrm>
+          <a:prstGeom prst="rect">
+            <a:avLst/>
+          </a:prstGeom>
+        </p:spPr>
+      </p:pic>
+      <p:sp>
+        <p:nvSpPr>
+          <p:cNvPr id="2" name="Título 1"/>
+          <p:cNvSpPr>
+            <a:spLocks noGrp="1"/>
+          </p:cNvSpPr>
+          <p:nvPr>
+            <p:ph type="title"/>
+          </p:nvPr>
+        </p:nvSpPr>
+        <p:spPr>
+          <a:xfrm>
+            <a:off x="628650" y="411913"/>
+            <a:ext cx="7886700" cy="339767"/>
+          </a:xfrm>
+        </p:spPr>
+        <p:txBody>
+          <a:bodyPr>
+            <a:normAutofit fontScale="90000"/>
+          </a:bodyPr>
+          <a:lstStyle/>
+          <a:p>
+            <a:r>
+              <a:rPr lang="pt-BR" dirty="0" smtClean="0"/>
+              <a:t>Resultados – CMP Reg16,Imed16</a:t>
+            </a:r>
+            <a:endParaRPr lang="pt-BR" dirty="0"/>
+          </a:p>
+        </p:txBody>
+      </p:sp>
+      <p:sp>
+        <p:nvSpPr>
+          <p:cNvPr id="11" name="Espaço Reservado para Data 10"/>
+          <p:cNvSpPr>
+            <a:spLocks noGrp="1"/>
+          </p:cNvSpPr>
+          <p:nvPr>
+            <p:ph type="dt" sz="half" idx="10"/>
+          </p:nvPr>
+        </p:nvSpPr>
+        <p:spPr/>
+        <p:txBody>
+          <a:bodyPr/>
+          <a:lstStyle/>
+          <a:p>
+            <a:fld id="{5B2C3F26-301F-434E-863D-B89F544B9CE4}" type="datetime1">
+              <a:rPr lang="pt-BR" smtClean="0"/>
+              <a:t>03/06/2014</a:t>
+            </a:fld>
+            <a:endParaRPr lang="pt-BR"/>
+          </a:p>
+        </p:txBody>
+      </p:sp>
+      <p:sp>
+        <p:nvSpPr>
+          <p:cNvPr id="13" name="Espaço Reservado para Rodapé 12"/>
+          <p:cNvSpPr>
+            <a:spLocks noGrp="1"/>
+          </p:cNvSpPr>
+          <p:nvPr>
+            <p:ph type="ftr" sz="quarter" idx="11"/>
+          </p:nvPr>
+        </p:nvSpPr>
+        <p:spPr/>
+        <p:txBody>
+          <a:bodyPr/>
+          <a:lstStyle/>
+          <a:p>
+            <a:r>
+              <a:rPr lang="pt-BR" smtClean="0"/>
+              <a:t>Universidade Federal de Itajubá</a:t>
+            </a:r>
+            <a:endParaRPr lang="pt-BR"/>
+          </a:p>
+        </p:txBody>
+      </p:sp>
+      <p:sp>
+        <p:nvSpPr>
+          <p:cNvPr id="12" name="Espaço Reservado para Número de Slide 11"/>
+          <p:cNvSpPr>
+            <a:spLocks noGrp="1"/>
+          </p:cNvSpPr>
+          <p:nvPr>
+            <p:ph type="sldNum" sz="quarter" idx="12"/>
+          </p:nvPr>
+        </p:nvSpPr>
+        <p:spPr/>
+        <p:txBody>
+          <a:bodyPr/>
+          <a:lstStyle/>
+          <a:p>
+            <a:fld id="{31892884-0934-4F3F-B79B-36C387EDB149}" type="slidenum">
+              <a:rPr lang="pt-BR" smtClean="0"/>
+              <a:t>21</a:t>
+            </a:fld>
+            <a:endParaRPr lang="pt-BR"/>
+          </a:p>
+        </p:txBody>
+      </p:sp>
+      <p:cxnSp>
+        <p:nvCxnSpPr>
+          <p:cNvPr id="9" name="Conector reto 8"/>
+          <p:cNvCxnSpPr/>
+          <p:nvPr/>
+        </p:nvCxnSpPr>
+        <p:spPr>
+          <a:xfrm flipV="1">
+            <a:off x="426444" y="914402"/>
+            <a:ext cx="8241038" cy="1445"/>
+          </a:xfrm>
+          <a:prstGeom prst="line">
+            <a:avLst/>
+          </a:prstGeom>
+          <a:ln/>
+        </p:spPr>
+        <p:style>
+          <a:lnRef idx="3">
+            <a:schemeClr val="accent1"/>
+          </a:lnRef>
+          <a:fillRef idx="0">
+            <a:schemeClr val="accent1"/>
+          </a:fillRef>
+          <a:effectRef idx="2">
+            <a:schemeClr val="accent1"/>
+          </a:effectRef>
+          <a:fontRef idx="minor">
+            <a:schemeClr val="tx1"/>
+          </a:fontRef>
+        </p:style>
+      </p:cxnSp>
+      <p:sp>
+        <p:nvSpPr>
+          <p:cNvPr id="19" name="Espaço Reservado para Conteúdo 2"/>
+          <p:cNvSpPr>
+            <a:spLocks noGrp="1"/>
+          </p:cNvSpPr>
+          <p:nvPr>
+            <p:ph idx="1"/>
+          </p:nvPr>
+        </p:nvSpPr>
+        <p:spPr>
+          <a:xfrm>
+            <a:off x="426444" y="996436"/>
+            <a:ext cx="7886700" cy="520494"/>
+          </a:xfrm>
+        </p:spPr>
+        <p:txBody>
+          <a:bodyPr/>
+          <a:lstStyle/>
+          <a:p>
+            <a:pPr>
+              <a:buClr>
+                <a:schemeClr val="accent1">
+                  <a:lumMod val="75000"/>
+                </a:schemeClr>
+              </a:buClr>
+              <a:buFont typeface="Wingdings" panose="05000000000000000000" pitchFamily="2" charset="2"/>
+              <a:buChar char="q"/>
+            </a:pPr>
+            <a:r>
+              <a:rPr lang="pt-BR" dirty="0" smtClean="0"/>
+              <a:t>Instruções Executadas: 81F8</a:t>
+            </a:r>
+            <a:r>
+              <a:rPr lang="pt-BR" sz="2000" dirty="0" smtClean="0"/>
+              <a:t>h</a:t>
+            </a:r>
+            <a:r>
+              <a:rPr lang="pt-BR" dirty="0" smtClean="0"/>
+              <a:t> 1234</a:t>
+            </a:r>
+            <a:r>
+              <a:rPr lang="pt-BR" sz="2000" dirty="0" smtClean="0"/>
+              <a:t>h</a:t>
+            </a:r>
+            <a:endParaRPr lang="pt-BR" dirty="0" smtClean="0"/>
+          </a:p>
+        </p:txBody>
+      </p:sp>
+      <p:pic>
+        <p:nvPicPr>
+          <p:cNvPr id="3" name="Imagem 2"/>
+          <p:cNvPicPr>
+            <a:picLocks noChangeAspect="1"/>
+          </p:cNvPicPr>
+          <p:nvPr/>
+        </p:nvPicPr>
+        <p:blipFill>
+          <a:blip r:embed="rId4"/>
+          <a:stretch>
+            <a:fillRect/>
+          </a:stretch>
+        </p:blipFill>
+        <p:spPr>
+          <a:xfrm>
+            <a:off x="0" y="4057524"/>
+            <a:ext cx="9144000" cy="2353003"/>
+          </a:xfrm>
+          <a:prstGeom prst="rect">
+            <a:avLst/>
+          </a:prstGeom>
+        </p:spPr>
+      </p:pic>
+      <p:pic>
+        <p:nvPicPr>
+          <p:cNvPr id="5" name="Imagem 4"/>
+          <p:cNvPicPr>
+            <a:picLocks noChangeAspect="1"/>
+          </p:cNvPicPr>
+          <p:nvPr/>
+        </p:nvPicPr>
+        <p:blipFill>
+          <a:blip r:embed="rId5">
+            <a:extLst>
+              <a:ext uri="{28A0092B-C50C-407E-A947-70E740481C1C}">
+                <a14:useLocalDpi xmlns:a14="http://schemas.microsoft.com/office/drawing/2010/main" val="0"/>
+              </a:ext>
+            </a:extLst>
+          </a:blip>
+          <a:stretch>
+            <a:fillRect/>
+          </a:stretch>
+        </p:blipFill>
+        <p:spPr>
+          <a:xfrm>
+            <a:off x="-25037" y="1597519"/>
+            <a:ext cx="9144000" cy="2379416"/>
+          </a:xfrm>
+          <a:prstGeom prst="rect">
+            <a:avLst/>
+          </a:prstGeom>
+        </p:spPr>
+      </p:pic>
+    </p:spTree>
+    <p:extLst>
+      <p:ext uri="{BB962C8B-B14F-4D97-AF65-F5344CB8AC3E}">
+        <p14:creationId xmlns:p14="http://schemas.microsoft.com/office/powerpoint/2010/main" val="4239160760"/>
+      </p:ext>
+    </p:extLst>
+  </p:cSld>
+  <p:clrMapOvr>
+    <a:masterClrMapping/>
+  </p:clrMapOvr>
+  <mc:AlternateContent xmlns:mc="http://schemas.openxmlformats.org/markup-compatibility/2006" xmlns:p14="http://schemas.microsoft.com/office/powerpoint/2010/main">
+    <mc:Choice Requires="p14">
+      <p:transition p14:dur="0"/>
+    </mc:Choice>
+    <mc:Fallback xmlns="">
+      <p:transition/>
+    </mc:Fallback>
+  </mc:AlternateContent>
+  <p:timing>
+    <p:tnLst>
+      <p:par>
+        <p:cTn id="1" dur="indefinite" restart="never" nodeType="tmRoot"/>
+      </p:par>
+    </p:tnLst>
+  </p:timing>
+</p:sld>
+</file>
+
+<file path=ppt/slides/slide22.xml><?xml version="1.0" encoding="utf-8"?>
+<p:sld xmlns:a="http://schemas.openxmlformats.org/drawingml/2006/main" xmlns:r="http://schemas.openxmlformats.org/officeDocument/2006/relationships" xmlns:p="http://schemas.openxmlformats.org/presentationml/2006/main">
+  <p:cSld>
+    <p:spTree>
+      <p:nvGrpSpPr>
+        <p:cNvPr id="1" name=""/>
+        <p:cNvGrpSpPr/>
+        <p:nvPr/>
+      </p:nvGrpSpPr>
+      <p:grpSpPr>
+        <a:xfrm>
+          <a:off x="0" y="0"/>
+          <a:ext cx="0" cy="0"/>
+          <a:chOff x="0" y="0"/>
+          <a:chExt cx="0" cy="0"/>
+        </a:xfrm>
+      </p:grpSpPr>
+      <p:pic>
+        <p:nvPicPr>
+          <p:cNvPr id="4" name="Imagem 3"/>
+          <p:cNvPicPr>
+            <a:picLocks noChangeAspect="1"/>
+          </p:cNvPicPr>
+          <p:nvPr/>
+        </p:nvPicPr>
+        <p:blipFill>
+          <a:blip r:embed="rId3">
+            <a:extLst>
+              <a:ext uri="{28A0092B-C50C-407E-A947-70E740481C1C}">
+                <a14:useLocalDpi xmlns:a14="http://schemas.microsoft.com/office/drawing/2010/main" val="0"/>
+              </a:ext>
+            </a:extLst>
+          </a:blip>
+          <a:stretch>
+            <a:fillRect/>
+          </a:stretch>
+        </p:blipFill>
+        <p:spPr>
+          <a:xfrm>
+            <a:off x="0" y="0"/>
+            <a:ext cx="9144000" cy="6858000"/>
+          </a:xfrm>
+          <a:prstGeom prst="rect">
+            <a:avLst/>
+          </a:prstGeom>
+        </p:spPr>
+      </p:pic>
+      <p:sp>
+        <p:nvSpPr>
+          <p:cNvPr id="2" name="Título 1"/>
+          <p:cNvSpPr>
+            <a:spLocks noGrp="1"/>
+          </p:cNvSpPr>
+          <p:nvPr>
+            <p:ph type="title"/>
+          </p:nvPr>
+        </p:nvSpPr>
+        <p:spPr>
+          <a:xfrm>
+            <a:off x="628650" y="411913"/>
+            <a:ext cx="7886700" cy="339767"/>
+          </a:xfrm>
+        </p:spPr>
+        <p:txBody>
+          <a:bodyPr>
+            <a:normAutofit fontScale="90000"/>
+          </a:bodyPr>
+          <a:lstStyle/>
+          <a:p>
+            <a:r>
+              <a:rPr lang="pt-BR" dirty="0" smtClean="0"/>
+              <a:t>Resultados – MOV Reg16,Imed16</a:t>
+            </a:r>
+            <a:endParaRPr lang="pt-BR" dirty="0"/>
+          </a:p>
+        </p:txBody>
+      </p:sp>
+      <p:sp>
+        <p:nvSpPr>
+          <p:cNvPr id="11" name="Espaço Reservado para Data 10"/>
+          <p:cNvSpPr>
+            <a:spLocks noGrp="1"/>
+          </p:cNvSpPr>
+          <p:nvPr>
+            <p:ph type="dt" sz="half" idx="10"/>
+          </p:nvPr>
+        </p:nvSpPr>
+        <p:spPr/>
+        <p:txBody>
+          <a:bodyPr/>
+          <a:lstStyle/>
+          <a:p>
+            <a:fld id="{5B2C3F26-301F-434E-863D-B89F544B9CE4}" type="datetime1">
+              <a:rPr lang="pt-BR" smtClean="0"/>
+              <a:t>03/06/2014</a:t>
+            </a:fld>
+            <a:endParaRPr lang="pt-BR"/>
+          </a:p>
+        </p:txBody>
+      </p:sp>
+      <p:sp>
+        <p:nvSpPr>
+          <p:cNvPr id="13" name="Espaço Reservado para Rodapé 12"/>
+          <p:cNvSpPr>
+            <a:spLocks noGrp="1"/>
+          </p:cNvSpPr>
+          <p:nvPr>
+            <p:ph type="ftr" sz="quarter" idx="11"/>
+          </p:nvPr>
+        </p:nvSpPr>
+        <p:spPr/>
+        <p:txBody>
+          <a:bodyPr/>
+          <a:lstStyle/>
+          <a:p>
+            <a:r>
+              <a:rPr lang="pt-BR" smtClean="0"/>
+              <a:t>Universidade Federal de Itajubá</a:t>
+            </a:r>
+            <a:endParaRPr lang="pt-BR"/>
+          </a:p>
+        </p:txBody>
+      </p:sp>
+      <p:sp>
+        <p:nvSpPr>
+          <p:cNvPr id="12" name="Espaço Reservado para Número de Slide 11"/>
+          <p:cNvSpPr>
+            <a:spLocks noGrp="1"/>
+          </p:cNvSpPr>
+          <p:nvPr>
+            <p:ph type="sldNum" sz="quarter" idx="12"/>
+          </p:nvPr>
+        </p:nvSpPr>
+        <p:spPr/>
+        <p:txBody>
+          <a:bodyPr/>
+          <a:lstStyle/>
+          <a:p>
+            <a:fld id="{31892884-0934-4F3F-B79B-36C387EDB149}" type="slidenum">
+              <a:rPr lang="pt-BR" smtClean="0"/>
+              <a:t>22</a:t>
+            </a:fld>
+            <a:endParaRPr lang="pt-BR"/>
+          </a:p>
+        </p:txBody>
+      </p:sp>
+      <p:cxnSp>
+        <p:nvCxnSpPr>
+          <p:cNvPr id="9" name="Conector reto 8"/>
+          <p:cNvCxnSpPr/>
+          <p:nvPr/>
+        </p:nvCxnSpPr>
+        <p:spPr>
+          <a:xfrm flipV="1">
+            <a:off x="426444" y="914402"/>
+            <a:ext cx="8241038" cy="1445"/>
+          </a:xfrm>
+          <a:prstGeom prst="line">
+            <a:avLst/>
+          </a:prstGeom>
+          <a:ln/>
+        </p:spPr>
+        <p:style>
+          <a:lnRef idx="3">
+            <a:schemeClr val="accent1"/>
+          </a:lnRef>
+          <a:fillRef idx="0">
+            <a:schemeClr val="accent1"/>
+          </a:fillRef>
+          <a:effectRef idx="2">
+            <a:schemeClr val="accent1"/>
+          </a:effectRef>
+          <a:fontRef idx="minor">
+            <a:schemeClr val="tx1"/>
+          </a:fontRef>
+        </p:style>
+      </p:cxnSp>
+      <p:sp>
+        <p:nvSpPr>
+          <p:cNvPr id="19" name="Espaço Reservado para Conteúdo 2"/>
+          <p:cNvSpPr>
+            <a:spLocks noGrp="1"/>
+          </p:cNvSpPr>
+          <p:nvPr>
+            <p:ph idx="1"/>
+          </p:nvPr>
+        </p:nvSpPr>
+        <p:spPr>
+          <a:xfrm>
+            <a:off x="426444" y="996436"/>
+            <a:ext cx="7886700" cy="520494"/>
+          </a:xfrm>
+        </p:spPr>
+        <p:txBody>
+          <a:bodyPr/>
+          <a:lstStyle/>
+          <a:p>
+            <a:pPr>
+              <a:buClr>
+                <a:schemeClr val="accent1">
+                  <a:lumMod val="75000"/>
+                </a:schemeClr>
+              </a:buClr>
+              <a:buFont typeface="Wingdings" panose="05000000000000000000" pitchFamily="2" charset="2"/>
+              <a:buChar char="q"/>
+            </a:pPr>
+            <a:r>
+              <a:rPr lang="pt-BR" dirty="0" smtClean="0"/>
+              <a:t>Instruções Executadas: 00B8</a:t>
+            </a:r>
+            <a:r>
+              <a:rPr lang="pt-BR" sz="2000" dirty="0" smtClean="0"/>
+              <a:t>h</a:t>
+            </a:r>
+            <a:r>
+              <a:rPr lang="pt-BR" dirty="0" smtClean="0"/>
+              <a:t> 1234</a:t>
+            </a:r>
+            <a:r>
+              <a:rPr lang="pt-BR" sz="2000" dirty="0" smtClean="0"/>
+              <a:t>h</a:t>
+            </a:r>
+            <a:endParaRPr lang="pt-BR" dirty="0" smtClean="0"/>
+          </a:p>
+        </p:txBody>
+      </p:sp>
+      <p:pic>
+        <p:nvPicPr>
+          <p:cNvPr id="6" name="Imagem 5"/>
+          <p:cNvPicPr>
+            <a:picLocks noChangeAspect="1"/>
+          </p:cNvPicPr>
+          <p:nvPr/>
+        </p:nvPicPr>
+        <p:blipFill>
+          <a:blip r:embed="rId4">
+            <a:extLst>
+              <a:ext uri="{28A0092B-C50C-407E-A947-70E740481C1C}">
+                <a14:useLocalDpi xmlns:a14="http://schemas.microsoft.com/office/drawing/2010/main" val="0"/>
+              </a:ext>
+            </a:extLst>
+          </a:blip>
+          <a:stretch>
+            <a:fillRect/>
+          </a:stretch>
+        </p:blipFill>
+        <p:spPr>
+          <a:xfrm>
+            <a:off x="0" y="1584272"/>
+            <a:ext cx="9144000" cy="2162303"/>
+          </a:xfrm>
+          <a:prstGeom prst="rect">
+            <a:avLst/>
+          </a:prstGeom>
+        </p:spPr>
+      </p:pic>
+      <p:pic>
+        <p:nvPicPr>
+          <p:cNvPr id="7" name="Imagem 6"/>
+          <p:cNvPicPr>
+            <a:picLocks noChangeAspect="1"/>
+          </p:cNvPicPr>
+          <p:nvPr/>
+        </p:nvPicPr>
+        <p:blipFill>
+          <a:blip r:embed="rId5"/>
+          <a:stretch>
+            <a:fillRect/>
+          </a:stretch>
+        </p:blipFill>
+        <p:spPr>
+          <a:xfrm>
+            <a:off x="0" y="3948758"/>
+            <a:ext cx="9144000" cy="2162303"/>
+          </a:xfrm>
+          <a:prstGeom prst="rect">
+            <a:avLst/>
+          </a:prstGeom>
+        </p:spPr>
+      </p:pic>
+    </p:spTree>
+    <p:extLst>
+      <p:ext uri="{BB962C8B-B14F-4D97-AF65-F5344CB8AC3E}">
+        <p14:creationId xmlns:p14="http://schemas.microsoft.com/office/powerpoint/2010/main" val="2068429179"/>
+      </p:ext>
+    </p:extLst>
+  </p:cSld>
+  <p:clrMapOvr>
+    <a:masterClrMapping/>
+  </p:clrMapOvr>
+  <mc:AlternateContent xmlns:mc="http://schemas.openxmlformats.org/markup-compatibility/2006" xmlns:p14="http://schemas.microsoft.com/office/powerpoint/2010/main">
+    <mc:Choice Requires="p14">
+      <p:transition p14:dur="0"/>
+    </mc:Choice>
+    <mc:Fallback xmlns="">
+      <p:transition/>
+    </mc:Fallback>
+  </mc:AlternateContent>
+  <p:timing>
+    <p:tnLst>
+      <p:par>
+        <p:cTn id="1" dur="indefinite" restart="never" nodeType="tmRoot"/>
+      </p:par>
+    </p:tnLst>
+  </p:timing>
+</p:sld>
+</file>
+
+<file path=ppt/slides/slide23.xml><?xml version="1.0" encoding="utf-8"?>
+<p:sld xmlns:a="http://schemas.openxmlformats.org/drawingml/2006/main" xmlns:r="http://schemas.openxmlformats.org/officeDocument/2006/relationships" xmlns:p="http://schemas.openxmlformats.org/presentationml/2006/main">
+  <p:cSld>
+    <p:spTree>
+      <p:nvGrpSpPr>
+        <p:cNvPr id="1" name=""/>
+        <p:cNvGrpSpPr/>
+        <p:nvPr/>
+      </p:nvGrpSpPr>
+      <p:grpSpPr>
+        <a:xfrm>
+          <a:off x="0" y="0"/>
+          <a:ext cx="0" cy="0"/>
+          <a:chOff x="0" y="0"/>
+          <a:chExt cx="0" cy="0"/>
+        </a:xfrm>
+      </p:grpSpPr>
+      <p:pic>
+        <p:nvPicPr>
+          <p:cNvPr id="4" name="Imagem 3"/>
+          <p:cNvPicPr>
+            <a:picLocks noChangeAspect="1"/>
+          </p:cNvPicPr>
+          <p:nvPr/>
+        </p:nvPicPr>
+        <p:blipFill>
+          <a:blip r:embed="rId3">
+            <a:extLst>
+              <a:ext uri="{28A0092B-C50C-407E-A947-70E740481C1C}">
+                <a14:useLocalDpi xmlns:a14="http://schemas.microsoft.com/office/drawing/2010/main" val="0"/>
+              </a:ext>
+            </a:extLst>
+          </a:blip>
+          <a:stretch>
+            <a:fillRect/>
+          </a:stretch>
+        </p:blipFill>
+        <p:spPr>
+          <a:xfrm>
+            <a:off x="-115911" y="0"/>
+            <a:ext cx="9144000" cy="6858000"/>
+          </a:xfrm>
+          <a:prstGeom prst="rect">
+            <a:avLst/>
+          </a:prstGeom>
+        </p:spPr>
+      </p:pic>
+      <p:sp>
+        <p:nvSpPr>
+          <p:cNvPr id="2" name="Título 1"/>
+          <p:cNvSpPr>
+            <a:spLocks noGrp="1"/>
+          </p:cNvSpPr>
+          <p:nvPr>
+            <p:ph type="title"/>
+          </p:nvPr>
+        </p:nvSpPr>
+        <p:spPr>
+          <a:xfrm>
+            <a:off x="628650" y="1085976"/>
+            <a:ext cx="7886700" cy="339767"/>
+          </a:xfrm>
+        </p:spPr>
+        <p:txBody>
+          <a:bodyPr>
+            <a:normAutofit fontScale="90000"/>
+          </a:bodyPr>
+          <a:lstStyle/>
+          <a:p>
+            <a:r>
+              <a:rPr lang="pt-BR" dirty="0" smtClean="0"/>
+              <a:t>Considerações Finais</a:t>
+            </a:r>
+            <a:endParaRPr lang="pt-BR" dirty="0"/>
+          </a:p>
+        </p:txBody>
+      </p:sp>
+      <p:sp>
+        <p:nvSpPr>
+          <p:cNvPr id="3" name="Espaço Reservado para Conteúdo 2"/>
+          <p:cNvSpPr>
+            <a:spLocks noGrp="1"/>
+          </p:cNvSpPr>
+          <p:nvPr>
+            <p:ph idx="1"/>
+          </p:nvPr>
+        </p:nvSpPr>
+        <p:spPr>
+          <a:xfrm>
+            <a:off x="333876" y="2031006"/>
+            <a:ext cx="8694213" cy="3263504"/>
+          </a:xfrm>
+        </p:spPr>
+        <p:txBody>
+          <a:bodyPr>
+            <a:normAutofit lnSpcReduction="10000"/>
+          </a:bodyPr>
+          <a:lstStyle/>
+          <a:p>
+            <a:pPr>
+              <a:buClr>
+                <a:schemeClr val="accent1">
+                  <a:lumMod val="75000"/>
+                </a:schemeClr>
+              </a:buClr>
+              <a:buFont typeface="Wingdings" panose="05000000000000000000" pitchFamily="2" charset="2"/>
+              <a:buChar char="q"/>
+            </a:pPr>
+            <a:r>
+              <a:rPr lang="pt-BR" dirty="0" smtClean="0"/>
+              <a:t>Desenvolver um processador RISC a partir de um originalmente CISC</a:t>
+            </a:r>
+          </a:p>
+          <a:p>
+            <a:pPr>
+              <a:buClr>
+                <a:schemeClr val="accent1">
+                  <a:lumMod val="75000"/>
+                </a:schemeClr>
+              </a:buClr>
+              <a:buFont typeface="Wingdings" panose="05000000000000000000" pitchFamily="2" charset="2"/>
+              <a:buChar char="q"/>
+            </a:pPr>
+            <a:r>
+              <a:rPr lang="pt-BR" dirty="0" smtClean="0"/>
+              <a:t>Implementação de instruções básicas</a:t>
+            </a:r>
+          </a:p>
+          <a:p>
+            <a:pPr>
+              <a:buClr>
+                <a:schemeClr val="accent1">
+                  <a:lumMod val="75000"/>
+                </a:schemeClr>
+              </a:buClr>
+              <a:buFont typeface="Wingdings" panose="05000000000000000000" pitchFamily="2" charset="2"/>
+              <a:buChar char="q"/>
+            </a:pPr>
+            <a:r>
+              <a:rPr lang="pt-BR" dirty="0" smtClean="0"/>
+              <a:t>Realização de testes</a:t>
+            </a:r>
+          </a:p>
+          <a:p>
+            <a:pPr>
+              <a:buClr>
+                <a:schemeClr val="accent1">
+                  <a:lumMod val="75000"/>
+                </a:schemeClr>
+              </a:buClr>
+              <a:buFont typeface="Wingdings" panose="05000000000000000000" pitchFamily="2" charset="2"/>
+              <a:buChar char="q"/>
+            </a:pPr>
+            <a:r>
+              <a:rPr lang="pt-BR" dirty="0" smtClean="0"/>
+              <a:t>Desenvolvimento de um arquitetura simples</a:t>
+            </a:r>
+          </a:p>
+          <a:p>
+            <a:pPr>
+              <a:buClr>
+                <a:schemeClr val="accent1">
+                  <a:lumMod val="75000"/>
+                </a:schemeClr>
+              </a:buClr>
+              <a:buFont typeface="Wingdings" panose="05000000000000000000" pitchFamily="2" charset="2"/>
+              <a:buChar char="q"/>
+            </a:pPr>
+            <a:r>
+              <a:rPr lang="pt-BR" dirty="0" smtClean="0"/>
+              <a:t>Aquisição de conhecimentos mais profundos sobre várias arquiteturas de microprocessadores</a:t>
+            </a:r>
+          </a:p>
+          <a:p>
+            <a:pPr>
+              <a:buClr>
+                <a:schemeClr val="accent1">
+                  <a:lumMod val="75000"/>
+                </a:schemeClr>
+              </a:buClr>
+              <a:buFont typeface="Wingdings" panose="05000000000000000000" pitchFamily="2" charset="2"/>
+              <a:buChar char="q"/>
+            </a:pPr>
+            <a:endParaRPr lang="pt-BR" dirty="0" smtClean="0"/>
+          </a:p>
+        </p:txBody>
+      </p:sp>
+      <p:sp>
+        <p:nvSpPr>
+          <p:cNvPr id="11" name="Espaço Reservado para Data 10"/>
+          <p:cNvSpPr>
+            <a:spLocks noGrp="1"/>
+          </p:cNvSpPr>
+          <p:nvPr>
+            <p:ph type="dt" sz="half" idx="10"/>
+          </p:nvPr>
+        </p:nvSpPr>
+        <p:spPr/>
+        <p:txBody>
+          <a:bodyPr/>
+          <a:lstStyle/>
+          <a:p>
+            <a:fld id="{5B2C3F26-301F-434E-863D-B89F544B9CE4}" type="datetime1">
+              <a:rPr lang="pt-BR" smtClean="0"/>
+              <a:t>03/06/2014</a:t>
+            </a:fld>
+            <a:endParaRPr lang="pt-BR"/>
+          </a:p>
+        </p:txBody>
+      </p:sp>
+      <p:sp>
+        <p:nvSpPr>
+          <p:cNvPr id="13" name="Espaço Reservado para Rodapé 12"/>
+          <p:cNvSpPr>
+            <a:spLocks noGrp="1"/>
+          </p:cNvSpPr>
+          <p:nvPr>
+            <p:ph type="ftr" sz="quarter" idx="11"/>
+          </p:nvPr>
+        </p:nvSpPr>
+        <p:spPr/>
+        <p:txBody>
+          <a:bodyPr/>
+          <a:lstStyle/>
+          <a:p>
+            <a:r>
+              <a:rPr lang="pt-BR" smtClean="0"/>
+              <a:t>Universidade Federal de Itajubá</a:t>
+            </a:r>
+            <a:endParaRPr lang="pt-BR"/>
+          </a:p>
+        </p:txBody>
+      </p:sp>
+      <p:sp>
+        <p:nvSpPr>
+          <p:cNvPr id="12" name="Espaço Reservado para Número de Slide 11"/>
+          <p:cNvSpPr>
+            <a:spLocks noGrp="1"/>
+          </p:cNvSpPr>
+          <p:nvPr>
+            <p:ph type="sldNum" sz="quarter" idx="12"/>
+          </p:nvPr>
+        </p:nvSpPr>
+        <p:spPr/>
+        <p:txBody>
+          <a:bodyPr/>
+          <a:lstStyle/>
+          <a:p>
+            <a:fld id="{31892884-0934-4F3F-B79B-36C387EDB149}" type="slidenum">
+              <a:rPr lang="pt-BR" smtClean="0"/>
+              <a:t>23</a:t>
+            </a:fld>
+            <a:endParaRPr lang="pt-BR"/>
+          </a:p>
+        </p:txBody>
+      </p:sp>
+      <p:cxnSp>
+        <p:nvCxnSpPr>
+          <p:cNvPr id="9" name="Conector reto 8"/>
+          <p:cNvCxnSpPr/>
+          <p:nvPr/>
+        </p:nvCxnSpPr>
+        <p:spPr>
+          <a:xfrm>
+            <a:off x="333877" y="1534031"/>
+            <a:ext cx="4908884" cy="0"/>
+          </a:xfrm>
+          <a:prstGeom prst="line">
+            <a:avLst/>
+          </a:prstGeom>
+          <a:ln/>
+        </p:spPr>
+        <p:style>
+          <a:lnRef idx="3">
+            <a:schemeClr val="accent1"/>
+          </a:lnRef>
+          <a:fillRef idx="0">
+            <a:schemeClr val="accent1"/>
+          </a:fillRef>
+          <a:effectRef idx="2">
+            <a:schemeClr val="accent1"/>
+          </a:effectRef>
+          <a:fontRef idx="minor">
+            <a:schemeClr val="tx1"/>
+          </a:fontRef>
+        </p:style>
+      </p:cxnSp>
+      <p:pic>
+        <p:nvPicPr>
+          <p:cNvPr id="5" name="Imagem 4"/>
+          <p:cNvPicPr>
+            <a:picLocks noChangeAspect="1"/>
+          </p:cNvPicPr>
+          <p:nvPr/>
+        </p:nvPicPr>
+        <p:blipFill>
+          <a:blip r:embed="rId4" cstate="print">
+            <a:extLst>
+              <a:ext uri="{28A0092B-C50C-407E-A947-70E740481C1C}">
+                <a14:useLocalDpi xmlns:a14="http://schemas.microsoft.com/office/drawing/2010/main" val="0"/>
+              </a:ext>
+            </a:extLst>
+          </a:blip>
+          <a:stretch>
+            <a:fillRect/>
+          </a:stretch>
+        </p:blipFill>
+        <p:spPr>
+          <a:xfrm>
+            <a:off x="7930338" y="1922717"/>
+            <a:ext cx="585012" cy="455523"/>
+          </a:xfrm>
+          <a:prstGeom prst="rect">
+            <a:avLst/>
+          </a:prstGeom>
+        </p:spPr>
+      </p:pic>
+      <p:pic>
+        <p:nvPicPr>
+          <p:cNvPr id="10" name="Imagem 9"/>
+          <p:cNvPicPr>
+            <a:picLocks noChangeAspect="1"/>
+          </p:cNvPicPr>
+          <p:nvPr/>
+        </p:nvPicPr>
+        <p:blipFill>
+          <a:blip r:embed="rId4" cstate="print">
+            <a:extLst>
+              <a:ext uri="{28A0092B-C50C-407E-A947-70E740481C1C}">
+                <a14:useLocalDpi xmlns:a14="http://schemas.microsoft.com/office/drawing/2010/main" val="0"/>
+              </a:ext>
+            </a:extLst>
+          </a:blip>
+          <a:stretch>
+            <a:fillRect/>
+          </a:stretch>
+        </p:blipFill>
+        <p:spPr>
+          <a:xfrm>
+            <a:off x="6115050" y="2641787"/>
+            <a:ext cx="585012" cy="455523"/>
+          </a:xfrm>
+          <a:prstGeom prst="rect">
+            <a:avLst/>
+          </a:prstGeom>
+        </p:spPr>
+      </p:pic>
+      <p:pic>
+        <p:nvPicPr>
+          <p:cNvPr id="14" name="Imagem 13"/>
+          <p:cNvPicPr>
+            <a:picLocks noChangeAspect="1"/>
+          </p:cNvPicPr>
+          <p:nvPr/>
+        </p:nvPicPr>
+        <p:blipFill>
+          <a:blip r:embed="rId4" cstate="print">
+            <a:extLst>
+              <a:ext uri="{28A0092B-C50C-407E-A947-70E740481C1C}">
+                <a14:useLocalDpi xmlns:a14="http://schemas.microsoft.com/office/drawing/2010/main" val="0"/>
+              </a:ext>
+            </a:extLst>
+          </a:blip>
+          <a:stretch>
+            <a:fillRect/>
+          </a:stretch>
+        </p:blipFill>
+        <p:spPr>
+          <a:xfrm>
+            <a:off x="3691042" y="3170232"/>
+            <a:ext cx="585012" cy="455523"/>
+          </a:xfrm>
+          <a:prstGeom prst="rect">
+            <a:avLst/>
+          </a:prstGeom>
+        </p:spPr>
+      </p:pic>
+      <p:pic>
+        <p:nvPicPr>
+          <p:cNvPr id="15" name="Imagem 14"/>
+          <p:cNvPicPr>
+            <a:picLocks noChangeAspect="1"/>
+          </p:cNvPicPr>
+          <p:nvPr/>
+        </p:nvPicPr>
+        <p:blipFill>
+          <a:blip r:embed="rId4" cstate="print">
+            <a:extLst>
+              <a:ext uri="{28A0092B-C50C-407E-A947-70E740481C1C}">
+                <a14:useLocalDpi xmlns:a14="http://schemas.microsoft.com/office/drawing/2010/main" val="0"/>
+              </a:ext>
+            </a:extLst>
+          </a:blip>
+          <a:stretch>
+            <a:fillRect/>
+          </a:stretch>
+        </p:blipFill>
+        <p:spPr>
+          <a:xfrm>
+            <a:off x="7340714" y="3625755"/>
+            <a:ext cx="585012" cy="455523"/>
+          </a:xfrm>
+          <a:prstGeom prst="rect">
+            <a:avLst/>
+          </a:prstGeom>
+        </p:spPr>
+      </p:pic>
+      <p:pic>
+        <p:nvPicPr>
+          <p:cNvPr id="16" name="Imagem 15"/>
+          <p:cNvPicPr>
+            <a:picLocks noChangeAspect="1"/>
+          </p:cNvPicPr>
+          <p:nvPr/>
+        </p:nvPicPr>
+        <p:blipFill>
+          <a:blip r:embed="rId4" cstate="print">
+            <a:extLst>
+              <a:ext uri="{28A0092B-C50C-407E-A947-70E740481C1C}">
+                <a14:useLocalDpi xmlns:a14="http://schemas.microsoft.com/office/drawing/2010/main" val="0"/>
+              </a:ext>
+            </a:extLst>
+          </a:blip>
+          <a:stretch>
+            <a:fillRect/>
+          </a:stretch>
+        </p:blipFill>
+        <p:spPr>
+          <a:xfrm>
+            <a:off x="8121374" y="4316041"/>
+            <a:ext cx="585012" cy="455523"/>
+          </a:xfrm>
+          <a:prstGeom prst="rect">
+            <a:avLst/>
+          </a:prstGeom>
+        </p:spPr>
+      </p:pic>
+    </p:spTree>
+    <p:extLst>
+      <p:ext uri="{BB962C8B-B14F-4D97-AF65-F5344CB8AC3E}">
+        <p14:creationId xmlns:p14="http://schemas.microsoft.com/office/powerpoint/2010/main" val="4183997326"/>
+      </p:ext>
+    </p:extLst>
+  </p:cSld>
+  <p:clrMapOvr>
+    <a:masterClrMapping/>
+  </p:clrMapOvr>
+  <mc:AlternateContent xmlns:mc="http://schemas.openxmlformats.org/markup-compatibility/2006" xmlns:p14="http://schemas.microsoft.com/office/powerpoint/2010/main">
+    <mc:Choice Requires="p14">
+      <p:transition p14:dur="0"/>
+    </mc:Choice>
+    <mc:Fallback xmlns="">
+      <p:transition/>
+    </mc:Fallback>
+  </mc:AlternateContent>
+  <p:timing>
+    <p:tnLst>
+      <p:par>
+        <p:cTn id="1" dur="indefinite" restart="never" nodeType="tmRoot">
+          <p:childTnLst>
+            <p:seq concurrent="1" nextAc="seek">
+              <p:cTn id="2" dur="indefinite" nodeType="mainSeq">
+                <p:childTnLst>
+                  <p:par>
+                    <p:cTn id="3" fill="hold">
+                      <p:stCondLst>
+                        <p:cond delay="indefinite"/>
+                      </p:stCondLst>
+                      <p:childTnLst>
+                        <p:par>
+                          <p:cTn id="4" fill="hold">
+                            <p:stCondLst>
+                              <p:cond delay="0"/>
+                            </p:stCondLst>
+                            <p:childTnLst>
+                              <p:par>
+                                <p:cTn id="5" presetID="1" presetClass="entr" presetSubtype="0" fill="hold" nodeType="clickEffect">
+                                  <p:stCondLst>
+                                    <p:cond delay="0"/>
+                                  </p:stCondLst>
+                                  <p:childTnLst>
+                                    <p:set>
+                                      <p:cBhvr>
+                                        <p:cTn id="6" dur="1" fill="hold">
+                                          <p:stCondLst>
+                                            <p:cond delay="0"/>
+                                          </p:stCondLst>
+                                        </p:cTn>
+                                        <p:tgtEl>
+                                          <p:spTgt spid="5"/>
+                                        </p:tgtEl>
+                                        <p:attrNameLst>
+                                          <p:attrName>style.visibility</p:attrName>
+                                        </p:attrNameLst>
+                                      </p:cBhvr>
+                                      <p:to>
+                                        <p:strVal val="visible"/>
+                                      </p:to>
+                                    </p:set>
+                                  </p:childTnLst>
+                                </p:cTn>
+                              </p:par>
+                            </p:childTnLst>
+                          </p:cTn>
+                        </p:par>
+                      </p:childTnLst>
+                    </p:cTn>
+                  </p:par>
+                  <p:par>
+                    <p:cTn id="7" fill="hold">
+                      <p:stCondLst>
+                        <p:cond delay="indefinite"/>
+                      </p:stCondLst>
+                      <p:childTnLst>
+                        <p:par>
+                          <p:cTn id="8" fill="hold">
+                            <p:stCondLst>
+                              <p:cond delay="0"/>
+                            </p:stCondLst>
+                            <p:childTnLst>
+                              <p:par>
+                                <p:cTn id="9" presetID="1" presetClass="entr" presetSubtype="0" fill="hold" nodeType="clickEffect">
+                                  <p:stCondLst>
+                                    <p:cond delay="0"/>
+                                  </p:stCondLst>
+                                  <p:childTnLst>
+                                    <p:set>
+                                      <p:cBhvr>
+                                        <p:cTn id="10" dur="1" fill="hold">
+                                          <p:stCondLst>
+                                            <p:cond delay="0"/>
+                                          </p:stCondLst>
+                                        </p:cTn>
+                                        <p:tgtEl>
+                                          <p:spTgt spid="10"/>
+                                        </p:tgtEl>
+                                        <p:attrNameLst>
+                                          <p:attrName>style.visibility</p:attrName>
+                                        </p:attrNameLst>
+                                      </p:cBhvr>
+                                      <p:to>
+                                        <p:strVal val="visible"/>
+                                      </p:to>
+                                    </p:set>
+                                  </p:childTnLst>
+                                </p:cTn>
+                              </p:par>
+                            </p:childTnLst>
+                          </p:cTn>
+                        </p:par>
+                      </p:childTnLst>
+                    </p:cTn>
+                  </p:par>
+                  <p:par>
+                    <p:cTn id="11" fill="hold">
+                      <p:stCondLst>
+                        <p:cond delay="indefinite"/>
+                      </p:stCondLst>
+                      <p:childTnLst>
+                        <p:par>
+                          <p:cTn id="12" fill="hold">
+                            <p:stCondLst>
+                              <p:cond delay="0"/>
+                            </p:stCondLst>
+                            <p:childTnLst>
+                              <p:par>
+                                <p:cTn id="13" presetID="1" presetClass="entr" presetSubtype="0" fill="hold" nodeType="clickEffect">
+                                  <p:stCondLst>
+                                    <p:cond delay="0"/>
+                                  </p:stCondLst>
+                                  <p:childTnLst>
+                                    <p:set>
+                                      <p:cBhvr>
+                                        <p:cTn id="14" dur="1" fill="hold">
+                                          <p:stCondLst>
+                                            <p:cond delay="0"/>
+                                          </p:stCondLst>
+                                        </p:cTn>
+                                        <p:tgtEl>
+                                          <p:spTgt spid="14"/>
+                                        </p:tgtEl>
+                                        <p:attrNameLst>
+                                          <p:attrName>style.visibility</p:attrName>
+                                        </p:attrNameLst>
+                                      </p:cBhvr>
+                                      <p:to>
+                                        <p:strVal val="visible"/>
+                                      </p:to>
+                                    </p:set>
+                                  </p:childTnLst>
+                                </p:cTn>
+                              </p:par>
+                            </p:childTnLst>
+                          </p:cTn>
+                        </p:par>
+                      </p:childTnLst>
+                    </p:cTn>
+                  </p:par>
+                  <p:par>
+                    <p:cTn id="15" fill="hold">
+                      <p:stCondLst>
+                        <p:cond delay="indefinite"/>
+                      </p:stCondLst>
+                      <p:childTnLst>
+                        <p:par>
+                          <p:cTn id="16" fill="hold">
+                            <p:stCondLst>
+                              <p:cond delay="0"/>
+                            </p:stCondLst>
+                            <p:childTnLst>
+                              <p:par>
+                                <p:cTn id="17" presetID="1" presetClass="entr" presetSubtype="0" fill="hold" nodeType="clickEffect">
+                                  <p:stCondLst>
+                                    <p:cond delay="0"/>
+                                  </p:stCondLst>
+                                  <p:childTnLst>
+                                    <p:set>
+                                      <p:cBhvr>
+                                        <p:cTn id="18" dur="1" fill="hold">
+                                          <p:stCondLst>
+                                            <p:cond delay="0"/>
+                                          </p:stCondLst>
+                                        </p:cTn>
+                                        <p:tgtEl>
+                                          <p:spTgt spid="15"/>
+                                        </p:tgtEl>
+                                        <p:attrNameLst>
+                                          <p:attrName>style.visibility</p:attrName>
+                                        </p:attrNameLst>
+                                      </p:cBhvr>
+                                      <p:to>
+                                        <p:strVal val="visible"/>
+                                      </p:to>
+                                    </p:set>
+                                  </p:childTnLst>
+                                </p:cTn>
+                              </p:par>
+                            </p:childTnLst>
+                          </p:cTn>
+                        </p:par>
+                      </p:childTnLst>
+                    </p:cTn>
+                  </p:par>
+                  <p:par>
+                    <p:cTn id="19" fill="hold">
+                      <p:stCondLst>
+                        <p:cond delay="indefinite"/>
+                      </p:stCondLst>
+                      <p:childTnLst>
+                        <p:par>
+                          <p:cTn id="20" fill="hold">
+                            <p:stCondLst>
+                              <p:cond delay="0"/>
+                            </p:stCondLst>
+                            <p:childTnLst>
+                              <p:par>
+                                <p:cTn id="21" presetID="1" presetClass="entr" presetSubtype="0" fill="hold" nodeType="clickEffect">
+                                  <p:stCondLst>
+                                    <p:cond delay="0"/>
+                                  </p:stCondLst>
+                                  <p:childTnLst>
+                                    <p:set>
+                                      <p:cBhvr>
+                                        <p:cTn id="22" dur="1" fill="hold">
+                                          <p:stCondLst>
+                                            <p:cond delay="0"/>
+                                          </p:stCondLst>
+                                        </p:cTn>
+                                        <p:tgtEl>
+                                          <p:spTgt spid="16"/>
+                                        </p:tgtEl>
+                                        <p:attrNameLst>
+                                          <p:attrName>style.visibility</p:attrName>
+                                        </p:attrNameLst>
+                                      </p:cBhvr>
+                                      <p:to>
+                                        <p:strVal val="visible"/>
+                                      </p:to>
+                                    </p:set>
+                                  </p:childTnLst>
+                                </p:cTn>
+                              </p:par>
+                            </p:childTnLst>
+                          </p:cTn>
+                        </p:par>
+                      </p:childTnLst>
+                    </p:cTn>
+                  </p:par>
+                </p:childTnLst>
+              </p:cTn>
+              <p:prevCondLst>
+                <p:cond evt="onPrev" delay="0">
+                  <p:tgtEl>
+                    <p:sldTgt/>
+                  </p:tgtEl>
+                </p:cond>
+              </p:prevCondLst>
+              <p:nextCondLst>
+                <p:cond evt="onNext" delay="0">
+                  <p:tgtEl>
+                    <p:sldTgt/>
+                  </p:tgtEl>
+                </p:cond>
+              </p:nextCondLst>
+            </p:seq>
+          </p:childTnLst>
+        </p:cTn>
+      </p:par>
+    </p:tnLst>
+  </p:timing>
+</p:sld>
+</file>
+
+<file path=ppt/slides/slide24.xml><?xml version="1.0" encoding="utf-8"?>
+<p:sld xmlns:a="http://schemas.openxmlformats.org/drawingml/2006/main" xmlns:r="http://schemas.openxmlformats.org/officeDocument/2006/relationships" xmlns:p="http://schemas.openxmlformats.org/presentationml/2006/main">
+  <p:cSld>
+    <p:spTree>
+      <p:nvGrpSpPr>
+        <p:cNvPr id="1" name=""/>
+        <p:cNvGrpSpPr/>
+        <p:nvPr/>
+      </p:nvGrpSpPr>
+      <p:grpSpPr>
+        <a:xfrm>
+          <a:off x="0" y="0"/>
+          <a:ext cx="0" cy="0"/>
+          <a:chOff x="0" y="0"/>
+          <a:chExt cx="0" cy="0"/>
+        </a:xfrm>
+      </p:grpSpPr>
+      <p:pic>
+        <p:nvPicPr>
+          <p:cNvPr id="4" name="Imagem 3"/>
+          <p:cNvPicPr>
+            <a:picLocks noChangeAspect="1"/>
+          </p:cNvPicPr>
+          <p:nvPr/>
+        </p:nvPicPr>
+        <p:blipFill>
+          <a:blip r:embed="rId3">
+            <a:extLst>
+              <a:ext uri="{28A0092B-C50C-407E-A947-70E740481C1C}">
+                <a14:useLocalDpi xmlns:a14="http://schemas.microsoft.com/office/drawing/2010/main" val="0"/>
+              </a:ext>
+            </a:extLst>
+          </a:blip>
+          <a:stretch>
+            <a:fillRect/>
+          </a:stretch>
+        </p:blipFill>
+        <p:spPr>
+          <a:xfrm>
+            <a:off x="0" y="0"/>
+            <a:ext cx="9144000" cy="6858000"/>
+          </a:xfrm>
+          <a:prstGeom prst="rect">
+            <a:avLst/>
+          </a:prstGeom>
+        </p:spPr>
+      </p:pic>
+      <p:sp>
+        <p:nvSpPr>
+          <p:cNvPr id="2" name="Título 1"/>
+          <p:cNvSpPr>
+            <a:spLocks noGrp="1"/>
+          </p:cNvSpPr>
+          <p:nvPr>
+            <p:ph type="title"/>
+          </p:nvPr>
+        </p:nvSpPr>
+        <p:spPr>
+          <a:xfrm>
+            <a:off x="628650" y="1085976"/>
+            <a:ext cx="7886700" cy="339767"/>
+          </a:xfrm>
+        </p:spPr>
+        <p:txBody>
+          <a:bodyPr>
+            <a:normAutofit fontScale="90000"/>
+          </a:bodyPr>
+          <a:lstStyle/>
+          <a:p>
+            <a:r>
+              <a:rPr lang="pt-BR" dirty="0" smtClean="0"/>
+              <a:t>Trabalhos Futuros</a:t>
+            </a:r>
+            <a:endParaRPr lang="pt-BR" dirty="0"/>
+          </a:p>
+        </p:txBody>
+      </p:sp>
+      <p:sp>
+        <p:nvSpPr>
+          <p:cNvPr id="3" name="Espaço Reservado para Conteúdo 2"/>
+          <p:cNvSpPr>
+            <a:spLocks noGrp="1"/>
+          </p:cNvSpPr>
+          <p:nvPr>
+            <p:ph idx="1"/>
+          </p:nvPr>
+        </p:nvSpPr>
+        <p:spPr>
+          <a:xfrm>
+            <a:off x="628650" y="2455975"/>
+            <a:ext cx="7886700" cy="3263504"/>
+          </a:xfrm>
+        </p:spPr>
+        <p:txBody>
+          <a:bodyPr>
+            <a:normAutofit/>
+          </a:bodyPr>
+          <a:lstStyle/>
+          <a:p>
+            <a:pPr>
+              <a:buClr>
+                <a:schemeClr val="accent1">
+                  <a:lumMod val="75000"/>
+                </a:schemeClr>
+              </a:buClr>
+              <a:buFont typeface="Wingdings" panose="05000000000000000000" pitchFamily="2" charset="2"/>
+              <a:buChar char="q"/>
+            </a:pPr>
+            <a:r>
+              <a:rPr lang="pt-BR" dirty="0" smtClean="0"/>
+              <a:t>Implementar mais instruções</a:t>
+            </a:r>
+          </a:p>
+          <a:p>
+            <a:pPr>
+              <a:buClr>
+                <a:schemeClr val="accent1">
+                  <a:lumMod val="75000"/>
+                </a:schemeClr>
+              </a:buClr>
+              <a:buFont typeface="Wingdings" panose="05000000000000000000" pitchFamily="2" charset="2"/>
+              <a:buChar char="q"/>
+            </a:pPr>
+            <a:r>
+              <a:rPr lang="pt-BR" dirty="0" smtClean="0"/>
+              <a:t>Aumentar o tamanho dos registros</a:t>
+            </a:r>
+          </a:p>
+          <a:p>
+            <a:pPr>
+              <a:buClr>
+                <a:schemeClr val="accent1">
+                  <a:lumMod val="75000"/>
+                </a:schemeClr>
+              </a:buClr>
+              <a:buFont typeface="Wingdings" panose="05000000000000000000" pitchFamily="2" charset="2"/>
+              <a:buChar char="q"/>
+            </a:pPr>
+            <a:r>
+              <a:rPr lang="pt-BR" dirty="0" smtClean="0"/>
+              <a:t>Microprocessador base para outros estudos: </a:t>
+            </a:r>
+            <a:r>
+              <a:rPr lang="pt-BR" i="1" dirty="0" smtClean="0"/>
+              <a:t>pipeline</a:t>
+            </a:r>
+            <a:r>
+              <a:rPr lang="pt-BR" dirty="0" smtClean="0"/>
+              <a:t>, </a:t>
+            </a:r>
+            <a:r>
+              <a:rPr lang="pt-BR" i="1" dirty="0" err="1" smtClean="0"/>
+              <a:t>placement</a:t>
+            </a:r>
+            <a:r>
+              <a:rPr lang="pt-BR" dirty="0" smtClean="0"/>
+              <a:t>, </a:t>
+            </a:r>
+            <a:r>
+              <a:rPr lang="pt-BR" i="1" dirty="0" err="1" smtClean="0"/>
+              <a:t>routing</a:t>
+            </a:r>
+            <a:r>
+              <a:rPr lang="pt-BR" dirty="0" smtClean="0"/>
+              <a:t> entre outros.</a:t>
+            </a:r>
+          </a:p>
+          <a:p>
+            <a:pPr>
+              <a:buClr>
+                <a:schemeClr val="accent1">
+                  <a:lumMod val="75000"/>
+                </a:schemeClr>
+              </a:buClr>
+              <a:buFont typeface="Wingdings" panose="05000000000000000000" pitchFamily="2" charset="2"/>
+              <a:buChar char="q"/>
+            </a:pPr>
+            <a:r>
+              <a:rPr lang="pt-BR" dirty="0" smtClean="0"/>
+              <a:t>Desenvolvimento de uma arquitetura mais complexa </a:t>
+            </a:r>
+            <a:r>
+              <a:rPr lang="pt-BR" b="1" dirty="0" smtClean="0"/>
+              <a:t>Open </a:t>
+            </a:r>
+            <a:r>
+              <a:rPr lang="pt-BR" b="1" dirty="0" err="1" smtClean="0"/>
+              <a:t>Source</a:t>
+            </a:r>
+            <a:r>
+              <a:rPr lang="pt-BR" b="1" dirty="0" smtClean="0"/>
+              <a:t> </a:t>
+            </a:r>
+            <a:r>
+              <a:rPr lang="pt-BR" dirty="0" smtClean="0"/>
+              <a:t>com auxílio de uma comunidade</a:t>
+            </a:r>
+          </a:p>
+        </p:txBody>
+      </p:sp>
+      <p:sp>
+        <p:nvSpPr>
+          <p:cNvPr id="11" name="Espaço Reservado para Data 10"/>
+          <p:cNvSpPr>
+            <a:spLocks noGrp="1"/>
+          </p:cNvSpPr>
+          <p:nvPr>
+            <p:ph type="dt" sz="half" idx="10"/>
+          </p:nvPr>
+        </p:nvSpPr>
+        <p:spPr/>
+        <p:txBody>
+          <a:bodyPr/>
+          <a:lstStyle/>
+          <a:p>
+            <a:fld id="{5B2C3F26-301F-434E-863D-B89F544B9CE4}" type="datetime1">
+              <a:rPr lang="pt-BR" smtClean="0"/>
+              <a:t>03/06/2014</a:t>
+            </a:fld>
+            <a:endParaRPr lang="pt-BR"/>
+          </a:p>
+        </p:txBody>
+      </p:sp>
+      <p:sp>
+        <p:nvSpPr>
+          <p:cNvPr id="13" name="Espaço Reservado para Rodapé 12"/>
+          <p:cNvSpPr>
+            <a:spLocks noGrp="1"/>
+          </p:cNvSpPr>
+          <p:nvPr>
+            <p:ph type="ftr" sz="quarter" idx="11"/>
+          </p:nvPr>
+        </p:nvSpPr>
+        <p:spPr/>
+        <p:txBody>
+          <a:bodyPr/>
+          <a:lstStyle/>
+          <a:p>
+            <a:r>
+              <a:rPr lang="pt-BR" smtClean="0"/>
+              <a:t>Universidade Federal de Itajubá</a:t>
+            </a:r>
+            <a:endParaRPr lang="pt-BR"/>
+          </a:p>
+        </p:txBody>
+      </p:sp>
+      <p:sp>
+        <p:nvSpPr>
+          <p:cNvPr id="12" name="Espaço Reservado para Número de Slide 11"/>
+          <p:cNvSpPr>
+            <a:spLocks noGrp="1"/>
+          </p:cNvSpPr>
+          <p:nvPr>
+            <p:ph type="sldNum" sz="quarter" idx="12"/>
+          </p:nvPr>
+        </p:nvSpPr>
+        <p:spPr/>
+        <p:txBody>
+          <a:bodyPr/>
+          <a:lstStyle/>
+          <a:p>
+            <a:fld id="{31892884-0934-4F3F-B79B-36C387EDB149}" type="slidenum">
+              <a:rPr lang="pt-BR" smtClean="0"/>
+              <a:t>24</a:t>
+            </a:fld>
+            <a:endParaRPr lang="pt-BR"/>
+          </a:p>
+        </p:txBody>
+      </p:sp>
+      <p:cxnSp>
+        <p:nvCxnSpPr>
+          <p:cNvPr id="9" name="Conector reto 8"/>
+          <p:cNvCxnSpPr/>
+          <p:nvPr/>
+        </p:nvCxnSpPr>
+        <p:spPr>
+          <a:xfrm>
+            <a:off x="333877" y="1534031"/>
+            <a:ext cx="4908884" cy="0"/>
+          </a:xfrm>
+          <a:prstGeom prst="line">
+            <a:avLst/>
+          </a:prstGeom>
+          <a:ln/>
+        </p:spPr>
+        <p:style>
+          <a:lnRef idx="3">
+            <a:schemeClr val="accent1"/>
+          </a:lnRef>
+          <a:fillRef idx="0">
+            <a:schemeClr val="accent1"/>
+          </a:fillRef>
+          <a:effectRef idx="2">
+            <a:schemeClr val="accent1"/>
+          </a:effectRef>
+          <a:fontRef idx="minor">
+            <a:schemeClr val="tx1"/>
+          </a:fontRef>
+        </p:style>
+      </p:cxnSp>
+    </p:spTree>
+    <p:extLst>
+      <p:ext uri="{BB962C8B-B14F-4D97-AF65-F5344CB8AC3E}">
+        <p14:creationId xmlns:p14="http://schemas.microsoft.com/office/powerpoint/2010/main" val="3325393245"/>
+      </p:ext>
+    </p:extLst>
+  </p:cSld>
+  <p:clrMapOvr>
+    <a:masterClrMapping/>
+  </p:clrMapOvr>
+  <mc:AlternateContent xmlns:mc="http://schemas.openxmlformats.org/markup-compatibility/2006" xmlns:p14="http://schemas.microsoft.com/office/powerpoint/2010/main">
+    <mc:Choice Requires="p14">
+      <p:transition p14:dur="0"/>
+    </mc:Choice>
+    <mc:Fallback xmlns="">
+      <p:transition/>
+    </mc:Fallback>
+  </mc:AlternateContent>
+  <p:timing>
+    <p:tnLst>
+      <p:par>
+        <p:cTn id="1" dur="indefinite" restart="never" nodeType="tmRoot"/>
+      </p:par>
+    </p:tnLst>
+  </p:timing>
+</p:sld>
+</file>
+
+<file path=ppt/slides/slide25.xml><?xml version="1.0" encoding="utf-8"?>
+<p:sld xmlns:a="http://schemas.openxmlformats.org/drawingml/2006/main" xmlns:r="http://schemas.openxmlformats.org/officeDocument/2006/relationships" xmlns:p="http://schemas.openxmlformats.org/presentationml/2006/main">
+  <p:cSld>
+    <p:spTree>
+      <p:nvGrpSpPr>
+        <p:cNvPr id="1" name=""/>
+        <p:cNvGrpSpPr/>
+        <p:nvPr/>
+      </p:nvGrpSpPr>
+      <p:grpSpPr>
+        <a:xfrm>
+          <a:off x="0" y="0"/>
+          <a:ext cx="0" cy="0"/>
+          <a:chOff x="0" y="0"/>
+          <a:chExt cx="0" cy="0"/>
+        </a:xfrm>
+      </p:grpSpPr>
+      <p:pic>
+        <p:nvPicPr>
+          <p:cNvPr id="4" name="Imagem 3"/>
+          <p:cNvPicPr>
+            <a:picLocks noChangeAspect="1"/>
+          </p:cNvPicPr>
+          <p:nvPr/>
+        </p:nvPicPr>
+        <p:blipFill>
+          <a:blip r:embed="rId3">
+            <a:extLst>
+              <a:ext uri="{28A0092B-C50C-407E-A947-70E740481C1C}">
+                <a14:useLocalDpi xmlns:a14="http://schemas.microsoft.com/office/drawing/2010/main" val="0"/>
+              </a:ext>
+            </a:extLst>
+          </a:blip>
+          <a:stretch>
+            <a:fillRect/>
+          </a:stretch>
+        </p:blipFill>
+        <p:spPr>
+          <a:xfrm>
+            <a:off x="0" y="0"/>
+            <a:ext cx="9144000" cy="6858000"/>
+          </a:xfrm>
+          <a:prstGeom prst="rect">
+            <a:avLst/>
+          </a:prstGeom>
+        </p:spPr>
+      </p:pic>
+      <p:sp>
+        <p:nvSpPr>
+          <p:cNvPr id="2" name="Título 1"/>
+          <p:cNvSpPr>
+            <a:spLocks noGrp="1"/>
+          </p:cNvSpPr>
+          <p:nvPr>
+            <p:ph type="title"/>
+          </p:nvPr>
+        </p:nvSpPr>
+        <p:spPr>
+          <a:xfrm>
+            <a:off x="628650" y="1085976"/>
+            <a:ext cx="7886700" cy="339767"/>
+          </a:xfrm>
+        </p:spPr>
+        <p:txBody>
+          <a:bodyPr>
+            <a:normAutofit fontScale="90000"/>
+          </a:bodyPr>
+          <a:lstStyle/>
+          <a:p>
+            <a:r>
+              <a:rPr lang="pt-BR" dirty="0" smtClean="0"/>
+              <a:t>Projeto Novena</a:t>
+            </a:r>
+            <a:endParaRPr lang="pt-BR" dirty="0"/>
+          </a:p>
+        </p:txBody>
+      </p:sp>
+      <p:sp>
+        <p:nvSpPr>
+          <p:cNvPr id="11" name="Espaço Reservado para Data 10"/>
+          <p:cNvSpPr>
+            <a:spLocks noGrp="1"/>
+          </p:cNvSpPr>
+          <p:nvPr>
+            <p:ph type="dt" sz="half" idx="10"/>
+          </p:nvPr>
+        </p:nvSpPr>
+        <p:spPr/>
+        <p:txBody>
+          <a:bodyPr/>
+          <a:lstStyle/>
+          <a:p>
+            <a:fld id="{5B2C3F26-301F-434E-863D-B89F544B9CE4}" type="datetime1">
+              <a:rPr lang="pt-BR" smtClean="0"/>
+              <a:t>03/06/2014</a:t>
+            </a:fld>
+            <a:endParaRPr lang="pt-BR"/>
+          </a:p>
+        </p:txBody>
+      </p:sp>
+      <p:sp>
+        <p:nvSpPr>
+          <p:cNvPr id="13" name="Espaço Reservado para Rodapé 12"/>
+          <p:cNvSpPr>
+            <a:spLocks noGrp="1"/>
+          </p:cNvSpPr>
+          <p:nvPr>
+            <p:ph type="ftr" sz="quarter" idx="11"/>
+          </p:nvPr>
+        </p:nvSpPr>
+        <p:spPr/>
+        <p:txBody>
+          <a:bodyPr/>
+          <a:lstStyle/>
+          <a:p>
+            <a:r>
+              <a:rPr lang="pt-BR" smtClean="0"/>
+              <a:t>Universidade Federal de Itajubá</a:t>
+            </a:r>
+            <a:endParaRPr lang="pt-BR"/>
+          </a:p>
+        </p:txBody>
+      </p:sp>
+      <p:sp>
+        <p:nvSpPr>
+          <p:cNvPr id="12" name="Espaço Reservado para Número de Slide 11"/>
+          <p:cNvSpPr>
+            <a:spLocks noGrp="1"/>
+          </p:cNvSpPr>
+          <p:nvPr>
+            <p:ph type="sldNum" sz="quarter" idx="12"/>
+          </p:nvPr>
+        </p:nvSpPr>
+        <p:spPr/>
+        <p:txBody>
+          <a:bodyPr/>
+          <a:lstStyle/>
+          <a:p>
+            <a:fld id="{31892884-0934-4F3F-B79B-36C387EDB149}" type="slidenum">
+              <a:rPr lang="pt-BR" smtClean="0"/>
+              <a:t>25</a:t>
+            </a:fld>
+            <a:endParaRPr lang="pt-BR"/>
+          </a:p>
+        </p:txBody>
+      </p:sp>
+      <p:cxnSp>
+        <p:nvCxnSpPr>
+          <p:cNvPr id="9" name="Conector reto 8"/>
+          <p:cNvCxnSpPr/>
+          <p:nvPr/>
+        </p:nvCxnSpPr>
+        <p:spPr>
+          <a:xfrm>
+            <a:off x="333877" y="1534031"/>
+            <a:ext cx="4908884" cy="0"/>
+          </a:xfrm>
+          <a:prstGeom prst="line">
+            <a:avLst/>
+          </a:prstGeom>
+          <a:ln/>
+        </p:spPr>
+        <p:style>
+          <a:lnRef idx="3">
+            <a:schemeClr val="accent1"/>
+          </a:lnRef>
+          <a:fillRef idx="0">
+            <a:schemeClr val="accent1"/>
+          </a:fillRef>
+          <a:effectRef idx="2">
+            <a:schemeClr val="accent1"/>
+          </a:effectRef>
+          <a:fontRef idx="minor">
+            <a:schemeClr val="tx1"/>
+          </a:fontRef>
+        </p:style>
+      </p:cxnSp>
+      <p:pic>
+        <p:nvPicPr>
+          <p:cNvPr id="7" name="Imagem 6"/>
+          <p:cNvPicPr>
+            <a:picLocks noChangeAspect="1"/>
+          </p:cNvPicPr>
+          <p:nvPr/>
+        </p:nvPicPr>
+        <p:blipFill>
+          <a:blip r:embed="rId4">
+            <a:extLst>
+              <a:ext uri="{28A0092B-C50C-407E-A947-70E740481C1C}">
+                <a14:useLocalDpi xmlns:a14="http://schemas.microsoft.com/office/drawing/2010/main" val="0"/>
+              </a:ext>
+            </a:extLst>
+          </a:blip>
+          <a:stretch>
+            <a:fillRect/>
+          </a:stretch>
+        </p:blipFill>
+        <p:spPr>
+          <a:xfrm>
+            <a:off x="2102159" y="2390614"/>
+            <a:ext cx="4939682" cy="3746032"/>
+          </a:xfrm>
+          <a:prstGeom prst="rect">
+            <a:avLst/>
+          </a:prstGeom>
+        </p:spPr>
+      </p:pic>
+    </p:spTree>
+    <p:extLst>
+      <p:ext uri="{BB962C8B-B14F-4D97-AF65-F5344CB8AC3E}">
+        <p14:creationId xmlns:p14="http://schemas.microsoft.com/office/powerpoint/2010/main" val="3000009647"/>
+      </p:ext>
+    </p:extLst>
+  </p:cSld>
+  <p:clrMapOvr>
+    <a:masterClrMapping/>
+  </p:clrMapOvr>
+  <mc:AlternateContent xmlns:mc="http://schemas.openxmlformats.org/markup-compatibility/2006" xmlns:p14="http://schemas.microsoft.com/office/powerpoint/2010/main">
+    <mc:Choice Requires="p14">
+      <p:transition p14:dur="0"/>
+    </mc:Choice>
+    <mc:Fallback xmlns="">
+      <p:transition/>
+    </mc:Fallback>
+  </mc:AlternateContent>
+  <p:timing>
+    <p:tnLst>
+      <p:par>
+        <p:cTn id="1" dur="indefinite" restart="never" nodeType="tmRoot"/>
+      </p:par>
+    </p:tnLst>
+  </p:timing>
+</p:sld>
+</file>
+
+<file path=ppt/slides/slide26.xml><?xml version="1.0" encoding="utf-8"?>
+<p:sld xmlns:a="http://schemas.openxmlformats.org/drawingml/2006/main" xmlns:r="http://schemas.openxmlformats.org/officeDocument/2006/relationships" xmlns:p="http://schemas.openxmlformats.org/presentationml/2006/main">
+  <p:cSld>
+    <p:spTree>
+      <p:nvGrpSpPr>
+        <p:cNvPr id="1" name=""/>
+        <p:cNvGrpSpPr/>
+        <p:nvPr/>
+      </p:nvGrpSpPr>
+      <p:grpSpPr>
+        <a:xfrm>
+          <a:off x="0" y="0"/>
+          <a:ext cx="0" cy="0"/>
+          <a:chOff x="0" y="0"/>
+          <a:chExt cx="0" cy="0"/>
+        </a:xfrm>
+      </p:grpSpPr>
+      <p:pic>
+        <p:nvPicPr>
+          <p:cNvPr id="5" name="Imagem 4"/>
+          <p:cNvPicPr>
+            <a:picLocks noChangeAspect="1"/>
+          </p:cNvPicPr>
+          <p:nvPr/>
+        </p:nvPicPr>
+        <p:blipFill>
+          <a:blip r:embed="rId3">
+            <a:extLst>
+              <a:ext uri="{28A0092B-C50C-407E-A947-70E740481C1C}">
+                <a14:useLocalDpi xmlns:a14="http://schemas.microsoft.com/office/drawing/2010/main" val="0"/>
+              </a:ext>
+            </a:extLst>
+          </a:blip>
+          <a:stretch>
+            <a:fillRect/>
+          </a:stretch>
+        </p:blipFill>
+        <p:spPr>
+          <a:xfrm>
+            <a:off x="0" y="0"/>
+            <a:ext cx="9144000" cy="6858000"/>
+          </a:xfrm>
+          <a:prstGeom prst="rect">
+            <a:avLst/>
+          </a:prstGeom>
+        </p:spPr>
+      </p:pic>
+      <p:sp>
+        <p:nvSpPr>
+          <p:cNvPr id="11" name="Espaço Reservado para Data 10"/>
+          <p:cNvSpPr>
+            <a:spLocks noGrp="1"/>
+          </p:cNvSpPr>
+          <p:nvPr>
+            <p:ph type="dt" sz="half" idx="10"/>
+          </p:nvPr>
+        </p:nvSpPr>
+        <p:spPr/>
+        <p:txBody>
+          <a:bodyPr/>
+          <a:lstStyle/>
+          <a:p>
+            <a:fld id="{5B2C3F26-301F-434E-863D-B89F544B9CE4}" type="datetime1">
+              <a:rPr lang="pt-BR" smtClean="0"/>
+              <a:t>03/06/2014</a:t>
+            </a:fld>
+            <a:endParaRPr lang="pt-BR"/>
+          </a:p>
+        </p:txBody>
+      </p:sp>
+      <p:sp>
+        <p:nvSpPr>
+          <p:cNvPr id="13" name="Espaço Reservado para Rodapé 12"/>
+          <p:cNvSpPr>
+            <a:spLocks noGrp="1"/>
+          </p:cNvSpPr>
+          <p:nvPr>
+            <p:ph type="ftr" sz="quarter" idx="11"/>
+          </p:nvPr>
+        </p:nvSpPr>
+        <p:spPr/>
+        <p:txBody>
+          <a:bodyPr/>
+          <a:lstStyle/>
+          <a:p>
+            <a:r>
+              <a:rPr lang="pt-BR" smtClean="0"/>
+              <a:t>Universidade Federal de Itajubá</a:t>
+            </a:r>
+            <a:endParaRPr lang="pt-BR"/>
+          </a:p>
+        </p:txBody>
+      </p:sp>
+      <p:sp>
+        <p:nvSpPr>
+          <p:cNvPr id="12" name="Espaço Reservado para Número de Slide 11"/>
+          <p:cNvSpPr>
+            <a:spLocks noGrp="1"/>
+          </p:cNvSpPr>
+          <p:nvPr>
+            <p:ph type="sldNum" sz="quarter" idx="12"/>
+          </p:nvPr>
+        </p:nvSpPr>
+        <p:spPr/>
+        <p:txBody>
+          <a:bodyPr/>
+          <a:lstStyle/>
+          <a:p>
+            <a:fld id="{31892884-0934-4F3F-B79B-36C387EDB149}" type="slidenum">
+              <a:rPr lang="pt-BR" smtClean="0"/>
+              <a:t>26</a:t>
+            </a:fld>
+            <a:endParaRPr lang="pt-BR"/>
+          </a:p>
+        </p:txBody>
+      </p:sp>
+      <p:sp>
+        <p:nvSpPr>
+          <p:cNvPr id="6" name="CaixaDeTexto 5"/>
+          <p:cNvSpPr txBox="1"/>
+          <p:nvPr/>
+        </p:nvSpPr>
+        <p:spPr>
+          <a:xfrm>
+            <a:off x="721217" y="4739425"/>
+            <a:ext cx="8074646" cy="769441"/>
+          </a:xfrm>
+          <a:prstGeom prst="rect">
+            <a:avLst/>
+          </a:prstGeom>
+          <a:noFill/>
+        </p:spPr>
+        <p:txBody>
+          <a:bodyPr wrap="none" rtlCol="0">
+            <a:spAutoFit/>
+          </a:bodyPr>
+          <a:lstStyle/>
+          <a:p>
+            <a:r>
+              <a:rPr lang="pt-BR" sz="4400" b="1" dirty="0" smtClean="0">
+                <a:solidFill>
+                  <a:schemeClr val="bg1"/>
+                </a:solidFill>
+                <a:latin typeface="Eras Light ITC" panose="020B0402030504020804" pitchFamily="34" charset="0"/>
+              </a:rPr>
+              <a:t>Muito obrigado por sua atenção !</a:t>
+            </a:r>
+            <a:endParaRPr lang="pt-BR" sz="4400" b="1" dirty="0">
+              <a:solidFill>
+                <a:schemeClr val="bg1"/>
+              </a:solidFill>
+              <a:latin typeface="Eras Light ITC" panose="020B0402030504020804" pitchFamily="34" charset="0"/>
+            </a:endParaRPr>
+          </a:p>
+        </p:txBody>
+      </p:sp>
+    </p:spTree>
+    <p:extLst>
+      <p:ext uri="{BB962C8B-B14F-4D97-AF65-F5344CB8AC3E}">
+        <p14:creationId xmlns:p14="http://schemas.microsoft.com/office/powerpoint/2010/main" val="2126368496"/>
+      </p:ext>
+    </p:extLst>
+  </p:cSld>
+  <p:clrMapOvr>
+    <a:masterClrMapping/>
+  </p:clrMapOvr>
+  <mc:AlternateContent xmlns:mc="http://schemas.openxmlformats.org/markup-compatibility/2006" xmlns:p14="http://schemas.microsoft.com/office/powerpoint/2010/main">
+    <mc:Choice Requires="p14">
+      <p:transition p14:dur="0"/>
+    </mc:Choice>
+    <mc:Fallback xmlns="">
       <p:transition/>
     </mc:Fallback>
   </mc:AlternateContent>
@@ -4347,7 +11885,7 @@
           <a:p>
             <a:fld id="{5B2C3F26-301F-434E-863D-B89F544B9CE4}" type="datetime1">
               <a:rPr lang="pt-BR" smtClean="0"/>
-              <a:t>28/05/2014</a:t>
+              <a:t>03/06/2014</a:t>
             </a:fld>
             <a:endParaRPr lang="pt-BR"/>
           </a:p>
@@ -4503,6 +12041,88 @@
           </a:p>
         </p:txBody>
       </p:sp>
+      <p:pic>
+        <p:nvPicPr>
+          <p:cNvPr id="3" name="Imagem 2"/>
+          <p:cNvPicPr>
+            <a:picLocks noChangeAspect="1"/>
+          </p:cNvPicPr>
+          <p:nvPr/>
+        </p:nvPicPr>
+        <p:blipFill>
+          <a:blip r:embed="rId5"/>
+          <a:stretch>
+            <a:fillRect/>
+          </a:stretch>
+        </p:blipFill>
+        <p:spPr>
+          <a:xfrm>
+            <a:off x="426444" y="3786667"/>
+            <a:ext cx="5195566" cy="964543"/>
+          </a:xfrm>
+          <a:prstGeom prst="rect">
+            <a:avLst/>
+          </a:prstGeom>
+          <a:ln>
+            <a:noFill/>
+          </a:ln>
+          <a:effectLst>
+            <a:outerShdw blurRad="292100" dist="139700" dir="2700000" algn="tl" rotWithShape="0">
+              <a:srgbClr val="333333">
+                <a:alpha val="65000"/>
+              </a:srgbClr>
+            </a:outerShdw>
+          </a:effectLst>
+        </p:spPr>
+      </p:pic>
+      <p:cxnSp>
+        <p:nvCxnSpPr>
+          <p:cNvPr id="10" name="Conector angulado 9"/>
+          <p:cNvCxnSpPr>
+            <a:endCxn id="3" idx="3"/>
+          </p:cNvCxnSpPr>
+          <p:nvPr/>
+        </p:nvCxnSpPr>
+        <p:spPr>
+          <a:xfrm rot="16200000" flipH="1">
+            <a:off x="4070119" y="2717047"/>
+            <a:ext cx="1641649" cy="1462134"/>
+          </a:xfrm>
+          <a:prstGeom prst="bentConnector4">
+            <a:avLst>
+              <a:gd name="adj1" fmla="val -1561"/>
+              <a:gd name="adj2" fmla="val 115635"/>
+            </a:avLst>
+          </a:prstGeom>
+          <a:ln w="38100">
+            <a:solidFill>
+              <a:srgbClr val="FF0000"/>
+            </a:solidFill>
+            <a:tailEnd type="triangle"/>
+          </a:ln>
+          <a:effectLst>
+            <a:outerShdw blurRad="50800" dist="38100" algn="l" rotWithShape="0">
+              <a:prstClr val="black">
+                <a:alpha val="40000"/>
+              </a:prstClr>
+            </a:outerShdw>
+          </a:effectLst>
+        </p:spPr>
+        <p:style>
+          <a:lnRef idx="1">
+            <a:schemeClr val="accent1"/>
+          </a:lnRef>
+          <a:fillRef idx="0">
+            <a:schemeClr val="accent1"/>
+          </a:fillRef>
+          <a:effectRef idx="0">
+            <a:schemeClr val="accent1"/>
+          </a:effectRef>
+          <a:fontRef idx="minor">
+            <a:schemeClr val="tx1"/>
+          </a:fontRef>
+        </p:style>
+      </p:cxnSp>
     </p:spTree>
     <p:extLst>
       <p:ext uri="{BB962C8B-B14F-4D97-AF65-F5344CB8AC3E}">
@@ -4513,11 +12133,400 @@
   <p:clrMapOvr>
     <a:masterClrMapping/>
   </p:clrMapOvr>
-  <mc:AlternateContent xmlns:mc="http://schemas.openxmlformats.org/markup-compatibility/2006">
-    <mc:Choice xmlns:p14="http://schemas.microsoft.com/office/powerpoint/2010/main" Requires="p14">
+  <mc:AlternateContent xmlns:mc="http://schemas.openxmlformats.org/markup-compatibility/2006" xmlns:p14="http://schemas.microsoft.com/office/powerpoint/2010/main">
+    <mc:Choice Requires="p14">
       <p:transition p14:dur="0"/>
     </mc:Choice>
-    <mc:Fallback>
+    <mc:Fallback xmlns="">
+      <p:transition/>
+    </mc:Fallback>
+  </mc:AlternateContent>
+  <p:timing>
+    <p:tnLst>
+      <p:par>
+        <p:cTn id="1" dur="indefinite" restart="never" nodeType="tmRoot">
+          <p:childTnLst>
+            <p:seq concurrent="1" nextAc="seek">
+              <p:cTn id="2" dur="indefinite" nodeType="mainSeq">
+                <p:childTnLst>
+                  <p:par>
+                    <p:cTn id="3" fill="hold">
+                      <p:stCondLst>
+                        <p:cond delay="indefinite"/>
+                      </p:stCondLst>
+                      <p:childTnLst>
+                        <p:par>
+                          <p:cTn id="4" fill="hold">
+                            <p:stCondLst>
+                              <p:cond delay="0"/>
+                            </p:stCondLst>
+                            <p:childTnLst>
+                              <p:par>
+                                <p:cTn id="5" presetID="10" presetClass="entr" presetSubtype="0" fill="hold" nodeType="clickEffect">
+                                  <p:stCondLst>
+                                    <p:cond delay="0"/>
+                                  </p:stCondLst>
+                                  <p:childTnLst>
+                                    <p:set>
+                                      <p:cBhvr>
+                                        <p:cTn id="6" dur="1" fill="hold">
+                                          <p:stCondLst>
+                                            <p:cond delay="0"/>
+                                          </p:stCondLst>
+                                        </p:cTn>
+                                        <p:tgtEl>
+                                          <p:spTgt spid="10"/>
+                                        </p:tgtEl>
+                                        <p:attrNameLst>
+                                          <p:attrName>style.visibility</p:attrName>
+                                        </p:attrNameLst>
+                                      </p:cBhvr>
+                                      <p:to>
+                                        <p:strVal val="visible"/>
+                                      </p:to>
+                                    </p:set>
+                                    <p:animEffect transition="in" filter="fade">
+                                      <p:cBhvr>
+                                        <p:cTn id="7" dur="500"/>
+                                        <p:tgtEl>
+                                          <p:spTgt spid="10"/>
+                                        </p:tgtEl>
+                                      </p:cBhvr>
+                                    </p:animEffect>
+                                  </p:childTnLst>
+                                </p:cTn>
+                              </p:par>
+                              <p:par>
+                                <p:cTn id="8" presetID="10" presetClass="entr" presetSubtype="0" fill="hold" nodeType="withEffect">
+                                  <p:stCondLst>
+                                    <p:cond delay="0"/>
+                                  </p:stCondLst>
+                                  <p:childTnLst>
+                                    <p:set>
+                                      <p:cBhvr>
+                                        <p:cTn id="9" dur="1" fill="hold">
+                                          <p:stCondLst>
+                                            <p:cond delay="0"/>
+                                          </p:stCondLst>
+                                        </p:cTn>
+                                        <p:tgtEl>
+                                          <p:spTgt spid="3"/>
+                                        </p:tgtEl>
+                                        <p:attrNameLst>
+                                          <p:attrName>style.visibility</p:attrName>
+                                        </p:attrNameLst>
+                                      </p:cBhvr>
+                                      <p:to>
+                                        <p:strVal val="visible"/>
+                                      </p:to>
+                                    </p:set>
+                                    <p:animEffect transition="in" filter="fade">
+                                      <p:cBhvr>
+                                        <p:cTn id="10" dur="500"/>
+                                        <p:tgtEl>
+                                          <p:spTgt spid="3"/>
+                                        </p:tgtEl>
+                                      </p:cBhvr>
+                                    </p:animEffect>
+                                  </p:childTnLst>
+                                </p:cTn>
+                              </p:par>
+                            </p:childTnLst>
+                          </p:cTn>
+                        </p:par>
+                      </p:childTnLst>
+                    </p:cTn>
+                  </p:par>
+                </p:childTnLst>
+              </p:cTn>
+              <p:prevCondLst>
+                <p:cond evt="onPrev" delay="0">
+                  <p:tgtEl>
+                    <p:sldTgt/>
+                  </p:tgtEl>
+                </p:cond>
+              </p:prevCondLst>
+              <p:nextCondLst>
+                <p:cond evt="onNext" delay="0">
+                  <p:tgtEl>
+                    <p:sldTgt/>
+                  </p:tgtEl>
+                </p:cond>
+              </p:nextCondLst>
+            </p:seq>
+          </p:childTnLst>
+        </p:cTn>
+      </p:par>
+    </p:tnLst>
+  </p:timing>
+</p:sld>
+</file>
+
+<file path=ppt/slides/slide4.xml><?xml version="1.0" encoding="utf-8"?>
+<p:sld xmlns:a="http://schemas.openxmlformats.org/drawingml/2006/main" xmlns:r="http://schemas.openxmlformats.org/officeDocument/2006/relationships" xmlns:p="http://schemas.openxmlformats.org/presentationml/2006/main">
+  <p:cSld>
+    <p:spTree>
+      <p:nvGrpSpPr>
+        <p:cNvPr id="1" name=""/>
+        <p:cNvGrpSpPr/>
+        <p:nvPr/>
+      </p:nvGrpSpPr>
+      <p:grpSpPr>
+        <a:xfrm>
+          <a:off x="0" y="0"/>
+          <a:ext cx="0" cy="0"/>
+          <a:chOff x="0" y="0"/>
+          <a:chExt cx="0" cy="0"/>
+        </a:xfrm>
+      </p:grpSpPr>
+      <p:pic>
+        <p:nvPicPr>
+          <p:cNvPr id="4" name="Imagem 3"/>
+          <p:cNvPicPr>
+            <a:picLocks noChangeAspect="1"/>
+          </p:cNvPicPr>
+          <p:nvPr/>
+        </p:nvPicPr>
+        <p:blipFill>
+          <a:blip r:embed="rId3">
+            <a:extLst>
+              <a:ext uri="{28A0092B-C50C-407E-A947-70E740481C1C}">
+                <a14:useLocalDpi xmlns:a14="http://schemas.microsoft.com/office/drawing/2010/main" val="0"/>
+              </a:ext>
+            </a:extLst>
+          </a:blip>
+          <a:stretch>
+            <a:fillRect/>
+          </a:stretch>
+        </p:blipFill>
+        <p:spPr>
+          <a:xfrm>
+            <a:off x="0" y="0"/>
+            <a:ext cx="9144000" cy="6858000"/>
+          </a:xfrm>
+          <a:prstGeom prst="rect">
+            <a:avLst/>
+          </a:prstGeom>
+        </p:spPr>
+      </p:pic>
+      <p:sp>
+        <p:nvSpPr>
+          <p:cNvPr id="2" name="Título 1"/>
+          <p:cNvSpPr>
+            <a:spLocks noGrp="1"/>
+          </p:cNvSpPr>
+          <p:nvPr>
+            <p:ph type="title"/>
+          </p:nvPr>
+        </p:nvSpPr>
+        <p:spPr>
+          <a:xfrm>
+            <a:off x="628650" y="411913"/>
+            <a:ext cx="7886700" cy="339767"/>
+          </a:xfrm>
+        </p:spPr>
+        <p:txBody>
+          <a:bodyPr>
+            <a:normAutofit fontScale="90000"/>
+          </a:bodyPr>
+          <a:lstStyle/>
+          <a:p>
+            <a:r>
+              <a:rPr lang="pt-BR" dirty="0" smtClean="0"/>
+              <a:t>Resultados</a:t>
+            </a:r>
+            <a:endParaRPr lang="pt-BR" dirty="0"/>
+          </a:p>
+        </p:txBody>
+      </p:sp>
+      <p:sp>
+        <p:nvSpPr>
+          <p:cNvPr id="11" name="Espaço Reservado para Data 10"/>
+          <p:cNvSpPr>
+            <a:spLocks noGrp="1"/>
+          </p:cNvSpPr>
+          <p:nvPr>
+            <p:ph type="dt" sz="half" idx="10"/>
+          </p:nvPr>
+        </p:nvSpPr>
+        <p:spPr/>
+        <p:txBody>
+          <a:bodyPr/>
+          <a:lstStyle/>
+          <a:p>
+            <a:fld id="{5B2C3F26-301F-434E-863D-B89F544B9CE4}" type="datetime1">
+              <a:rPr lang="pt-BR" smtClean="0"/>
+              <a:t>03/06/2014</a:t>
+            </a:fld>
+            <a:endParaRPr lang="pt-BR"/>
+          </a:p>
+        </p:txBody>
+      </p:sp>
+      <p:sp>
+        <p:nvSpPr>
+          <p:cNvPr id="13" name="Espaço Reservado para Rodapé 12"/>
+          <p:cNvSpPr>
+            <a:spLocks noGrp="1"/>
+          </p:cNvSpPr>
+          <p:nvPr>
+            <p:ph type="ftr" sz="quarter" idx="11"/>
+          </p:nvPr>
+        </p:nvSpPr>
+        <p:spPr/>
+        <p:txBody>
+          <a:bodyPr/>
+          <a:lstStyle/>
+          <a:p>
+            <a:r>
+              <a:rPr lang="pt-BR" smtClean="0"/>
+              <a:t>Universidade Federal de Itajubá</a:t>
+            </a:r>
+            <a:endParaRPr lang="pt-BR"/>
+          </a:p>
+        </p:txBody>
+      </p:sp>
+      <p:sp>
+        <p:nvSpPr>
+          <p:cNvPr id="12" name="Espaço Reservado para Número de Slide 11"/>
+          <p:cNvSpPr>
+            <a:spLocks noGrp="1"/>
+          </p:cNvSpPr>
+          <p:nvPr>
+            <p:ph type="sldNum" sz="quarter" idx="12"/>
+          </p:nvPr>
+        </p:nvSpPr>
+        <p:spPr/>
+        <p:txBody>
+          <a:bodyPr/>
+          <a:lstStyle/>
+          <a:p>
+            <a:fld id="{31892884-0934-4F3F-B79B-36C387EDB149}" type="slidenum">
+              <a:rPr lang="pt-BR" smtClean="0"/>
+              <a:t>4</a:t>
+            </a:fld>
+            <a:endParaRPr lang="pt-BR"/>
+          </a:p>
+        </p:txBody>
+      </p:sp>
+      <p:cxnSp>
+        <p:nvCxnSpPr>
+          <p:cNvPr id="9" name="Conector reto 8"/>
+          <p:cNvCxnSpPr/>
+          <p:nvPr/>
+        </p:nvCxnSpPr>
+        <p:spPr>
+          <a:xfrm flipV="1">
+            <a:off x="426444" y="914402"/>
+            <a:ext cx="8241038" cy="1445"/>
+          </a:xfrm>
+          <a:prstGeom prst="line">
+            <a:avLst/>
+          </a:prstGeom>
+          <a:ln/>
+        </p:spPr>
+        <p:style>
+          <a:lnRef idx="3">
+            <a:schemeClr val="accent1"/>
+          </a:lnRef>
+          <a:fillRef idx="0">
+            <a:schemeClr val="accent1"/>
+          </a:fillRef>
+          <a:effectRef idx="2">
+            <a:schemeClr val="accent1"/>
+          </a:effectRef>
+          <a:fontRef idx="minor">
+            <a:schemeClr val="tx1"/>
+          </a:fontRef>
+        </p:style>
+      </p:cxnSp>
+      <p:sp>
+        <p:nvSpPr>
+          <p:cNvPr id="8" name="CaixaDeTexto 7"/>
+          <p:cNvSpPr txBox="1"/>
+          <p:nvPr/>
+        </p:nvSpPr>
+        <p:spPr>
+          <a:xfrm>
+            <a:off x="628650" y="5668576"/>
+            <a:ext cx="7886700" cy="369332"/>
+          </a:xfrm>
+          <a:prstGeom prst="rect">
+            <a:avLst/>
+          </a:prstGeom>
+          <a:noFill/>
+        </p:spPr>
+        <p:txBody>
+          <a:bodyPr wrap="square" rtlCol="0">
+            <a:spAutoFit/>
+          </a:bodyPr>
+          <a:lstStyle/>
+          <a:p>
+            <a:pPr algn="ctr"/>
+            <a:r>
+              <a:rPr lang="pt-BR" i="1" dirty="0" smtClean="0"/>
+              <a:t>Figura X: Visão RTL do microprocessador desenvolvido</a:t>
+            </a:r>
+            <a:endParaRPr lang="pt-BR" i="1" dirty="0"/>
+          </a:p>
+        </p:txBody>
+      </p:sp>
+      <p:pic>
+        <p:nvPicPr>
+          <p:cNvPr id="15" name="Espaço Reservado para Conteúdo 14"/>
+          <p:cNvPicPr>
+            <a:picLocks noGrp="1" noChangeAspect="1"/>
+          </p:cNvPicPr>
+          <p:nvPr>
+            <p:ph idx="1"/>
+          </p:nvPr>
+        </p:nvPicPr>
+        <p:blipFill>
+          <a:blip r:embed="rId4">
+            <a:extLst>
+              <a:ext uri="{28A0092B-C50C-407E-A947-70E740481C1C}">
+                <a14:useLocalDpi xmlns:a14="http://schemas.microsoft.com/office/drawing/2010/main" val="0"/>
+              </a:ext>
+            </a:extLst>
+          </a:blip>
+          <a:stretch>
+            <a:fillRect/>
+          </a:stretch>
+        </p:blipFill>
+        <p:spPr>
+          <a:xfrm>
+            <a:off x="183044" y="2148656"/>
+            <a:ext cx="8777911" cy="3363502"/>
+          </a:xfrm>
+          <a:prstGeom prst="rect">
+            <a:avLst/>
+          </a:prstGeom>
+          <a:ln>
+            <a:noFill/>
+          </a:ln>
+          <a:effectLst>
+            <a:outerShdw blurRad="292100" dist="139700" dir="2700000" algn="tl" rotWithShape="0">
+              <a:srgbClr val="333333">
+                <a:alpha val="65000"/>
+              </a:srgbClr>
+            </a:outerShdw>
+          </a:effectLst>
+        </p:spPr>
+      </p:pic>
+    </p:spTree>
+    <p:extLst>
+      <p:ext uri="{BB962C8B-B14F-4D97-AF65-F5344CB8AC3E}">
+        <p14:creationId xmlns:p14="http://schemas.microsoft.com/office/powerpoint/2010/main" val="3514651135"/>
+      </p:ext>
+    </p:extLst>
+  </p:cSld>
+  <p:clrMapOvr>
+    <a:masterClrMapping/>
+  </p:clrMapOvr>
+  <mc:AlternateContent xmlns:mc="http://schemas.openxmlformats.org/markup-compatibility/2006" xmlns:p14="http://schemas.microsoft.com/office/powerpoint/2010/main">
+    <mc:Choice Requires="p14">
+      <p:transition p14:dur="0"/>
+    </mc:Choice>
+    <mc:Fallback xmlns="">
       <p:transition/>
     </mc:Fallback>
   </mc:AlternateContent>
@@ -4528,6 +12537,1534 @@
       </p:par>
     </p:tnLst>
   </p:timing>
+</p:sld>
+</file>
+
+<file path=ppt/slides/slide5.xml><?xml version="1.0" encoding="utf-8"?>
+<p:sld xmlns:a="http://schemas.openxmlformats.org/drawingml/2006/main" xmlns:r="http://schemas.openxmlformats.org/officeDocument/2006/relationships" xmlns:p="http://schemas.openxmlformats.org/presentationml/2006/main">
+  <p:cSld>
+    <p:spTree>
+      <p:nvGrpSpPr>
+        <p:cNvPr id="1" name=""/>
+        <p:cNvGrpSpPr/>
+        <p:nvPr/>
+      </p:nvGrpSpPr>
+      <p:grpSpPr>
+        <a:xfrm>
+          <a:off x="0" y="0"/>
+          <a:ext cx="0" cy="0"/>
+          <a:chOff x="0" y="0"/>
+          <a:chExt cx="0" cy="0"/>
+        </a:xfrm>
+      </p:grpSpPr>
+      <p:pic>
+        <p:nvPicPr>
+          <p:cNvPr id="4" name="Imagem 3"/>
+          <p:cNvPicPr>
+            <a:picLocks noChangeAspect="1"/>
+          </p:cNvPicPr>
+          <p:nvPr/>
+        </p:nvPicPr>
+        <p:blipFill>
+          <a:blip r:embed="rId3">
+            <a:extLst>
+              <a:ext uri="{28A0092B-C50C-407E-A947-70E740481C1C}">
+                <a14:useLocalDpi xmlns:a14="http://schemas.microsoft.com/office/drawing/2010/main" val="0"/>
+              </a:ext>
+            </a:extLst>
+          </a:blip>
+          <a:stretch>
+            <a:fillRect/>
+          </a:stretch>
+        </p:blipFill>
+        <p:spPr>
+          <a:xfrm>
+            <a:off x="0" y="0"/>
+            <a:ext cx="9144000" cy="6858000"/>
+          </a:xfrm>
+          <a:prstGeom prst="rect">
+            <a:avLst/>
+          </a:prstGeom>
+        </p:spPr>
+      </p:pic>
+      <p:sp>
+        <p:nvSpPr>
+          <p:cNvPr id="2" name="Título 1"/>
+          <p:cNvSpPr>
+            <a:spLocks noGrp="1"/>
+          </p:cNvSpPr>
+          <p:nvPr>
+            <p:ph type="title"/>
+          </p:nvPr>
+        </p:nvSpPr>
+        <p:spPr>
+          <a:xfrm>
+            <a:off x="628650" y="411913"/>
+            <a:ext cx="7886700" cy="339767"/>
+          </a:xfrm>
+        </p:spPr>
+        <p:txBody>
+          <a:bodyPr>
+            <a:normAutofit fontScale="90000"/>
+          </a:bodyPr>
+          <a:lstStyle/>
+          <a:p>
+            <a:r>
+              <a:rPr lang="pt-BR" dirty="0" smtClean="0"/>
+              <a:t>Resultados</a:t>
+            </a:r>
+            <a:endParaRPr lang="pt-BR" dirty="0"/>
+          </a:p>
+        </p:txBody>
+      </p:sp>
+      <p:sp>
+        <p:nvSpPr>
+          <p:cNvPr id="11" name="Espaço Reservado para Data 10"/>
+          <p:cNvSpPr>
+            <a:spLocks noGrp="1"/>
+          </p:cNvSpPr>
+          <p:nvPr>
+            <p:ph type="dt" sz="half" idx="10"/>
+          </p:nvPr>
+        </p:nvSpPr>
+        <p:spPr/>
+        <p:txBody>
+          <a:bodyPr/>
+          <a:lstStyle/>
+          <a:p>
+            <a:fld id="{5B2C3F26-301F-434E-863D-B89F544B9CE4}" type="datetime1">
+              <a:rPr lang="pt-BR" smtClean="0"/>
+              <a:t>03/06/2014</a:t>
+            </a:fld>
+            <a:endParaRPr lang="pt-BR"/>
+          </a:p>
+        </p:txBody>
+      </p:sp>
+      <p:sp>
+        <p:nvSpPr>
+          <p:cNvPr id="13" name="Espaço Reservado para Rodapé 12"/>
+          <p:cNvSpPr>
+            <a:spLocks noGrp="1"/>
+          </p:cNvSpPr>
+          <p:nvPr>
+            <p:ph type="ftr" sz="quarter" idx="11"/>
+          </p:nvPr>
+        </p:nvSpPr>
+        <p:spPr/>
+        <p:txBody>
+          <a:bodyPr/>
+          <a:lstStyle/>
+          <a:p>
+            <a:r>
+              <a:rPr lang="pt-BR" smtClean="0"/>
+              <a:t>Universidade Federal de Itajubá</a:t>
+            </a:r>
+            <a:endParaRPr lang="pt-BR"/>
+          </a:p>
+        </p:txBody>
+      </p:sp>
+      <p:sp>
+        <p:nvSpPr>
+          <p:cNvPr id="12" name="Espaço Reservado para Número de Slide 11"/>
+          <p:cNvSpPr>
+            <a:spLocks noGrp="1"/>
+          </p:cNvSpPr>
+          <p:nvPr>
+            <p:ph type="sldNum" sz="quarter" idx="12"/>
+          </p:nvPr>
+        </p:nvSpPr>
+        <p:spPr/>
+        <p:txBody>
+          <a:bodyPr/>
+          <a:lstStyle/>
+          <a:p>
+            <a:fld id="{31892884-0934-4F3F-B79B-36C387EDB149}" type="slidenum">
+              <a:rPr lang="pt-BR" smtClean="0"/>
+              <a:t>5</a:t>
+            </a:fld>
+            <a:endParaRPr lang="pt-BR"/>
+          </a:p>
+        </p:txBody>
+      </p:sp>
+      <p:cxnSp>
+        <p:nvCxnSpPr>
+          <p:cNvPr id="9" name="Conector reto 8"/>
+          <p:cNvCxnSpPr/>
+          <p:nvPr/>
+        </p:nvCxnSpPr>
+        <p:spPr>
+          <a:xfrm flipV="1">
+            <a:off x="426444" y="914402"/>
+            <a:ext cx="8241038" cy="1445"/>
+          </a:xfrm>
+          <a:prstGeom prst="line">
+            <a:avLst/>
+          </a:prstGeom>
+          <a:ln/>
+        </p:spPr>
+        <p:style>
+          <a:lnRef idx="3">
+            <a:schemeClr val="accent1"/>
+          </a:lnRef>
+          <a:fillRef idx="0">
+            <a:schemeClr val="accent1"/>
+          </a:fillRef>
+          <a:effectRef idx="2">
+            <a:schemeClr val="accent1"/>
+          </a:effectRef>
+          <a:fontRef idx="minor">
+            <a:schemeClr val="tx1"/>
+          </a:fontRef>
+        </p:style>
+      </p:cxnSp>
+      <p:sp>
+        <p:nvSpPr>
+          <p:cNvPr id="8" name="CaixaDeTexto 7"/>
+          <p:cNvSpPr txBox="1"/>
+          <p:nvPr/>
+        </p:nvSpPr>
+        <p:spPr>
+          <a:xfrm>
+            <a:off x="628650" y="5668576"/>
+            <a:ext cx="7886700" cy="369332"/>
+          </a:xfrm>
+          <a:prstGeom prst="rect">
+            <a:avLst/>
+          </a:prstGeom>
+          <a:noFill/>
+        </p:spPr>
+        <p:txBody>
+          <a:bodyPr wrap="square" rtlCol="0">
+            <a:spAutoFit/>
+          </a:bodyPr>
+          <a:lstStyle/>
+          <a:p>
+            <a:pPr algn="ctr"/>
+            <a:r>
+              <a:rPr lang="pt-BR" i="1" dirty="0" smtClean="0"/>
+              <a:t>Figura X: Visão RTL do microprocessador desenvolvido</a:t>
+            </a:r>
+            <a:endParaRPr lang="pt-BR" i="1" dirty="0"/>
+          </a:p>
+        </p:txBody>
+      </p:sp>
+      <p:pic>
+        <p:nvPicPr>
+          <p:cNvPr id="15" name="Espaço Reservado para Conteúdo 14"/>
+          <p:cNvPicPr>
+            <a:picLocks noGrp="1" noChangeAspect="1"/>
+          </p:cNvPicPr>
+          <p:nvPr>
+            <p:ph idx="1"/>
+          </p:nvPr>
+        </p:nvPicPr>
+        <p:blipFill>
+          <a:blip r:embed="rId4">
+            <a:extLst>
+              <a:ext uri="{28A0092B-C50C-407E-A947-70E740481C1C}">
+                <a14:useLocalDpi xmlns:a14="http://schemas.microsoft.com/office/drawing/2010/main" val="0"/>
+              </a:ext>
+            </a:extLst>
+          </a:blip>
+          <a:stretch>
+            <a:fillRect/>
+          </a:stretch>
+        </p:blipFill>
+        <p:spPr>
+          <a:xfrm>
+            <a:off x="183044" y="2148656"/>
+            <a:ext cx="8777911" cy="3363502"/>
+          </a:xfrm>
+          <a:prstGeom prst="rect">
+            <a:avLst/>
+          </a:prstGeom>
+          <a:ln>
+            <a:noFill/>
+          </a:ln>
+          <a:effectLst>
+            <a:outerShdw blurRad="292100" dist="139700" dir="2700000" algn="tl" rotWithShape="0">
+              <a:srgbClr val="333333">
+                <a:alpha val="65000"/>
+              </a:srgbClr>
+            </a:outerShdw>
+          </a:effectLst>
+        </p:spPr>
+      </p:pic>
+      <p:pic>
+        <p:nvPicPr>
+          <p:cNvPr id="3" name="Imagem 2"/>
+          <p:cNvPicPr>
+            <a:picLocks noChangeAspect="1"/>
+          </p:cNvPicPr>
+          <p:nvPr/>
+        </p:nvPicPr>
+        <p:blipFill>
+          <a:blip r:embed="rId5"/>
+          <a:stretch>
+            <a:fillRect/>
+          </a:stretch>
+        </p:blipFill>
+        <p:spPr>
+          <a:xfrm>
+            <a:off x="4881618" y="1304463"/>
+            <a:ext cx="3375953" cy="2062234"/>
+          </a:xfrm>
+          <a:prstGeom prst="rect">
+            <a:avLst/>
+          </a:prstGeom>
+          <a:ln>
+            <a:noFill/>
+          </a:ln>
+          <a:effectLst>
+            <a:outerShdw blurRad="292100" dist="139700" dir="2700000" algn="tl" rotWithShape="0">
+              <a:srgbClr val="333333">
+                <a:alpha val="65000"/>
+              </a:srgbClr>
+            </a:outerShdw>
+          </a:effectLst>
+        </p:spPr>
+      </p:pic>
+      <p:sp>
+        <p:nvSpPr>
+          <p:cNvPr id="5" name="Elipse 4"/>
+          <p:cNvSpPr/>
+          <p:nvPr/>
+        </p:nvSpPr>
+        <p:spPr>
+          <a:xfrm>
+            <a:off x="525619" y="4176390"/>
+            <a:ext cx="903936" cy="888643"/>
+          </a:xfrm>
+          <a:prstGeom prst="ellipse">
+            <a:avLst/>
+          </a:prstGeom>
+          <a:noFill/>
+          <a:ln>
+            <a:solidFill>
+              <a:srgbClr val="FF0000"/>
+            </a:solidFill>
+          </a:ln>
+        </p:spPr>
+        <p:style>
+          <a:lnRef idx="2">
+            <a:schemeClr val="accent1">
+              <a:shade val="50000"/>
+            </a:schemeClr>
+          </a:lnRef>
+          <a:fillRef idx="1">
+            <a:schemeClr val="accent1"/>
+          </a:fillRef>
+          <a:effectRef idx="0">
+            <a:schemeClr val="accent1"/>
+          </a:effectRef>
+          <a:fontRef idx="minor">
+            <a:schemeClr val="lt1"/>
+          </a:fontRef>
+        </p:style>
+        <p:txBody>
+          <a:bodyPr rtlCol="0" anchor="ctr"/>
+          <a:lstStyle/>
+          <a:p>
+            <a:pPr algn="ctr"/>
+            <a:endParaRPr lang="pt-BR"/>
+          </a:p>
+        </p:txBody>
+      </p:sp>
+    </p:spTree>
+    <p:extLst>
+      <p:ext uri="{BB962C8B-B14F-4D97-AF65-F5344CB8AC3E}">
+        <p14:creationId xmlns:p14="http://schemas.microsoft.com/office/powerpoint/2010/main" val="3012190469"/>
+      </p:ext>
+    </p:extLst>
+  </p:cSld>
+  <p:clrMapOvr>
+    <a:masterClrMapping/>
+  </p:clrMapOvr>
+  <mc:AlternateContent xmlns:mc="http://schemas.openxmlformats.org/markup-compatibility/2006" xmlns:p14="http://schemas.microsoft.com/office/powerpoint/2010/main">
+    <mc:Choice Requires="p14">
+      <p:transition p14:dur="0"/>
+    </mc:Choice>
+    <mc:Fallback xmlns="">
+      <p:transition/>
+    </mc:Fallback>
+  </mc:AlternateContent>
+  <p:timing>
+    <p:tnLst>
+      <p:par>
+        <p:cTn id="1" dur="indefinite" restart="never" nodeType="tmRoot"/>
+      </p:par>
+    </p:tnLst>
+  </p:timing>
+</p:sld>
+</file>
+
+<file path=ppt/slides/slide6.xml><?xml version="1.0" encoding="utf-8"?>
+<p:sld xmlns:a="http://schemas.openxmlformats.org/drawingml/2006/main" xmlns:r="http://schemas.openxmlformats.org/officeDocument/2006/relationships" xmlns:p="http://schemas.openxmlformats.org/presentationml/2006/main">
+  <p:cSld>
+    <p:spTree>
+      <p:nvGrpSpPr>
+        <p:cNvPr id="1" name=""/>
+        <p:cNvGrpSpPr/>
+        <p:nvPr/>
+      </p:nvGrpSpPr>
+      <p:grpSpPr>
+        <a:xfrm>
+          <a:off x="0" y="0"/>
+          <a:ext cx="0" cy="0"/>
+          <a:chOff x="0" y="0"/>
+          <a:chExt cx="0" cy="0"/>
+        </a:xfrm>
+      </p:grpSpPr>
+      <p:pic>
+        <p:nvPicPr>
+          <p:cNvPr id="4" name="Imagem 3"/>
+          <p:cNvPicPr>
+            <a:picLocks noChangeAspect="1"/>
+          </p:cNvPicPr>
+          <p:nvPr/>
+        </p:nvPicPr>
+        <p:blipFill>
+          <a:blip r:embed="rId3">
+            <a:extLst>
+              <a:ext uri="{28A0092B-C50C-407E-A947-70E740481C1C}">
+                <a14:useLocalDpi xmlns:a14="http://schemas.microsoft.com/office/drawing/2010/main" val="0"/>
+              </a:ext>
+            </a:extLst>
+          </a:blip>
+          <a:stretch>
+            <a:fillRect/>
+          </a:stretch>
+        </p:blipFill>
+        <p:spPr>
+          <a:xfrm>
+            <a:off x="0" y="0"/>
+            <a:ext cx="9144000" cy="6858000"/>
+          </a:xfrm>
+          <a:prstGeom prst="rect">
+            <a:avLst/>
+          </a:prstGeom>
+        </p:spPr>
+      </p:pic>
+      <p:sp>
+        <p:nvSpPr>
+          <p:cNvPr id="2" name="Título 1"/>
+          <p:cNvSpPr>
+            <a:spLocks noGrp="1"/>
+          </p:cNvSpPr>
+          <p:nvPr>
+            <p:ph type="title"/>
+          </p:nvPr>
+        </p:nvSpPr>
+        <p:spPr>
+          <a:xfrm>
+            <a:off x="628650" y="411913"/>
+            <a:ext cx="7886700" cy="339767"/>
+          </a:xfrm>
+        </p:spPr>
+        <p:txBody>
+          <a:bodyPr>
+            <a:normAutofit fontScale="90000"/>
+          </a:bodyPr>
+          <a:lstStyle/>
+          <a:p>
+            <a:r>
+              <a:rPr lang="pt-BR" dirty="0" smtClean="0"/>
+              <a:t>Resultados</a:t>
+            </a:r>
+            <a:endParaRPr lang="pt-BR" dirty="0"/>
+          </a:p>
+        </p:txBody>
+      </p:sp>
+      <p:sp>
+        <p:nvSpPr>
+          <p:cNvPr id="11" name="Espaço Reservado para Data 10"/>
+          <p:cNvSpPr>
+            <a:spLocks noGrp="1"/>
+          </p:cNvSpPr>
+          <p:nvPr>
+            <p:ph type="dt" sz="half" idx="10"/>
+          </p:nvPr>
+        </p:nvSpPr>
+        <p:spPr/>
+        <p:txBody>
+          <a:bodyPr/>
+          <a:lstStyle/>
+          <a:p>
+            <a:fld id="{5B2C3F26-301F-434E-863D-B89F544B9CE4}" type="datetime1">
+              <a:rPr lang="pt-BR" smtClean="0"/>
+              <a:t>03/06/2014</a:t>
+            </a:fld>
+            <a:endParaRPr lang="pt-BR"/>
+          </a:p>
+        </p:txBody>
+      </p:sp>
+      <p:sp>
+        <p:nvSpPr>
+          <p:cNvPr id="13" name="Espaço Reservado para Rodapé 12"/>
+          <p:cNvSpPr>
+            <a:spLocks noGrp="1"/>
+          </p:cNvSpPr>
+          <p:nvPr>
+            <p:ph type="ftr" sz="quarter" idx="11"/>
+          </p:nvPr>
+        </p:nvSpPr>
+        <p:spPr/>
+        <p:txBody>
+          <a:bodyPr/>
+          <a:lstStyle/>
+          <a:p>
+            <a:r>
+              <a:rPr lang="pt-BR" smtClean="0"/>
+              <a:t>Universidade Federal de Itajubá</a:t>
+            </a:r>
+            <a:endParaRPr lang="pt-BR"/>
+          </a:p>
+        </p:txBody>
+      </p:sp>
+      <p:sp>
+        <p:nvSpPr>
+          <p:cNvPr id="12" name="Espaço Reservado para Número de Slide 11"/>
+          <p:cNvSpPr>
+            <a:spLocks noGrp="1"/>
+          </p:cNvSpPr>
+          <p:nvPr>
+            <p:ph type="sldNum" sz="quarter" idx="12"/>
+          </p:nvPr>
+        </p:nvSpPr>
+        <p:spPr/>
+        <p:txBody>
+          <a:bodyPr/>
+          <a:lstStyle/>
+          <a:p>
+            <a:fld id="{31892884-0934-4F3F-B79B-36C387EDB149}" type="slidenum">
+              <a:rPr lang="pt-BR" smtClean="0"/>
+              <a:t>6</a:t>
+            </a:fld>
+            <a:endParaRPr lang="pt-BR"/>
+          </a:p>
+        </p:txBody>
+      </p:sp>
+      <p:cxnSp>
+        <p:nvCxnSpPr>
+          <p:cNvPr id="9" name="Conector reto 8"/>
+          <p:cNvCxnSpPr/>
+          <p:nvPr/>
+        </p:nvCxnSpPr>
+        <p:spPr>
+          <a:xfrm flipV="1">
+            <a:off x="426444" y="914402"/>
+            <a:ext cx="8241038" cy="1445"/>
+          </a:xfrm>
+          <a:prstGeom prst="line">
+            <a:avLst/>
+          </a:prstGeom>
+          <a:ln/>
+        </p:spPr>
+        <p:style>
+          <a:lnRef idx="3">
+            <a:schemeClr val="accent1"/>
+          </a:lnRef>
+          <a:fillRef idx="0">
+            <a:schemeClr val="accent1"/>
+          </a:fillRef>
+          <a:effectRef idx="2">
+            <a:schemeClr val="accent1"/>
+          </a:effectRef>
+          <a:fontRef idx="minor">
+            <a:schemeClr val="tx1"/>
+          </a:fontRef>
+        </p:style>
+      </p:cxnSp>
+      <p:sp>
+        <p:nvSpPr>
+          <p:cNvPr id="8" name="CaixaDeTexto 7"/>
+          <p:cNvSpPr txBox="1"/>
+          <p:nvPr/>
+        </p:nvSpPr>
+        <p:spPr>
+          <a:xfrm>
+            <a:off x="628650" y="5668576"/>
+            <a:ext cx="7886700" cy="369332"/>
+          </a:xfrm>
+          <a:prstGeom prst="rect">
+            <a:avLst/>
+          </a:prstGeom>
+          <a:noFill/>
+        </p:spPr>
+        <p:txBody>
+          <a:bodyPr wrap="square" rtlCol="0">
+            <a:spAutoFit/>
+          </a:bodyPr>
+          <a:lstStyle/>
+          <a:p>
+            <a:pPr algn="ctr"/>
+            <a:r>
+              <a:rPr lang="pt-BR" i="1" dirty="0" smtClean="0"/>
+              <a:t>Figura X: Visão RTL do microprocessador desenvolvido</a:t>
+            </a:r>
+            <a:endParaRPr lang="pt-BR" i="1" dirty="0"/>
+          </a:p>
+        </p:txBody>
+      </p:sp>
+      <p:pic>
+        <p:nvPicPr>
+          <p:cNvPr id="15" name="Espaço Reservado para Conteúdo 14"/>
+          <p:cNvPicPr>
+            <a:picLocks noGrp="1" noChangeAspect="1"/>
+          </p:cNvPicPr>
+          <p:nvPr>
+            <p:ph idx="1"/>
+          </p:nvPr>
+        </p:nvPicPr>
+        <p:blipFill>
+          <a:blip r:embed="rId4">
+            <a:extLst>
+              <a:ext uri="{28A0092B-C50C-407E-A947-70E740481C1C}">
+                <a14:useLocalDpi xmlns:a14="http://schemas.microsoft.com/office/drawing/2010/main" val="0"/>
+              </a:ext>
+            </a:extLst>
+          </a:blip>
+          <a:stretch>
+            <a:fillRect/>
+          </a:stretch>
+        </p:blipFill>
+        <p:spPr>
+          <a:xfrm>
+            <a:off x="183044" y="2148656"/>
+            <a:ext cx="8777911" cy="3363502"/>
+          </a:xfrm>
+          <a:prstGeom prst="rect">
+            <a:avLst/>
+          </a:prstGeom>
+          <a:ln>
+            <a:noFill/>
+          </a:ln>
+          <a:effectLst>
+            <a:outerShdw blurRad="292100" dist="139700" dir="2700000" algn="tl" rotWithShape="0">
+              <a:srgbClr val="333333">
+                <a:alpha val="65000"/>
+              </a:srgbClr>
+            </a:outerShdw>
+          </a:effectLst>
+        </p:spPr>
+      </p:pic>
+      <p:sp>
+        <p:nvSpPr>
+          <p:cNvPr id="5" name="Elipse 4"/>
+          <p:cNvSpPr/>
+          <p:nvPr/>
+        </p:nvSpPr>
+        <p:spPr>
+          <a:xfrm>
+            <a:off x="1712890" y="4760492"/>
+            <a:ext cx="758244" cy="731936"/>
+          </a:xfrm>
+          <a:prstGeom prst="ellipse">
+            <a:avLst/>
+          </a:prstGeom>
+          <a:noFill/>
+          <a:ln>
+            <a:solidFill>
+              <a:srgbClr val="FF0000"/>
+            </a:solidFill>
+          </a:ln>
+        </p:spPr>
+        <p:style>
+          <a:lnRef idx="2">
+            <a:schemeClr val="accent1">
+              <a:shade val="50000"/>
+            </a:schemeClr>
+          </a:lnRef>
+          <a:fillRef idx="1">
+            <a:schemeClr val="accent1"/>
+          </a:fillRef>
+          <a:effectRef idx="0">
+            <a:schemeClr val="accent1"/>
+          </a:effectRef>
+          <a:fontRef idx="minor">
+            <a:schemeClr val="lt1"/>
+          </a:fontRef>
+        </p:style>
+        <p:txBody>
+          <a:bodyPr rtlCol="0" anchor="ctr"/>
+          <a:lstStyle/>
+          <a:p>
+            <a:pPr algn="ctr"/>
+            <a:endParaRPr lang="pt-BR"/>
+          </a:p>
+        </p:txBody>
+      </p:sp>
+      <p:pic>
+        <p:nvPicPr>
+          <p:cNvPr id="6" name="Imagem 5"/>
+          <p:cNvPicPr>
+            <a:picLocks noChangeAspect="1"/>
+          </p:cNvPicPr>
+          <p:nvPr/>
+        </p:nvPicPr>
+        <p:blipFill>
+          <a:blip r:embed="rId5"/>
+          <a:stretch>
+            <a:fillRect/>
+          </a:stretch>
+        </p:blipFill>
+        <p:spPr>
+          <a:xfrm>
+            <a:off x="4231992" y="1033666"/>
+            <a:ext cx="4451915" cy="1901646"/>
+          </a:xfrm>
+          <a:prstGeom prst="rect">
+            <a:avLst/>
+          </a:prstGeom>
+          <a:ln>
+            <a:noFill/>
+          </a:ln>
+          <a:effectLst>
+            <a:outerShdw blurRad="292100" dist="139700" dir="2700000" algn="tl" rotWithShape="0">
+              <a:srgbClr val="333333">
+                <a:alpha val="65000"/>
+              </a:srgbClr>
+            </a:outerShdw>
+          </a:effectLst>
+        </p:spPr>
+      </p:pic>
+      <p:sp>
+        <p:nvSpPr>
+          <p:cNvPr id="14" name="Elipse 13"/>
+          <p:cNvSpPr/>
+          <p:nvPr/>
+        </p:nvSpPr>
+        <p:spPr>
+          <a:xfrm>
+            <a:off x="6991082" y="4777419"/>
+            <a:ext cx="758244" cy="731936"/>
+          </a:xfrm>
+          <a:prstGeom prst="ellipse">
+            <a:avLst/>
+          </a:prstGeom>
+          <a:noFill/>
+          <a:ln>
+            <a:solidFill>
+              <a:srgbClr val="FF0000"/>
+            </a:solidFill>
+          </a:ln>
+        </p:spPr>
+        <p:style>
+          <a:lnRef idx="2">
+            <a:schemeClr val="accent1">
+              <a:shade val="50000"/>
+            </a:schemeClr>
+          </a:lnRef>
+          <a:fillRef idx="1">
+            <a:schemeClr val="accent1"/>
+          </a:fillRef>
+          <a:effectRef idx="0">
+            <a:schemeClr val="accent1"/>
+          </a:effectRef>
+          <a:fontRef idx="minor">
+            <a:schemeClr val="lt1"/>
+          </a:fontRef>
+        </p:style>
+        <p:txBody>
+          <a:bodyPr rtlCol="0" anchor="ctr"/>
+          <a:lstStyle/>
+          <a:p>
+            <a:pPr algn="ctr"/>
+            <a:endParaRPr lang="pt-BR"/>
+          </a:p>
+        </p:txBody>
+      </p:sp>
+    </p:spTree>
+    <p:extLst>
+      <p:ext uri="{BB962C8B-B14F-4D97-AF65-F5344CB8AC3E}">
+        <p14:creationId xmlns:p14="http://schemas.microsoft.com/office/powerpoint/2010/main" val="1675196066"/>
+      </p:ext>
+    </p:extLst>
+  </p:cSld>
+  <p:clrMapOvr>
+    <a:masterClrMapping/>
+  </p:clrMapOvr>
+  <mc:AlternateContent xmlns:mc="http://schemas.openxmlformats.org/markup-compatibility/2006" xmlns:p14="http://schemas.microsoft.com/office/powerpoint/2010/main">
+    <mc:Choice Requires="p14">
+      <p:transition p14:dur="0"/>
+    </mc:Choice>
+    <mc:Fallback xmlns="">
+      <p:transition/>
+    </mc:Fallback>
+  </mc:AlternateContent>
+  <p:timing>
+    <p:tnLst>
+      <p:par>
+        <p:cTn id="1" dur="indefinite" restart="never" nodeType="tmRoot"/>
+      </p:par>
+    </p:tnLst>
+  </p:timing>
+</p:sld>
+</file>
+
+<file path=ppt/slides/slide7.xml><?xml version="1.0" encoding="utf-8"?>
+<p:sld xmlns:a="http://schemas.openxmlformats.org/drawingml/2006/main" xmlns:r="http://schemas.openxmlformats.org/officeDocument/2006/relationships" xmlns:p="http://schemas.openxmlformats.org/presentationml/2006/main">
+  <p:cSld>
+    <p:spTree>
+      <p:nvGrpSpPr>
+        <p:cNvPr id="1" name=""/>
+        <p:cNvGrpSpPr/>
+        <p:nvPr/>
+      </p:nvGrpSpPr>
+      <p:grpSpPr>
+        <a:xfrm>
+          <a:off x="0" y="0"/>
+          <a:ext cx="0" cy="0"/>
+          <a:chOff x="0" y="0"/>
+          <a:chExt cx="0" cy="0"/>
+        </a:xfrm>
+      </p:grpSpPr>
+      <p:pic>
+        <p:nvPicPr>
+          <p:cNvPr id="4" name="Imagem 3"/>
+          <p:cNvPicPr>
+            <a:picLocks noChangeAspect="1"/>
+          </p:cNvPicPr>
+          <p:nvPr/>
+        </p:nvPicPr>
+        <p:blipFill>
+          <a:blip r:embed="rId3">
+            <a:extLst>
+              <a:ext uri="{28A0092B-C50C-407E-A947-70E740481C1C}">
+                <a14:useLocalDpi xmlns:a14="http://schemas.microsoft.com/office/drawing/2010/main" val="0"/>
+              </a:ext>
+            </a:extLst>
+          </a:blip>
+          <a:stretch>
+            <a:fillRect/>
+          </a:stretch>
+        </p:blipFill>
+        <p:spPr>
+          <a:xfrm>
+            <a:off x="0" y="0"/>
+            <a:ext cx="9144000" cy="6858000"/>
+          </a:xfrm>
+          <a:prstGeom prst="rect">
+            <a:avLst/>
+          </a:prstGeom>
+        </p:spPr>
+      </p:pic>
+      <p:sp>
+        <p:nvSpPr>
+          <p:cNvPr id="2" name="Título 1"/>
+          <p:cNvSpPr>
+            <a:spLocks noGrp="1"/>
+          </p:cNvSpPr>
+          <p:nvPr>
+            <p:ph type="title"/>
+          </p:nvPr>
+        </p:nvSpPr>
+        <p:spPr>
+          <a:xfrm>
+            <a:off x="628650" y="411913"/>
+            <a:ext cx="7886700" cy="339767"/>
+          </a:xfrm>
+        </p:spPr>
+        <p:txBody>
+          <a:bodyPr>
+            <a:normAutofit fontScale="90000"/>
+          </a:bodyPr>
+          <a:lstStyle/>
+          <a:p>
+            <a:r>
+              <a:rPr lang="pt-BR" dirty="0" smtClean="0"/>
+              <a:t>Resultados</a:t>
+            </a:r>
+            <a:endParaRPr lang="pt-BR" dirty="0"/>
+          </a:p>
+        </p:txBody>
+      </p:sp>
+      <p:sp>
+        <p:nvSpPr>
+          <p:cNvPr id="11" name="Espaço Reservado para Data 10"/>
+          <p:cNvSpPr>
+            <a:spLocks noGrp="1"/>
+          </p:cNvSpPr>
+          <p:nvPr>
+            <p:ph type="dt" sz="half" idx="10"/>
+          </p:nvPr>
+        </p:nvSpPr>
+        <p:spPr/>
+        <p:txBody>
+          <a:bodyPr/>
+          <a:lstStyle/>
+          <a:p>
+            <a:fld id="{5B2C3F26-301F-434E-863D-B89F544B9CE4}" type="datetime1">
+              <a:rPr lang="pt-BR" smtClean="0"/>
+              <a:t>03/06/2014</a:t>
+            </a:fld>
+            <a:endParaRPr lang="pt-BR"/>
+          </a:p>
+        </p:txBody>
+      </p:sp>
+      <p:sp>
+        <p:nvSpPr>
+          <p:cNvPr id="13" name="Espaço Reservado para Rodapé 12"/>
+          <p:cNvSpPr>
+            <a:spLocks noGrp="1"/>
+          </p:cNvSpPr>
+          <p:nvPr>
+            <p:ph type="ftr" sz="quarter" idx="11"/>
+          </p:nvPr>
+        </p:nvSpPr>
+        <p:spPr/>
+        <p:txBody>
+          <a:bodyPr/>
+          <a:lstStyle/>
+          <a:p>
+            <a:r>
+              <a:rPr lang="pt-BR" smtClean="0"/>
+              <a:t>Universidade Federal de Itajubá</a:t>
+            </a:r>
+            <a:endParaRPr lang="pt-BR"/>
+          </a:p>
+        </p:txBody>
+      </p:sp>
+      <p:sp>
+        <p:nvSpPr>
+          <p:cNvPr id="12" name="Espaço Reservado para Número de Slide 11"/>
+          <p:cNvSpPr>
+            <a:spLocks noGrp="1"/>
+          </p:cNvSpPr>
+          <p:nvPr>
+            <p:ph type="sldNum" sz="quarter" idx="12"/>
+          </p:nvPr>
+        </p:nvSpPr>
+        <p:spPr/>
+        <p:txBody>
+          <a:bodyPr/>
+          <a:lstStyle/>
+          <a:p>
+            <a:fld id="{31892884-0934-4F3F-B79B-36C387EDB149}" type="slidenum">
+              <a:rPr lang="pt-BR" smtClean="0"/>
+              <a:t>7</a:t>
+            </a:fld>
+            <a:endParaRPr lang="pt-BR"/>
+          </a:p>
+        </p:txBody>
+      </p:sp>
+      <p:cxnSp>
+        <p:nvCxnSpPr>
+          <p:cNvPr id="9" name="Conector reto 8"/>
+          <p:cNvCxnSpPr/>
+          <p:nvPr/>
+        </p:nvCxnSpPr>
+        <p:spPr>
+          <a:xfrm flipV="1">
+            <a:off x="426444" y="914402"/>
+            <a:ext cx="8241038" cy="1445"/>
+          </a:xfrm>
+          <a:prstGeom prst="line">
+            <a:avLst/>
+          </a:prstGeom>
+          <a:ln/>
+        </p:spPr>
+        <p:style>
+          <a:lnRef idx="3">
+            <a:schemeClr val="accent1"/>
+          </a:lnRef>
+          <a:fillRef idx="0">
+            <a:schemeClr val="accent1"/>
+          </a:fillRef>
+          <a:effectRef idx="2">
+            <a:schemeClr val="accent1"/>
+          </a:effectRef>
+          <a:fontRef idx="minor">
+            <a:schemeClr val="tx1"/>
+          </a:fontRef>
+        </p:style>
+      </p:cxnSp>
+      <p:sp>
+        <p:nvSpPr>
+          <p:cNvPr id="8" name="CaixaDeTexto 7"/>
+          <p:cNvSpPr txBox="1"/>
+          <p:nvPr/>
+        </p:nvSpPr>
+        <p:spPr>
+          <a:xfrm>
+            <a:off x="628650" y="5668576"/>
+            <a:ext cx="7886700" cy="369332"/>
+          </a:xfrm>
+          <a:prstGeom prst="rect">
+            <a:avLst/>
+          </a:prstGeom>
+          <a:noFill/>
+        </p:spPr>
+        <p:txBody>
+          <a:bodyPr wrap="square" rtlCol="0">
+            <a:spAutoFit/>
+          </a:bodyPr>
+          <a:lstStyle/>
+          <a:p>
+            <a:pPr algn="ctr"/>
+            <a:r>
+              <a:rPr lang="pt-BR" i="1" dirty="0" smtClean="0"/>
+              <a:t>Figura X: Visão RTL do microprocessador desenvolvido</a:t>
+            </a:r>
+            <a:endParaRPr lang="pt-BR" i="1" dirty="0"/>
+          </a:p>
+        </p:txBody>
+      </p:sp>
+      <p:pic>
+        <p:nvPicPr>
+          <p:cNvPr id="15" name="Espaço Reservado para Conteúdo 14"/>
+          <p:cNvPicPr>
+            <a:picLocks noGrp="1" noChangeAspect="1"/>
+          </p:cNvPicPr>
+          <p:nvPr>
+            <p:ph idx="1"/>
+          </p:nvPr>
+        </p:nvPicPr>
+        <p:blipFill>
+          <a:blip r:embed="rId4">
+            <a:extLst>
+              <a:ext uri="{28A0092B-C50C-407E-A947-70E740481C1C}">
+                <a14:useLocalDpi xmlns:a14="http://schemas.microsoft.com/office/drawing/2010/main" val="0"/>
+              </a:ext>
+            </a:extLst>
+          </a:blip>
+          <a:stretch>
+            <a:fillRect/>
+          </a:stretch>
+        </p:blipFill>
+        <p:spPr>
+          <a:xfrm>
+            <a:off x="183044" y="2148656"/>
+            <a:ext cx="8777911" cy="3363502"/>
+          </a:xfrm>
+          <a:prstGeom prst="rect">
+            <a:avLst/>
+          </a:prstGeom>
+          <a:ln>
+            <a:noFill/>
+          </a:ln>
+          <a:effectLst>
+            <a:outerShdw blurRad="292100" dist="139700" dir="2700000" algn="tl" rotWithShape="0">
+              <a:srgbClr val="333333">
+                <a:alpha val="65000"/>
+              </a:srgbClr>
+            </a:outerShdw>
+          </a:effectLst>
+        </p:spPr>
+      </p:pic>
+      <p:sp>
+        <p:nvSpPr>
+          <p:cNvPr id="5" name="Elipse 4"/>
+          <p:cNvSpPr/>
+          <p:nvPr/>
+        </p:nvSpPr>
+        <p:spPr>
+          <a:xfrm>
+            <a:off x="1442433" y="3680369"/>
+            <a:ext cx="1120463" cy="1097050"/>
+          </a:xfrm>
+          <a:prstGeom prst="ellipse">
+            <a:avLst/>
+          </a:prstGeom>
+          <a:noFill/>
+          <a:ln>
+            <a:solidFill>
+              <a:srgbClr val="FF0000"/>
+            </a:solidFill>
+          </a:ln>
+        </p:spPr>
+        <p:style>
+          <a:lnRef idx="2">
+            <a:schemeClr val="accent1">
+              <a:shade val="50000"/>
+            </a:schemeClr>
+          </a:lnRef>
+          <a:fillRef idx="1">
+            <a:schemeClr val="accent1"/>
+          </a:fillRef>
+          <a:effectRef idx="0">
+            <a:schemeClr val="accent1"/>
+          </a:effectRef>
+          <a:fontRef idx="minor">
+            <a:schemeClr val="lt1"/>
+          </a:fontRef>
+        </p:style>
+        <p:txBody>
+          <a:bodyPr rtlCol="0" anchor="ctr"/>
+          <a:lstStyle/>
+          <a:p>
+            <a:pPr algn="ctr"/>
+            <a:endParaRPr lang="pt-BR"/>
+          </a:p>
+        </p:txBody>
+      </p:sp>
+      <p:pic>
+        <p:nvPicPr>
+          <p:cNvPr id="3" name="Imagem 2"/>
+          <p:cNvPicPr>
+            <a:picLocks noChangeAspect="1"/>
+          </p:cNvPicPr>
+          <p:nvPr/>
+        </p:nvPicPr>
+        <p:blipFill>
+          <a:blip r:embed="rId5"/>
+          <a:stretch>
+            <a:fillRect/>
+          </a:stretch>
+        </p:blipFill>
+        <p:spPr>
+          <a:xfrm>
+            <a:off x="4752305" y="1070123"/>
+            <a:ext cx="3658337" cy="2610246"/>
+          </a:xfrm>
+          <a:prstGeom prst="rect">
+            <a:avLst/>
+          </a:prstGeom>
+          <a:ln>
+            <a:noFill/>
+          </a:ln>
+          <a:effectLst>
+            <a:outerShdw blurRad="292100" dist="139700" dir="2700000" algn="tl" rotWithShape="0">
+              <a:srgbClr val="333333">
+                <a:alpha val="65000"/>
+              </a:srgbClr>
+            </a:outerShdw>
+          </a:effectLst>
+        </p:spPr>
+      </p:pic>
+    </p:spTree>
+    <p:extLst>
+      <p:ext uri="{BB962C8B-B14F-4D97-AF65-F5344CB8AC3E}">
+        <p14:creationId xmlns:p14="http://schemas.microsoft.com/office/powerpoint/2010/main" val="2151982859"/>
+      </p:ext>
+    </p:extLst>
+  </p:cSld>
+  <p:clrMapOvr>
+    <a:masterClrMapping/>
+  </p:clrMapOvr>
+  <mc:AlternateContent xmlns:mc="http://schemas.openxmlformats.org/markup-compatibility/2006" xmlns:p14="http://schemas.microsoft.com/office/powerpoint/2010/main">
+    <mc:Choice Requires="p14">
+      <p:transition p14:dur="0"/>
+    </mc:Choice>
+    <mc:Fallback xmlns="">
+      <p:transition/>
+    </mc:Fallback>
+  </mc:AlternateContent>
+  <p:timing>
+    <p:tnLst>
+      <p:par>
+        <p:cTn id="1" dur="indefinite" restart="never" nodeType="tmRoot"/>
+      </p:par>
+    </p:tnLst>
+  </p:timing>
+</p:sld>
+</file>
+
+<file path=ppt/slides/slide8.xml><?xml version="1.0" encoding="utf-8"?>
+<p:sld xmlns:a="http://schemas.openxmlformats.org/drawingml/2006/main" xmlns:r="http://schemas.openxmlformats.org/officeDocument/2006/relationships" xmlns:p="http://schemas.openxmlformats.org/presentationml/2006/main">
+  <p:cSld>
+    <p:bg>
+      <p:bgPr>
+        <a:blipFill dpi="0" rotWithShape="1">
+          <a:blip r:embed="rId2">
+            <a:lum/>
+          </a:blip>
+          <a:srcRect/>
+          <a:stretch>
+            <a:fillRect/>
+          </a:stretch>
+        </a:blipFill>
+        <a:effectLst/>
+      </p:bgPr>
+    </p:bg>
+    <p:spTree>
+      <p:nvGrpSpPr>
+        <p:cNvPr id="1" name=""/>
+        <p:cNvGrpSpPr/>
+        <p:nvPr/>
+      </p:nvGrpSpPr>
+      <p:grpSpPr>
+        <a:xfrm>
+          <a:off x="0" y="0"/>
+          <a:ext cx="0" cy="0"/>
+          <a:chOff x="0" y="0"/>
+          <a:chExt cx="0" cy="0"/>
+        </a:xfrm>
+      </p:grpSpPr>
+      <p:sp>
+        <p:nvSpPr>
+          <p:cNvPr id="4" name="Espaço Reservado para Data 3"/>
+          <p:cNvSpPr>
+            <a:spLocks noGrp="1"/>
+          </p:cNvSpPr>
+          <p:nvPr>
+            <p:ph type="dt" sz="half" idx="10"/>
+          </p:nvPr>
+        </p:nvSpPr>
+        <p:spPr/>
+        <p:txBody>
+          <a:bodyPr/>
+          <a:lstStyle/>
+          <a:p>
+            <a:fld id="{AF7A6B12-C301-43C9-80E8-1904ED727E75}" type="datetime1">
+              <a:rPr lang="pt-BR" smtClean="0"/>
+              <a:t>03/06/2014</a:t>
+            </a:fld>
+            <a:endParaRPr lang="pt-BR"/>
+          </a:p>
+        </p:txBody>
+      </p:sp>
+      <p:sp>
+        <p:nvSpPr>
+          <p:cNvPr id="5" name="Espaço Reservado para Rodapé 4"/>
+          <p:cNvSpPr>
+            <a:spLocks noGrp="1"/>
+          </p:cNvSpPr>
+          <p:nvPr>
+            <p:ph type="ftr" sz="quarter" idx="11"/>
+          </p:nvPr>
+        </p:nvSpPr>
+        <p:spPr/>
+        <p:txBody>
+          <a:bodyPr/>
+          <a:lstStyle/>
+          <a:p>
+            <a:r>
+              <a:rPr lang="pt-BR" smtClean="0"/>
+              <a:t>Universidade Federal de Itajubá</a:t>
+            </a:r>
+            <a:endParaRPr lang="pt-BR"/>
+          </a:p>
+        </p:txBody>
+      </p:sp>
+      <p:sp>
+        <p:nvSpPr>
+          <p:cNvPr id="6" name="Espaço Reservado para Número de Slide 5"/>
+          <p:cNvSpPr>
+            <a:spLocks noGrp="1"/>
+          </p:cNvSpPr>
+          <p:nvPr>
+            <p:ph type="sldNum" sz="quarter" idx="12"/>
+          </p:nvPr>
+        </p:nvSpPr>
+        <p:spPr/>
+        <p:txBody>
+          <a:bodyPr/>
+          <a:lstStyle/>
+          <a:p>
+            <a:fld id="{31892884-0934-4F3F-B79B-36C387EDB149}" type="slidenum">
+              <a:rPr lang="pt-BR" smtClean="0"/>
+              <a:t>8</a:t>
+            </a:fld>
+            <a:endParaRPr lang="pt-BR"/>
+          </a:p>
+        </p:txBody>
+      </p:sp>
+      <p:pic>
+        <p:nvPicPr>
+          <p:cNvPr id="8" name="Imagem 7"/>
+          <p:cNvPicPr>
+            <a:picLocks noChangeAspect="1"/>
+          </p:cNvPicPr>
+          <p:nvPr/>
+        </p:nvPicPr>
+        <p:blipFill>
+          <a:blip r:embed="rId3">
+            <a:extLst>
+              <a:ext uri="{28A0092B-C50C-407E-A947-70E740481C1C}">
+                <a14:useLocalDpi xmlns:a14="http://schemas.microsoft.com/office/drawing/2010/main" val="0"/>
+              </a:ext>
+            </a:extLst>
+          </a:blip>
+          <a:stretch>
+            <a:fillRect/>
+          </a:stretch>
+        </p:blipFill>
+        <p:spPr>
+          <a:xfrm>
+            <a:off x="12879" y="1890720"/>
+            <a:ext cx="9144000" cy="3875049"/>
+          </a:xfrm>
+          <a:prstGeom prst="rect">
+            <a:avLst/>
+          </a:prstGeom>
+        </p:spPr>
+      </p:pic>
+      <p:pic>
+        <p:nvPicPr>
+          <p:cNvPr id="9" name="Imagem 8"/>
+          <p:cNvPicPr>
+            <a:picLocks noChangeAspect="1"/>
+          </p:cNvPicPr>
+          <p:nvPr/>
+        </p:nvPicPr>
+        <p:blipFill>
+          <a:blip r:embed="rId4">
+            <a:extLst>
+              <a:ext uri="{28A0092B-C50C-407E-A947-70E740481C1C}">
+                <a14:useLocalDpi xmlns:a14="http://schemas.microsoft.com/office/drawing/2010/main" val="0"/>
+              </a:ext>
+            </a:extLst>
+          </a:blip>
+          <a:stretch>
+            <a:fillRect/>
+          </a:stretch>
+        </p:blipFill>
+        <p:spPr>
+          <a:xfrm>
+            <a:off x="5222567" y="525992"/>
+            <a:ext cx="2379836" cy="3302252"/>
+          </a:xfrm>
+          <a:prstGeom prst="rect">
+            <a:avLst/>
+          </a:prstGeom>
+        </p:spPr>
+      </p:pic>
+      <p:sp>
+        <p:nvSpPr>
+          <p:cNvPr id="10" name="CaixaDeTexto 9"/>
+          <p:cNvSpPr txBox="1"/>
+          <p:nvPr/>
+        </p:nvSpPr>
+        <p:spPr>
+          <a:xfrm>
+            <a:off x="628650" y="5668576"/>
+            <a:ext cx="7886700" cy="369332"/>
+          </a:xfrm>
+          <a:prstGeom prst="rect">
+            <a:avLst/>
+          </a:prstGeom>
+          <a:noFill/>
+        </p:spPr>
+        <p:txBody>
+          <a:bodyPr wrap="square" rtlCol="0">
+            <a:spAutoFit/>
+          </a:bodyPr>
+          <a:lstStyle/>
+          <a:p>
+            <a:pPr algn="ctr"/>
+            <a:r>
+              <a:rPr lang="pt-BR" i="1" dirty="0" smtClean="0"/>
+              <a:t>Figura X: Visão RTL do microprocessador desenvolvido</a:t>
+            </a:r>
+            <a:endParaRPr lang="pt-BR" i="1" dirty="0"/>
+          </a:p>
+        </p:txBody>
+      </p:sp>
+    </p:spTree>
+    <p:extLst>
+      <p:ext uri="{BB962C8B-B14F-4D97-AF65-F5344CB8AC3E}">
+        <p14:creationId xmlns:p14="http://schemas.microsoft.com/office/powerpoint/2010/main" val="2158974885"/>
+      </p:ext>
+    </p:extLst>
+  </p:cSld>
+  <p:clrMapOvr>
+    <a:masterClrMapping/>
+  </p:clrMapOvr>
+</p:sld>
+</file>
+
+<file path=ppt/slides/slide9.xml><?xml version="1.0" encoding="utf-8"?>
+<p:sld xmlns:a="http://schemas.openxmlformats.org/drawingml/2006/main" xmlns:r="http://schemas.openxmlformats.org/officeDocument/2006/relationships" xmlns:p="http://schemas.openxmlformats.org/presentationml/2006/main">
+  <p:cSld>
+    <p:bg>
+      <p:bgPr>
+        <a:blipFill dpi="0" rotWithShape="1">
+          <a:blip r:embed="rId2">
+            <a:lum/>
+          </a:blip>
+          <a:srcRect/>
+          <a:stretch>
+            <a:fillRect/>
+          </a:stretch>
+        </a:blipFill>
+        <a:effectLst/>
+      </p:bgPr>
+    </p:bg>
+    <p:spTree>
+      <p:nvGrpSpPr>
+        <p:cNvPr id="1" name=""/>
+        <p:cNvGrpSpPr/>
+        <p:nvPr/>
+      </p:nvGrpSpPr>
+      <p:grpSpPr>
+        <a:xfrm>
+          <a:off x="0" y="0"/>
+          <a:ext cx="0" cy="0"/>
+          <a:chOff x="0" y="0"/>
+          <a:chExt cx="0" cy="0"/>
+        </a:xfrm>
+      </p:grpSpPr>
+      <p:sp>
+        <p:nvSpPr>
+          <p:cNvPr id="4" name="Espaço Reservado para Data 3"/>
+          <p:cNvSpPr>
+            <a:spLocks noGrp="1"/>
+          </p:cNvSpPr>
+          <p:nvPr>
+            <p:ph type="dt" sz="half" idx="10"/>
+          </p:nvPr>
+        </p:nvSpPr>
+        <p:spPr/>
+        <p:txBody>
+          <a:bodyPr/>
+          <a:lstStyle/>
+          <a:p>
+            <a:fld id="{AF7A6B12-C301-43C9-80E8-1904ED727E75}" type="datetime1">
+              <a:rPr lang="pt-BR" smtClean="0"/>
+              <a:t>03/06/2014</a:t>
+            </a:fld>
+            <a:endParaRPr lang="pt-BR"/>
+          </a:p>
+        </p:txBody>
+      </p:sp>
+      <p:sp>
+        <p:nvSpPr>
+          <p:cNvPr id="5" name="Espaço Reservado para Rodapé 4"/>
+          <p:cNvSpPr>
+            <a:spLocks noGrp="1"/>
+          </p:cNvSpPr>
+          <p:nvPr>
+            <p:ph type="ftr" sz="quarter" idx="11"/>
+          </p:nvPr>
+        </p:nvSpPr>
+        <p:spPr/>
+        <p:txBody>
+          <a:bodyPr/>
+          <a:lstStyle/>
+          <a:p>
+            <a:r>
+              <a:rPr lang="pt-BR" smtClean="0"/>
+              <a:t>Universidade Federal de Itajubá</a:t>
+            </a:r>
+            <a:endParaRPr lang="pt-BR"/>
+          </a:p>
+        </p:txBody>
+      </p:sp>
+      <p:sp>
+        <p:nvSpPr>
+          <p:cNvPr id="6" name="Espaço Reservado para Número de Slide 5"/>
+          <p:cNvSpPr>
+            <a:spLocks noGrp="1"/>
+          </p:cNvSpPr>
+          <p:nvPr>
+            <p:ph type="sldNum" sz="quarter" idx="12"/>
+          </p:nvPr>
+        </p:nvSpPr>
+        <p:spPr/>
+        <p:txBody>
+          <a:bodyPr/>
+          <a:lstStyle/>
+          <a:p>
+            <a:fld id="{31892884-0934-4F3F-B79B-36C387EDB149}" type="slidenum">
+              <a:rPr lang="pt-BR" smtClean="0"/>
+              <a:t>9</a:t>
+            </a:fld>
+            <a:endParaRPr lang="pt-BR"/>
+          </a:p>
+        </p:txBody>
+      </p:sp>
+      <p:pic>
+        <p:nvPicPr>
+          <p:cNvPr id="7" name="Imagem 6"/>
+          <p:cNvPicPr>
+            <a:picLocks noChangeAspect="1"/>
+          </p:cNvPicPr>
+          <p:nvPr/>
+        </p:nvPicPr>
+        <p:blipFill>
+          <a:blip r:embed="rId3">
+            <a:extLst>
+              <a:ext uri="{28A0092B-C50C-407E-A947-70E740481C1C}">
+                <a14:useLocalDpi xmlns:a14="http://schemas.microsoft.com/office/drawing/2010/main" val="0"/>
+              </a:ext>
+            </a:extLst>
+          </a:blip>
+          <a:stretch>
+            <a:fillRect/>
+          </a:stretch>
+        </p:blipFill>
+        <p:spPr>
+          <a:xfrm>
+            <a:off x="0" y="1987481"/>
+            <a:ext cx="9144000" cy="3861831"/>
+          </a:xfrm>
+          <a:prstGeom prst="rect">
+            <a:avLst/>
+          </a:prstGeom>
+        </p:spPr>
+      </p:pic>
+      <p:pic>
+        <p:nvPicPr>
+          <p:cNvPr id="8" name="Imagem 7"/>
+          <p:cNvPicPr>
+            <a:picLocks noChangeAspect="1"/>
+          </p:cNvPicPr>
+          <p:nvPr/>
+        </p:nvPicPr>
+        <p:blipFill>
+          <a:blip r:embed="rId4">
+            <a:extLst>
+              <a:ext uri="{28A0092B-C50C-407E-A947-70E740481C1C}">
+                <a14:useLocalDpi xmlns:a14="http://schemas.microsoft.com/office/drawing/2010/main" val="0"/>
+              </a:ext>
+            </a:extLst>
+          </a:blip>
+          <a:stretch>
+            <a:fillRect/>
+          </a:stretch>
+        </p:blipFill>
+        <p:spPr>
+          <a:xfrm>
+            <a:off x="4790940" y="610819"/>
+            <a:ext cx="3213011" cy="3127003"/>
+          </a:xfrm>
+          <a:prstGeom prst="rect">
+            <a:avLst/>
+          </a:prstGeom>
+        </p:spPr>
+      </p:pic>
+      <p:sp>
+        <p:nvSpPr>
+          <p:cNvPr id="9" name="CaixaDeTexto 8"/>
+          <p:cNvSpPr txBox="1"/>
+          <p:nvPr/>
+        </p:nvSpPr>
+        <p:spPr>
+          <a:xfrm>
+            <a:off x="628650" y="5668576"/>
+            <a:ext cx="7886700" cy="369332"/>
+          </a:xfrm>
+          <a:prstGeom prst="rect">
+            <a:avLst/>
+          </a:prstGeom>
+          <a:noFill/>
+        </p:spPr>
+        <p:txBody>
+          <a:bodyPr wrap="square" rtlCol="0">
+            <a:spAutoFit/>
+          </a:bodyPr>
+          <a:lstStyle/>
+          <a:p>
+            <a:pPr algn="ctr"/>
+            <a:r>
+              <a:rPr lang="pt-BR" i="1" dirty="0" smtClean="0"/>
+              <a:t>Figura X: Visão RTL do microprocessador desenvolvido</a:t>
+            </a:r>
+            <a:endParaRPr lang="pt-BR" i="1" dirty="0"/>
+          </a:p>
+        </p:txBody>
+      </p:sp>
+    </p:spTree>
+    <p:extLst>
+      <p:ext uri="{BB962C8B-B14F-4D97-AF65-F5344CB8AC3E}">
+        <p14:creationId xmlns:p14="http://schemas.microsoft.com/office/powerpoint/2010/main" val="1395205226"/>
+      </p:ext>
+    </p:extLst>
+  </p:cSld>
+  <p:clrMapOvr>
+    <a:masterClrMapping/>
+  </p:clrMapOvr>
 </p:sld>
 </file>
 
@@ -4574,7 +14111,7 @@
     </a:clrScheme>
     <a:fontScheme name="Tema do Office">
       <a:majorFont>
-        <a:latin typeface="Calibri Light" panose="020F0302020204030204"/>
+        <a:latin typeface="Calibri Light"/>
         <a:ea typeface=""/>
         <a:cs typeface=""/>
         <a:font script="Jpan" typeface="ＭＳ Ｐゴシック"/>
@@ -4609,7 +14146,7 @@
         <a:font script="Geor" typeface="Sylfaen"/>
       </a:majorFont>
       <a:minorFont>
-        <a:latin typeface="Calibri" panose="020F0502020204030204"/>
+        <a:latin typeface="Calibri"/>
         <a:ea typeface=""/>
         <a:cs typeface=""/>
         <a:font script="Jpan" typeface="ＭＳ Ｐゴシック"/>
@@ -4786,7 +14323,7 @@
   <a:extraClrSchemeLst/>
   <a:extLst>
     <a:ext uri="{05A4C25C-085E-4340-85A3-A5531E510DB2}">
-      <thm15:themeFamily xmlns:thm15="http://schemas.microsoft.com/office/thememl/2012/main" name="Office Theme" id="{62F939B6-93AF-4DB8-9C6B-D6C7DFDC589F}" vid="{4A3C46E8-61CC-4603-A589-7422A47A8E4A}"/>
+      <thm15:themeFamily xmlns:thm15="http://schemas.microsoft.com/office/thememl/2012/main" xmlns="" name="Office Theme" id="{62F939B6-93AF-4DB8-9C6B-D6C7DFDC589F}" vid="{4A3C46E8-61CC-4603-A589-7422A47A8E4A}"/>
     </a:ext>
   </a:extLst>
 </a:theme>
@@ -4835,7 +14372,7 @@
     </a:clrScheme>
     <a:fontScheme name="Escritório">
       <a:majorFont>
-        <a:latin typeface="Calibri Light" panose="020F0302020204030204"/>
+        <a:latin typeface="Calibri Light"/>
         <a:ea typeface=""/>
         <a:cs typeface=""/>
         <a:font script="Jpan" typeface="ＭＳ Ｐゴシック"/>
@@ -4870,7 +14407,7 @@
         <a:font script="Geor" typeface="Sylfaen"/>
       </a:majorFont>
       <a:minorFont>
-        <a:latin typeface="Calibri" panose="020F0502020204030204"/>
+        <a:latin typeface="Calibri"/>
         <a:ea typeface=""/>
         <a:cs typeface=""/>
         <a:font script="Jpan" typeface="ＭＳ Ｐゴシック"/>
@@ -5047,7 +14584,7 @@
   <a:extraClrSchemeLst/>
   <a:extLst>
     <a:ext uri="{05A4C25C-085E-4340-85A3-A5531E510DB2}">
-      <thm15:themeFamily xmlns:thm15="http://schemas.microsoft.com/office/thememl/2012/main" name="Office Theme" id="{62F939B6-93AF-4DB8-9C6B-D6C7DFDC589F}" vid="{4A3C46E8-61CC-4603-A589-7422A47A8E4A}"/>
+      <thm15:themeFamily xmlns:thm15="http://schemas.microsoft.com/office/thememl/2012/main" xmlns="" name="Office Theme" id="{62F939B6-93AF-4DB8-9C6B-D6C7DFDC589F}" vid="{4A3C46E8-61CC-4603-A589-7422A47A8E4A}"/>
     </a:ext>
   </a:extLst>
 </a:theme>

--- a/Apresentacao/Apresentacao.pptx
+++ b/Apresentacao/Apresentacao.pptx
@@ -15,8 +15,8 @@
     <p:sldId id="264" r:id="rId6"/>
     <p:sldId id="265" r:id="rId7"/>
     <p:sldId id="266" r:id="rId8"/>
-    <p:sldId id="285" r:id="rId9"/>
-    <p:sldId id="284" r:id="rId10"/>
+    <p:sldId id="286" r:id="rId9"/>
+    <p:sldId id="287" r:id="rId10"/>
     <p:sldId id="267" r:id="rId11"/>
     <p:sldId id="268" r:id="rId12"/>
     <p:sldId id="269" r:id="rId13"/>
@@ -134,7 +134,18 @@
   </p:defaultTextStyle>
   <p:extLst>
     <p:ext uri="{EFAFB233-063F-42B5-8137-9DF3F51BA10A}">
-      <p15:sldGuideLst xmlns:p15="http://schemas.microsoft.com/office/powerpoint/2012/main" xmlns=""/>
+      <p15:sldGuideLst xmlns:p15="http://schemas.microsoft.com/office/powerpoint/2012/main">
+        <p15:guide id="1" orient="horz" pos="2160">
+          <p15:clr>
+            <a:srgbClr val="A4A3A4"/>
+          </p15:clr>
+        </p15:guide>
+        <p15:guide id="2" pos="2880">
+          <p15:clr>
+            <a:srgbClr val="A4A3A4"/>
+          </p15:clr>
+        </p15:guide>
+      </p15:sldGuideLst>
     </p:ext>
   </p:extLst>
 </p:presentation>
@@ -222,7 +233,7 @@
           <a:p>
             <a:fld id="{4ECFF89F-550C-4129-B05B-5F50C6FAE430}" type="datetimeFigureOut">
               <a:rPr lang="pt-BR" smtClean="0"/>
-              <a:t>03/06/2014</a:t>
+              <a:t>04/06/2014</a:t>
             </a:fld>
             <a:endParaRPr lang="pt-BR"/>
           </a:p>
@@ -649,7 +660,7 @@
           <a:p>
             <a:fld id="{1CA53FDC-004F-4EB0-83CE-561FF9E1969C}" type="slidenum">
               <a:rPr lang="pt-BR" smtClean="0"/>
-              <a:t>13</a:t>
+              <a:t>11</a:t>
             </a:fld>
             <a:endParaRPr lang="pt-BR"/>
           </a:p>
@@ -658,7 +669,7 @@
     </p:spTree>
     <p:extLst>
       <p:ext uri="{BB962C8B-B14F-4D97-AF65-F5344CB8AC3E}">
-        <p14:creationId xmlns:p14="http://schemas.microsoft.com/office/powerpoint/2010/main" val="2558636358"/>
+        <p14:creationId xmlns:p14="http://schemas.microsoft.com/office/powerpoint/2010/main" val="327578368"/>
       </p:ext>
     </p:extLst>
   </p:cSld>
@@ -738,7 +749,7 @@
           <a:p>
             <a:fld id="{1CA53FDC-004F-4EB0-83CE-561FF9E1969C}" type="slidenum">
               <a:rPr lang="pt-BR" smtClean="0"/>
-              <a:t>14</a:t>
+              <a:t>12</a:t>
             </a:fld>
             <a:endParaRPr lang="pt-BR"/>
           </a:p>
@@ -747,7 +758,7 @@
     </p:spTree>
     <p:extLst>
       <p:ext uri="{BB962C8B-B14F-4D97-AF65-F5344CB8AC3E}">
-        <p14:creationId xmlns:p14="http://schemas.microsoft.com/office/powerpoint/2010/main" val="2450367299"/>
+        <p14:creationId xmlns:p14="http://schemas.microsoft.com/office/powerpoint/2010/main" val="900488583"/>
       </p:ext>
     </p:extLst>
   </p:cSld>
@@ -827,7 +838,7 @@
           <a:p>
             <a:fld id="{1CA53FDC-004F-4EB0-83CE-561FF9E1969C}" type="slidenum">
               <a:rPr lang="pt-BR" smtClean="0"/>
-              <a:t>15</a:t>
+              <a:t>13</a:t>
             </a:fld>
             <a:endParaRPr lang="pt-BR"/>
           </a:p>
@@ -836,7 +847,7 @@
     </p:spTree>
     <p:extLst>
       <p:ext uri="{BB962C8B-B14F-4D97-AF65-F5344CB8AC3E}">
-        <p14:creationId xmlns:p14="http://schemas.microsoft.com/office/powerpoint/2010/main" val="1403438131"/>
+        <p14:creationId xmlns:p14="http://schemas.microsoft.com/office/powerpoint/2010/main" val="2558636358"/>
       </p:ext>
     </p:extLst>
   </p:cSld>
@@ -916,7 +927,7 @@
           <a:p>
             <a:fld id="{1CA53FDC-004F-4EB0-83CE-561FF9E1969C}" type="slidenum">
               <a:rPr lang="pt-BR" smtClean="0"/>
-              <a:t>16</a:t>
+              <a:t>14</a:t>
             </a:fld>
             <a:endParaRPr lang="pt-BR"/>
           </a:p>
@@ -925,7 +936,7 @@
     </p:spTree>
     <p:extLst>
       <p:ext uri="{BB962C8B-B14F-4D97-AF65-F5344CB8AC3E}">
-        <p14:creationId xmlns:p14="http://schemas.microsoft.com/office/powerpoint/2010/main" val="3021791673"/>
+        <p14:creationId xmlns:p14="http://schemas.microsoft.com/office/powerpoint/2010/main" val="2450367299"/>
       </p:ext>
     </p:extLst>
   </p:cSld>
@@ -1005,7 +1016,7 @@
           <a:p>
             <a:fld id="{1CA53FDC-004F-4EB0-83CE-561FF9E1969C}" type="slidenum">
               <a:rPr lang="pt-BR" smtClean="0"/>
-              <a:t>17</a:t>
+              <a:t>15</a:t>
             </a:fld>
             <a:endParaRPr lang="pt-BR"/>
           </a:p>
@@ -1014,7 +1025,7 @@
     </p:spTree>
     <p:extLst>
       <p:ext uri="{BB962C8B-B14F-4D97-AF65-F5344CB8AC3E}">
-        <p14:creationId xmlns:p14="http://schemas.microsoft.com/office/powerpoint/2010/main" val="1268376137"/>
+        <p14:creationId xmlns:p14="http://schemas.microsoft.com/office/powerpoint/2010/main" val="1403438131"/>
       </p:ext>
     </p:extLst>
   </p:cSld>
@@ -1094,7 +1105,7 @@
           <a:p>
             <a:fld id="{1CA53FDC-004F-4EB0-83CE-561FF9E1969C}" type="slidenum">
               <a:rPr lang="pt-BR" smtClean="0"/>
-              <a:t>18</a:t>
+              <a:t>16</a:t>
             </a:fld>
             <a:endParaRPr lang="pt-BR"/>
           </a:p>
@@ -1103,7 +1114,7 @@
     </p:spTree>
     <p:extLst>
       <p:ext uri="{BB962C8B-B14F-4D97-AF65-F5344CB8AC3E}">
-        <p14:creationId xmlns:p14="http://schemas.microsoft.com/office/powerpoint/2010/main" val="1332935214"/>
+        <p14:creationId xmlns:p14="http://schemas.microsoft.com/office/powerpoint/2010/main" val="3021791673"/>
       </p:ext>
     </p:extLst>
   </p:cSld>
@@ -1183,7 +1194,7 @@
           <a:p>
             <a:fld id="{1CA53FDC-004F-4EB0-83CE-561FF9E1969C}" type="slidenum">
               <a:rPr lang="pt-BR" smtClean="0"/>
-              <a:t>19</a:t>
+              <a:t>17</a:t>
             </a:fld>
             <a:endParaRPr lang="pt-BR"/>
           </a:p>
@@ -1192,7 +1203,7 @@
     </p:spTree>
     <p:extLst>
       <p:ext uri="{BB962C8B-B14F-4D97-AF65-F5344CB8AC3E}">
-        <p14:creationId xmlns:p14="http://schemas.microsoft.com/office/powerpoint/2010/main" val="1865031535"/>
+        <p14:creationId xmlns:p14="http://schemas.microsoft.com/office/powerpoint/2010/main" val="1268376137"/>
       </p:ext>
     </p:extLst>
   </p:cSld>
@@ -1272,7 +1283,7 @@
           <a:p>
             <a:fld id="{1CA53FDC-004F-4EB0-83CE-561FF9E1969C}" type="slidenum">
               <a:rPr lang="pt-BR" smtClean="0"/>
-              <a:t>20</a:t>
+              <a:t>18</a:t>
             </a:fld>
             <a:endParaRPr lang="pt-BR"/>
           </a:p>
@@ -1281,7 +1292,7 @@
     </p:spTree>
     <p:extLst>
       <p:ext uri="{BB962C8B-B14F-4D97-AF65-F5344CB8AC3E}">
-        <p14:creationId xmlns:p14="http://schemas.microsoft.com/office/powerpoint/2010/main" val="1135411548"/>
+        <p14:creationId xmlns:p14="http://schemas.microsoft.com/office/powerpoint/2010/main" val="1332935214"/>
       </p:ext>
     </p:extLst>
   </p:cSld>
@@ -1361,7 +1372,7 @@
           <a:p>
             <a:fld id="{1CA53FDC-004F-4EB0-83CE-561FF9E1969C}" type="slidenum">
               <a:rPr lang="pt-BR" smtClean="0"/>
-              <a:t>21</a:t>
+              <a:t>19</a:t>
             </a:fld>
             <a:endParaRPr lang="pt-BR"/>
           </a:p>
@@ -1370,7 +1381,7 @@
     </p:spTree>
     <p:extLst>
       <p:ext uri="{BB962C8B-B14F-4D97-AF65-F5344CB8AC3E}">
-        <p14:creationId xmlns:p14="http://schemas.microsoft.com/office/powerpoint/2010/main" val="2365360527"/>
+        <p14:creationId xmlns:p14="http://schemas.microsoft.com/office/powerpoint/2010/main" val="1865031535"/>
       </p:ext>
     </p:extLst>
   </p:cSld>
@@ -1450,7 +1461,7 @@
           <a:p>
             <a:fld id="{1CA53FDC-004F-4EB0-83CE-561FF9E1969C}" type="slidenum">
               <a:rPr lang="pt-BR" smtClean="0"/>
-              <a:t>22</a:t>
+              <a:t>20</a:t>
             </a:fld>
             <a:endParaRPr lang="pt-BR"/>
           </a:p>
@@ -1459,7 +1470,7 @@
     </p:spTree>
     <p:extLst>
       <p:ext uri="{BB962C8B-B14F-4D97-AF65-F5344CB8AC3E}">
-        <p14:creationId xmlns:p14="http://schemas.microsoft.com/office/powerpoint/2010/main" val="3672967019"/>
+        <p14:creationId xmlns:p14="http://schemas.microsoft.com/office/powerpoint/2010/main" val="1135411548"/>
       </p:ext>
     </p:extLst>
   </p:cSld>
@@ -1628,7 +1639,7 @@
           <a:p>
             <a:fld id="{1CA53FDC-004F-4EB0-83CE-561FF9E1969C}" type="slidenum">
               <a:rPr lang="pt-BR" smtClean="0"/>
-              <a:t>23</a:t>
+              <a:t>21</a:t>
             </a:fld>
             <a:endParaRPr lang="pt-BR"/>
           </a:p>
@@ -1637,7 +1648,7 @@
     </p:spTree>
     <p:extLst>
       <p:ext uri="{BB962C8B-B14F-4D97-AF65-F5344CB8AC3E}">
-        <p14:creationId xmlns:p14="http://schemas.microsoft.com/office/powerpoint/2010/main" val="2856392111"/>
+        <p14:creationId xmlns:p14="http://schemas.microsoft.com/office/powerpoint/2010/main" val="2365360527"/>
       </p:ext>
     </p:extLst>
   </p:cSld>
@@ -1717,7 +1728,7 @@
           <a:p>
             <a:fld id="{1CA53FDC-004F-4EB0-83CE-561FF9E1969C}" type="slidenum">
               <a:rPr lang="pt-BR" smtClean="0"/>
-              <a:t>24</a:t>
+              <a:t>22</a:t>
             </a:fld>
             <a:endParaRPr lang="pt-BR"/>
           </a:p>
@@ -1726,7 +1737,7 @@
     </p:spTree>
     <p:extLst>
       <p:ext uri="{BB962C8B-B14F-4D97-AF65-F5344CB8AC3E}">
-        <p14:creationId xmlns:p14="http://schemas.microsoft.com/office/powerpoint/2010/main" val="895134899"/>
+        <p14:creationId xmlns:p14="http://schemas.microsoft.com/office/powerpoint/2010/main" val="3672967019"/>
       </p:ext>
     </p:extLst>
   </p:cSld>
@@ -1806,6 +1817,184 @@
           <a:p>
             <a:fld id="{1CA53FDC-004F-4EB0-83CE-561FF9E1969C}" type="slidenum">
               <a:rPr lang="pt-BR" smtClean="0"/>
+              <a:t>23</a:t>
+            </a:fld>
+            <a:endParaRPr lang="pt-BR"/>
+          </a:p>
+        </p:txBody>
+      </p:sp>
+    </p:spTree>
+    <p:extLst>
+      <p:ext uri="{BB962C8B-B14F-4D97-AF65-F5344CB8AC3E}">
+        <p14:creationId xmlns:p14="http://schemas.microsoft.com/office/powerpoint/2010/main" val="2856392111"/>
+      </p:ext>
+    </p:extLst>
+  </p:cSld>
+  <p:clrMapOvr>
+    <a:masterClrMapping/>
+  </p:clrMapOvr>
+</p:notes>
+</file>
+
+<file path=ppt/notesSlides/notesSlide23.xml><?xml version="1.0" encoding="utf-8"?>
+<p:notes xmlns:a="http://schemas.openxmlformats.org/drawingml/2006/main" xmlns:r="http://schemas.openxmlformats.org/officeDocument/2006/relationships" xmlns:p="http://schemas.openxmlformats.org/presentationml/2006/main">
+  <p:cSld>
+    <p:spTree>
+      <p:nvGrpSpPr>
+        <p:cNvPr id="1" name=""/>
+        <p:cNvGrpSpPr/>
+        <p:nvPr/>
+      </p:nvGrpSpPr>
+      <p:grpSpPr>
+        <a:xfrm>
+          <a:off x="0" y="0"/>
+          <a:ext cx="0" cy="0"/>
+          <a:chOff x="0" y="0"/>
+          <a:chExt cx="0" cy="0"/>
+        </a:xfrm>
+      </p:grpSpPr>
+      <p:sp>
+        <p:nvSpPr>
+          <p:cNvPr id="2" name="Espaço Reservado para Imagem de Slide 1"/>
+          <p:cNvSpPr>
+            <a:spLocks noGrp="1" noRot="1" noChangeAspect="1"/>
+          </p:cNvSpPr>
+          <p:nvPr>
+            <p:ph type="sldImg"/>
+          </p:nvPr>
+        </p:nvSpPr>
+        <p:spPr>
+          <a:xfrm>
+            <a:off x="1371600" y="1143000"/>
+            <a:ext cx="4114800" cy="3086100"/>
+          </a:xfrm>
+        </p:spPr>
+      </p:sp>
+      <p:sp>
+        <p:nvSpPr>
+          <p:cNvPr id="3" name="Espaço Reservado para Anotações 2"/>
+          <p:cNvSpPr>
+            <a:spLocks noGrp="1"/>
+          </p:cNvSpPr>
+          <p:nvPr>
+            <p:ph type="body" idx="1"/>
+          </p:nvPr>
+        </p:nvSpPr>
+        <p:spPr/>
+        <p:txBody>
+          <a:bodyPr/>
+          <a:lstStyle/>
+          <a:p>
+            <a:endParaRPr lang="pt-BR"/>
+          </a:p>
+        </p:txBody>
+      </p:sp>
+      <p:sp>
+        <p:nvSpPr>
+          <p:cNvPr id="4" name="Espaço Reservado para Número de Slide 3"/>
+          <p:cNvSpPr>
+            <a:spLocks noGrp="1"/>
+          </p:cNvSpPr>
+          <p:nvPr>
+            <p:ph type="sldNum" sz="quarter" idx="10"/>
+          </p:nvPr>
+        </p:nvSpPr>
+        <p:spPr/>
+        <p:txBody>
+          <a:bodyPr/>
+          <a:lstStyle/>
+          <a:p>
+            <a:fld id="{1CA53FDC-004F-4EB0-83CE-561FF9E1969C}" type="slidenum">
+              <a:rPr lang="pt-BR" smtClean="0"/>
+              <a:t>24</a:t>
+            </a:fld>
+            <a:endParaRPr lang="pt-BR"/>
+          </a:p>
+        </p:txBody>
+      </p:sp>
+    </p:spTree>
+    <p:extLst>
+      <p:ext uri="{BB962C8B-B14F-4D97-AF65-F5344CB8AC3E}">
+        <p14:creationId xmlns:p14="http://schemas.microsoft.com/office/powerpoint/2010/main" val="895134899"/>
+      </p:ext>
+    </p:extLst>
+  </p:cSld>
+  <p:clrMapOvr>
+    <a:masterClrMapping/>
+  </p:clrMapOvr>
+</p:notes>
+</file>
+
+<file path=ppt/notesSlides/notesSlide24.xml><?xml version="1.0" encoding="utf-8"?>
+<p:notes xmlns:a="http://schemas.openxmlformats.org/drawingml/2006/main" xmlns:r="http://schemas.openxmlformats.org/officeDocument/2006/relationships" xmlns:p="http://schemas.openxmlformats.org/presentationml/2006/main">
+  <p:cSld>
+    <p:spTree>
+      <p:nvGrpSpPr>
+        <p:cNvPr id="1" name=""/>
+        <p:cNvGrpSpPr/>
+        <p:nvPr/>
+      </p:nvGrpSpPr>
+      <p:grpSpPr>
+        <a:xfrm>
+          <a:off x="0" y="0"/>
+          <a:ext cx="0" cy="0"/>
+          <a:chOff x="0" y="0"/>
+          <a:chExt cx="0" cy="0"/>
+        </a:xfrm>
+      </p:grpSpPr>
+      <p:sp>
+        <p:nvSpPr>
+          <p:cNvPr id="2" name="Espaço Reservado para Imagem de Slide 1"/>
+          <p:cNvSpPr>
+            <a:spLocks noGrp="1" noRot="1" noChangeAspect="1"/>
+          </p:cNvSpPr>
+          <p:nvPr>
+            <p:ph type="sldImg"/>
+          </p:nvPr>
+        </p:nvSpPr>
+        <p:spPr>
+          <a:xfrm>
+            <a:off x="1371600" y="1143000"/>
+            <a:ext cx="4114800" cy="3086100"/>
+          </a:xfrm>
+        </p:spPr>
+      </p:sp>
+      <p:sp>
+        <p:nvSpPr>
+          <p:cNvPr id="3" name="Espaço Reservado para Anotações 2"/>
+          <p:cNvSpPr>
+            <a:spLocks noGrp="1"/>
+          </p:cNvSpPr>
+          <p:nvPr>
+            <p:ph type="body" idx="1"/>
+          </p:nvPr>
+        </p:nvSpPr>
+        <p:spPr/>
+        <p:txBody>
+          <a:bodyPr/>
+          <a:lstStyle/>
+          <a:p>
+            <a:endParaRPr lang="pt-BR"/>
+          </a:p>
+        </p:txBody>
+      </p:sp>
+      <p:sp>
+        <p:nvSpPr>
+          <p:cNvPr id="4" name="Espaço Reservado para Número de Slide 3"/>
+          <p:cNvSpPr>
+            <a:spLocks noGrp="1"/>
+          </p:cNvSpPr>
+          <p:nvPr>
+            <p:ph type="sldNum" sz="quarter" idx="10"/>
+          </p:nvPr>
+        </p:nvSpPr>
+        <p:spPr/>
+        <p:txBody>
+          <a:bodyPr/>
+          <a:lstStyle/>
+          <a:p>
+            <a:fld id="{1CA53FDC-004F-4EB0-83CE-561FF9E1969C}" type="slidenum">
+              <a:rPr lang="pt-BR" smtClean="0"/>
               <a:t>25</a:t>
             </a:fld>
             <a:endParaRPr lang="pt-BR"/>
@@ -1825,7 +2014,7 @@
 </p:notes>
 </file>
 
-<file path=ppt/notesSlides/notesSlide23.xml><?xml version="1.0" encoding="utf-8"?>
+<file path=ppt/notesSlides/notesSlide25.xml><?xml version="1.0" encoding="utf-8"?>
 <p:notes xmlns:a="http://schemas.openxmlformats.org/drawingml/2006/main" xmlns:r="http://schemas.openxmlformats.org/officeDocument/2006/relationships" xmlns:p="http://schemas.openxmlformats.org/presentationml/2006/main">
   <p:cSld>
     <p:spTree>
@@ -2340,7 +2529,7 @@
           <a:p>
             <a:fld id="{1CA53FDC-004F-4EB0-83CE-561FF9E1969C}" type="slidenum">
               <a:rPr lang="pt-BR" smtClean="0"/>
-              <a:t>10</a:t>
+              <a:t>8</a:t>
             </a:fld>
             <a:endParaRPr lang="pt-BR"/>
           </a:p>
@@ -2349,7 +2538,7 @@
     </p:spTree>
     <p:extLst>
       <p:ext uri="{BB962C8B-B14F-4D97-AF65-F5344CB8AC3E}">
-        <p14:creationId xmlns:p14="http://schemas.microsoft.com/office/powerpoint/2010/main" val="3098143502"/>
+        <p14:creationId xmlns:p14="http://schemas.microsoft.com/office/powerpoint/2010/main" val="2311789865"/>
       </p:ext>
     </p:extLst>
   </p:cSld>
@@ -2429,7 +2618,7 @@
           <a:p>
             <a:fld id="{1CA53FDC-004F-4EB0-83CE-561FF9E1969C}" type="slidenum">
               <a:rPr lang="pt-BR" smtClean="0"/>
-              <a:t>11</a:t>
+              <a:t>9</a:t>
             </a:fld>
             <a:endParaRPr lang="pt-BR"/>
           </a:p>
@@ -2438,7 +2627,7 @@
     </p:spTree>
     <p:extLst>
       <p:ext uri="{BB962C8B-B14F-4D97-AF65-F5344CB8AC3E}">
-        <p14:creationId xmlns:p14="http://schemas.microsoft.com/office/powerpoint/2010/main" val="327578368"/>
+        <p14:creationId xmlns:p14="http://schemas.microsoft.com/office/powerpoint/2010/main" val="2376092222"/>
       </p:ext>
     </p:extLst>
   </p:cSld>
@@ -2518,7 +2707,7 @@
           <a:p>
             <a:fld id="{1CA53FDC-004F-4EB0-83CE-561FF9E1969C}" type="slidenum">
               <a:rPr lang="pt-BR" smtClean="0"/>
-              <a:t>12</a:t>
+              <a:t>10</a:t>
             </a:fld>
             <a:endParaRPr lang="pt-BR"/>
           </a:p>
@@ -2527,7 +2716,7 @@
     </p:spTree>
     <p:extLst>
       <p:ext uri="{BB962C8B-B14F-4D97-AF65-F5344CB8AC3E}">
-        <p14:creationId xmlns:p14="http://schemas.microsoft.com/office/powerpoint/2010/main" val="900488583"/>
+        <p14:creationId xmlns:p14="http://schemas.microsoft.com/office/powerpoint/2010/main" val="3098143502"/>
       </p:ext>
     </p:extLst>
   </p:cSld>
@@ -2668,7 +2857,7 @@
           <a:p>
             <a:fld id="{4E4CBB3D-E4FE-4A11-A052-CD86F1E69DB8}" type="datetime1">
               <a:rPr lang="pt-BR" smtClean="0"/>
-              <a:t>03/06/2014</a:t>
+              <a:t>04/06/2014</a:t>
             </a:fld>
             <a:endParaRPr lang="pt-BR"/>
           </a:p>
@@ -2842,7 +3031,7 @@
           <a:p>
             <a:fld id="{85B6E4B1-8EB5-4003-A55F-F71688338A99}" type="datetime1">
               <a:rPr lang="pt-BR" smtClean="0"/>
-              <a:t>03/06/2014</a:t>
+              <a:t>04/06/2014</a:t>
             </a:fld>
             <a:endParaRPr lang="pt-BR"/>
           </a:p>
@@ -3026,7 +3215,7 @@
           <a:p>
             <a:fld id="{EE51AD5F-C92F-4634-B5E4-2AC2D7CCADC3}" type="datetime1">
               <a:rPr lang="pt-BR" smtClean="0"/>
-              <a:t>03/06/2014</a:t>
+              <a:t>04/06/2014</a:t>
             </a:fld>
             <a:endParaRPr lang="pt-BR"/>
           </a:p>
@@ -3200,7 +3389,7 @@
           <a:p>
             <a:fld id="{AF7A6B12-C301-43C9-80E8-1904ED727E75}" type="datetime1">
               <a:rPr lang="pt-BR" smtClean="0"/>
-              <a:t>03/06/2014</a:t>
+              <a:t>04/06/2014</a:t>
             </a:fld>
             <a:endParaRPr lang="pt-BR"/>
           </a:p>
@@ -3448,7 +3637,7 @@
           <a:p>
             <a:fld id="{EA74DE8B-95BD-4532-8D9F-959F73581BCD}" type="datetime1">
               <a:rPr lang="pt-BR" smtClean="0"/>
-              <a:t>03/06/2014</a:t>
+              <a:t>04/06/2014</a:t>
             </a:fld>
             <a:endParaRPr lang="pt-BR"/>
           </a:p>
@@ -3684,7 +3873,7 @@
           <a:p>
             <a:fld id="{F77646EA-F905-42E6-8D41-D210E3D1B3B0}" type="datetime1">
               <a:rPr lang="pt-BR" smtClean="0"/>
-              <a:t>03/06/2014</a:t>
+              <a:t>04/06/2014</a:t>
             </a:fld>
             <a:endParaRPr lang="pt-BR"/>
           </a:p>
@@ -4055,7 +4244,7 @@
           <a:p>
             <a:fld id="{E98BCC9A-F90A-483B-B5C3-D9CD1D9023C3}" type="datetime1">
               <a:rPr lang="pt-BR" smtClean="0"/>
-              <a:t>03/06/2014</a:t>
+              <a:t>04/06/2014</a:t>
             </a:fld>
             <a:endParaRPr lang="pt-BR"/>
           </a:p>
@@ -4177,7 +4366,7 @@
           <a:p>
             <a:fld id="{ABF218CA-9C70-47FE-864A-E0F0D85E9FF8}" type="datetime1">
               <a:rPr lang="pt-BR" smtClean="0"/>
-              <a:t>03/06/2014</a:t>
+              <a:t>04/06/2014</a:t>
             </a:fld>
             <a:endParaRPr lang="pt-BR"/>
           </a:p>
@@ -4276,7 +4465,7 @@
           <a:p>
             <a:fld id="{8F9C4DB3-2DD8-4972-89FE-90673AEDB76E}" type="datetime1">
               <a:rPr lang="pt-BR" smtClean="0"/>
-              <a:t>03/06/2014</a:t>
+              <a:t>04/06/2014</a:t>
             </a:fld>
             <a:endParaRPr lang="pt-BR"/>
           </a:p>
@@ -4557,7 +4746,7 @@
           <a:p>
             <a:fld id="{23E76DDB-37F4-496B-8C9E-0114879CEB09}" type="datetime1">
               <a:rPr lang="pt-BR" smtClean="0"/>
-              <a:t>03/06/2014</a:t>
+              <a:t>04/06/2014</a:t>
             </a:fld>
             <a:endParaRPr lang="pt-BR"/>
           </a:p>
@@ -4818,7 +5007,7 @@
           <a:p>
             <a:fld id="{8A5E5921-9CEC-4050-BEC1-20181F0949A3}" type="datetime1">
               <a:rPr lang="pt-BR" smtClean="0"/>
-              <a:t>03/06/2014</a:t>
+              <a:t>04/06/2014</a:t>
             </a:fld>
             <a:endParaRPr lang="pt-BR"/>
           </a:p>
@@ -5035,7 +5224,7 @@
           <a:p>
             <a:fld id="{317250D5-F4D3-4996-83F2-E63CAE78953C}" type="datetime1">
               <a:rPr lang="pt-BR" smtClean="0"/>
-              <a:t>03/06/2014</a:t>
+              <a:t>04/06/2014</a:t>
             </a:fld>
             <a:endParaRPr lang="pt-BR"/>
           </a:p>
@@ -5539,7 +5728,7 @@
         </p:nvSpPr>
         <p:spPr>
           <a:xfrm>
-            <a:off x="4427905" y="5016341"/>
+            <a:off x="4235881" y="5839301"/>
             <a:ext cx="3070775" cy="1097280"/>
           </a:xfrm>
           <a:prstGeom prst="rect">
@@ -5802,7 +5991,7 @@
         </p:nvSpPr>
         <p:spPr>
           <a:xfrm>
-            <a:off x="5222453" y="3879255"/>
+            <a:off x="5222453" y="4485013"/>
             <a:ext cx="3329759" cy="507831"/>
           </a:xfrm>
           <a:prstGeom prst="rect">
@@ -5961,7 +6150,7 @@
           <a:p>
             <a:fld id="{5B2C3F26-301F-434E-863D-B89F544B9CE4}" type="datetime1">
               <a:rPr lang="pt-BR" smtClean="0"/>
-              <a:t>03/06/2014</a:t>
+              <a:t>04/06/2014</a:t>
             </a:fld>
             <a:endParaRPr lang="pt-BR"/>
           </a:p>
@@ -6053,7 +6242,7 @@
         <p:spPr>
           <a:xfrm>
             <a:off x="628650" y="5668576"/>
-            <a:ext cx="7886700" cy="369332"/>
+            <a:ext cx="7886700" cy="646331"/>
           </a:xfrm>
           <a:prstGeom prst="rect">
             <a:avLst/>
@@ -6069,7 +6258,18 @@
             <a:pPr algn="ctr"/>
             <a:r>
               <a:rPr lang="pt-BR" i="1" dirty="0" smtClean="0"/>
-              <a:t>Figura X: Visão RTL do microprocessador desenvolvido</a:t>
+              <a:t>Figura X: Visão RTL do microprocessador </a:t>
+            </a:r>
+            <a:r>
+              <a:rPr lang="pt-BR" i="1" dirty="0" smtClean="0"/>
+              <a:t>desenvolvido</a:t>
+            </a:r>
+          </a:p>
+          <a:p>
+            <a:pPr algn="ctr"/>
+            <a:r>
+              <a:rPr lang="pt-BR" i="1" dirty="0" smtClean="0"/>
+              <a:t>Foco: Unidade de Controle</a:t>
             </a:r>
             <a:endParaRPr lang="pt-BR" i="1" dirty="0"/>
           </a:p>
@@ -6319,7 +6519,7 @@
           <a:p>
             <a:fld id="{5B2C3F26-301F-434E-863D-B89F544B9CE4}" type="datetime1">
               <a:rPr lang="pt-BR" smtClean="0"/>
-              <a:t>03/06/2014</a:t>
+              <a:t>04/06/2014</a:t>
             </a:fld>
             <a:endParaRPr lang="pt-BR"/>
           </a:p>
@@ -6411,7 +6611,7 @@
         <p:spPr>
           <a:xfrm>
             <a:off x="628650" y="5668576"/>
-            <a:ext cx="7886700" cy="369332"/>
+            <a:ext cx="7886700" cy="646331"/>
           </a:xfrm>
           <a:prstGeom prst="rect">
             <a:avLst/>
@@ -6427,7 +6627,18 @@
             <a:pPr algn="ctr"/>
             <a:r>
               <a:rPr lang="pt-BR" i="1" dirty="0" smtClean="0"/>
-              <a:t>Figura X: Visão RTL do microprocessador desenvolvido</a:t>
+              <a:t>Figura X: Visão RTL do microprocessador </a:t>
+            </a:r>
+            <a:r>
+              <a:rPr lang="pt-BR" i="1" dirty="0" smtClean="0"/>
+              <a:t>desenvolvido</a:t>
+            </a:r>
+          </a:p>
+          <a:p>
+            <a:pPr algn="ctr"/>
+            <a:r>
+              <a:rPr lang="pt-BR" i="1" dirty="0" smtClean="0"/>
+              <a:t>Foco: Unidade de Controle de Endereços</a:t>
             </a:r>
             <a:endParaRPr lang="pt-BR" i="1" dirty="0"/>
           </a:p>
@@ -6677,7 +6888,7 @@
           <a:p>
             <a:fld id="{5B2C3F26-301F-434E-863D-B89F544B9CE4}" type="datetime1">
               <a:rPr lang="pt-BR" smtClean="0"/>
-              <a:t>03/06/2014</a:t>
+              <a:t>04/06/2014</a:t>
             </a:fld>
             <a:endParaRPr lang="pt-BR"/>
           </a:p>
@@ -6769,7 +6980,7 @@
         <p:spPr>
           <a:xfrm>
             <a:off x="628650" y="5668576"/>
-            <a:ext cx="7886700" cy="369332"/>
+            <a:ext cx="7886700" cy="646331"/>
           </a:xfrm>
           <a:prstGeom prst="rect">
             <a:avLst/>
@@ -6785,7 +6996,18 @@
             <a:pPr algn="ctr"/>
             <a:r>
               <a:rPr lang="pt-BR" i="1" dirty="0" smtClean="0"/>
-              <a:t>Figura X: Visão RTL do microprocessador desenvolvido</a:t>
+              <a:t>Figura X: Visão RTL do microprocessador </a:t>
+            </a:r>
+            <a:r>
+              <a:rPr lang="pt-BR" i="1" dirty="0" smtClean="0"/>
+              <a:t>desenvolvido</a:t>
+            </a:r>
+          </a:p>
+          <a:p>
+            <a:pPr algn="ctr"/>
+            <a:r>
+              <a:rPr lang="pt-BR" i="1" dirty="0" smtClean="0"/>
+              <a:t>Foco: Registro de Segmento</a:t>
             </a:r>
             <a:endParaRPr lang="pt-BR" i="1" dirty="0"/>
           </a:p>
@@ -7035,7 +7257,7 @@
           <a:p>
             <a:fld id="{5B2C3F26-301F-434E-863D-B89F544B9CE4}" type="datetime1">
               <a:rPr lang="pt-BR" smtClean="0"/>
-              <a:t>03/06/2014</a:t>
+              <a:t>04/06/2014</a:t>
             </a:fld>
             <a:endParaRPr lang="pt-BR"/>
           </a:p>
@@ -7127,7 +7349,7 @@
         <p:spPr>
           <a:xfrm>
             <a:off x="628650" y="5668576"/>
-            <a:ext cx="7886700" cy="369332"/>
+            <a:ext cx="7886700" cy="646331"/>
           </a:xfrm>
           <a:prstGeom prst="rect">
             <a:avLst/>
@@ -7143,7 +7365,18 @@
             <a:pPr algn="ctr"/>
             <a:r>
               <a:rPr lang="pt-BR" i="1" dirty="0" smtClean="0"/>
-              <a:t>Figura X: Visão RTL do microprocessador desenvolvido</a:t>
+              <a:t>Figura X: Visão RTL do microprocessador </a:t>
+            </a:r>
+            <a:r>
+              <a:rPr lang="pt-BR" i="1" dirty="0" smtClean="0"/>
+              <a:t>desenvolvido</a:t>
+            </a:r>
+          </a:p>
+          <a:p>
+            <a:pPr algn="ctr"/>
+            <a:r>
+              <a:rPr lang="pt-BR" i="1" dirty="0" smtClean="0"/>
+              <a:t>Foco: Calculadora de Endereços</a:t>
             </a:r>
             <a:endParaRPr lang="pt-BR" i="1" dirty="0"/>
           </a:p>
@@ -7393,7 +7626,7 @@
           <a:p>
             <a:fld id="{5B2C3F26-301F-434E-863D-B89F544B9CE4}" type="datetime1">
               <a:rPr lang="pt-BR" smtClean="0"/>
-              <a:t>03/06/2014</a:t>
+              <a:t>04/06/2014</a:t>
             </a:fld>
             <a:endParaRPr lang="pt-BR"/>
           </a:p>
@@ -7476,9 +7709,62 @@
           </a:fontRef>
         </p:style>
       </p:cxnSp>
+      <p:sp>
+        <p:nvSpPr>
+          <p:cNvPr id="19" name="Espaço Reservado para Conteúdo 2"/>
+          <p:cNvSpPr>
+            <a:spLocks noGrp="1"/>
+          </p:cNvSpPr>
+          <p:nvPr>
+            <p:ph idx="1"/>
+          </p:nvPr>
+        </p:nvSpPr>
+        <p:spPr>
+          <a:xfrm>
+            <a:off x="435588" y="1300611"/>
+            <a:ext cx="7886700" cy="520494"/>
+          </a:xfrm>
+        </p:spPr>
+        <p:txBody>
+          <a:bodyPr/>
+          <a:lstStyle/>
+          <a:p>
+            <a:pPr>
+              <a:buClr>
+                <a:schemeClr val="accent1">
+                  <a:lumMod val="75000"/>
+                </a:schemeClr>
+              </a:buClr>
+              <a:buFont typeface="Wingdings" panose="05000000000000000000" pitchFamily="2" charset="2"/>
+              <a:buChar char="q"/>
+            </a:pPr>
+            <a:r>
+              <a:rPr lang="pt-BR" dirty="0" smtClean="0"/>
+              <a:t>Instrução Executada: </a:t>
+            </a:r>
+            <a:r>
+              <a:rPr lang="pt-BR" dirty="0" smtClean="0"/>
+              <a:t>81C0</a:t>
+            </a:r>
+            <a:r>
+              <a:rPr lang="pt-BR" sz="2000" dirty="0" smtClean="0"/>
+              <a:t>h</a:t>
+            </a:r>
+            <a:r>
+              <a:rPr lang="pt-BR" dirty="0" smtClean="0"/>
+              <a:t> 00FF</a:t>
+            </a:r>
+            <a:r>
+              <a:rPr lang="pt-BR" sz="2000" dirty="0" smtClean="0"/>
+              <a:t>h</a:t>
+            </a:r>
+            <a:endParaRPr lang="pt-BR" dirty="0" smtClean="0"/>
+          </a:p>
+        </p:txBody>
+      </p:sp>
       <p:pic>
         <p:nvPicPr>
-          <p:cNvPr id="17" name="Imagem 16"/>
+          <p:cNvPr id="14" name="Imagem 13"/>
           <p:cNvPicPr>
             <a:picLocks noChangeAspect="1"/>
           </p:cNvPicPr>
@@ -7492,63 +7778,14 @@
         </p:blipFill>
         <p:spPr>
           <a:xfrm>
-            <a:off x="0" y="2178730"/>
-            <a:ext cx="9144000" cy="1649218"/>
+            <a:off x="0" y="1798232"/>
+            <a:ext cx="9144000" cy="2117479"/>
           </a:xfrm>
           <a:prstGeom prst="rect">
             <a:avLst/>
           </a:prstGeom>
         </p:spPr>
       </p:pic>
-      <p:sp>
-        <p:nvSpPr>
-          <p:cNvPr id="19" name="Espaço Reservado para Conteúdo 2"/>
-          <p:cNvSpPr>
-            <a:spLocks noGrp="1"/>
-          </p:cNvSpPr>
-          <p:nvPr>
-            <p:ph idx="1"/>
-          </p:nvPr>
-        </p:nvSpPr>
-        <p:spPr>
-          <a:xfrm>
-            <a:off x="426444" y="1309755"/>
-            <a:ext cx="7886700" cy="520494"/>
-          </a:xfrm>
-        </p:spPr>
-        <p:txBody>
-          <a:bodyPr/>
-          <a:lstStyle/>
-          <a:p>
-            <a:pPr>
-              <a:buClr>
-                <a:schemeClr val="accent1">
-                  <a:lumMod val="75000"/>
-                </a:schemeClr>
-              </a:buClr>
-              <a:buFont typeface="Wingdings" panose="05000000000000000000" pitchFamily="2" charset="2"/>
-              <a:buChar char="q"/>
-            </a:pPr>
-            <a:r>
-              <a:rPr lang="pt-BR" dirty="0" smtClean="0"/>
-              <a:t>Instruções Executadas: 81C0</a:t>
-            </a:r>
-            <a:r>
-              <a:rPr lang="pt-BR" sz="2000" dirty="0" smtClean="0"/>
-              <a:t>h</a:t>
-            </a:r>
-            <a:r>
-              <a:rPr lang="pt-BR" dirty="0" smtClean="0"/>
-              <a:t> 00FF</a:t>
-            </a:r>
-            <a:r>
-              <a:rPr lang="pt-BR" sz="2000" dirty="0" smtClean="0"/>
-              <a:t>h</a:t>
-            </a:r>
-            <a:endParaRPr lang="pt-BR" dirty="0" smtClean="0"/>
-          </a:p>
-        </p:txBody>
-      </p:sp>
       <p:pic>
         <p:nvPicPr>
           <p:cNvPr id="20" name="Imagem 19"/>
@@ -7565,8 +7802,8 @@
         </p:blipFill>
         <p:spPr>
           <a:xfrm>
-            <a:off x="0" y="3964472"/>
-            <a:ext cx="9144000" cy="1573443"/>
+            <a:off x="0" y="3997377"/>
+            <a:ext cx="9144000" cy="2085462"/>
           </a:xfrm>
           <a:prstGeom prst="rect">
             <a:avLst/>
@@ -7695,7 +7932,7 @@
           <a:p>
             <a:fld id="{5B2C3F26-301F-434E-863D-B89F544B9CE4}" type="datetime1">
               <a:rPr lang="pt-BR" smtClean="0"/>
-              <a:t>03/06/2014</a:t>
+              <a:t>04/06/2014</a:t>
             </a:fld>
             <a:endParaRPr lang="pt-BR"/>
           </a:p>
@@ -7809,7 +8046,11 @@
             </a:pPr>
             <a:r>
               <a:rPr lang="pt-BR" dirty="0" smtClean="0"/>
-              <a:t>Instruções Executadas: 81C8</a:t>
+              <a:t>Instrução Executada: </a:t>
+            </a:r>
+            <a:r>
+              <a:rPr lang="pt-BR" dirty="0" smtClean="0"/>
+              <a:t>81C8</a:t>
             </a:r>
             <a:r>
               <a:rPr lang="pt-BR" sz="2000" dirty="0" smtClean="0"/>
@@ -7829,38 +8070,14 @@
       </p:sp>
       <p:pic>
         <p:nvPicPr>
-          <p:cNvPr id="3" name="Imagem 2"/>
+          <p:cNvPr id="14" name="Imagem 13"/>
           <p:cNvPicPr>
             <a:picLocks noChangeAspect="1"/>
           </p:cNvPicPr>
           <p:nvPr/>
         </p:nvPicPr>
         <p:blipFill>
-          <a:blip r:embed="rId4"/>
-          <a:stretch>
-            <a:fillRect/>
-          </a:stretch>
-        </p:blipFill>
-        <p:spPr>
-          <a:xfrm>
-            <a:off x="-25037" y="4134119"/>
-            <a:ext cx="9144000" cy="1758608"/>
-          </a:xfrm>
-          <a:prstGeom prst="rect">
-            <a:avLst/>
-          </a:prstGeom>
-        </p:spPr>
-      </p:pic>
-      <p:pic>
-        <p:nvPicPr>
-          <p:cNvPr id="5" name="Imagem 4"/>
-          <p:cNvPicPr>
-            <a:picLocks noChangeAspect="1"/>
-          </p:cNvPicPr>
-          <p:nvPr/>
-        </p:nvPicPr>
-        <p:blipFill>
-          <a:blip r:embed="rId5">
+          <a:blip r:embed="rId4">
             <a:extLst>
               <a:ext uri="{28A0092B-C50C-407E-A947-70E740481C1C}">
                 <a14:useLocalDpi xmlns:a14="http://schemas.microsoft.com/office/drawing/2010/main" val="0"/>
@@ -7873,8 +8090,32 @@
         </p:blipFill>
         <p:spPr>
           <a:xfrm>
-            <a:off x="0" y="1950765"/>
-            <a:ext cx="9144000" cy="1874545"/>
+            <a:off x="0" y="1798233"/>
+            <a:ext cx="9144000" cy="2117479"/>
+          </a:xfrm>
+          <a:prstGeom prst="rect">
+            <a:avLst/>
+          </a:prstGeom>
+        </p:spPr>
+      </p:pic>
+      <p:pic>
+        <p:nvPicPr>
+          <p:cNvPr id="3" name="Imagem 2"/>
+          <p:cNvPicPr>
+            <a:picLocks noChangeAspect="1"/>
+          </p:cNvPicPr>
+          <p:nvPr/>
+        </p:nvPicPr>
+        <p:blipFill>
+          <a:blip r:embed="rId5"/>
+          <a:stretch>
+            <a:fillRect/>
+          </a:stretch>
+        </p:blipFill>
+        <p:spPr>
+          <a:xfrm>
+            <a:off x="0" y="4128474"/>
+            <a:ext cx="9144000" cy="2082381"/>
           </a:xfrm>
           <a:prstGeom prst="rect">
             <a:avLst/>
@@ -8003,7 +8244,7 @@
           <a:p>
             <a:fld id="{5B2C3F26-301F-434E-863D-B89F544B9CE4}" type="datetime1">
               <a:rPr lang="pt-BR" smtClean="0"/>
-              <a:t>03/06/2014</a:t>
+              <a:t>04/06/2014</a:t>
             </a:fld>
             <a:endParaRPr lang="pt-BR"/>
           </a:p>
@@ -8117,7 +8358,11 @@
             </a:pPr>
             <a:r>
               <a:rPr lang="pt-BR" dirty="0" smtClean="0"/>
-              <a:t>Instruções Executadas: 81D0</a:t>
+              <a:t>Instrução Executada: </a:t>
+            </a:r>
+            <a:r>
+              <a:rPr lang="pt-BR" dirty="0" smtClean="0"/>
+              <a:t>81D0</a:t>
             </a:r>
             <a:r>
               <a:rPr lang="pt-BR" sz="2000" dirty="0" smtClean="0"/>
@@ -8137,7 +8382,7 @@
       </p:sp>
       <p:pic>
         <p:nvPicPr>
-          <p:cNvPr id="6" name="Imagem 5"/>
+          <p:cNvPr id="14" name="Imagem 13"/>
           <p:cNvPicPr>
             <a:picLocks noChangeAspect="1"/>
           </p:cNvPicPr>
@@ -8157,8 +8402,8 @@
         </p:blipFill>
         <p:spPr>
           <a:xfrm>
-            <a:off x="-25037" y="1993866"/>
-            <a:ext cx="9144000" cy="1758608"/>
+            <a:off x="-2395" y="1793672"/>
+            <a:ext cx="9144000" cy="2121865"/>
           </a:xfrm>
           <a:prstGeom prst="rect">
             <a:avLst/>
@@ -8181,8 +8426,8 @@
         </p:blipFill>
         <p:spPr>
           <a:xfrm>
-            <a:off x="0" y="4151826"/>
-            <a:ext cx="9169037" cy="1758608"/>
+            <a:off x="-9144" y="4061383"/>
+            <a:ext cx="9171432" cy="2121865"/>
           </a:xfrm>
           <a:prstGeom prst="rect">
             <a:avLst/>
@@ -8311,7 +8556,7 @@
           <a:p>
             <a:fld id="{5B2C3F26-301F-434E-863D-B89F544B9CE4}" type="datetime1">
               <a:rPr lang="pt-BR" smtClean="0"/>
-              <a:t>03/06/2014</a:t>
+              <a:t>04/06/2014</a:t>
             </a:fld>
             <a:endParaRPr lang="pt-BR"/>
           </a:p>
@@ -8425,7 +8670,11 @@
             </a:pPr>
             <a:r>
               <a:rPr lang="pt-BR" dirty="0" smtClean="0"/>
-              <a:t>Instruções Executadas: 81D8</a:t>
+              <a:t>Instrução Executada: </a:t>
+            </a:r>
+            <a:r>
+              <a:rPr lang="pt-BR" dirty="0" smtClean="0"/>
+              <a:t>81D8</a:t>
             </a:r>
             <a:r>
               <a:rPr lang="pt-BR" sz="2000" dirty="0" smtClean="0"/>
@@ -8443,6 +8692,30 @@
           </a:p>
         </p:txBody>
       </p:sp>
+      <p:pic>
+        <p:nvPicPr>
+          <p:cNvPr id="14" name="Imagem 13"/>
+          <p:cNvPicPr>
+            <a:picLocks noChangeAspect="1"/>
+          </p:cNvPicPr>
+          <p:nvPr/>
+        </p:nvPicPr>
+        <p:blipFill>
+          <a:blip r:embed="rId4"/>
+          <a:stretch>
+            <a:fillRect/>
+          </a:stretch>
+        </p:blipFill>
+        <p:spPr>
+          <a:xfrm>
+            <a:off x="-12518" y="4100416"/>
+            <a:ext cx="9169036" cy="2119410"/>
+          </a:xfrm>
+          <a:prstGeom prst="rect">
+            <a:avLst/>
+          </a:prstGeom>
+        </p:spPr>
+      </p:pic>
       <p:pic>
         <p:nvPicPr>
           <p:cNvPr id="3" name="Imagem 2"/>
@@ -8452,7 +8725,7 @@
           <p:nvPr/>
         </p:nvPicPr>
         <p:blipFill>
-          <a:blip r:embed="rId4">
+          <a:blip r:embed="rId5">
             <a:extLst>
               <a:ext uri="{28A0092B-C50C-407E-A947-70E740481C1C}">
                 <a14:useLocalDpi xmlns:a14="http://schemas.microsoft.com/office/drawing/2010/main" val="0"/>
@@ -8465,32 +8738,8 @@
         </p:blipFill>
         <p:spPr>
           <a:xfrm>
-            <a:off x="-1" y="1947301"/>
-            <a:ext cx="9169037" cy="1758608"/>
-          </a:xfrm>
-          <a:prstGeom prst="rect">
-            <a:avLst/>
-          </a:prstGeom>
-        </p:spPr>
-      </p:pic>
-      <p:pic>
-        <p:nvPicPr>
-          <p:cNvPr id="5" name="Imagem 4"/>
-          <p:cNvPicPr>
-            <a:picLocks noChangeAspect="1"/>
-          </p:cNvPicPr>
-          <p:nvPr/>
-        </p:nvPicPr>
-        <p:blipFill>
-          <a:blip r:embed="rId5"/>
-          <a:stretch>
-            <a:fillRect/>
-          </a:stretch>
-        </p:blipFill>
-        <p:spPr>
-          <a:xfrm>
-            <a:off x="0" y="4100417"/>
-            <a:ext cx="9169036" cy="2119409"/>
+            <a:off x="0" y="1832704"/>
+            <a:ext cx="9169037" cy="2119410"/>
           </a:xfrm>
           <a:prstGeom prst="rect">
             <a:avLst/>
@@ -8619,7 +8868,7 @@
           <a:p>
             <a:fld id="{5B2C3F26-301F-434E-863D-B89F544B9CE4}" type="datetime1">
               <a:rPr lang="pt-BR" smtClean="0"/>
-              <a:t>03/06/2014</a:t>
+              <a:t>04/06/2014</a:t>
             </a:fld>
             <a:endParaRPr lang="pt-BR"/>
           </a:p>
@@ -8733,7 +8982,11 @@
             </a:pPr>
             <a:r>
               <a:rPr lang="pt-BR" dirty="0" smtClean="0"/>
-              <a:t>Instruções Executadas: 81E0</a:t>
+              <a:t>Instrução Executada: </a:t>
+            </a:r>
+            <a:r>
+              <a:rPr lang="pt-BR" dirty="0" smtClean="0"/>
+              <a:t>81E0</a:t>
             </a:r>
             <a:r>
               <a:rPr lang="pt-BR" sz="2000" dirty="0" smtClean="0"/>
@@ -8927,7 +9180,7 @@
           <a:p>
             <a:fld id="{5B2C3F26-301F-434E-863D-B89F544B9CE4}" type="datetime1">
               <a:rPr lang="pt-BR" smtClean="0"/>
-              <a:t>03/06/2014</a:t>
+              <a:t>04/06/2014</a:t>
             </a:fld>
             <a:endParaRPr lang="pt-BR"/>
           </a:p>
@@ -9041,7 +9294,11 @@
             </a:pPr>
             <a:r>
               <a:rPr lang="pt-BR" dirty="0" smtClean="0"/>
-              <a:t>Instruções Executadas: 81E8</a:t>
+              <a:t>Instrução Executada: </a:t>
+            </a:r>
+            <a:r>
+              <a:rPr lang="pt-BR" dirty="0" smtClean="0"/>
+              <a:t>81E8</a:t>
             </a:r>
             <a:r>
               <a:rPr lang="pt-BR" sz="2000" dirty="0" smtClean="0"/>
@@ -9301,7 +9558,7 @@
           <a:p>
             <a:fld id="{5B2C3F26-301F-434E-863D-B89F544B9CE4}" type="datetime1">
               <a:rPr lang="pt-BR" smtClean="0"/>
-              <a:t>03/06/2014</a:t>
+              <a:t>04/06/2014</a:t>
             </a:fld>
             <a:endParaRPr lang="pt-BR"/>
           </a:p>
@@ -9501,7 +9758,7 @@
           <a:p>
             <a:fld id="{5B2C3F26-301F-434E-863D-B89F544B9CE4}" type="datetime1">
               <a:rPr lang="pt-BR" smtClean="0"/>
-              <a:t>03/06/2014</a:t>
+              <a:t>04/06/2014</a:t>
             </a:fld>
             <a:endParaRPr lang="pt-BR"/>
           </a:p>
@@ -9615,7 +9872,11 @@
             </a:pPr>
             <a:r>
               <a:rPr lang="pt-BR" dirty="0" smtClean="0"/>
-              <a:t>Instruções Executadas: 81F0</a:t>
+              <a:t>Instrução Executada: </a:t>
+            </a:r>
+            <a:r>
+              <a:rPr lang="pt-BR" dirty="0" smtClean="0"/>
+              <a:t>81F0</a:t>
             </a:r>
             <a:r>
               <a:rPr lang="pt-BR" sz="2000" dirty="0" smtClean="0"/>
@@ -9679,8 +9940,8 @@
         </p:blipFill>
         <p:spPr>
           <a:xfrm>
-            <a:off x="-25037" y="4082830"/>
-            <a:ext cx="9144000" cy="2119823"/>
+            <a:off x="-1" y="4082830"/>
+            <a:ext cx="9137251" cy="2119823"/>
           </a:xfrm>
           <a:prstGeom prst="rect">
             <a:avLst/>
@@ -9809,7 +10070,7 @@
           <a:p>
             <a:fld id="{5B2C3F26-301F-434E-863D-B89F544B9CE4}" type="datetime1">
               <a:rPr lang="pt-BR" smtClean="0"/>
-              <a:t>03/06/2014</a:t>
+              <a:t>04/06/2014</a:t>
             </a:fld>
             <a:endParaRPr lang="pt-BR"/>
           </a:p>
@@ -9892,58 +10153,9 @@
           </a:fontRef>
         </p:style>
       </p:cxnSp>
-      <p:sp>
-        <p:nvSpPr>
-          <p:cNvPr id="19" name="Espaço Reservado para Conteúdo 2"/>
-          <p:cNvSpPr>
-            <a:spLocks noGrp="1"/>
-          </p:cNvSpPr>
-          <p:nvPr>
-            <p:ph idx="1"/>
-          </p:nvPr>
-        </p:nvSpPr>
-        <p:spPr>
-          <a:xfrm>
-            <a:off x="426444" y="996436"/>
-            <a:ext cx="7886700" cy="520494"/>
-          </a:xfrm>
-        </p:spPr>
-        <p:txBody>
-          <a:bodyPr/>
-          <a:lstStyle/>
-          <a:p>
-            <a:pPr>
-              <a:buClr>
-                <a:schemeClr val="accent1">
-                  <a:lumMod val="75000"/>
-                </a:schemeClr>
-              </a:buClr>
-              <a:buFont typeface="Wingdings" panose="05000000000000000000" pitchFamily="2" charset="2"/>
-              <a:buChar char="q"/>
-            </a:pPr>
-            <a:r>
-              <a:rPr lang="pt-BR" dirty="0" smtClean="0"/>
-              <a:t>Instruções Executadas: 81F8</a:t>
-            </a:r>
-            <a:r>
-              <a:rPr lang="pt-BR" sz="2000" dirty="0" smtClean="0"/>
-              <a:t>h</a:t>
-            </a:r>
-            <a:r>
-              <a:rPr lang="pt-BR" dirty="0" smtClean="0"/>
-              <a:t> 1234</a:t>
-            </a:r>
-            <a:r>
-              <a:rPr lang="pt-BR" sz="2000" dirty="0" smtClean="0"/>
-              <a:t>h</a:t>
-            </a:r>
-            <a:endParaRPr lang="pt-BR" dirty="0" smtClean="0"/>
-          </a:p>
-        </p:txBody>
-      </p:sp>
       <p:pic>
         <p:nvPicPr>
-          <p:cNvPr id="3" name="Imagem 2"/>
+          <p:cNvPr id="14" name="Imagem 13"/>
           <p:cNvPicPr>
             <a:picLocks noChangeAspect="1"/>
           </p:cNvPicPr>
@@ -9957,8 +10169,8 @@
         </p:blipFill>
         <p:spPr>
           <a:xfrm>
-            <a:off x="0" y="4057524"/>
-            <a:ext cx="9144000" cy="2353003"/>
+            <a:off x="0" y="4107471"/>
+            <a:ext cx="9144000" cy="2162303"/>
           </a:xfrm>
           <a:prstGeom prst="rect">
             <a:avLst/>
@@ -9967,7 +10179,7 @@
       </p:pic>
       <p:pic>
         <p:nvPicPr>
-          <p:cNvPr id="5" name="Imagem 4"/>
+          <p:cNvPr id="15" name="Imagem 14"/>
           <p:cNvPicPr>
             <a:picLocks noChangeAspect="1"/>
           </p:cNvPicPr>
@@ -9987,14 +10199,229 @@
         </p:blipFill>
         <p:spPr>
           <a:xfrm>
-            <a:off x="-25037" y="1597519"/>
-            <a:ext cx="9144000" cy="2379416"/>
+            <a:off x="0" y="1790485"/>
+            <a:ext cx="9144000" cy="2162303"/>
           </a:xfrm>
           <a:prstGeom prst="rect">
             <a:avLst/>
           </a:prstGeom>
         </p:spPr>
       </p:pic>
+      <p:sp>
+        <p:nvSpPr>
+          <p:cNvPr id="16" name="Espaço Reservado para Conteúdo 2"/>
+          <p:cNvSpPr txBox="1">
+            <a:spLocks/>
+          </p:cNvSpPr>
+          <p:nvPr/>
+        </p:nvSpPr>
+        <p:spPr>
+          <a:xfrm>
+            <a:off x="426444" y="1309755"/>
+            <a:ext cx="7886700" cy="520494"/>
+          </a:xfrm>
+          <a:prstGeom prst="rect">
+            <a:avLst/>
+          </a:prstGeom>
+        </p:spPr>
+        <p:txBody>
+          <a:bodyPr vert="horz" lIns="91440" tIns="45720" rIns="91440" bIns="45720" rtlCol="0">
+            <a:normAutofit/>
+          </a:bodyPr>
+          <a:lstStyle>
+            <a:lvl1pPr marL="228600" indent="-228600" algn="l" defTabSz="914400" rtl="0" eaLnBrk="1" latinLnBrk="0" hangingPunct="1">
+              <a:lnSpc>
+                <a:spcPct val="90000"/>
+              </a:lnSpc>
+              <a:spcBef>
+                <a:spcPts val="1000"/>
+              </a:spcBef>
+              <a:buFont typeface="Arial" panose="020B0604020202020204" pitchFamily="34" charset="0"/>
+              <a:buChar char="•"/>
+              <a:defRPr sz="2800" kern="1200">
+                <a:solidFill>
+                  <a:schemeClr val="tx1"/>
+                </a:solidFill>
+                <a:latin typeface="+mn-lt"/>
+                <a:ea typeface="+mn-ea"/>
+                <a:cs typeface="+mn-cs"/>
+              </a:defRPr>
+            </a:lvl1pPr>
+            <a:lvl2pPr marL="685800" indent="-228600" algn="l" defTabSz="914400" rtl="0" eaLnBrk="1" latinLnBrk="0" hangingPunct="1">
+              <a:lnSpc>
+                <a:spcPct val="90000"/>
+              </a:lnSpc>
+              <a:spcBef>
+                <a:spcPts val="500"/>
+              </a:spcBef>
+              <a:buFont typeface="Arial" panose="020B0604020202020204" pitchFamily="34" charset="0"/>
+              <a:buChar char="•"/>
+              <a:defRPr sz="2400" kern="1200">
+                <a:solidFill>
+                  <a:schemeClr val="tx1"/>
+                </a:solidFill>
+                <a:latin typeface="+mn-lt"/>
+                <a:ea typeface="+mn-ea"/>
+                <a:cs typeface="+mn-cs"/>
+              </a:defRPr>
+            </a:lvl2pPr>
+            <a:lvl3pPr marL="1143000" indent="-228600" algn="l" defTabSz="914400" rtl="0" eaLnBrk="1" latinLnBrk="0" hangingPunct="1">
+              <a:lnSpc>
+                <a:spcPct val="90000"/>
+              </a:lnSpc>
+              <a:spcBef>
+                <a:spcPts val="500"/>
+              </a:spcBef>
+              <a:buFont typeface="Arial" panose="020B0604020202020204" pitchFamily="34" charset="0"/>
+              <a:buChar char="•"/>
+              <a:defRPr sz="2000" kern="1200">
+                <a:solidFill>
+                  <a:schemeClr val="tx1"/>
+                </a:solidFill>
+                <a:latin typeface="+mn-lt"/>
+                <a:ea typeface="+mn-ea"/>
+                <a:cs typeface="+mn-cs"/>
+              </a:defRPr>
+            </a:lvl3pPr>
+            <a:lvl4pPr marL="1600200" indent="-228600" algn="l" defTabSz="914400" rtl="0" eaLnBrk="1" latinLnBrk="0" hangingPunct="1">
+              <a:lnSpc>
+                <a:spcPct val="90000"/>
+              </a:lnSpc>
+              <a:spcBef>
+                <a:spcPts val="500"/>
+              </a:spcBef>
+              <a:buFont typeface="Arial" panose="020B0604020202020204" pitchFamily="34" charset="0"/>
+              <a:buChar char="•"/>
+              <a:defRPr sz="1800" kern="1200">
+                <a:solidFill>
+                  <a:schemeClr val="tx1"/>
+                </a:solidFill>
+                <a:latin typeface="+mn-lt"/>
+                <a:ea typeface="+mn-ea"/>
+                <a:cs typeface="+mn-cs"/>
+              </a:defRPr>
+            </a:lvl4pPr>
+            <a:lvl5pPr marL="2057400" indent="-228600" algn="l" defTabSz="914400" rtl="0" eaLnBrk="1" latinLnBrk="0" hangingPunct="1">
+              <a:lnSpc>
+                <a:spcPct val="90000"/>
+              </a:lnSpc>
+              <a:spcBef>
+                <a:spcPts val="500"/>
+              </a:spcBef>
+              <a:buFont typeface="Arial" panose="020B0604020202020204" pitchFamily="34" charset="0"/>
+              <a:buChar char="•"/>
+              <a:defRPr sz="1800" kern="1200">
+                <a:solidFill>
+                  <a:schemeClr val="tx1"/>
+                </a:solidFill>
+                <a:latin typeface="+mn-lt"/>
+                <a:ea typeface="+mn-ea"/>
+                <a:cs typeface="+mn-cs"/>
+              </a:defRPr>
+            </a:lvl5pPr>
+            <a:lvl6pPr marL="2514600" indent="-228600" algn="l" defTabSz="914400" rtl="0" eaLnBrk="1" latinLnBrk="0" hangingPunct="1">
+              <a:lnSpc>
+                <a:spcPct val="90000"/>
+              </a:lnSpc>
+              <a:spcBef>
+                <a:spcPts val="500"/>
+              </a:spcBef>
+              <a:buFont typeface="Arial" panose="020B0604020202020204" pitchFamily="34" charset="0"/>
+              <a:buChar char="•"/>
+              <a:defRPr sz="1800" kern="1200">
+                <a:solidFill>
+                  <a:schemeClr val="tx1"/>
+                </a:solidFill>
+                <a:latin typeface="+mn-lt"/>
+                <a:ea typeface="+mn-ea"/>
+                <a:cs typeface="+mn-cs"/>
+              </a:defRPr>
+            </a:lvl6pPr>
+            <a:lvl7pPr marL="2971800" indent="-228600" algn="l" defTabSz="914400" rtl="0" eaLnBrk="1" latinLnBrk="0" hangingPunct="1">
+              <a:lnSpc>
+                <a:spcPct val="90000"/>
+              </a:lnSpc>
+              <a:spcBef>
+                <a:spcPts val="500"/>
+              </a:spcBef>
+              <a:buFont typeface="Arial" panose="020B0604020202020204" pitchFamily="34" charset="0"/>
+              <a:buChar char="•"/>
+              <a:defRPr sz="1800" kern="1200">
+                <a:solidFill>
+                  <a:schemeClr val="tx1"/>
+                </a:solidFill>
+                <a:latin typeface="+mn-lt"/>
+                <a:ea typeface="+mn-ea"/>
+                <a:cs typeface="+mn-cs"/>
+              </a:defRPr>
+            </a:lvl7pPr>
+            <a:lvl8pPr marL="3429000" indent="-228600" algn="l" defTabSz="914400" rtl="0" eaLnBrk="1" latinLnBrk="0" hangingPunct="1">
+              <a:lnSpc>
+                <a:spcPct val="90000"/>
+              </a:lnSpc>
+              <a:spcBef>
+                <a:spcPts val="500"/>
+              </a:spcBef>
+              <a:buFont typeface="Arial" panose="020B0604020202020204" pitchFamily="34" charset="0"/>
+              <a:buChar char="•"/>
+              <a:defRPr sz="1800" kern="1200">
+                <a:solidFill>
+                  <a:schemeClr val="tx1"/>
+                </a:solidFill>
+                <a:latin typeface="+mn-lt"/>
+                <a:ea typeface="+mn-ea"/>
+                <a:cs typeface="+mn-cs"/>
+              </a:defRPr>
+            </a:lvl8pPr>
+            <a:lvl9pPr marL="3886200" indent="-228600" algn="l" defTabSz="914400" rtl="0" eaLnBrk="1" latinLnBrk="0" hangingPunct="1">
+              <a:lnSpc>
+                <a:spcPct val="90000"/>
+              </a:lnSpc>
+              <a:spcBef>
+                <a:spcPts val="500"/>
+              </a:spcBef>
+              <a:buFont typeface="Arial" panose="020B0604020202020204" pitchFamily="34" charset="0"/>
+              <a:buChar char="•"/>
+              <a:defRPr sz="1800" kern="1200">
+                <a:solidFill>
+                  <a:schemeClr val="tx1"/>
+                </a:solidFill>
+                <a:latin typeface="+mn-lt"/>
+                <a:ea typeface="+mn-ea"/>
+                <a:cs typeface="+mn-cs"/>
+              </a:defRPr>
+            </a:lvl9pPr>
+          </a:lstStyle>
+          <a:p>
+            <a:pPr>
+              <a:buClr>
+                <a:schemeClr val="accent1">
+                  <a:lumMod val="75000"/>
+                </a:schemeClr>
+              </a:buClr>
+              <a:buFont typeface="Wingdings" panose="05000000000000000000" pitchFamily="2" charset="2"/>
+              <a:buChar char="q"/>
+            </a:pPr>
+            <a:r>
+              <a:rPr lang="pt-BR" dirty="0" smtClean="0"/>
+              <a:t>Instrução Executada: 81F8</a:t>
+            </a:r>
+            <a:r>
+              <a:rPr lang="pt-BR" sz="2000" dirty="0" smtClean="0"/>
+              <a:t>h</a:t>
+            </a:r>
+            <a:r>
+              <a:rPr lang="pt-BR" dirty="0" smtClean="0"/>
+              <a:t> 1234</a:t>
+            </a:r>
+            <a:r>
+              <a:rPr lang="pt-BR" sz="2000" dirty="0" smtClean="0"/>
+              <a:t>h</a:t>
+            </a:r>
+            <a:endParaRPr lang="pt-BR" dirty="0" smtClean="0"/>
+          </a:p>
+        </p:txBody>
+      </p:sp>
     </p:spTree>
     <p:extLst>
       <p:ext uri="{BB962C8B-B14F-4D97-AF65-F5344CB8AC3E}">
@@ -10117,7 +10544,7 @@
           <a:p>
             <a:fld id="{5B2C3F26-301F-434E-863D-B89F544B9CE4}" type="datetime1">
               <a:rPr lang="pt-BR" smtClean="0"/>
-              <a:t>03/06/2014</a:t>
+              <a:t>04/06/2014</a:t>
             </a:fld>
             <a:endParaRPr lang="pt-BR"/>
           </a:p>
@@ -10231,7 +10658,11 @@
             </a:pPr>
             <a:r>
               <a:rPr lang="pt-BR" dirty="0" smtClean="0"/>
-              <a:t>Instruções Executadas: 00B8</a:t>
+              <a:t>Instrução Executada: </a:t>
+            </a:r>
+            <a:r>
+              <a:rPr lang="pt-BR" dirty="0" smtClean="0"/>
+              <a:t>00B8</a:t>
             </a:r>
             <a:r>
               <a:rPr lang="pt-BR" sz="2000" dirty="0" smtClean="0"/>
@@ -10535,7 +10966,7 @@
           <a:p>
             <a:fld id="{5B2C3F26-301F-434E-863D-B89F544B9CE4}" type="datetime1">
               <a:rPr lang="pt-BR" smtClean="0"/>
-              <a:t>03/06/2014</a:t>
+              <a:t>04/06/2014</a:t>
             </a:fld>
             <a:endParaRPr lang="pt-BR"/>
           </a:p>
@@ -10640,7 +11071,7 @@
         </p:blipFill>
         <p:spPr>
           <a:xfrm>
-            <a:off x="7930338" y="1922717"/>
+            <a:off x="333876" y="1751964"/>
             <a:ext cx="585012" cy="455523"/>
           </a:xfrm>
           <a:prstGeom prst="rect">
@@ -10670,7 +11101,7 @@
         </p:blipFill>
         <p:spPr>
           <a:xfrm>
-            <a:off x="6115050" y="2641787"/>
+            <a:off x="333876" y="2545554"/>
             <a:ext cx="585012" cy="455523"/>
           </a:xfrm>
           <a:prstGeom prst="rect">
@@ -10700,7 +11131,7 @@
         </p:blipFill>
         <p:spPr>
           <a:xfrm>
-            <a:off x="3691042" y="3170232"/>
+            <a:off x="333876" y="3052357"/>
             <a:ext cx="585012" cy="455523"/>
           </a:xfrm>
           <a:prstGeom prst="rect">
@@ -10730,7 +11161,7 @@
         </p:blipFill>
         <p:spPr>
           <a:xfrm>
-            <a:off x="7340714" y="3625755"/>
+            <a:off x="333876" y="3544079"/>
             <a:ext cx="585012" cy="455523"/>
           </a:xfrm>
           <a:prstGeom prst="rect">
@@ -10760,7 +11191,7 @@
         </p:blipFill>
         <p:spPr>
           <a:xfrm>
-            <a:off x="8121374" y="4316041"/>
+            <a:off x="333876" y="3963771"/>
             <a:ext cx="585012" cy="455523"/>
           </a:xfrm>
           <a:prstGeom prst="rect">
@@ -10807,7 +11238,7 @@
                             </p:stCondLst>
                             <p:childTnLst>
                               <p:par>
-                                <p:cTn id="5" presetID="1" presetClass="entr" presetSubtype="0" fill="hold" nodeType="clickEffect">
+                                <p:cTn id="5" presetID="10" presetClass="entr" presetSubtype="0" fill="hold" nodeType="clickEffect">
                                   <p:stCondLst>
                                     <p:cond delay="0"/>
                                   </p:stCondLst>
@@ -10830,6 +11261,14 @@
                                         <p:strVal val="visible"/>
                                       </p:to>
                                     </p:set>
+                                    <p:animEffect transition="in" filter="fade">
+                                      <p:cBhvr>
+                                        <p:cTn id="7" dur="500"/>
+                                        <p:tgtEl>
+                                          <p:spTgt spid="5"/>
+                                        </p:tgtEl>
+                                      </p:cBhvr>
+                                    </p:animEffect>
                                   </p:childTnLst>
                                 </p:cTn>
                               </p:par>
@@ -10840,26 +11279,26 @@
                     </p:cTn>
                   </p:par>
                   <p:par>
-                    <p:cTn id="7" fill="hold">
+                    <p:cTn id="8" fill="hold">
                       <p:stCondLst>
                         <p:cond delay="indefinite"/>
                       </p:stCondLst>
                       <p:childTnLst>
                         <p:par>
-                          <p:cTn id="8" fill="hold">
+                          <p:cTn id="9" fill="hold">
                             <p:stCondLst>
                               <p:cond delay="0"/>
                             </p:stCondLst>
                             <p:childTnLst>
                               <p:par>
-                                <p:cTn id="9" presetID="1" presetClass="entr" presetSubtype="0" fill="hold" nodeType="clickEffect">
+                                <p:cTn id="10" presetID="10" presetClass="entr" presetSubtype="0" fill="hold" nodeType="clickEffect">
                                   <p:stCondLst>
                                     <p:cond delay="0"/>
                                   </p:stCondLst>
                                   <p:childTnLst>
                                     <p:set>
                                       <p:cBhvr>
-                                        <p:cTn id="10" dur="1" fill="hold">
+                                        <p:cTn id="11" dur="1" fill="hold">
                                           <p:stCondLst>
                                             <p:cond delay="0"/>
                                           </p:stCondLst>
@@ -10875,6 +11314,14 @@
                                         <p:strVal val="visible"/>
                                       </p:to>
                                     </p:set>
+                                    <p:animEffect transition="in" filter="fade">
+                                      <p:cBhvr>
+                                        <p:cTn id="12" dur="500"/>
+                                        <p:tgtEl>
+                                          <p:spTgt spid="10"/>
+                                        </p:tgtEl>
+                                      </p:cBhvr>
+                                    </p:animEffect>
                                   </p:childTnLst>
                                 </p:cTn>
                               </p:par>
@@ -10885,26 +11332,26 @@
                     </p:cTn>
                   </p:par>
                   <p:par>
-                    <p:cTn id="11" fill="hold">
+                    <p:cTn id="13" fill="hold">
                       <p:stCondLst>
                         <p:cond delay="indefinite"/>
                       </p:stCondLst>
                       <p:childTnLst>
                         <p:par>
-                          <p:cTn id="12" fill="hold">
+                          <p:cTn id="14" fill="hold">
                             <p:stCondLst>
                               <p:cond delay="0"/>
                             </p:stCondLst>
                             <p:childTnLst>
                               <p:par>
-                                <p:cTn id="13" presetID="1" presetClass="entr" presetSubtype="0" fill="hold" nodeType="clickEffect">
+                                <p:cTn id="15" presetID="10" presetClass="entr" presetSubtype="0" fill="hold" nodeType="clickEffect">
                                   <p:stCondLst>
                                     <p:cond delay="0"/>
                                   </p:stCondLst>
                                   <p:childTnLst>
                                     <p:set>
                                       <p:cBhvr>
-                                        <p:cTn id="14" dur="1" fill="hold">
+                                        <p:cTn id="16" dur="1" fill="hold">
                                           <p:stCondLst>
                                             <p:cond delay="0"/>
                                           </p:stCondLst>
@@ -10920,6 +11367,14 @@
                                         <p:strVal val="visible"/>
                                       </p:to>
                                     </p:set>
+                                    <p:animEffect transition="in" filter="fade">
+                                      <p:cBhvr>
+                                        <p:cTn id="17" dur="500"/>
+                                        <p:tgtEl>
+                                          <p:spTgt spid="14"/>
+                                        </p:tgtEl>
+                                      </p:cBhvr>
+                                    </p:animEffect>
                                   </p:childTnLst>
                                 </p:cTn>
                               </p:par>
@@ -10930,26 +11385,26 @@
                     </p:cTn>
                   </p:par>
                   <p:par>
-                    <p:cTn id="15" fill="hold">
+                    <p:cTn id="18" fill="hold">
                       <p:stCondLst>
                         <p:cond delay="indefinite"/>
                       </p:stCondLst>
                       <p:childTnLst>
                         <p:par>
-                          <p:cTn id="16" fill="hold">
+                          <p:cTn id="19" fill="hold">
                             <p:stCondLst>
                               <p:cond delay="0"/>
                             </p:stCondLst>
                             <p:childTnLst>
                               <p:par>
-                                <p:cTn id="17" presetID="1" presetClass="entr" presetSubtype="0" fill="hold" nodeType="clickEffect">
+                                <p:cTn id="20" presetID="10" presetClass="entr" presetSubtype="0" fill="hold" nodeType="clickEffect">
                                   <p:stCondLst>
                                     <p:cond delay="0"/>
                                   </p:stCondLst>
                                   <p:childTnLst>
                                     <p:set>
                                       <p:cBhvr>
-                                        <p:cTn id="18" dur="1" fill="hold">
+                                        <p:cTn id="21" dur="1" fill="hold">
                                           <p:stCondLst>
                                             <p:cond delay="0"/>
                                           </p:stCondLst>
@@ -10965,6 +11420,14 @@
                                         <p:strVal val="visible"/>
                                       </p:to>
                                     </p:set>
+                                    <p:animEffect transition="in" filter="fade">
+                                      <p:cBhvr>
+                                        <p:cTn id="22" dur="500"/>
+                                        <p:tgtEl>
+                                          <p:spTgt spid="15"/>
+                                        </p:tgtEl>
+                                      </p:cBhvr>
+                                    </p:animEffect>
                                   </p:childTnLst>
                                 </p:cTn>
                               </p:par>
@@ -10975,26 +11438,26 @@
                     </p:cTn>
                   </p:par>
                   <p:par>
-                    <p:cTn id="19" fill="hold">
+                    <p:cTn id="23" fill="hold">
                       <p:stCondLst>
                         <p:cond delay="indefinite"/>
                       </p:stCondLst>
                       <p:childTnLst>
                         <p:par>
-                          <p:cTn id="20" fill="hold">
+                          <p:cTn id="24" fill="hold">
                             <p:stCondLst>
                               <p:cond delay="0"/>
                             </p:stCondLst>
                             <p:childTnLst>
                               <p:par>
-                                <p:cTn id="21" presetID="1" presetClass="entr" presetSubtype="0" fill="hold" nodeType="clickEffect">
+                                <p:cTn id="25" presetID="10" presetClass="entr" presetSubtype="0" fill="hold" nodeType="clickEffect">
                                   <p:stCondLst>
                                     <p:cond delay="0"/>
                                   </p:stCondLst>
                                   <p:childTnLst>
                                     <p:set>
                                       <p:cBhvr>
-                                        <p:cTn id="22" dur="1" fill="hold">
+                                        <p:cTn id="26" dur="1" fill="hold">
                                           <p:stCondLst>
                                             <p:cond delay="0"/>
                                           </p:stCondLst>
@@ -11010,6 +11473,14 @@
                                         <p:strVal val="visible"/>
                                       </p:to>
                                     </p:set>
+                                    <p:animEffect transition="in" filter="fade">
+                                      <p:cBhvr>
+                                        <p:cTn id="27" dur="500"/>
+                                        <p:tgtEl>
+                                          <p:spTgt spid="16"/>
+                                        </p:tgtEl>
+                                      </p:cBhvr>
+                                    </p:animEffect>
                                   </p:childTnLst>
                                 </p:cTn>
                               </p:par>
@@ -11261,7 +11732,7 @@
           <a:p>
             <a:fld id="{5B2C3F26-301F-434E-863D-B89F544B9CE4}" type="datetime1">
               <a:rPr lang="pt-BR" smtClean="0"/>
-              <a:t>03/06/2014</a:t>
+              <a:t>04/06/2014</a:t>
             </a:fld>
             <a:endParaRPr lang="pt-BR"/>
           </a:p>
@@ -11466,7 +11937,7 @@
           <a:p>
             <a:fld id="{5B2C3F26-301F-434E-863D-B89F544B9CE4}" type="datetime1">
               <a:rPr lang="pt-BR" smtClean="0"/>
-              <a:t>03/06/2014</a:t>
+              <a:t>04/06/2014</a:t>
             </a:fld>
             <a:endParaRPr lang="pt-BR"/>
           </a:p>
@@ -11671,7 +12142,7 @@
           <a:p>
             <a:fld id="{5B2C3F26-301F-434E-863D-B89F544B9CE4}" type="datetime1">
               <a:rPr lang="pt-BR" smtClean="0"/>
-              <a:t>03/06/2014</a:t>
+              <a:t>04/06/2014</a:t>
             </a:fld>
             <a:endParaRPr lang="pt-BR"/>
           </a:p>
@@ -11885,7 +12356,7 @@
           <a:p>
             <a:fld id="{5B2C3F26-301F-434E-863D-B89F544B9CE4}" type="datetime1">
               <a:rPr lang="pt-BR" smtClean="0"/>
-              <a:t>03/06/2014</a:t>
+              <a:t>04/06/2014</a:t>
             </a:fld>
             <a:endParaRPr lang="pt-BR"/>
           </a:p>
@@ -12356,7 +12827,7 @@
           <a:p>
             <a:fld id="{5B2C3F26-301F-434E-863D-B89F544B9CE4}" type="datetime1">
               <a:rPr lang="pt-BR" smtClean="0"/>
-              <a:t>03/06/2014</a:t>
+              <a:t>04/06/2014</a:t>
             </a:fld>
             <a:endParaRPr lang="pt-BR"/>
           </a:p>
@@ -12634,7 +13105,7 @@
           <a:p>
             <a:fld id="{5B2C3F26-301F-434E-863D-B89F544B9CE4}" type="datetime1">
               <a:rPr lang="pt-BR" smtClean="0"/>
-              <a:t>03/06/2014</a:t>
+              <a:t>04/06/2014</a:t>
             </a:fld>
             <a:endParaRPr lang="pt-BR"/>
           </a:p>
@@ -12726,7 +13197,7 @@
         <p:spPr>
           <a:xfrm>
             <a:off x="628650" y="5668576"/>
-            <a:ext cx="7886700" cy="369332"/>
+            <a:ext cx="7886700" cy="646331"/>
           </a:xfrm>
           <a:prstGeom prst="rect">
             <a:avLst/>
@@ -12742,7 +13213,18 @@
             <a:pPr algn="ctr"/>
             <a:r>
               <a:rPr lang="pt-BR" i="1" dirty="0" smtClean="0"/>
-              <a:t>Figura X: Visão RTL do microprocessador desenvolvido</a:t>
+              <a:t>Figura X: Visão RTL do microprocessador </a:t>
+            </a:r>
+            <a:r>
+              <a:rPr lang="pt-BR" i="1" dirty="0" smtClean="0"/>
+              <a:t>desenvolvido</a:t>
+            </a:r>
+          </a:p>
+          <a:p>
+            <a:pPr algn="ctr"/>
+            <a:r>
+              <a:rPr lang="pt-BR" i="1" dirty="0" smtClean="0"/>
+              <a:t>Foco: Multiplexador</a:t>
             </a:r>
             <a:endParaRPr lang="pt-BR" i="1" dirty="0"/>
           </a:p>
@@ -12992,7 +13474,7 @@
           <a:p>
             <a:fld id="{5B2C3F26-301F-434E-863D-B89F544B9CE4}" type="datetime1">
               <a:rPr lang="pt-BR" smtClean="0"/>
-              <a:t>03/06/2014</a:t>
+              <a:t>04/06/2014</a:t>
             </a:fld>
             <a:endParaRPr lang="pt-BR"/>
           </a:p>
@@ -13084,7 +13566,7 @@
         <p:spPr>
           <a:xfrm>
             <a:off x="628650" y="5668576"/>
-            <a:ext cx="7886700" cy="369332"/>
+            <a:ext cx="7886700" cy="646331"/>
           </a:xfrm>
           <a:prstGeom prst="rect">
             <a:avLst/>
@@ -13100,7 +13582,22 @@
             <a:pPr algn="ctr"/>
             <a:r>
               <a:rPr lang="pt-BR" i="1" dirty="0" smtClean="0"/>
-              <a:t>Figura X: Visão RTL do microprocessador desenvolvido</a:t>
+              <a:t>Figura X: Visão RTL do microprocessador </a:t>
+            </a:r>
+            <a:r>
+              <a:rPr lang="pt-BR" i="1" dirty="0" smtClean="0"/>
+              <a:t>desenvolvido</a:t>
+            </a:r>
+          </a:p>
+          <a:p>
+            <a:pPr algn="ctr"/>
+            <a:r>
+              <a:rPr lang="pt-BR" i="1" dirty="0" smtClean="0"/>
+              <a:t>Foco: </a:t>
+            </a:r>
+            <a:r>
+              <a:rPr lang="pt-BR" i="1" dirty="0" err="1" smtClean="0"/>
+              <a:t>Demultiplexador</a:t>
             </a:r>
             <a:endParaRPr lang="pt-BR" i="1" dirty="0"/>
           </a:p>
@@ -13396,7 +13893,7 @@
           <a:p>
             <a:fld id="{5B2C3F26-301F-434E-863D-B89F544B9CE4}" type="datetime1">
               <a:rPr lang="pt-BR" smtClean="0"/>
-              <a:t>03/06/2014</a:t>
+              <a:t>04/06/2014</a:t>
             </a:fld>
             <a:endParaRPr lang="pt-BR"/>
           </a:p>
@@ -13488,7 +13985,7 @@
         <p:spPr>
           <a:xfrm>
             <a:off x="628650" y="5668576"/>
-            <a:ext cx="7886700" cy="369332"/>
+            <a:ext cx="7886700" cy="646331"/>
           </a:xfrm>
           <a:prstGeom prst="rect">
             <a:avLst/>
@@ -13504,7 +14001,18 @@
             <a:pPr algn="ctr"/>
             <a:r>
               <a:rPr lang="pt-BR" i="1" dirty="0" smtClean="0"/>
-              <a:t>Figura X: Visão RTL do microprocessador desenvolvido</a:t>
+              <a:t>Figura X: Visão RTL do microprocessador </a:t>
+            </a:r>
+            <a:r>
+              <a:rPr lang="pt-BR" i="1" dirty="0" smtClean="0"/>
+              <a:t>desenvolvido</a:t>
+            </a:r>
+          </a:p>
+          <a:p>
+            <a:pPr algn="ctr"/>
+            <a:r>
+              <a:rPr lang="pt-BR" i="1" dirty="0" smtClean="0"/>
+              <a:t>Foco: Registro de Propósito Geral</a:t>
             </a:r>
             <a:endParaRPr lang="pt-BR" i="1" dirty="0"/>
           </a:p>
@@ -13663,20 +14171,6 @@
 <file path=ppt/slides/slide8.xml><?xml version="1.0" encoding="utf-8"?>
 <p:sld xmlns:a="http://schemas.openxmlformats.org/drawingml/2006/main" xmlns:r="http://schemas.openxmlformats.org/officeDocument/2006/relationships" xmlns:p="http://schemas.openxmlformats.org/presentationml/2006/main">
   <p:cSld>
-    <p:bg>
-      <p:bgPr>
-        <a:blipFill dpi="0" rotWithShape="1">
-          <a:blip r:embed="rId2">
-            <a:lum/>
-          </a:blip>
-          <a:srcRect/>
-          <a:stretch>
-            <a:fillRect/>
-          </a:stretch>
-        </a:blipFill>
-        <a:effectLst/>
-      </p:bgPr>
-    </p:bg>
     <p:spTree>
       <p:nvGrpSpPr>
         <p:cNvPr id="1" name=""/>
@@ -13691,78 +14185,9 @@
           <a:chExt cx="0" cy="0"/>
         </a:xfrm>
       </p:grpSpPr>
-      <p:sp>
-        <p:nvSpPr>
-          <p:cNvPr id="4" name="Espaço Reservado para Data 3"/>
-          <p:cNvSpPr>
-            <a:spLocks noGrp="1"/>
-          </p:cNvSpPr>
-          <p:nvPr>
-            <p:ph type="dt" sz="half" idx="10"/>
-          </p:nvPr>
-        </p:nvSpPr>
-        <p:spPr/>
-        <p:txBody>
-          <a:bodyPr/>
-          <a:lstStyle/>
-          <a:p>
-            <a:fld id="{AF7A6B12-C301-43C9-80E8-1904ED727E75}" type="datetime1">
-              <a:rPr lang="pt-BR" smtClean="0"/>
-              <a:t>03/06/2014</a:t>
-            </a:fld>
-            <a:endParaRPr lang="pt-BR"/>
-          </a:p>
-        </p:txBody>
-      </p:sp>
-      <p:sp>
-        <p:nvSpPr>
-          <p:cNvPr id="5" name="Espaço Reservado para Rodapé 4"/>
-          <p:cNvSpPr>
-            <a:spLocks noGrp="1"/>
-          </p:cNvSpPr>
-          <p:nvPr>
-            <p:ph type="ftr" sz="quarter" idx="11"/>
-          </p:nvPr>
-        </p:nvSpPr>
-        <p:spPr/>
-        <p:txBody>
-          <a:bodyPr/>
-          <a:lstStyle/>
-          <a:p>
-            <a:r>
-              <a:rPr lang="pt-BR" smtClean="0"/>
-              <a:t>Universidade Federal de Itajubá</a:t>
-            </a:r>
-            <a:endParaRPr lang="pt-BR"/>
-          </a:p>
-        </p:txBody>
-      </p:sp>
-      <p:sp>
-        <p:nvSpPr>
-          <p:cNvPr id="6" name="Espaço Reservado para Número de Slide 5"/>
-          <p:cNvSpPr>
-            <a:spLocks noGrp="1"/>
-          </p:cNvSpPr>
-          <p:nvPr>
-            <p:ph type="sldNum" sz="quarter" idx="12"/>
-          </p:nvPr>
-        </p:nvSpPr>
-        <p:spPr/>
-        <p:txBody>
-          <a:bodyPr/>
-          <a:lstStyle/>
-          <a:p>
-            <a:fld id="{31892884-0934-4F3F-B79B-36C387EDB149}" type="slidenum">
-              <a:rPr lang="pt-BR" smtClean="0"/>
-              <a:t>8</a:t>
-            </a:fld>
-            <a:endParaRPr lang="pt-BR"/>
-          </a:p>
-        </p:txBody>
-      </p:sp>
       <p:pic>
         <p:nvPicPr>
-          <p:cNvPr id="8" name="Imagem 7"/>
+          <p:cNvPr id="4" name="Imagem 3"/>
           <p:cNvPicPr>
             <a:picLocks noChangeAspect="1"/>
           </p:cNvPicPr>
@@ -13782,8 +14207,8 @@
         </p:blipFill>
         <p:spPr>
           <a:xfrm>
-            <a:off x="12879" y="1890720"/>
-            <a:ext cx="9144000" cy="3875049"/>
+            <a:off x="0" y="0"/>
+            <a:ext cx="9144000" cy="6858000"/>
           </a:xfrm>
           <a:prstGeom prst="rect">
             <a:avLst/>
@@ -13792,11 +14217,13 @@
       </p:pic>
       <p:pic>
         <p:nvPicPr>
-          <p:cNvPr id="9" name="Imagem 8"/>
+          <p:cNvPr id="17" name="Espaço Reservado para Conteúdo 14"/>
           <p:cNvPicPr>
-            <a:picLocks noChangeAspect="1"/>
+            <a:picLocks noGrp="1" noChangeAspect="1"/>
           </p:cNvPicPr>
-          <p:nvPr/>
+          <p:nvPr>
+            <p:ph idx="1"/>
+          </p:nvPr>
         </p:nvPicPr>
         <p:blipFill>
           <a:blip r:embed="rId4">
@@ -13812,24 +14239,164 @@
         </p:blipFill>
         <p:spPr>
           <a:xfrm>
-            <a:off x="5222567" y="525992"/>
-            <a:ext cx="2379836" cy="3302252"/>
+            <a:off x="183044" y="2148656"/>
+            <a:ext cx="8777911" cy="3363502"/>
           </a:xfrm>
           <a:prstGeom prst="rect">
             <a:avLst/>
           </a:prstGeom>
+          <a:ln>
+            <a:noFill/>
+          </a:ln>
+          <a:effectLst>
+            <a:outerShdw blurRad="292100" dist="139700" dir="2700000" algn="tl" rotWithShape="0">
+              <a:srgbClr val="333333">
+                <a:alpha val="65000"/>
+              </a:srgbClr>
+            </a:outerShdw>
+          </a:effectLst>
         </p:spPr>
       </p:pic>
       <p:sp>
         <p:nvSpPr>
-          <p:cNvPr id="10" name="CaixaDeTexto 9"/>
+          <p:cNvPr id="2" name="Título 1"/>
+          <p:cNvSpPr>
+            <a:spLocks noGrp="1"/>
+          </p:cNvSpPr>
+          <p:nvPr>
+            <p:ph type="title"/>
+          </p:nvPr>
+        </p:nvSpPr>
+        <p:spPr>
+          <a:xfrm>
+            <a:off x="628650" y="411913"/>
+            <a:ext cx="7886700" cy="339767"/>
+          </a:xfrm>
+        </p:spPr>
+        <p:txBody>
+          <a:bodyPr>
+            <a:normAutofit fontScale="90000"/>
+          </a:bodyPr>
+          <a:lstStyle/>
+          <a:p>
+            <a:r>
+              <a:rPr lang="pt-BR" dirty="0" smtClean="0"/>
+              <a:t>Resultados</a:t>
+            </a:r>
+            <a:endParaRPr lang="pt-BR" dirty="0"/>
+          </a:p>
+        </p:txBody>
+      </p:sp>
+      <p:sp>
+        <p:nvSpPr>
+          <p:cNvPr id="11" name="Espaço Reservado para Data 10"/>
+          <p:cNvSpPr>
+            <a:spLocks noGrp="1"/>
+          </p:cNvSpPr>
+          <p:nvPr>
+            <p:ph type="dt" sz="half" idx="10"/>
+          </p:nvPr>
+        </p:nvSpPr>
+        <p:spPr/>
+        <p:txBody>
+          <a:bodyPr/>
+          <a:lstStyle/>
+          <a:p>
+            <a:fld id="{5B2C3F26-301F-434E-863D-B89F544B9CE4}" type="datetime1">
+              <a:rPr lang="pt-BR" smtClean="0"/>
+              <a:t>04/06/2014</a:t>
+            </a:fld>
+            <a:endParaRPr lang="pt-BR"/>
+          </a:p>
+        </p:txBody>
+      </p:sp>
+      <p:sp>
+        <p:nvSpPr>
+          <p:cNvPr id="13" name="Espaço Reservado para Rodapé 12"/>
+          <p:cNvSpPr>
+            <a:spLocks noGrp="1"/>
+          </p:cNvSpPr>
+          <p:nvPr>
+            <p:ph type="ftr" sz="quarter" idx="11"/>
+          </p:nvPr>
+        </p:nvSpPr>
+        <p:spPr/>
+        <p:txBody>
+          <a:bodyPr/>
+          <a:lstStyle/>
+          <a:p>
+            <a:r>
+              <a:rPr lang="pt-BR" smtClean="0"/>
+              <a:t>Universidade Federal de Itajubá</a:t>
+            </a:r>
+            <a:endParaRPr lang="pt-BR"/>
+          </a:p>
+        </p:txBody>
+      </p:sp>
+      <p:sp>
+        <p:nvSpPr>
+          <p:cNvPr id="12" name="Espaço Reservado para Número de Slide 11"/>
+          <p:cNvSpPr>
+            <a:spLocks noGrp="1"/>
+          </p:cNvSpPr>
+          <p:nvPr>
+            <p:ph type="sldNum" sz="quarter" idx="12"/>
+          </p:nvPr>
+        </p:nvSpPr>
+        <p:spPr/>
+        <p:txBody>
+          <a:bodyPr/>
+          <a:lstStyle/>
+          <a:p>
+            <a:fld id="{31892884-0934-4F3F-B79B-36C387EDB149}" type="slidenum">
+              <a:rPr lang="pt-BR" smtClean="0"/>
+              <a:t>8</a:t>
+            </a:fld>
+            <a:endParaRPr lang="pt-BR"/>
+          </a:p>
+        </p:txBody>
+      </p:sp>
+      <p:cxnSp>
+        <p:nvCxnSpPr>
+          <p:cNvPr id="9" name="Conector reto 8"/>
+          <p:cNvCxnSpPr/>
+          <p:nvPr/>
+        </p:nvCxnSpPr>
+        <p:spPr>
+          <a:xfrm flipV="1">
+            <a:off x="426444" y="914402"/>
+            <a:ext cx="8241038" cy="1445"/>
+          </a:xfrm>
+          <a:prstGeom prst="line">
+            <a:avLst/>
+          </a:prstGeom>
+          <a:ln/>
+        </p:spPr>
+        <p:style>
+          <a:lnRef idx="3">
+            <a:schemeClr val="accent1"/>
+          </a:lnRef>
+          <a:fillRef idx="0">
+            <a:schemeClr val="accent1"/>
+          </a:fillRef>
+          <a:effectRef idx="2">
+            <a:schemeClr val="accent1"/>
+          </a:effectRef>
+          <a:fontRef idx="minor">
+            <a:schemeClr val="tx1"/>
+          </a:fontRef>
+        </p:style>
+      </p:cxnSp>
+      <p:sp>
+        <p:nvSpPr>
+          <p:cNvPr id="8" name="CaixaDeTexto 7"/>
           <p:cNvSpPr txBox="1"/>
           <p:nvPr/>
         </p:nvSpPr>
         <p:spPr>
           <a:xfrm>
             <a:off x="628650" y="5668576"/>
-            <a:ext cx="7886700" cy="369332"/>
+            <a:ext cx="7886700" cy="646331"/>
           </a:xfrm>
           <a:prstGeom prst="rect">
             <a:avLst/>
@@ -13845,42 +14412,144 @@
             <a:pPr algn="ctr"/>
             <a:r>
               <a:rPr lang="pt-BR" i="1" dirty="0" smtClean="0"/>
-              <a:t>Figura X: Visão RTL do microprocessador desenvolvido</a:t>
+              <a:t>Figura X: Visão RTL do microprocessador </a:t>
+            </a:r>
+            <a:r>
+              <a:rPr lang="pt-BR" i="1" dirty="0" smtClean="0"/>
+              <a:t>desenvolvido</a:t>
+            </a:r>
+          </a:p>
+          <a:p>
+            <a:pPr algn="ctr"/>
+            <a:r>
+              <a:rPr lang="pt-BR" i="1" dirty="0" smtClean="0"/>
+              <a:t>Foco: Registro de </a:t>
+            </a:r>
+            <a:r>
+              <a:rPr lang="pt-BR" i="1" dirty="0" err="1" smtClean="0"/>
+              <a:t>Flags</a:t>
             </a:r>
             <a:endParaRPr lang="pt-BR" i="1" dirty="0"/>
+          </a:p>
+        </p:txBody>
+      </p:sp>
+      <p:pic>
+        <p:nvPicPr>
+          <p:cNvPr id="16" name="Imagem 15"/>
+          <p:cNvPicPr>
+            <a:picLocks noChangeAspect="1"/>
+          </p:cNvPicPr>
+          <p:nvPr/>
+        </p:nvPicPr>
+        <p:blipFill>
+          <a:blip r:embed="rId5">
+            <a:extLst>
+              <a:ext uri="{28A0092B-C50C-407E-A947-70E740481C1C}">
+                <a14:useLocalDpi xmlns:a14="http://schemas.microsoft.com/office/drawing/2010/main" val="0"/>
+              </a:ext>
+            </a:extLst>
+          </a:blip>
+          <a:stretch>
+            <a:fillRect/>
+          </a:stretch>
+        </p:blipFill>
+        <p:spPr>
+          <a:xfrm>
+            <a:off x="5467209" y="1163593"/>
+            <a:ext cx="1981481" cy="2749496"/>
+          </a:xfrm>
+          <a:prstGeom prst="rect">
+            <a:avLst/>
+          </a:prstGeom>
+          <a:ln>
+            <a:noFill/>
+          </a:ln>
+          <a:effectLst>
+            <a:outerShdw blurRad="292100" dist="139700" dir="2700000" algn="tl" rotWithShape="0">
+              <a:srgbClr val="333333">
+                <a:alpha val="65000"/>
+              </a:srgbClr>
+            </a:outerShdw>
+          </a:effectLst>
+        </p:spPr>
+      </p:pic>
+      <p:sp>
+        <p:nvSpPr>
+          <p:cNvPr id="18" name="Elipse 17"/>
+          <p:cNvSpPr/>
+          <p:nvPr/>
+        </p:nvSpPr>
+        <p:spPr>
+          <a:xfrm>
+            <a:off x="1655788" y="2520053"/>
+            <a:ext cx="797847" cy="1374748"/>
+          </a:xfrm>
+          <a:prstGeom prst="ellipse">
+            <a:avLst/>
+          </a:prstGeom>
+          <a:noFill/>
+          <a:ln>
+            <a:solidFill>
+              <a:srgbClr val="FF0000"/>
+            </a:solidFill>
+          </a:ln>
+        </p:spPr>
+        <p:style>
+          <a:lnRef idx="2">
+            <a:schemeClr val="accent1">
+              <a:shade val="50000"/>
+            </a:schemeClr>
+          </a:lnRef>
+          <a:fillRef idx="1">
+            <a:schemeClr val="accent1"/>
+          </a:fillRef>
+          <a:effectRef idx="0">
+            <a:schemeClr val="accent1"/>
+          </a:effectRef>
+          <a:fontRef idx="minor">
+            <a:schemeClr val="lt1"/>
+          </a:fontRef>
+        </p:style>
+        <p:txBody>
+          <a:bodyPr rtlCol="0" anchor="ctr"/>
+          <a:lstStyle/>
+          <a:p>
+            <a:pPr algn="ctr"/>
+            <a:endParaRPr lang="pt-BR"/>
           </a:p>
         </p:txBody>
       </p:sp>
     </p:spTree>
     <p:extLst>
       <p:ext uri="{BB962C8B-B14F-4D97-AF65-F5344CB8AC3E}">
-        <p14:creationId xmlns:p14="http://schemas.microsoft.com/office/powerpoint/2010/main" val="2158974885"/>
+        <p14:creationId xmlns:p14="http://schemas.microsoft.com/office/powerpoint/2010/main" val="522083344"/>
       </p:ext>
     </p:extLst>
   </p:cSld>
   <p:clrMapOvr>
     <a:masterClrMapping/>
   </p:clrMapOvr>
+  <mc:AlternateContent xmlns:mc="http://schemas.openxmlformats.org/markup-compatibility/2006">
+    <mc:Choice xmlns:p14="http://schemas.microsoft.com/office/powerpoint/2010/main" Requires="p14">
+      <p:transition p14:dur="0"/>
+    </mc:Choice>
+    <mc:Fallback>
+      <p:transition/>
+    </mc:Fallback>
+  </mc:AlternateContent>
+  <p:timing>
+    <p:tnLst>
+      <p:par>
+        <p:cTn id="1" dur="indefinite" restart="never" nodeType="tmRoot"/>
+      </p:par>
+    </p:tnLst>
+  </p:timing>
 </p:sld>
 </file>
 
 <file path=ppt/slides/slide9.xml><?xml version="1.0" encoding="utf-8"?>
 <p:sld xmlns:a="http://schemas.openxmlformats.org/drawingml/2006/main" xmlns:r="http://schemas.openxmlformats.org/officeDocument/2006/relationships" xmlns:p="http://schemas.openxmlformats.org/presentationml/2006/main">
   <p:cSld>
-    <p:bg>
-      <p:bgPr>
-        <a:blipFill dpi="0" rotWithShape="1">
-          <a:blip r:embed="rId2">
-            <a:lum/>
-          </a:blip>
-          <a:srcRect/>
-          <a:stretch>
-            <a:fillRect/>
-          </a:stretch>
-        </a:blipFill>
-        <a:effectLst/>
-      </p:bgPr>
-    </p:bg>
     <p:spTree>
       <p:nvGrpSpPr>
         <p:cNvPr id="1" name=""/>
@@ -13895,78 +14564,9 @@
           <a:chExt cx="0" cy="0"/>
         </a:xfrm>
       </p:grpSpPr>
-      <p:sp>
-        <p:nvSpPr>
-          <p:cNvPr id="4" name="Espaço Reservado para Data 3"/>
-          <p:cNvSpPr>
-            <a:spLocks noGrp="1"/>
-          </p:cNvSpPr>
-          <p:nvPr>
-            <p:ph type="dt" sz="half" idx="10"/>
-          </p:nvPr>
-        </p:nvSpPr>
-        <p:spPr/>
-        <p:txBody>
-          <a:bodyPr/>
-          <a:lstStyle/>
-          <a:p>
-            <a:fld id="{AF7A6B12-C301-43C9-80E8-1904ED727E75}" type="datetime1">
-              <a:rPr lang="pt-BR" smtClean="0"/>
-              <a:t>03/06/2014</a:t>
-            </a:fld>
-            <a:endParaRPr lang="pt-BR"/>
-          </a:p>
-        </p:txBody>
-      </p:sp>
-      <p:sp>
-        <p:nvSpPr>
-          <p:cNvPr id="5" name="Espaço Reservado para Rodapé 4"/>
-          <p:cNvSpPr>
-            <a:spLocks noGrp="1"/>
-          </p:cNvSpPr>
-          <p:nvPr>
-            <p:ph type="ftr" sz="quarter" idx="11"/>
-          </p:nvPr>
-        </p:nvSpPr>
-        <p:spPr/>
-        <p:txBody>
-          <a:bodyPr/>
-          <a:lstStyle/>
-          <a:p>
-            <a:r>
-              <a:rPr lang="pt-BR" smtClean="0"/>
-              <a:t>Universidade Federal de Itajubá</a:t>
-            </a:r>
-            <a:endParaRPr lang="pt-BR"/>
-          </a:p>
-        </p:txBody>
-      </p:sp>
-      <p:sp>
-        <p:nvSpPr>
-          <p:cNvPr id="6" name="Espaço Reservado para Número de Slide 5"/>
-          <p:cNvSpPr>
-            <a:spLocks noGrp="1"/>
-          </p:cNvSpPr>
-          <p:nvPr>
-            <p:ph type="sldNum" sz="quarter" idx="12"/>
-          </p:nvPr>
-        </p:nvSpPr>
-        <p:spPr/>
-        <p:txBody>
-          <a:bodyPr/>
-          <a:lstStyle/>
-          <a:p>
-            <a:fld id="{31892884-0934-4F3F-B79B-36C387EDB149}" type="slidenum">
-              <a:rPr lang="pt-BR" smtClean="0"/>
-              <a:t>9</a:t>
-            </a:fld>
-            <a:endParaRPr lang="pt-BR"/>
-          </a:p>
-        </p:txBody>
-      </p:sp>
       <p:pic>
         <p:nvPicPr>
-          <p:cNvPr id="7" name="Imagem 6"/>
+          <p:cNvPr id="4" name="Imagem 3"/>
           <p:cNvPicPr>
             <a:picLocks noChangeAspect="1"/>
           </p:cNvPicPr>
@@ -13986,21 +14586,195 @@
         </p:blipFill>
         <p:spPr>
           <a:xfrm>
-            <a:off x="0" y="1987481"/>
-            <a:ext cx="9144000" cy="3861831"/>
+            <a:off x="0" y="0"/>
+            <a:ext cx="9144000" cy="6858000"/>
           </a:xfrm>
           <a:prstGeom prst="rect">
             <a:avLst/>
           </a:prstGeom>
         </p:spPr>
       </p:pic>
+      <p:sp>
+        <p:nvSpPr>
+          <p:cNvPr id="2" name="Título 1"/>
+          <p:cNvSpPr>
+            <a:spLocks noGrp="1"/>
+          </p:cNvSpPr>
+          <p:nvPr>
+            <p:ph type="title"/>
+          </p:nvPr>
+        </p:nvSpPr>
+        <p:spPr>
+          <a:xfrm>
+            <a:off x="628650" y="411913"/>
+            <a:ext cx="7886700" cy="339767"/>
+          </a:xfrm>
+        </p:spPr>
+        <p:txBody>
+          <a:bodyPr>
+            <a:normAutofit fontScale="90000"/>
+          </a:bodyPr>
+          <a:lstStyle/>
+          <a:p>
+            <a:r>
+              <a:rPr lang="pt-BR" dirty="0" smtClean="0"/>
+              <a:t>Resultados</a:t>
+            </a:r>
+            <a:endParaRPr lang="pt-BR" dirty="0"/>
+          </a:p>
+        </p:txBody>
+      </p:sp>
+      <p:sp>
+        <p:nvSpPr>
+          <p:cNvPr id="11" name="Espaço Reservado para Data 10"/>
+          <p:cNvSpPr>
+            <a:spLocks noGrp="1"/>
+          </p:cNvSpPr>
+          <p:nvPr>
+            <p:ph type="dt" sz="half" idx="10"/>
+          </p:nvPr>
+        </p:nvSpPr>
+        <p:spPr/>
+        <p:txBody>
+          <a:bodyPr/>
+          <a:lstStyle/>
+          <a:p>
+            <a:fld id="{5B2C3F26-301F-434E-863D-B89F544B9CE4}" type="datetime1">
+              <a:rPr lang="pt-BR" smtClean="0"/>
+              <a:t>04/06/2014</a:t>
+            </a:fld>
+            <a:endParaRPr lang="pt-BR"/>
+          </a:p>
+        </p:txBody>
+      </p:sp>
+      <p:sp>
+        <p:nvSpPr>
+          <p:cNvPr id="13" name="Espaço Reservado para Rodapé 12"/>
+          <p:cNvSpPr>
+            <a:spLocks noGrp="1"/>
+          </p:cNvSpPr>
+          <p:nvPr>
+            <p:ph type="ftr" sz="quarter" idx="11"/>
+          </p:nvPr>
+        </p:nvSpPr>
+        <p:spPr/>
+        <p:txBody>
+          <a:bodyPr/>
+          <a:lstStyle/>
+          <a:p>
+            <a:r>
+              <a:rPr lang="pt-BR" smtClean="0"/>
+              <a:t>Universidade Federal de Itajubá</a:t>
+            </a:r>
+            <a:endParaRPr lang="pt-BR"/>
+          </a:p>
+        </p:txBody>
+      </p:sp>
+      <p:sp>
+        <p:nvSpPr>
+          <p:cNvPr id="12" name="Espaço Reservado para Número de Slide 11"/>
+          <p:cNvSpPr>
+            <a:spLocks noGrp="1"/>
+          </p:cNvSpPr>
+          <p:nvPr>
+            <p:ph type="sldNum" sz="quarter" idx="12"/>
+          </p:nvPr>
+        </p:nvSpPr>
+        <p:spPr/>
+        <p:txBody>
+          <a:bodyPr/>
+          <a:lstStyle/>
+          <a:p>
+            <a:fld id="{31892884-0934-4F3F-B79B-36C387EDB149}" type="slidenum">
+              <a:rPr lang="pt-BR" smtClean="0"/>
+              <a:t>9</a:t>
+            </a:fld>
+            <a:endParaRPr lang="pt-BR"/>
+          </a:p>
+        </p:txBody>
+      </p:sp>
+      <p:cxnSp>
+        <p:nvCxnSpPr>
+          <p:cNvPr id="9" name="Conector reto 8"/>
+          <p:cNvCxnSpPr/>
+          <p:nvPr/>
+        </p:nvCxnSpPr>
+        <p:spPr>
+          <a:xfrm flipV="1">
+            <a:off x="426444" y="914402"/>
+            <a:ext cx="8241038" cy="1445"/>
+          </a:xfrm>
+          <a:prstGeom prst="line">
+            <a:avLst/>
+          </a:prstGeom>
+          <a:ln/>
+        </p:spPr>
+        <p:style>
+          <a:lnRef idx="3">
+            <a:schemeClr val="accent1"/>
+          </a:lnRef>
+          <a:fillRef idx="0">
+            <a:schemeClr val="accent1"/>
+          </a:fillRef>
+          <a:effectRef idx="2">
+            <a:schemeClr val="accent1"/>
+          </a:effectRef>
+          <a:fontRef idx="minor">
+            <a:schemeClr val="tx1"/>
+          </a:fontRef>
+        </p:style>
+      </p:cxnSp>
+      <p:sp>
+        <p:nvSpPr>
+          <p:cNvPr id="8" name="CaixaDeTexto 7"/>
+          <p:cNvSpPr txBox="1"/>
+          <p:nvPr/>
+        </p:nvSpPr>
+        <p:spPr>
+          <a:xfrm>
+            <a:off x="628650" y="5799658"/>
+            <a:ext cx="7886700" cy="646331"/>
+          </a:xfrm>
+          <a:prstGeom prst="rect">
+            <a:avLst/>
+          </a:prstGeom>
+          <a:noFill/>
+        </p:spPr>
+        <p:txBody>
+          <a:bodyPr wrap="square" rtlCol="0">
+            <a:spAutoFit/>
+          </a:bodyPr>
+          <a:lstStyle/>
+          <a:p>
+            <a:pPr algn="ctr"/>
+            <a:r>
+              <a:rPr lang="pt-BR" i="1" dirty="0" smtClean="0"/>
+              <a:t>Figura X: Visão RTL do microprocessador </a:t>
+            </a:r>
+            <a:r>
+              <a:rPr lang="pt-BR" i="1" dirty="0" smtClean="0"/>
+              <a:t>desenvolvido</a:t>
+            </a:r>
+          </a:p>
+          <a:p>
+            <a:pPr algn="ctr"/>
+            <a:r>
+              <a:rPr lang="pt-BR" i="1" dirty="0" smtClean="0"/>
+              <a:t>Foco: Unidade Lógica Aritmética</a:t>
+            </a:r>
+            <a:endParaRPr lang="pt-BR" i="1" dirty="0"/>
+          </a:p>
+        </p:txBody>
+      </p:sp>
       <p:pic>
         <p:nvPicPr>
-          <p:cNvPr id="8" name="Imagem 7"/>
+          <p:cNvPr id="18" name="Espaço Reservado para Conteúdo 14"/>
           <p:cNvPicPr>
-            <a:picLocks noChangeAspect="1"/>
+            <a:picLocks noGrp="1" noChangeAspect="1"/>
           </p:cNvPicPr>
-          <p:nvPr/>
+          <p:nvPr>
+            <p:ph idx="1"/>
+          </p:nvPr>
         </p:nvPicPr>
         <p:blipFill>
           <a:blip r:embed="rId4">
@@ -14016,55 +14790,135 @@
         </p:blipFill>
         <p:spPr>
           <a:xfrm>
-            <a:off x="4790940" y="610819"/>
-            <a:ext cx="3213011" cy="3127003"/>
+            <a:off x="183044" y="2148656"/>
+            <a:ext cx="8777911" cy="3363502"/>
           </a:xfrm>
           <a:prstGeom prst="rect">
             <a:avLst/>
           </a:prstGeom>
+          <a:ln>
+            <a:noFill/>
+          </a:ln>
+          <a:effectLst>
+            <a:outerShdw blurRad="292100" dist="139700" dir="2700000" algn="tl" rotWithShape="0">
+              <a:srgbClr val="333333">
+                <a:alpha val="65000"/>
+              </a:srgbClr>
+            </a:outerShdw>
+          </a:effectLst>
         </p:spPr>
       </p:pic>
-      <p:sp>
-        <p:nvSpPr>
-          <p:cNvPr id="9" name="CaixaDeTexto 8"/>
-          <p:cNvSpPr txBox="1"/>
+      <p:pic>
+        <p:nvPicPr>
+          <p:cNvPr id="17" name="Imagem 16"/>
+          <p:cNvPicPr>
+            <a:picLocks noChangeAspect="1"/>
+          </p:cNvPicPr>
           <p:nvPr/>
-        </p:nvSpPr>
-        <p:spPr>
-          <a:xfrm>
-            <a:off x="628650" y="5668576"/>
-            <a:ext cx="7886700" cy="369332"/>
+        </p:nvPicPr>
+        <p:blipFill>
+          <a:blip r:embed="rId5">
+            <a:extLst>
+              <a:ext uri="{28A0092B-C50C-407E-A947-70E740481C1C}">
+                <a14:useLocalDpi xmlns:a14="http://schemas.microsoft.com/office/drawing/2010/main" val="0"/>
+              </a:ext>
+            </a:extLst>
+          </a:blip>
+          <a:stretch>
+            <a:fillRect/>
+          </a:stretch>
+        </p:blipFill>
+        <p:spPr>
+          <a:xfrm>
+            <a:off x="5229853" y="1234290"/>
+            <a:ext cx="2597412" cy="2527883"/>
           </a:xfrm>
           <a:prstGeom prst="rect">
             <a:avLst/>
           </a:prstGeom>
+          <a:ln>
+            <a:noFill/>
+          </a:ln>
+          <a:effectLst>
+            <a:outerShdw blurRad="292100" dist="139700" dir="2700000" algn="tl" rotWithShape="0">
+              <a:srgbClr val="333333">
+                <a:alpha val="65000"/>
+              </a:srgbClr>
+            </a:outerShdw>
+          </a:effectLst>
+        </p:spPr>
+      </p:pic>
+      <p:sp>
+        <p:nvSpPr>
+          <p:cNvPr id="19" name="Elipse 18"/>
+          <p:cNvSpPr/>
+          <p:nvPr/>
+        </p:nvSpPr>
+        <p:spPr>
+          <a:xfrm>
+            <a:off x="2713482" y="2882048"/>
+            <a:ext cx="797847" cy="1152030"/>
+          </a:xfrm>
+          <a:prstGeom prst="ellipse">
+            <a:avLst/>
+          </a:prstGeom>
           <a:noFill/>
-        </p:spPr>
-        <p:txBody>
-          <a:bodyPr wrap="square" rtlCol="0">
-            <a:spAutoFit/>
-          </a:bodyPr>
+          <a:ln>
+            <a:solidFill>
+              <a:srgbClr val="FF0000"/>
+            </a:solidFill>
+          </a:ln>
+        </p:spPr>
+        <p:style>
+          <a:lnRef idx="2">
+            <a:schemeClr val="accent1">
+              <a:shade val="50000"/>
+            </a:schemeClr>
+          </a:lnRef>
+          <a:fillRef idx="1">
+            <a:schemeClr val="accent1"/>
+          </a:fillRef>
+          <a:effectRef idx="0">
+            <a:schemeClr val="accent1"/>
+          </a:effectRef>
+          <a:fontRef idx="minor">
+            <a:schemeClr val="lt1"/>
+          </a:fontRef>
+        </p:style>
+        <p:txBody>
+          <a:bodyPr rtlCol="0" anchor="ctr"/>
           <a:lstStyle/>
           <a:p>
             <a:pPr algn="ctr"/>
-            <a:r>
-              <a:rPr lang="pt-BR" i="1" dirty="0" smtClean="0"/>
-              <a:t>Figura X: Visão RTL do microprocessador desenvolvido</a:t>
-            </a:r>
-            <a:endParaRPr lang="pt-BR" i="1" dirty="0"/>
+            <a:endParaRPr lang="pt-BR"/>
           </a:p>
         </p:txBody>
       </p:sp>
     </p:spTree>
     <p:extLst>
       <p:ext uri="{BB962C8B-B14F-4D97-AF65-F5344CB8AC3E}">
-        <p14:creationId xmlns:p14="http://schemas.microsoft.com/office/powerpoint/2010/main" val="1395205226"/>
+        <p14:creationId xmlns:p14="http://schemas.microsoft.com/office/powerpoint/2010/main" val="2969010179"/>
       </p:ext>
     </p:extLst>
   </p:cSld>
   <p:clrMapOvr>
     <a:masterClrMapping/>
   </p:clrMapOvr>
+  <mc:AlternateContent xmlns:mc="http://schemas.openxmlformats.org/markup-compatibility/2006">
+    <mc:Choice xmlns:p14="http://schemas.microsoft.com/office/powerpoint/2010/main" Requires="p14">
+      <p:transition p14:dur="0"/>
+    </mc:Choice>
+    <mc:Fallback>
+      <p:transition/>
+    </mc:Fallback>
+  </mc:AlternateContent>
+  <p:timing>
+    <p:tnLst>
+      <p:par>
+        <p:cTn id="1" dur="indefinite" restart="never" nodeType="tmRoot"/>
+      </p:par>
+    </p:tnLst>
+  </p:timing>
 </p:sld>
 </file>
 
@@ -14323,7 +15177,7 @@
   <a:extraClrSchemeLst/>
   <a:extLst>
     <a:ext uri="{05A4C25C-085E-4340-85A3-A5531E510DB2}">
-      <thm15:themeFamily xmlns:thm15="http://schemas.microsoft.com/office/thememl/2012/main" xmlns="" name="Office Theme" id="{62F939B6-93AF-4DB8-9C6B-D6C7DFDC589F}" vid="{4A3C46E8-61CC-4603-A589-7422A47A8E4A}"/>
+      <thm15:themeFamily xmlns:thm15="http://schemas.microsoft.com/office/thememl/2012/main" name="Office Theme" id="{62F939B6-93AF-4DB8-9C6B-D6C7DFDC589F}" vid="{4A3C46E8-61CC-4603-A589-7422A47A8E4A}"/>
     </a:ext>
   </a:extLst>
 </a:theme>
@@ -14584,7 +15438,7 @@
   <a:extraClrSchemeLst/>
   <a:extLst>
     <a:ext uri="{05A4C25C-085E-4340-85A3-A5531E510DB2}">
-      <thm15:themeFamily xmlns:thm15="http://schemas.microsoft.com/office/thememl/2012/main" xmlns="" name="Office Theme" id="{62F939B6-93AF-4DB8-9C6B-D6C7DFDC589F}" vid="{4A3C46E8-61CC-4603-A589-7422A47A8E4A}"/>
+      <thm15:themeFamily xmlns:thm15="http://schemas.microsoft.com/office/thememl/2012/main" name="Office Theme" id="{62F939B6-93AF-4DB8-9C6B-D6C7DFDC589F}" vid="{4A3C46E8-61CC-4603-A589-7422A47A8E4A}"/>
     </a:ext>
   </a:extLst>
 </a:theme>
